--- a/中間報告.pptx
+++ b/中間報告.pptx
@@ -13,6 +13,11 @@
     <p:sldId id="260" r:id="rId7"/>
     <p:sldId id="262" r:id="rId8"/>
     <p:sldId id="263" r:id="rId9"/>
+    <p:sldId id="264" r:id="rId10"/>
+    <p:sldId id="265" r:id="rId11"/>
+    <p:sldId id="266" r:id="rId12"/>
+    <p:sldId id="268" r:id="rId13"/>
+    <p:sldId id="267" r:id="rId14"/>
   </p:sldIdLst>
   <p:sldSz cx="12192000" cy="6858000"/>
   <p:notesSz cx="6858000" cy="9144000"/>
@@ -8336,6 +8341,405 @@
 </p:sld>
 </file>
 
+<file path=ppt/slides/slide10.xml><?xml version="1.0" encoding="utf-8"?>
+<p:sld xmlns:a="http://schemas.openxmlformats.org/drawingml/2006/main" xmlns:r="http://schemas.openxmlformats.org/officeDocument/2006/relationships" xmlns:p="http://schemas.openxmlformats.org/presentationml/2006/main">
+  <p:cSld>
+    <p:spTree>
+      <p:nvGrpSpPr>
+        <p:cNvPr id="1" name=""/>
+        <p:cNvGrpSpPr/>
+        <p:nvPr/>
+      </p:nvGrpSpPr>
+      <p:grpSpPr>
+        <a:xfrm>
+          <a:off x="0" y="0"/>
+          <a:ext cx="0" cy="0"/>
+          <a:chOff x="0" y="0"/>
+          <a:chExt cx="0" cy="0"/>
+        </a:xfrm>
+      </p:grpSpPr>
+      <p:sp>
+        <p:nvSpPr>
+          <p:cNvPr id="2" name="タイトル 1">
+            <a:extLst>
+              <a:ext uri="{FF2B5EF4-FFF2-40B4-BE49-F238E27FC236}">
+                <a16:creationId xmlns:a16="http://schemas.microsoft.com/office/drawing/2014/main" id="{C31306A2-0982-6849-939B-C8AF835661CA}"/>
+              </a:ext>
+            </a:extLst>
+          </p:cNvPr>
+          <p:cNvSpPr>
+            <a:spLocks noGrp="1"/>
+          </p:cNvSpPr>
+          <p:nvPr>
+            <p:ph type="title"/>
+          </p:nvPr>
+        </p:nvSpPr>
+        <p:spPr/>
+        <p:txBody>
+          <a:bodyPr/>
+          <a:lstStyle/>
+          <a:p>
+            <a:r>
+              <a:rPr kumimoji="1" lang="en-US" altLang="ja-JP" dirty="0"/>
+              <a:t>Travel paths in the ship</a:t>
+            </a:r>
+            <a:endParaRPr kumimoji="1" lang="ja-JP" altLang="en-US"/>
+          </a:p>
+        </p:txBody>
+      </p:sp>
+      <p:sp>
+        <p:nvSpPr>
+          <p:cNvPr id="3" name="コンテンツ プレースホルダー 2">
+            <a:extLst>
+              <a:ext uri="{FF2B5EF4-FFF2-40B4-BE49-F238E27FC236}">
+                <a16:creationId xmlns:a16="http://schemas.microsoft.com/office/drawing/2014/main" id="{B168A923-369D-B948-B317-BB629C56578E}"/>
+              </a:ext>
+            </a:extLst>
+          </p:cNvPr>
+          <p:cNvSpPr>
+            <a:spLocks noGrp="1"/>
+          </p:cNvSpPr>
+          <p:nvPr>
+            <p:ph idx="1"/>
+          </p:nvPr>
+        </p:nvSpPr>
+        <p:spPr/>
+        <p:txBody>
+          <a:bodyPr>
+            <a:normAutofit/>
+          </a:bodyPr>
+          <a:lstStyle/>
+          <a:p>
+            <a:r>
+              <a:rPr lang="en" altLang="ja-JP" sz="2400" dirty="0"/>
+              <a:t>There must be a certain amount of space in the path of the car.</a:t>
+            </a:r>
+            <a:endParaRPr kumimoji="1" lang="ja-JP" altLang="en-US" sz="2400"/>
+          </a:p>
+        </p:txBody>
+      </p:sp>
+    </p:spTree>
+    <p:extLst>
+      <p:ext uri="{BB962C8B-B14F-4D97-AF65-F5344CB8AC3E}">
+        <p14:creationId xmlns:p14="http://schemas.microsoft.com/office/powerpoint/2010/main" val="739955743"/>
+      </p:ext>
+    </p:extLst>
+  </p:cSld>
+  <p:clrMapOvr>
+    <a:masterClrMapping/>
+  </p:clrMapOvr>
+</p:sld>
+</file>
+
+<file path=ppt/slides/slide11.xml><?xml version="1.0" encoding="utf-8"?>
+<p:sld xmlns:a="http://schemas.openxmlformats.org/drawingml/2006/main" xmlns:r="http://schemas.openxmlformats.org/officeDocument/2006/relationships" xmlns:p="http://schemas.openxmlformats.org/presentationml/2006/main">
+  <p:cSld>
+    <p:spTree>
+      <p:nvGrpSpPr>
+        <p:cNvPr id="1" name=""/>
+        <p:cNvGrpSpPr/>
+        <p:nvPr/>
+      </p:nvGrpSpPr>
+      <p:grpSpPr>
+        <a:xfrm>
+          <a:off x="0" y="0"/>
+          <a:ext cx="0" cy="0"/>
+          <a:chOff x="0" y="0"/>
+          <a:chExt cx="0" cy="0"/>
+        </a:xfrm>
+      </p:grpSpPr>
+      <p:sp>
+        <p:nvSpPr>
+          <p:cNvPr id="2" name="タイトル 1">
+            <a:extLst>
+              <a:ext uri="{FF2B5EF4-FFF2-40B4-BE49-F238E27FC236}">
+                <a16:creationId xmlns:a16="http://schemas.microsoft.com/office/drawing/2014/main" id="{2C9AF7B9-F858-7546-9DA7-F0B972955209}"/>
+              </a:ext>
+            </a:extLst>
+          </p:cNvPr>
+          <p:cNvSpPr>
+            <a:spLocks noGrp="1"/>
+          </p:cNvSpPr>
+          <p:nvPr>
+            <p:ph type="title"/>
+          </p:nvPr>
+        </p:nvSpPr>
+        <p:spPr/>
+        <p:txBody>
+          <a:bodyPr>
+            <a:normAutofit fontScale="90000"/>
+          </a:bodyPr>
+          <a:lstStyle/>
+          <a:p>
+            <a:r>
+              <a:rPr lang="en" altLang="ja-JP" dirty="0"/>
+              <a:t>Weight balance of cargo(Forward and backward direction)</a:t>
+            </a:r>
+            <a:br>
+              <a:rPr lang="en" altLang="ja-JP" dirty="0"/>
+            </a:br>
+            <a:br>
+              <a:rPr lang="en" altLang="ja-JP" dirty="0"/>
+            </a:br>
+            <a:endParaRPr kumimoji="1" lang="ja-JP" altLang="en-US"/>
+          </a:p>
+        </p:txBody>
+      </p:sp>
+      <p:sp>
+        <p:nvSpPr>
+          <p:cNvPr id="3" name="コンテンツ プレースホルダー 2">
+            <a:extLst>
+              <a:ext uri="{FF2B5EF4-FFF2-40B4-BE49-F238E27FC236}">
+                <a16:creationId xmlns:a16="http://schemas.microsoft.com/office/drawing/2014/main" id="{DFE79931-7D32-4849-B512-925A9BAF8802}"/>
+              </a:ext>
+            </a:extLst>
+          </p:cNvPr>
+          <p:cNvSpPr>
+            <a:spLocks noGrp="1"/>
+          </p:cNvSpPr>
+          <p:nvPr>
+            <p:ph idx="1"/>
+          </p:nvPr>
+        </p:nvSpPr>
+        <p:spPr/>
+        <p:txBody>
+          <a:bodyPr/>
+          <a:lstStyle/>
+          <a:p>
+            <a:endParaRPr kumimoji="1" lang="ja-JP" altLang="en-US"/>
+          </a:p>
+        </p:txBody>
+      </p:sp>
+    </p:spTree>
+    <p:extLst>
+      <p:ext uri="{BB962C8B-B14F-4D97-AF65-F5344CB8AC3E}">
+        <p14:creationId xmlns:p14="http://schemas.microsoft.com/office/powerpoint/2010/main" val="855990403"/>
+      </p:ext>
+    </p:extLst>
+  </p:cSld>
+  <p:clrMapOvr>
+    <a:masterClrMapping/>
+  </p:clrMapOvr>
+</p:sld>
+</file>
+
+<file path=ppt/slides/slide12.xml><?xml version="1.0" encoding="utf-8"?>
+<p:sld xmlns:a="http://schemas.openxmlformats.org/drawingml/2006/main" xmlns:r="http://schemas.openxmlformats.org/officeDocument/2006/relationships" xmlns:p="http://schemas.openxmlformats.org/presentationml/2006/main">
+  <p:cSld>
+    <p:spTree>
+      <p:nvGrpSpPr>
+        <p:cNvPr id="1" name=""/>
+        <p:cNvGrpSpPr/>
+        <p:nvPr/>
+      </p:nvGrpSpPr>
+      <p:grpSpPr>
+        <a:xfrm>
+          <a:off x="0" y="0"/>
+          <a:ext cx="0" cy="0"/>
+          <a:chOff x="0" y="0"/>
+          <a:chExt cx="0" cy="0"/>
+        </a:xfrm>
+      </p:grpSpPr>
+      <p:sp>
+        <p:nvSpPr>
+          <p:cNvPr id="2" name="タイトル 1">
+            <a:extLst>
+              <a:ext uri="{FF2B5EF4-FFF2-40B4-BE49-F238E27FC236}">
+                <a16:creationId xmlns:a16="http://schemas.microsoft.com/office/drawing/2014/main" id="{162DF533-5C3A-524C-A590-33B01C9CAA1F}"/>
+              </a:ext>
+            </a:extLst>
+          </p:cNvPr>
+          <p:cNvSpPr>
+            <a:spLocks noGrp="1"/>
+          </p:cNvSpPr>
+          <p:nvPr>
+            <p:ph type="title"/>
+          </p:nvPr>
+        </p:nvSpPr>
+        <p:spPr/>
+        <p:txBody>
+          <a:bodyPr>
+            <a:normAutofit fontScale="90000"/>
+          </a:bodyPr>
+          <a:lstStyle/>
+          <a:p>
+            <a:r>
+              <a:rPr lang="en" altLang="ja-JP" dirty="0"/>
+              <a:t>Weight balance of cargo(Left-right direction)</a:t>
+            </a:r>
+            <a:br>
+              <a:rPr lang="en" altLang="ja-JP" dirty="0"/>
+            </a:br>
+            <a:endParaRPr kumimoji="1" lang="ja-JP" altLang="en-US"/>
+          </a:p>
+        </p:txBody>
+      </p:sp>
+      <p:sp>
+        <p:nvSpPr>
+          <p:cNvPr id="3" name="コンテンツ プレースホルダー 2">
+            <a:extLst>
+              <a:ext uri="{FF2B5EF4-FFF2-40B4-BE49-F238E27FC236}">
+                <a16:creationId xmlns:a16="http://schemas.microsoft.com/office/drawing/2014/main" id="{339207CA-A8A2-8542-8B90-FDAD796D577F}"/>
+              </a:ext>
+            </a:extLst>
+          </p:cNvPr>
+          <p:cNvSpPr>
+            <a:spLocks noGrp="1"/>
+          </p:cNvSpPr>
+          <p:nvPr>
+            <p:ph idx="1"/>
+          </p:nvPr>
+        </p:nvSpPr>
+        <p:spPr/>
+        <p:txBody>
+          <a:bodyPr/>
+          <a:lstStyle/>
+          <a:p>
+            <a:endParaRPr kumimoji="1" lang="ja-JP" altLang="en-US"/>
+          </a:p>
+        </p:txBody>
+      </p:sp>
+    </p:spTree>
+    <p:extLst>
+      <p:ext uri="{BB962C8B-B14F-4D97-AF65-F5344CB8AC3E}">
+        <p14:creationId xmlns:p14="http://schemas.microsoft.com/office/powerpoint/2010/main" val="1180585959"/>
+      </p:ext>
+    </p:extLst>
+  </p:cSld>
+  <p:clrMapOvr>
+    <a:masterClrMapping/>
+  </p:clrMapOvr>
+</p:sld>
+</file>
+
+<file path=ppt/slides/slide13.xml><?xml version="1.0" encoding="utf-8"?>
+<p:sld xmlns:a="http://schemas.openxmlformats.org/drawingml/2006/main" xmlns:r="http://schemas.openxmlformats.org/officeDocument/2006/relationships" xmlns:p="http://schemas.openxmlformats.org/presentationml/2006/main">
+  <p:cSld>
+    <p:spTree>
+      <p:nvGrpSpPr>
+        <p:cNvPr id="1" name=""/>
+        <p:cNvGrpSpPr/>
+        <p:nvPr/>
+      </p:nvGrpSpPr>
+      <p:grpSpPr>
+        <a:xfrm>
+          <a:off x="0" y="0"/>
+          <a:ext cx="0" cy="0"/>
+          <a:chOff x="0" y="0"/>
+          <a:chExt cx="0" cy="0"/>
+        </a:xfrm>
+      </p:grpSpPr>
+      <p:sp>
+        <p:nvSpPr>
+          <p:cNvPr id="2" name="タイトル 1">
+            <a:extLst>
+              <a:ext uri="{FF2B5EF4-FFF2-40B4-BE49-F238E27FC236}">
+                <a16:creationId xmlns:a16="http://schemas.microsoft.com/office/drawing/2014/main" id="{FA54F382-2600-5B4C-9F1F-495485F1FD09}"/>
+              </a:ext>
+            </a:extLst>
+          </p:cNvPr>
+          <p:cNvSpPr>
+            <a:spLocks noGrp="1"/>
+          </p:cNvSpPr>
+          <p:nvPr>
+            <p:ph type="title"/>
+          </p:nvPr>
+        </p:nvSpPr>
+        <p:spPr/>
+        <p:txBody>
+          <a:bodyPr/>
+          <a:lstStyle/>
+          <a:p>
+            <a:r>
+              <a:rPr lang="en" altLang="ja-JP" dirty="0"/>
+              <a:t>Rules for splitting orders</a:t>
+            </a:r>
+            <a:br>
+              <a:rPr lang="ja-JP" altLang="en-US"/>
+            </a:br>
+            <a:endParaRPr kumimoji="1" lang="ja-JP" altLang="en-US"/>
+          </a:p>
+        </p:txBody>
+      </p:sp>
+      <p:sp>
+        <p:nvSpPr>
+          <p:cNvPr id="8" name="コンテンツ プレースホルダー 7">
+            <a:extLst>
+              <a:ext uri="{FF2B5EF4-FFF2-40B4-BE49-F238E27FC236}">
+                <a16:creationId xmlns:a16="http://schemas.microsoft.com/office/drawing/2014/main" id="{662709D6-0267-E446-B06A-7879774DA0E5}"/>
+              </a:ext>
+            </a:extLst>
+          </p:cNvPr>
+          <p:cNvSpPr>
+            <a:spLocks noGrp="1"/>
+          </p:cNvSpPr>
+          <p:nvPr>
+            <p:ph idx="1"/>
+          </p:nvPr>
+        </p:nvSpPr>
+        <p:spPr>
+          <a:xfrm>
+            <a:off x="2589212" y="1690254"/>
+            <a:ext cx="8915400" cy="3777622"/>
+          </a:xfrm>
+        </p:spPr>
+        <p:txBody>
+          <a:bodyPr/>
+          <a:lstStyle/>
+          <a:p>
+            <a:r>
+              <a:rPr lang="en-US" altLang="ja-JP" dirty="0"/>
+              <a:t>For large orders, we have to split them up.</a:t>
+            </a:r>
+          </a:p>
+          <a:p>
+            <a:endParaRPr lang="en-US" altLang="ja-JP" dirty="0"/>
+          </a:p>
+        </p:txBody>
+      </p:sp>
+      <p:pic>
+        <p:nvPicPr>
+          <p:cNvPr id="10" name="図 9">
+            <a:extLst>
+              <a:ext uri="{FF2B5EF4-FFF2-40B4-BE49-F238E27FC236}">
+                <a16:creationId xmlns:a16="http://schemas.microsoft.com/office/drawing/2014/main" id="{AFCEAFCF-B9A2-724C-87EF-A222B482FA5A}"/>
+              </a:ext>
+            </a:extLst>
+          </p:cNvPr>
+          <p:cNvPicPr>
+            <a:picLocks noChangeAspect="1"/>
+          </p:cNvPicPr>
+          <p:nvPr/>
+        </p:nvPicPr>
+        <p:blipFill>
+          <a:blip r:embed="rId2"/>
+          <a:stretch>
+            <a:fillRect/>
+          </a:stretch>
+        </p:blipFill>
+        <p:spPr>
+          <a:xfrm>
+            <a:off x="2935576" y="2249946"/>
+            <a:ext cx="7011988" cy="4284074"/>
+          </a:xfrm>
+          <a:prstGeom prst="rect">
+            <a:avLst/>
+          </a:prstGeom>
+        </p:spPr>
+      </p:pic>
+    </p:spTree>
+    <p:extLst>
+      <p:ext uri="{BB962C8B-B14F-4D97-AF65-F5344CB8AC3E}">
+        <p14:creationId xmlns:p14="http://schemas.microsoft.com/office/powerpoint/2010/main" val="1264003736"/>
+      </p:ext>
+    </p:extLst>
+  </p:cSld>
+  <p:clrMapOvr>
+    <a:masterClrMapping/>
+  </p:clrMapOvr>
+</p:sld>
+</file>
+
 <file path=ppt/slides/slide2.xml><?xml version="1.0" encoding="utf-8"?>
 <p:sld xmlns:a="http://schemas.openxmlformats.org/drawingml/2006/main" xmlns:r="http://schemas.openxmlformats.org/officeDocument/2006/relationships" xmlns:p="http://schemas.openxmlformats.org/presentationml/2006/main">
   <p:cSld>
@@ -9074,6 +9478,120 @@
     <p:extLst>
       <p:ext uri="{BB962C8B-B14F-4D97-AF65-F5344CB8AC3E}">
         <p14:creationId xmlns:p14="http://schemas.microsoft.com/office/powerpoint/2010/main" val="1750544108"/>
+      </p:ext>
+    </p:extLst>
+  </p:cSld>
+  <p:clrMapOvr>
+    <a:masterClrMapping/>
+  </p:clrMapOvr>
+</p:sld>
+</file>
+
+<file path=ppt/slides/slide9.xml><?xml version="1.0" encoding="utf-8"?>
+<p:sld xmlns:a="http://schemas.openxmlformats.org/drawingml/2006/main" xmlns:r="http://schemas.openxmlformats.org/officeDocument/2006/relationships" xmlns:p="http://schemas.openxmlformats.org/presentationml/2006/main">
+  <p:cSld>
+    <p:spTree>
+      <p:nvGrpSpPr>
+        <p:cNvPr id="1" name=""/>
+        <p:cNvGrpSpPr/>
+        <p:nvPr/>
+      </p:nvGrpSpPr>
+      <p:grpSpPr>
+        <a:xfrm>
+          <a:off x="0" y="0"/>
+          <a:ext cx="0" cy="0"/>
+          <a:chOff x="0" y="0"/>
+          <a:chExt cx="0" cy="0"/>
+        </a:xfrm>
+      </p:grpSpPr>
+      <p:sp>
+        <p:nvSpPr>
+          <p:cNvPr id="2" name="タイトル 1">
+            <a:extLst>
+              <a:ext uri="{FF2B5EF4-FFF2-40B4-BE49-F238E27FC236}">
+                <a16:creationId xmlns:a16="http://schemas.microsoft.com/office/drawing/2014/main" id="{D6E9A7F1-EC3C-894A-8E9E-0981C4CA834A}"/>
+              </a:ext>
+            </a:extLst>
+          </p:cNvPr>
+          <p:cNvSpPr>
+            <a:spLocks noGrp="1"/>
+          </p:cNvSpPr>
+          <p:nvPr>
+            <p:ph type="title"/>
+          </p:nvPr>
+        </p:nvSpPr>
+        <p:spPr/>
+        <p:txBody>
+          <a:bodyPr/>
+          <a:lstStyle/>
+          <a:p>
+            <a:r>
+              <a:rPr lang="en-US" altLang="ja-JP" dirty="0"/>
+              <a:t>Constraints</a:t>
+            </a:r>
+            <a:endParaRPr kumimoji="1" lang="ja-JP" altLang="en-US"/>
+          </a:p>
+        </p:txBody>
+      </p:sp>
+      <p:sp>
+        <p:nvSpPr>
+          <p:cNvPr id="3" name="コンテンツ プレースホルダー 2">
+            <a:extLst>
+              <a:ext uri="{FF2B5EF4-FFF2-40B4-BE49-F238E27FC236}">
+                <a16:creationId xmlns:a16="http://schemas.microsoft.com/office/drawing/2014/main" id="{9D01FC0B-1A3C-FE4D-82C1-224B072D7881}"/>
+              </a:ext>
+            </a:extLst>
+          </p:cNvPr>
+          <p:cNvSpPr>
+            <a:spLocks noGrp="1"/>
+          </p:cNvSpPr>
+          <p:nvPr>
+            <p:ph idx="1"/>
+          </p:nvPr>
+        </p:nvSpPr>
+        <p:spPr/>
+        <p:txBody>
+          <a:bodyPr>
+            <a:normAutofit/>
+          </a:bodyPr>
+          <a:lstStyle/>
+          <a:p>
+            <a:pPr>
+              <a:buFont typeface="+mj-lt"/>
+              <a:buAutoNum type="arabicPeriod"/>
+            </a:pPr>
+            <a:r>
+              <a:rPr kumimoji="1" lang="en-US" altLang="ja-JP" sz="2400" dirty="0"/>
+              <a:t>Travel routes in the ship</a:t>
+            </a:r>
+          </a:p>
+          <a:p>
+            <a:pPr>
+              <a:buFont typeface="+mj-lt"/>
+              <a:buAutoNum type="arabicPeriod"/>
+            </a:pPr>
+            <a:r>
+              <a:rPr lang="en" altLang="ja-JP" sz="2400" dirty="0"/>
+              <a:t>Weight balance of cargo</a:t>
+            </a:r>
+          </a:p>
+          <a:p>
+            <a:pPr>
+              <a:buFont typeface="+mj-lt"/>
+              <a:buAutoNum type="arabicPeriod"/>
+            </a:pPr>
+            <a:r>
+              <a:rPr lang="en" altLang="ja-JP" sz="2400" dirty="0"/>
+              <a:t>Rules for splitting orders</a:t>
+            </a:r>
+            <a:endParaRPr kumimoji="1" lang="ja-JP" altLang="en-US" sz="2400"/>
+          </a:p>
+        </p:txBody>
+      </p:sp>
+    </p:spTree>
+    <p:extLst>
+      <p:ext uri="{BB962C8B-B14F-4D97-AF65-F5344CB8AC3E}">
+        <p14:creationId xmlns:p14="http://schemas.microsoft.com/office/powerpoint/2010/main" val="3557686308"/>
       </p:ext>
     </p:extLst>
   </p:cSld>

--- a/中間報告.pptx
+++ b/中間報告.pptx
@@ -13,11 +13,24 @@
     <p:sldId id="260" r:id="rId7"/>
     <p:sldId id="262" r:id="rId8"/>
     <p:sldId id="263" r:id="rId9"/>
-    <p:sldId id="264" r:id="rId10"/>
-    <p:sldId id="265" r:id="rId11"/>
-    <p:sldId id="266" r:id="rId12"/>
-    <p:sldId id="268" r:id="rId13"/>
-    <p:sldId id="267" r:id="rId14"/>
+    <p:sldId id="269" r:id="rId10"/>
+    <p:sldId id="270" r:id="rId11"/>
+    <p:sldId id="271" r:id="rId12"/>
+    <p:sldId id="272" r:id="rId13"/>
+    <p:sldId id="273" r:id="rId14"/>
+    <p:sldId id="274" r:id="rId15"/>
+    <p:sldId id="264" r:id="rId16"/>
+    <p:sldId id="265" r:id="rId17"/>
+    <p:sldId id="266" r:id="rId18"/>
+    <p:sldId id="268" r:id="rId19"/>
+    <p:sldId id="267" r:id="rId20"/>
+    <p:sldId id="276" r:id="rId21"/>
+    <p:sldId id="559" r:id="rId22"/>
+    <p:sldId id="275" r:id="rId23"/>
+    <p:sldId id="557" r:id="rId24"/>
+    <p:sldId id="558" r:id="rId25"/>
+    <p:sldId id="560" r:id="rId26"/>
+    <p:sldId id="561" r:id="rId27"/>
   </p:sldIdLst>
   <p:sldSz cx="12192000" cy="6858000"/>
   <p:notesSz cx="6858000" cy="9144000"/>
@@ -312,7 +325,7 @@
           <a:p>
             <a:fld id="{C8659C27-364E-C74E-8EB0-0FFA61AB3438}" type="datetimeFigureOut">
               <a:rPr kumimoji="1" lang="ja-JP" altLang="en-US" smtClean="0"/>
-              <a:t>2021/4/1</a:t>
+              <a:t>2021/4/2</a:t>
             </a:fld>
             <a:endParaRPr kumimoji="1" lang="ja-JP" altLang="en-US"/>
           </a:p>
@@ -687,7 +700,7 @@
           <a:p>
             <a:fld id="{C8659C27-364E-C74E-8EB0-0FFA61AB3438}" type="datetimeFigureOut">
               <a:rPr kumimoji="1" lang="ja-JP" altLang="en-US" smtClean="0"/>
-              <a:t>2021/4/1</a:t>
+              <a:t>2021/4/2</a:t>
             </a:fld>
             <a:endParaRPr kumimoji="1" lang="ja-JP" altLang="en-US"/>
           </a:p>
@@ -1162,7 +1175,7 @@
           <a:p>
             <a:fld id="{C8659C27-364E-C74E-8EB0-0FFA61AB3438}" type="datetimeFigureOut">
               <a:rPr kumimoji="1" lang="ja-JP" altLang="en-US" smtClean="0"/>
-              <a:t>2021/4/1</a:t>
+              <a:t>2021/4/2</a:t>
             </a:fld>
             <a:endParaRPr kumimoji="1" lang="ja-JP" altLang="en-US"/>
           </a:p>
@@ -1535,7 +1548,7 @@
           <a:p>
             <a:fld id="{C8659C27-364E-C74E-8EB0-0FFA61AB3438}" type="datetimeFigureOut">
               <a:rPr kumimoji="1" lang="ja-JP" altLang="en-US" smtClean="0"/>
-              <a:t>2021/4/1</a:t>
+              <a:t>2021/4/2</a:t>
             </a:fld>
             <a:endParaRPr kumimoji="1" lang="ja-JP" altLang="en-US"/>
           </a:p>
@@ -1929,7 +1942,7 @@
           <a:p>
             <a:fld id="{C8659C27-364E-C74E-8EB0-0FFA61AB3438}" type="datetimeFigureOut">
               <a:rPr kumimoji="1" lang="ja-JP" altLang="en-US" smtClean="0"/>
-              <a:t>2021/4/1</a:t>
+              <a:t>2021/4/2</a:t>
             </a:fld>
             <a:endParaRPr kumimoji="1" lang="ja-JP" altLang="en-US"/>
           </a:p>
@@ -2399,7 +2412,7 @@
           <a:p>
             <a:fld id="{C8659C27-364E-C74E-8EB0-0FFA61AB3438}" type="datetimeFigureOut">
               <a:rPr kumimoji="1" lang="ja-JP" altLang="en-US" smtClean="0"/>
-              <a:t>2021/4/1</a:t>
+              <a:t>2021/4/2</a:t>
             </a:fld>
             <a:endParaRPr kumimoji="1" lang="ja-JP" altLang="en-US"/>
           </a:p>
@@ -2664,7 +2677,7 @@
           <a:p>
             <a:fld id="{C8659C27-364E-C74E-8EB0-0FFA61AB3438}" type="datetimeFigureOut">
               <a:rPr kumimoji="1" lang="ja-JP" altLang="en-US" smtClean="0"/>
-              <a:t>2021/4/1</a:t>
+              <a:t>2021/4/2</a:t>
             </a:fld>
             <a:endParaRPr kumimoji="1" lang="ja-JP" altLang="en-US"/>
           </a:p>
@@ -2934,7 +2947,7 @@
           <a:p>
             <a:fld id="{C8659C27-364E-C74E-8EB0-0FFA61AB3438}" type="datetimeFigureOut">
               <a:rPr kumimoji="1" lang="ja-JP" altLang="en-US" smtClean="0"/>
-              <a:t>2021/4/1</a:t>
+              <a:t>2021/4/2</a:t>
             </a:fld>
             <a:endParaRPr kumimoji="1" lang="ja-JP" altLang="en-US"/>
           </a:p>
@@ -3204,7 +3217,7 @@
           <a:p>
             <a:fld id="{C8659C27-364E-C74E-8EB0-0FFA61AB3438}" type="datetimeFigureOut">
               <a:rPr kumimoji="1" lang="ja-JP" altLang="en-US" smtClean="0"/>
-              <a:t>2021/4/1</a:t>
+              <a:t>2021/4/2</a:t>
             </a:fld>
             <a:endParaRPr kumimoji="1" lang="ja-JP" altLang="en-US"/>
           </a:p>
@@ -3570,7 +3583,7 @@
           <a:p>
             <a:fld id="{C8659C27-364E-C74E-8EB0-0FFA61AB3438}" type="datetimeFigureOut">
               <a:rPr kumimoji="1" lang="ja-JP" altLang="en-US" smtClean="0"/>
-              <a:t>2021/4/1</a:t>
+              <a:t>2021/4/2</a:t>
             </a:fld>
             <a:endParaRPr kumimoji="1" lang="ja-JP" altLang="en-US"/>
           </a:p>
@@ -3909,7 +3922,7 @@
           <a:p>
             <a:fld id="{C8659C27-364E-C74E-8EB0-0FFA61AB3438}" type="datetimeFigureOut">
               <a:rPr kumimoji="1" lang="ja-JP" altLang="en-US" smtClean="0"/>
-              <a:t>2021/4/1</a:t>
+              <a:t>2021/4/2</a:t>
             </a:fld>
             <a:endParaRPr kumimoji="1" lang="ja-JP" altLang="en-US"/>
           </a:p>
@@ -4456,7 +4469,7 @@
           <a:p>
             <a:fld id="{C8659C27-364E-C74E-8EB0-0FFA61AB3438}" type="datetimeFigureOut">
               <a:rPr kumimoji="1" lang="ja-JP" altLang="en-US" smtClean="0"/>
-              <a:t>2021/4/1</a:t>
+              <a:t>2021/4/2</a:t>
             </a:fld>
             <a:endParaRPr kumimoji="1" lang="ja-JP" altLang="en-US"/>
           </a:p>
@@ -4661,7 +4674,7 @@
           <a:p>
             <a:fld id="{C8659C27-364E-C74E-8EB0-0FFA61AB3438}" type="datetimeFigureOut">
               <a:rPr kumimoji="1" lang="ja-JP" altLang="en-US" smtClean="0"/>
-              <a:t>2021/4/1</a:t>
+              <a:t>2021/4/2</a:t>
             </a:fld>
             <a:endParaRPr kumimoji="1" lang="ja-JP" altLang="en-US"/>
           </a:p>
@@ -4838,7 +4851,7 @@
           <a:p>
             <a:fld id="{C8659C27-364E-C74E-8EB0-0FFA61AB3438}" type="datetimeFigureOut">
               <a:rPr kumimoji="1" lang="ja-JP" altLang="en-US" smtClean="0"/>
-              <a:t>2021/4/1</a:t>
+              <a:t>2021/4/2</a:t>
             </a:fld>
             <a:endParaRPr kumimoji="1" lang="ja-JP" altLang="en-US"/>
           </a:p>
@@ -5216,7 +5229,7 @@
           <a:p>
             <a:fld id="{C8659C27-364E-C74E-8EB0-0FFA61AB3438}" type="datetimeFigureOut">
               <a:rPr kumimoji="1" lang="ja-JP" altLang="en-US" smtClean="0"/>
-              <a:t>2021/4/1</a:t>
+              <a:t>2021/4/2</a:t>
             </a:fld>
             <a:endParaRPr kumimoji="1" lang="ja-JP" altLang="en-US"/>
           </a:p>
@@ -5598,7 +5611,7 @@
           <a:p>
             <a:fld id="{C8659C27-364E-C74E-8EB0-0FFA61AB3438}" type="datetimeFigureOut">
               <a:rPr kumimoji="1" lang="ja-JP" altLang="en-US" smtClean="0"/>
-              <a:t>2021/4/1</a:t>
+              <a:t>2021/4/2</a:t>
             </a:fld>
             <a:endParaRPr kumimoji="1" lang="ja-JP" altLang="en-US"/>
           </a:p>
@@ -7723,7 +7736,7 @@
           <a:p>
             <a:fld id="{C8659C27-364E-C74E-8EB0-0FFA61AB3438}" type="datetimeFigureOut">
               <a:rPr kumimoji="1" lang="ja-JP" altLang="en-US" smtClean="0"/>
-              <a:t>2021/4/1</a:t>
+              <a:t>2021/4/2</a:t>
             </a:fld>
             <a:endParaRPr kumimoji="1" lang="ja-JP" altLang="en-US"/>
           </a:p>
@@ -8363,7 +8376,7 @@
           <p:cNvPr id="2" name="タイトル 1">
             <a:extLst>
               <a:ext uri="{FF2B5EF4-FFF2-40B4-BE49-F238E27FC236}">
-                <a16:creationId xmlns:a16="http://schemas.microsoft.com/office/drawing/2014/main" id="{C31306A2-0982-6849-939B-C8AF835661CA}"/>
+                <a16:creationId xmlns:a16="http://schemas.microsoft.com/office/drawing/2014/main" id="{8FFD2DF9-F802-CB4A-8FDC-1DBC0B21EA23}"/>
               </a:ext>
             </a:extLst>
           </p:cNvPr>
@@ -8380,9 +8393,12 @@
           <a:lstStyle/>
           <a:p>
             <a:r>
-              <a:rPr kumimoji="1" lang="en-US" altLang="ja-JP" dirty="0"/>
-              <a:t>Travel paths in the ship</a:t>
-            </a:r>
+              <a:rPr lang="en-US" altLang="ja-JP" dirty="0"/>
+              <a:t>avoiding multiple orders in one hold</a:t>
+            </a:r>
+            <a:br>
+              <a:rPr lang="en-US" altLang="ja-JP" dirty="0"/>
+            </a:br>
             <a:endParaRPr kumimoji="1" lang="ja-JP" altLang="en-US"/>
           </a:p>
         </p:txBody>
@@ -8392,7 +8408,7 @@
           <p:cNvPr id="3" name="コンテンツ プレースホルダー 2">
             <a:extLst>
               <a:ext uri="{FF2B5EF4-FFF2-40B4-BE49-F238E27FC236}">
-                <a16:creationId xmlns:a16="http://schemas.microsoft.com/office/drawing/2014/main" id="{B168A923-369D-B948-B317-BB629C56578E}"/>
+                <a16:creationId xmlns:a16="http://schemas.microsoft.com/office/drawing/2014/main" id="{3F298097-154C-9341-91D5-37BAB2F21D3D}"/>
               </a:ext>
             </a:extLst>
           </p:cNvPr>
@@ -8412,7 +8428,7 @@
           <a:p>
             <a:r>
               <a:rPr lang="en" altLang="ja-JP" sz="2400" dirty="0"/>
-              <a:t>There must be a certain amount of space in the path of the car.</a:t>
+              <a:t>we minimize the number of orders with different destinations in different loading areas for each hold.</a:t>
             </a:r>
             <a:endParaRPr kumimoji="1" lang="ja-JP" altLang="en-US" sz="2400"/>
           </a:p>
@@ -8421,7 +8437,7 @@
     </p:spTree>
     <p:extLst>
       <p:ext uri="{BB962C8B-B14F-4D97-AF65-F5344CB8AC3E}">
-        <p14:creationId xmlns:p14="http://schemas.microsoft.com/office/powerpoint/2010/main" val="739955743"/>
+        <p14:creationId xmlns:p14="http://schemas.microsoft.com/office/powerpoint/2010/main" val="3129602522"/>
       </p:ext>
     </p:extLst>
   </p:cSld>
@@ -8453,7 +8469,7 @@
           <p:cNvPr id="2" name="タイトル 1">
             <a:extLst>
               <a:ext uri="{FF2B5EF4-FFF2-40B4-BE49-F238E27FC236}">
-                <a16:creationId xmlns:a16="http://schemas.microsoft.com/office/drawing/2014/main" id="{2C9AF7B9-F858-7546-9DA7-F0B972955209}"/>
+                <a16:creationId xmlns:a16="http://schemas.microsoft.com/office/drawing/2014/main" id="{2ACE2C3C-4BC0-9A48-8819-B8962728EB30}"/>
               </a:ext>
             </a:extLst>
           </p:cNvPr>
@@ -8473,11 +8489,16 @@
           <a:p>
             <a:r>
               <a:rPr lang="en" altLang="ja-JP" dirty="0"/>
-              <a:t>Weight balance of cargo(Forward and backward direction)</a:t>
-            </a:r>
-            <a:br>
+              <a:t>placing </a:t>
+            </a:r>
+            <a:r>
+              <a:rPr lang="en-US" altLang="ja-JP" dirty="0"/>
+              <a:t>same</a:t>
+            </a:r>
+            <a:r>
               <a:rPr lang="en" altLang="ja-JP" dirty="0"/>
-            </a:br>
+              <a:t> orders by port closer together</a:t>
+            </a:r>
             <a:br>
               <a:rPr lang="en" altLang="ja-JP" dirty="0"/>
             </a:br>
@@ -8490,7 +8511,7 @@
           <p:cNvPr id="3" name="コンテンツ プレースホルダー 2">
             <a:extLst>
               <a:ext uri="{FF2B5EF4-FFF2-40B4-BE49-F238E27FC236}">
-                <a16:creationId xmlns:a16="http://schemas.microsoft.com/office/drawing/2014/main" id="{DFE79931-7D32-4849-B512-925A9BAF8802}"/>
+                <a16:creationId xmlns:a16="http://schemas.microsoft.com/office/drawing/2014/main" id="{D6FD89FE-6EBE-9B45-9FEE-179DCD542FAD}"/>
               </a:ext>
             </a:extLst>
           </p:cNvPr>
@@ -8503,17 +8524,23 @@
         </p:nvSpPr>
         <p:spPr/>
         <p:txBody>
-          <a:bodyPr/>
+          <a:bodyPr>
+            <a:normAutofit/>
+          </a:bodyPr>
           <a:lstStyle/>
           <a:p>
-            <a:endParaRPr kumimoji="1" lang="ja-JP" altLang="en-US"/>
+            <a:r>
+              <a:rPr lang="en-US" altLang="ja-JP" sz="2400" dirty="0"/>
+              <a:t>it is easy to load and unload cars if same orders by port is placed closer</a:t>
+            </a:r>
+            <a:endParaRPr kumimoji="1" lang="ja-JP" altLang="en-US" sz="2400"/>
           </a:p>
         </p:txBody>
       </p:sp>
     </p:spTree>
     <p:extLst>
       <p:ext uri="{BB962C8B-B14F-4D97-AF65-F5344CB8AC3E}">
-        <p14:creationId xmlns:p14="http://schemas.microsoft.com/office/powerpoint/2010/main" val="855990403"/>
+        <p14:creationId xmlns:p14="http://schemas.microsoft.com/office/powerpoint/2010/main" val="3273950687"/>
       </p:ext>
     </p:extLst>
   </p:cSld>
@@ -8545,6 +8572,630 @@
           <p:cNvPr id="2" name="タイトル 1">
             <a:extLst>
               <a:ext uri="{FF2B5EF4-FFF2-40B4-BE49-F238E27FC236}">
+                <a16:creationId xmlns:a16="http://schemas.microsoft.com/office/drawing/2014/main" id="{AD513AB0-DE80-1249-81CC-02FEBF1A9A4F}"/>
+              </a:ext>
+            </a:extLst>
+          </p:cNvPr>
+          <p:cNvSpPr>
+            <a:spLocks noGrp="1"/>
+          </p:cNvSpPr>
+          <p:nvPr>
+            <p:ph type="title"/>
+          </p:nvPr>
+        </p:nvSpPr>
+        <p:spPr/>
+        <p:txBody>
+          <a:bodyPr/>
+          <a:lstStyle/>
+          <a:p>
+            <a:r>
+              <a:rPr lang="en" altLang="ja-JP" dirty="0"/>
+              <a:t>choosing a path that is easy for cars to pass</a:t>
+            </a:r>
+            <a:endParaRPr kumimoji="1" lang="ja-JP" altLang="en-US"/>
+          </a:p>
+        </p:txBody>
+      </p:sp>
+      <p:sp>
+        <p:nvSpPr>
+          <p:cNvPr id="3" name="コンテンツ プレースホルダー 2">
+            <a:extLst>
+              <a:ext uri="{FF2B5EF4-FFF2-40B4-BE49-F238E27FC236}">
+                <a16:creationId xmlns:a16="http://schemas.microsoft.com/office/drawing/2014/main" id="{98A8D984-F4FD-154B-9B02-E5367600FF28}"/>
+              </a:ext>
+            </a:extLst>
+          </p:cNvPr>
+          <p:cNvSpPr>
+            <a:spLocks noGrp="1"/>
+          </p:cNvSpPr>
+          <p:nvPr>
+            <p:ph idx="1"/>
+          </p:nvPr>
+        </p:nvSpPr>
+        <p:spPr/>
+        <p:txBody>
+          <a:bodyPr>
+            <a:normAutofit/>
+          </a:bodyPr>
+          <a:lstStyle/>
+          <a:p>
+            <a:r>
+              <a:rPr lang="en" altLang="ja-JP" sz="2400" dirty="0"/>
+              <a:t>There are holds to go through</a:t>
+            </a:r>
+            <a:r>
+              <a:rPr lang="en-US" altLang="ja-JP" sz="2400" dirty="0"/>
+              <a:t> when loading and unloading.</a:t>
+            </a:r>
+          </a:p>
+          <a:p>
+            <a:r>
+              <a:rPr lang="en-US" altLang="ja-JP" sz="2400" dirty="0"/>
+              <a:t>If that hold is full,</a:t>
+            </a:r>
+            <a:r>
+              <a:rPr lang="ja-JP" altLang="en-US" sz="2400"/>
+              <a:t> </a:t>
+            </a:r>
+            <a:r>
+              <a:rPr lang="en" altLang="ja-JP" sz="2400" dirty="0"/>
+              <a:t>it will be harder to pass through them.</a:t>
+            </a:r>
+            <a:endParaRPr lang="en-US" altLang="ja-JP" sz="2400" dirty="0"/>
+          </a:p>
+          <a:p>
+            <a:r>
+              <a:rPr lang="en-US" altLang="ja-JP" sz="2400" dirty="0"/>
+              <a:t>If so, some cars, we need to move cars in that hold once and bring them back again.</a:t>
+            </a:r>
+            <a:endParaRPr lang="en" altLang="ja-JP" sz="2400" dirty="0"/>
+          </a:p>
+        </p:txBody>
+      </p:sp>
+    </p:spTree>
+    <p:extLst>
+      <p:ext uri="{BB962C8B-B14F-4D97-AF65-F5344CB8AC3E}">
+        <p14:creationId xmlns:p14="http://schemas.microsoft.com/office/powerpoint/2010/main" val="3091578998"/>
+      </p:ext>
+    </p:extLst>
+  </p:cSld>
+  <p:clrMapOvr>
+    <a:masterClrMapping/>
+  </p:clrMapOvr>
+</p:sld>
+</file>
+
+<file path=ppt/slides/slide13.xml><?xml version="1.0" encoding="utf-8"?>
+<p:sld xmlns:a="http://schemas.openxmlformats.org/drawingml/2006/main" xmlns:r="http://schemas.openxmlformats.org/officeDocument/2006/relationships" xmlns:p="http://schemas.openxmlformats.org/presentationml/2006/main">
+  <p:cSld>
+    <p:spTree>
+      <p:nvGrpSpPr>
+        <p:cNvPr id="1" name=""/>
+        <p:cNvGrpSpPr/>
+        <p:nvPr/>
+      </p:nvGrpSpPr>
+      <p:grpSpPr>
+        <a:xfrm>
+          <a:off x="0" y="0"/>
+          <a:ext cx="0" cy="0"/>
+          <a:chOff x="0" y="0"/>
+          <a:chExt cx="0" cy="0"/>
+        </a:xfrm>
+      </p:grpSpPr>
+      <p:sp>
+        <p:nvSpPr>
+          <p:cNvPr id="2" name="タイトル 1">
+            <a:extLst>
+              <a:ext uri="{FF2B5EF4-FFF2-40B4-BE49-F238E27FC236}">
+                <a16:creationId xmlns:a16="http://schemas.microsoft.com/office/drawing/2014/main" id="{46A1F328-BC50-0149-82B0-EA6BDA694A20}"/>
+              </a:ext>
+            </a:extLst>
+          </p:cNvPr>
+          <p:cNvSpPr>
+            <a:spLocks noGrp="1"/>
+          </p:cNvSpPr>
+          <p:nvPr>
+            <p:ph type="title"/>
+          </p:nvPr>
+        </p:nvSpPr>
+        <p:spPr/>
+        <p:txBody>
+          <a:bodyPr/>
+          <a:lstStyle/>
+          <a:p>
+            <a:r>
+              <a:rPr lang="en" altLang="ja-JP" dirty="0"/>
+              <a:t>No dead space</a:t>
+            </a:r>
+            <a:br>
+              <a:rPr lang="en" altLang="ja-JP" dirty="0"/>
+            </a:br>
+            <a:endParaRPr kumimoji="1" lang="ja-JP" altLang="en-US"/>
+          </a:p>
+        </p:txBody>
+      </p:sp>
+      <p:sp>
+        <p:nvSpPr>
+          <p:cNvPr id="3" name="コンテンツ プレースホルダー 2">
+            <a:extLst>
+              <a:ext uri="{FF2B5EF4-FFF2-40B4-BE49-F238E27FC236}">
+                <a16:creationId xmlns:a16="http://schemas.microsoft.com/office/drawing/2014/main" id="{291AC8A2-8076-C04C-BE1C-74608B0208F4}"/>
+              </a:ext>
+            </a:extLst>
+          </p:cNvPr>
+          <p:cNvSpPr>
+            <a:spLocks noGrp="1"/>
+          </p:cNvSpPr>
+          <p:nvPr>
+            <p:ph idx="1"/>
+          </p:nvPr>
+        </p:nvSpPr>
+        <p:spPr/>
+        <p:txBody>
+          <a:bodyPr>
+            <a:normAutofit/>
+          </a:bodyPr>
+          <a:lstStyle/>
+          <a:p>
+            <a:r>
+              <a:rPr lang="en" altLang="ja-JP" sz="2400" dirty="0"/>
+              <a:t>There are some holds with a ramp connecting the deck to the deck.</a:t>
+            </a:r>
+          </a:p>
+          <a:p>
+            <a:r>
+              <a:rPr lang="en" altLang="ja-JP" sz="2400" dirty="0"/>
+              <a:t>Once these holds are filled to a certain extent, it will be impossible to reach the deeper holds.</a:t>
+            </a:r>
+          </a:p>
+          <a:p>
+            <a:endParaRPr kumimoji="1" lang="ja-JP" altLang="en-US" sz="2400"/>
+          </a:p>
+        </p:txBody>
+      </p:sp>
+    </p:spTree>
+    <p:extLst>
+      <p:ext uri="{BB962C8B-B14F-4D97-AF65-F5344CB8AC3E}">
+        <p14:creationId xmlns:p14="http://schemas.microsoft.com/office/powerpoint/2010/main" val="1433147696"/>
+      </p:ext>
+    </p:extLst>
+  </p:cSld>
+  <p:clrMapOvr>
+    <a:masterClrMapping/>
+  </p:clrMapOvr>
+</p:sld>
+</file>
+
+<file path=ppt/slides/slide14.xml><?xml version="1.0" encoding="utf-8"?>
+<p:sld xmlns:a="http://schemas.openxmlformats.org/drawingml/2006/main" xmlns:r="http://schemas.openxmlformats.org/officeDocument/2006/relationships" xmlns:p="http://schemas.openxmlformats.org/presentationml/2006/main">
+  <p:cSld>
+    <p:spTree>
+      <p:nvGrpSpPr>
+        <p:cNvPr id="1" name=""/>
+        <p:cNvGrpSpPr/>
+        <p:nvPr/>
+      </p:nvGrpSpPr>
+      <p:grpSpPr>
+        <a:xfrm>
+          <a:off x="0" y="0"/>
+          <a:ext cx="0" cy="0"/>
+          <a:chOff x="0" y="0"/>
+          <a:chExt cx="0" cy="0"/>
+        </a:xfrm>
+      </p:grpSpPr>
+      <p:sp>
+        <p:nvSpPr>
+          <p:cNvPr id="2" name="タイトル 1">
+            <a:extLst>
+              <a:ext uri="{FF2B5EF4-FFF2-40B4-BE49-F238E27FC236}">
+                <a16:creationId xmlns:a16="http://schemas.microsoft.com/office/drawing/2014/main" id="{AE202A22-859D-CA45-86B3-4A7309856882}"/>
+              </a:ext>
+            </a:extLst>
+          </p:cNvPr>
+          <p:cNvSpPr>
+            <a:spLocks noGrp="1"/>
+          </p:cNvSpPr>
+          <p:nvPr>
+            <p:ph type="title"/>
+          </p:nvPr>
+        </p:nvSpPr>
+        <p:spPr/>
+        <p:txBody>
+          <a:bodyPr>
+            <a:normAutofit/>
+          </a:bodyPr>
+          <a:lstStyle/>
+          <a:p>
+            <a:r>
+              <a:rPr lang="en" altLang="ja-JP" dirty="0"/>
+              <a:t>placing empty space close to the entrance</a:t>
+            </a:r>
+            <a:endParaRPr kumimoji="1" lang="ja-JP" altLang="en-US"/>
+          </a:p>
+        </p:txBody>
+      </p:sp>
+      <p:sp>
+        <p:nvSpPr>
+          <p:cNvPr id="3" name="コンテンツ プレースホルダー 2">
+            <a:extLst>
+              <a:ext uri="{FF2B5EF4-FFF2-40B4-BE49-F238E27FC236}">
+                <a16:creationId xmlns:a16="http://schemas.microsoft.com/office/drawing/2014/main" id="{35EE2957-4701-A244-9530-58631CB194DB}"/>
+              </a:ext>
+            </a:extLst>
+          </p:cNvPr>
+          <p:cNvSpPr>
+            <a:spLocks noGrp="1"/>
+          </p:cNvSpPr>
+          <p:nvPr>
+            <p:ph idx="1"/>
+          </p:nvPr>
+        </p:nvSpPr>
+        <p:spPr/>
+        <p:txBody>
+          <a:bodyPr>
+            <a:normAutofit/>
+          </a:bodyPr>
+          <a:lstStyle/>
+          <a:p>
+            <a:r>
+              <a:rPr lang="en" altLang="ja-JP" sz="2400" dirty="0"/>
+              <a:t>It often happens that orders are added just before the voyage.</a:t>
+            </a:r>
+          </a:p>
+          <a:p>
+            <a:r>
+              <a:rPr kumimoji="1" lang="en" altLang="ja-JP" sz="2400" dirty="0"/>
+              <a:t>To handle that situ</a:t>
+            </a:r>
+            <a:r>
+              <a:rPr lang="en" altLang="ja-JP" sz="2400" dirty="0"/>
+              <a:t>ation, we should place empty space close to the entrance</a:t>
+            </a:r>
+            <a:endParaRPr kumimoji="1" lang="ja-JP" altLang="en-US" sz="2400"/>
+          </a:p>
+        </p:txBody>
+      </p:sp>
+    </p:spTree>
+    <p:extLst>
+      <p:ext uri="{BB962C8B-B14F-4D97-AF65-F5344CB8AC3E}">
+        <p14:creationId xmlns:p14="http://schemas.microsoft.com/office/powerpoint/2010/main" val="495377332"/>
+      </p:ext>
+    </p:extLst>
+  </p:cSld>
+  <p:clrMapOvr>
+    <a:masterClrMapping/>
+  </p:clrMapOvr>
+</p:sld>
+</file>
+
+<file path=ppt/slides/slide15.xml><?xml version="1.0" encoding="utf-8"?>
+<p:sld xmlns:a="http://schemas.openxmlformats.org/drawingml/2006/main" xmlns:r="http://schemas.openxmlformats.org/officeDocument/2006/relationships" xmlns:p="http://schemas.openxmlformats.org/presentationml/2006/main">
+  <p:cSld>
+    <p:spTree>
+      <p:nvGrpSpPr>
+        <p:cNvPr id="1" name=""/>
+        <p:cNvGrpSpPr/>
+        <p:nvPr/>
+      </p:nvGrpSpPr>
+      <p:grpSpPr>
+        <a:xfrm>
+          <a:off x="0" y="0"/>
+          <a:ext cx="0" cy="0"/>
+          <a:chOff x="0" y="0"/>
+          <a:chExt cx="0" cy="0"/>
+        </a:xfrm>
+      </p:grpSpPr>
+      <p:sp>
+        <p:nvSpPr>
+          <p:cNvPr id="2" name="タイトル 1">
+            <a:extLst>
+              <a:ext uri="{FF2B5EF4-FFF2-40B4-BE49-F238E27FC236}">
+                <a16:creationId xmlns:a16="http://schemas.microsoft.com/office/drawing/2014/main" id="{D6E9A7F1-EC3C-894A-8E9E-0981C4CA834A}"/>
+              </a:ext>
+            </a:extLst>
+          </p:cNvPr>
+          <p:cNvSpPr>
+            <a:spLocks noGrp="1"/>
+          </p:cNvSpPr>
+          <p:nvPr>
+            <p:ph type="title"/>
+          </p:nvPr>
+        </p:nvSpPr>
+        <p:spPr/>
+        <p:txBody>
+          <a:bodyPr/>
+          <a:lstStyle/>
+          <a:p>
+            <a:r>
+              <a:rPr lang="en-US" altLang="ja-JP" dirty="0"/>
+              <a:t>Constraints</a:t>
+            </a:r>
+            <a:endParaRPr kumimoji="1" lang="ja-JP" altLang="en-US"/>
+          </a:p>
+        </p:txBody>
+      </p:sp>
+      <p:sp>
+        <p:nvSpPr>
+          <p:cNvPr id="3" name="コンテンツ プレースホルダー 2">
+            <a:extLst>
+              <a:ext uri="{FF2B5EF4-FFF2-40B4-BE49-F238E27FC236}">
+                <a16:creationId xmlns:a16="http://schemas.microsoft.com/office/drawing/2014/main" id="{9D01FC0B-1A3C-FE4D-82C1-224B072D7881}"/>
+              </a:ext>
+            </a:extLst>
+          </p:cNvPr>
+          <p:cNvSpPr>
+            <a:spLocks noGrp="1"/>
+          </p:cNvSpPr>
+          <p:nvPr>
+            <p:ph idx="1"/>
+          </p:nvPr>
+        </p:nvSpPr>
+        <p:spPr/>
+        <p:txBody>
+          <a:bodyPr>
+            <a:normAutofit/>
+          </a:bodyPr>
+          <a:lstStyle/>
+          <a:p>
+            <a:pPr>
+              <a:buFont typeface="+mj-lt"/>
+              <a:buAutoNum type="arabicPeriod"/>
+            </a:pPr>
+            <a:r>
+              <a:rPr kumimoji="1" lang="en-US" altLang="ja-JP" sz="2400" dirty="0"/>
+              <a:t>Travel routes in the ship</a:t>
+            </a:r>
+          </a:p>
+          <a:p>
+            <a:pPr>
+              <a:buFont typeface="+mj-lt"/>
+              <a:buAutoNum type="arabicPeriod"/>
+            </a:pPr>
+            <a:r>
+              <a:rPr lang="en" altLang="ja-JP" sz="2400" dirty="0"/>
+              <a:t>Weight balance of cargo</a:t>
+            </a:r>
+          </a:p>
+          <a:p>
+            <a:pPr>
+              <a:buFont typeface="+mj-lt"/>
+              <a:buAutoNum type="arabicPeriod"/>
+            </a:pPr>
+            <a:r>
+              <a:rPr lang="en" altLang="ja-JP" sz="2400" dirty="0"/>
+              <a:t>Rules for splitting orders</a:t>
+            </a:r>
+          </a:p>
+          <a:p>
+            <a:pPr>
+              <a:buFont typeface="+mj-lt"/>
+              <a:buAutoNum type="arabicPeriod"/>
+            </a:pPr>
+            <a:r>
+              <a:rPr lang="en" altLang="ja-JP" sz="2400" dirty="0"/>
+              <a:t>Height of the hold</a:t>
+            </a:r>
+            <a:endParaRPr kumimoji="1" lang="ja-JP" altLang="en-US" sz="2400"/>
+          </a:p>
+        </p:txBody>
+      </p:sp>
+    </p:spTree>
+    <p:extLst>
+      <p:ext uri="{BB962C8B-B14F-4D97-AF65-F5344CB8AC3E}">
+        <p14:creationId xmlns:p14="http://schemas.microsoft.com/office/powerpoint/2010/main" val="3557686308"/>
+      </p:ext>
+    </p:extLst>
+  </p:cSld>
+  <p:clrMapOvr>
+    <a:masterClrMapping/>
+  </p:clrMapOvr>
+</p:sld>
+</file>
+
+<file path=ppt/slides/slide16.xml><?xml version="1.0" encoding="utf-8"?>
+<p:sld xmlns:a="http://schemas.openxmlformats.org/drawingml/2006/main" xmlns:r="http://schemas.openxmlformats.org/officeDocument/2006/relationships" xmlns:p="http://schemas.openxmlformats.org/presentationml/2006/main">
+  <p:cSld>
+    <p:spTree>
+      <p:nvGrpSpPr>
+        <p:cNvPr id="1" name=""/>
+        <p:cNvGrpSpPr/>
+        <p:nvPr/>
+      </p:nvGrpSpPr>
+      <p:grpSpPr>
+        <a:xfrm>
+          <a:off x="0" y="0"/>
+          <a:ext cx="0" cy="0"/>
+          <a:chOff x="0" y="0"/>
+          <a:chExt cx="0" cy="0"/>
+        </a:xfrm>
+      </p:grpSpPr>
+      <p:sp>
+        <p:nvSpPr>
+          <p:cNvPr id="2" name="タイトル 1">
+            <a:extLst>
+              <a:ext uri="{FF2B5EF4-FFF2-40B4-BE49-F238E27FC236}">
+                <a16:creationId xmlns:a16="http://schemas.microsoft.com/office/drawing/2014/main" id="{C31306A2-0982-6849-939B-C8AF835661CA}"/>
+              </a:ext>
+            </a:extLst>
+          </p:cNvPr>
+          <p:cNvSpPr>
+            <a:spLocks noGrp="1"/>
+          </p:cNvSpPr>
+          <p:nvPr>
+            <p:ph type="title"/>
+          </p:nvPr>
+        </p:nvSpPr>
+        <p:spPr/>
+        <p:txBody>
+          <a:bodyPr/>
+          <a:lstStyle/>
+          <a:p>
+            <a:r>
+              <a:rPr kumimoji="1" lang="en-US" altLang="ja-JP" dirty="0"/>
+              <a:t>Travel paths in the ship</a:t>
+            </a:r>
+            <a:endParaRPr kumimoji="1" lang="ja-JP" altLang="en-US"/>
+          </a:p>
+        </p:txBody>
+      </p:sp>
+      <p:sp>
+        <p:nvSpPr>
+          <p:cNvPr id="3" name="コンテンツ プレースホルダー 2">
+            <a:extLst>
+              <a:ext uri="{FF2B5EF4-FFF2-40B4-BE49-F238E27FC236}">
+                <a16:creationId xmlns:a16="http://schemas.microsoft.com/office/drawing/2014/main" id="{B168A923-369D-B948-B317-BB629C56578E}"/>
+              </a:ext>
+            </a:extLst>
+          </p:cNvPr>
+          <p:cNvSpPr>
+            <a:spLocks noGrp="1"/>
+          </p:cNvSpPr>
+          <p:nvPr>
+            <p:ph idx="1"/>
+          </p:nvPr>
+        </p:nvSpPr>
+        <p:spPr/>
+        <p:txBody>
+          <a:bodyPr>
+            <a:normAutofit/>
+          </a:bodyPr>
+          <a:lstStyle/>
+          <a:p>
+            <a:r>
+              <a:rPr lang="en" altLang="ja-JP" sz="2400" dirty="0"/>
+              <a:t>There must be a certain amount of space in the path of the car.</a:t>
+            </a:r>
+            <a:endParaRPr kumimoji="1" lang="ja-JP" altLang="en-US" sz="2400"/>
+          </a:p>
+        </p:txBody>
+      </p:sp>
+    </p:spTree>
+    <p:extLst>
+      <p:ext uri="{BB962C8B-B14F-4D97-AF65-F5344CB8AC3E}">
+        <p14:creationId xmlns:p14="http://schemas.microsoft.com/office/powerpoint/2010/main" val="739955743"/>
+      </p:ext>
+    </p:extLst>
+  </p:cSld>
+  <p:clrMapOvr>
+    <a:masterClrMapping/>
+  </p:clrMapOvr>
+</p:sld>
+</file>
+
+<file path=ppt/slides/slide17.xml><?xml version="1.0" encoding="utf-8"?>
+<p:sld xmlns:a="http://schemas.openxmlformats.org/drawingml/2006/main" xmlns:r="http://schemas.openxmlformats.org/officeDocument/2006/relationships" xmlns:p="http://schemas.openxmlformats.org/presentationml/2006/main">
+  <p:cSld>
+    <p:spTree>
+      <p:nvGrpSpPr>
+        <p:cNvPr id="1" name=""/>
+        <p:cNvGrpSpPr/>
+        <p:nvPr/>
+      </p:nvGrpSpPr>
+      <p:grpSpPr>
+        <a:xfrm>
+          <a:off x="0" y="0"/>
+          <a:ext cx="0" cy="0"/>
+          <a:chOff x="0" y="0"/>
+          <a:chExt cx="0" cy="0"/>
+        </a:xfrm>
+      </p:grpSpPr>
+      <p:sp>
+        <p:nvSpPr>
+          <p:cNvPr id="2" name="タイトル 1">
+            <a:extLst>
+              <a:ext uri="{FF2B5EF4-FFF2-40B4-BE49-F238E27FC236}">
+                <a16:creationId xmlns:a16="http://schemas.microsoft.com/office/drawing/2014/main" id="{2C9AF7B9-F858-7546-9DA7-F0B972955209}"/>
+              </a:ext>
+            </a:extLst>
+          </p:cNvPr>
+          <p:cNvSpPr>
+            <a:spLocks noGrp="1"/>
+          </p:cNvSpPr>
+          <p:nvPr>
+            <p:ph type="title"/>
+          </p:nvPr>
+        </p:nvSpPr>
+        <p:spPr/>
+        <p:txBody>
+          <a:bodyPr>
+            <a:normAutofit fontScale="90000"/>
+          </a:bodyPr>
+          <a:lstStyle/>
+          <a:p>
+            <a:r>
+              <a:rPr lang="en" altLang="ja-JP" dirty="0"/>
+              <a:t>Weight balance of cargo(Forward and backward direction)</a:t>
+            </a:r>
+            <a:br>
+              <a:rPr lang="en" altLang="ja-JP" dirty="0"/>
+            </a:br>
+            <a:br>
+              <a:rPr lang="en" altLang="ja-JP" dirty="0"/>
+            </a:br>
+            <a:endParaRPr kumimoji="1" lang="ja-JP" altLang="en-US"/>
+          </a:p>
+        </p:txBody>
+      </p:sp>
+      <p:sp>
+        <p:nvSpPr>
+          <p:cNvPr id="3" name="コンテンツ プレースホルダー 2">
+            <a:extLst>
+              <a:ext uri="{FF2B5EF4-FFF2-40B4-BE49-F238E27FC236}">
+                <a16:creationId xmlns:a16="http://schemas.microsoft.com/office/drawing/2014/main" id="{DFE79931-7D32-4849-B512-925A9BAF8802}"/>
+              </a:ext>
+            </a:extLst>
+          </p:cNvPr>
+          <p:cNvSpPr>
+            <a:spLocks noGrp="1"/>
+          </p:cNvSpPr>
+          <p:nvPr>
+            <p:ph idx="1"/>
+          </p:nvPr>
+        </p:nvSpPr>
+        <p:spPr/>
+        <p:txBody>
+          <a:bodyPr/>
+          <a:lstStyle/>
+          <a:p>
+            <a:endParaRPr kumimoji="1" lang="ja-JP" altLang="en-US"/>
+          </a:p>
+        </p:txBody>
+      </p:sp>
+    </p:spTree>
+    <p:extLst>
+      <p:ext uri="{BB962C8B-B14F-4D97-AF65-F5344CB8AC3E}">
+        <p14:creationId xmlns:p14="http://schemas.microsoft.com/office/powerpoint/2010/main" val="855990403"/>
+      </p:ext>
+    </p:extLst>
+  </p:cSld>
+  <p:clrMapOvr>
+    <a:masterClrMapping/>
+  </p:clrMapOvr>
+</p:sld>
+</file>
+
+<file path=ppt/slides/slide18.xml><?xml version="1.0" encoding="utf-8"?>
+<p:sld xmlns:a="http://schemas.openxmlformats.org/drawingml/2006/main" xmlns:r="http://schemas.openxmlformats.org/officeDocument/2006/relationships" xmlns:p="http://schemas.openxmlformats.org/presentationml/2006/main">
+  <p:cSld>
+    <p:spTree>
+      <p:nvGrpSpPr>
+        <p:cNvPr id="1" name=""/>
+        <p:cNvGrpSpPr/>
+        <p:nvPr/>
+      </p:nvGrpSpPr>
+      <p:grpSpPr>
+        <a:xfrm>
+          <a:off x="0" y="0"/>
+          <a:ext cx="0" cy="0"/>
+          <a:chOff x="0" y="0"/>
+          <a:chExt cx="0" cy="0"/>
+        </a:xfrm>
+      </p:grpSpPr>
+      <p:sp>
+        <p:nvSpPr>
+          <p:cNvPr id="2" name="タイトル 1">
+            <a:extLst>
+              <a:ext uri="{FF2B5EF4-FFF2-40B4-BE49-F238E27FC236}">
                 <a16:creationId xmlns:a16="http://schemas.microsoft.com/office/drawing/2014/main" id="{162DF533-5C3A-524C-A590-33B01C9CAA1F}"/>
               </a:ext>
             </a:extLst>
@@ -8612,7 +9263,7 @@
 </p:sld>
 </file>
 
-<file path=ppt/slides/slide13.xml><?xml version="1.0" encoding="utf-8"?>
+<file path=ppt/slides/slide19.xml><?xml version="1.0" encoding="utf-8"?>
 <p:sld xmlns:a="http://schemas.openxmlformats.org/drawingml/2006/main" xmlns:r="http://schemas.openxmlformats.org/officeDocument/2006/relationships" xmlns:p="http://schemas.openxmlformats.org/presentationml/2006/main">
   <p:cSld>
     <p:spTree>
@@ -8824,13 +9475,19 @@
           <a:p>
             <a:r>
               <a:rPr lang="en-US" altLang="ja-JP" sz="2400" dirty="0"/>
-              <a:t>Modeling</a:t>
+              <a:t>Modeling </a:t>
+            </a:r>
+          </a:p>
+          <a:p>
+            <a:r>
+              <a:rPr lang="en-US" altLang="ja-JP" sz="2400" dirty="0"/>
+              <a:t>Computational experiment</a:t>
             </a:r>
           </a:p>
           <a:p>
             <a:r>
               <a:rPr kumimoji="1" lang="en-US" altLang="ja-JP" sz="2400" dirty="0"/>
-              <a:t>Summary</a:t>
+              <a:t>future work</a:t>
             </a:r>
           </a:p>
           <a:p>
@@ -8845,6 +9502,2823 @@
     <p:extLst>
       <p:ext uri="{BB962C8B-B14F-4D97-AF65-F5344CB8AC3E}">
         <p14:creationId xmlns:p14="http://schemas.microsoft.com/office/powerpoint/2010/main" val="3695423022"/>
+      </p:ext>
+    </p:extLst>
+  </p:cSld>
+  <p:clrMapOvr>
+    <a:masterClrMapping/>
+  </p:clrMapOvr>
+</p:sld>
+</file>
+
+<file path=ppt/slides/slide20.xml><?xml version="1.0" encoding="utf-8"?>
+<p:sld xmlns:a="http://schemas.openxmlformats.org/drawingml/2006/main" xmlns:r="http://schemas.openxmlformats.org/officeDocument/2006/relationships" xmlns:p="http://schemas.openxmlformats.org/presentationml/2006/main">
+  <p:cSld>
+    <p:spTree>
+      <p:nvGrpSpPr>
+        <p:cNvPr id="1" name=""/>
+        <p:cNvGrpSpPr/>
+        <p:nvPr/>
+      </p:nvGrpSpPr>
+      <p:grpSpPr>
+        <a:xfrm>
+          <a:off x="0" y="0"/>
+          <a:ext cx="0" cy="0"/>
+          <a:chOff x="0" y="0"/>
+          <a:chExt cx="0" cy="0"/>
+        </a:xfrm>
+      </p:grpSpPr>
+      <p:sp>
+        <p:nvSpPr>
+          <p:cNvPr id="2" name="タイトル 1">
+            <a:extLst>
+              <a:ext uri="{FF2B5EF4-FFF2-40B4-BE49-F238E27FC236}">
+                <a16:creationId xmlns:a16="http://schemas.microsoft.com/office/drawing/2014/main" id="{036A086B-233B-EB4B-92C9-0367503863B9}"/>
+              </a:ext>
+            </a:extLst>
+          </p:cNvPr>
+          <p:cNvSpPr>
+            <a:spLocks noGrp="1"/>
+          </p:cNvSpPr>
+          <p:nvPr>
+            <p:ph type="title"/>
+          </p:nvPr>
+        </p:nvSpPr>
+        <p:spPr/>
+        <p:txBody>
+          <a:bodyPr/>
+          <a:lstStyle/>
+          <a:p>
+            <a:r>
+              <a:rPr lang="en-US" altLang="ja-JP" dirty="0"/>
+              <a:t>Height of the hold</a:t>
+            </a:r>
+            <a:endParaRPr kumimoji="1" lang="ja-JP" altLang="en-US"/>
+          </a:p>
+        </p:txBody>
+      </p:sp>
+      <p:sp>
+        <p:nvSpPr>
+          <p:cNvPr id="3" name="コンテンツ プレースホルダー 2">
+            <a:extLst>
+              <a:ext uri="{FF2B5EF4-FFF2-40B4-BE49-F238E27FC236}">
+                <a16:creationId xmlns:a16="http://schemas.microsoft.com/office/drawing/2014/main" id="{16A684F3-B4E7-6345-BCB9-F0073D18D8E6}"/>
+              </a:ext>
+            </a:extLst>
+          </p:cNvPr>
+          <p:cNvSpPr>
+            <a:spLocks noGrp="1"/>
+          </p:cNvSpPr>
+          <p:nvPr>
+            <p:ph idx="1"/>
+          </p:nvPr>
+        </p:nvSpPr>
+        <p:spPr/>
+        <p:txBody>
+          <a:bodyPr>
+            <a:normAutofit/>
+          </a:bodyPr>
+          <a:lstStyle/>
+          <a:p>
+            <a:r>
+              <a:rPr kumimoji="1" lang="en-US" altLang="ja-JP" sz="2400" dirty="0"/>
+              <a:t>Each hold has height.</a:t>
+            </a:r>
+          </a:p>
+          <a:p>
+            <a:r>
+              <a:rPr lang="en-US" altLang="ja-JP" sz="2400" dirty="0"/>
+              <a:t>To place cars in holds, the height of the car needs to be lower than the height of the hold</a:t>
+            </a:r>
+            <a:endParaRPr kumimoji="1" lang="ja-JP" altLang="en-US" sz="2400"/>
+          </a:p>
+        </p:txBody>
+      </p:sp>
+    </p:spTree>
+    <p:extLst>
+      <p:ext uri="{BB962C8B-B14F-4D97-AF65-F5344CB8AC3E}">
+        <p14:creationId xmlns:p14="http://schemas.microsoft.com/office/powerpoint/2010/main" val="1289888316"/>
+      </p:ext>
+    </p:extLst>
+  </p:cSld>
+  <p:clrMapOvr>
+    <a:masterClrMapping/>
+  </p:clrMapOvr>
+</p:sld>
+</file>
+
+<file path=ppt/slides/slide21.xml><?xml version="1.0" encoding="utf-8"?>
+<p:sld xmlns:a="http://schemas.openxmlformats.org/drawingml/2006/main" xmlns:r="http://schemas.openxmlformats.org/officeDocument/2006/relationships" xmlns:p="http://schemas.openxmlformats.org/presentationml/2006/main">
+  <p:cSld>
+    <p:spTree>
+      <p:nvGrpSpPr>
+        <p:cNvPr id="1" name=""/>
+        <p:cNvGrpSpPr/>
+        <p:nvPr/>
+      </p:nvGrpSpPr>
+      <p:grpSpPr>
+        <a:xfrm>
+          <a:off x="0" y="0"/>
+          <a:ext cx="0" cy="0"/>
+          <a:chOff x="0" y="0"/>
+          <a:chExt cx="0" cy="0"/>
+        </a:xfrm>
+      </p:grpSpPr>
+      <p:sp>
+        <p:nvSpPr>
+          <p:cNvPr id="2" name="タイトル 1">
+            <a:extLst>
+              <a:ext uri="{FF2B5EF4-FFF2-40B4-BE49-F238E27FC236}">
+                <a16:creationId xmlns:a16="http://schemas.microsoft.com/office/drawing/2014/main" id="{27F343C2-0C5B-4C4B-80AC-FA94488BB945}"/>
+              </a:ext>
+            </a:extLst>
+          </p:cNvPr>
+          <p:cNvSpPr>
+            <a:spLocks noGrp="1"/>
+          </p:cNvSpPr>
+          <p:nvPr>
+            <p:ph type="title"/>
+          </p:nvPr>
+        </p:nvSpPr>
+        <p:spPr/>
+        <p:txBody>
+          <a:bodyPr/>
+          <a:lstStyle/>
+          <a:p>
+            <a:r>
+              <a:rPr lang="en-US" altLang="ja-JP" dirty="0"/>
+              <a:t>Computational experiment</a:t>
+            </a:r>
+            <a:endParaRPr kumimoji="1" lang="ja-JP" altLang="en-US"/>
+          </a:p>
+        </p:txBody>
+      </p:sp>
+      <p:sp>
+        <p:nvSpPr>
+          <p:cNvPr id="3" name="コンテンツ プレースホルダー 2">
+            <a:extLst>
+              <a:ext uri="{FF2B5EF4-FFF2-40B4-BE49-F238E27FC236}">
+                <a16:creationId xmlns:a16="http://schemas.microsoft.com/office/drawing/2014/main" id="{11F9DD95-8CF5-9348-886C-FD2EAE61BF0C}"/>
+              </a:ext>
+            </a:extLst>
+          </p:cNvPr>
+          <p:cNvSpPr>
+            <a:spLocks noGrp="1"/>
+          </p:cNvSpPr>
+          <p:nvPr>
+            <p:ph idx="1"/>
+          </p:nvPr>
+        </p:nvSpPr>
+        <p:spPr/>
+        <p:txBody>
+          <a:bodyPr>
+            <a:normAutofit/>
+          </a:bodyPr>
+          <a:lstStyle/>
+          <a:p>
+            <a:r>
+              <a:rPr kumimoji="1" lang="en-US" altLang="ja-JP" sz="2400" dirty="0"/>
+              <a:t>With this model, we confirmed that we can get a good assignment for small booking.</a:t>
+            </a:r>
+          </a:p>
+          <a:p>
+            <a:r>
+              <a:rPr lang="en" altLang="ja-JP" sz="2400" dirty="0"/>
+              <a:t>The number of orders and the number of loading and unloading ports increases, the calculations may not be sufficiently advanced in a limited time.[1]</a:t>
+            </a:r>
+            <a:endParaRPr kumimoji="1" lang="ja-JP" altLang="en-US" sz="2400"/>
+          </a:p>
+        </p:txBody>
+      </p:sp>
+      <p:sp>
+        <p:nvSpPr>
+          <p:cNvPr id="4" name="正方形/長方形 3">
+            <a:extLst>
+              <a:ext uri="{FF2B5EF4-FFF2-40B4-BE49-F238E27FC236}">
+                <a16:creationId xmlns:a16="http://schemas.microsoft.com/office/drawing/2014/main" id="{9D9AB659-4052-624D-8F74-5899265AF76C}"/>
+              </a:ext>
+            </a:extLst>
+          </p:cNvPr>
+          <p:cNvSpPr/>
+          <p:nvPr/>
+        </p:nvSpPr>
+        <p:spPr>
+          <a:xfrm>
+            <a:off x="2147248" y="5911222"/>
+            <a:ext cx="9357364" cy="646331"/>
+          </a:xfrm>
+          <a:prstGeom prst="rect">
+            <a:avLst/>
+          </a:prstGeom>
+        </p:spPr>
+        <p:txBody>
+          <a:bodyPr wrap="square">
+            <a:spAutoFit/>
+          </a:bodyPr>
+          <a:lstStyle/>
+          <a:p>
+            <a:r>
+              <a:rPr lang="en-US" altLang="ja-JP" dirty="0"/>
+              <a:t>[1]</a:t>
+            </a:r>
+            <a:r>
+              <a:rPr lang="ja-JP" altLang="en-US"/>
+              <a:t>鵜川知哉</a:t>
+            </a:r>
+            <a:r>
+              <a:rPr lang="en-US" altLang="ja-JP" dirty="0"/>
+              <a:t>, </a:t>
+            </a:r>
+            <a:r>
+              <a:rPr lang="ja-JP" altLang="en-US"/>
+              <a:t>自動車運搬船における貨物積載プラン ニングの席割問題に対する数理モデリング</a:t>
+            </a:r>
+            <a:r>
+              <a:rPr lang="en-US" altLang="ja-JP" dirty="0"/>
+              <a:t>, </a:t>
+            </a:r>
+            <a:r>
+              <a:rPr lang="ja-JP" altLang="en-US"/>
+              <a:t>修士 論文，名古屋大学情報学研究科</a:t>
+            </a:r>
+            <a:r>
+              <a:rPr lang="en-US" altLang="ja-JP" dirty="0"/>
+              <a:t>, 2020 </a:t>
+            </a:r>
+            <a:endParaRPr lang="ja-JP" altLang="en-US"/>
+          </a:p>
+        </p:txBody>
+      </p:sp>
+    </p:spTree>
+    <p:extLst>
+      <p:ext uri="{BB962C8B-B14F-4D97-AF65-F5344CB8AC3E}">
+        <p14:creationId xmlns:p14="http://schemas.microsoft.com/office/powerpoint/2010/main" val="2541979275"/>
+      </p:ext>
+    </p:extLst>
+  </p:cSld>
+  <p:clrMapOvr>
+    <a:masterClrMapping/>
+  </p:clrMapOvr>
+</p:sld>
+</file>
+
+<file path=ppt/slides/slide22.xml><?xml version="1.0" encoding="utf-8"?>
+<p:sld xmlns:a="http://schemas.openxmlformats.org/drawingml/2006/main" xmlns:r="http://schemas.openxmlformats.org/officeDocument/2006/relationships" xmlns:p="http://schemas.openxmlformats.org/presentationml/2006/main">
+  <p:cSld>
+    <p:spTree>
+      <p:nvGrpSpPr>
+        <p:cNvPr id="1" name=""/>
+        <p:cNvGrpSpPr/>
+        <p:nvPr/>
+      </p:nvGrpSpPr>
+      <p:grpSpPr>
+        <a:xfrm>
+          <a:off x="0" y="0"/>
+          <a:ext cx="0" cy="0"/>
+          <a:chOff x="0" y="0"/>
+          <a:chExt cx="0" cy="0"/>
+        </a:xfrm>
+      </p:grpSpPr>
+      <p:sp>
+        <p:nvSpPr>
+          <p:cNvPr id="2" name="タイトル 1">
+            <a:extLst>
+              <a:ext uri="{FF2B5EF4-FFF2-40B4-BE49-F238E27FC236}">
+                <a16:creationId xmlns:a16="http://schemas.microsoft.com/office/drawing/2014/main" id="{6FB3DAFA-499F-CC43-9BCD-BE6F3184C60F}"/>
+              </a:ext>
+            </a:extLst>
+          </p:cNvPr>
+          <p:cNvSpPr>
+            <a:spLocks noGrp="1"/>
+          </p:cNvSpPr>
+          <p:nvPr>
+            <p:ph type="title"/>
+          </p:nvPr>
+        </p:nvSpPr>
+        <p:spPr/>
+        <p:txBody>
+          <a:bodyPr/>
+          <a:lstStyle/>
+          <a:p>
+            <a:r>
+              <a:rPr lang="en-US" altLang="ja-JP" dirty="0"/>
+              <a:t>Computational experiment</a:t>
+            </a:r>
+            <a:endParaRPr kumimoji="1" lang="ja-JP" altLang="en-US"/>
+          </a:p>
+        </p:txBody>
+      </p:sp>
+      <p:sp>
+        <p:nvSpPr>
+          <p:cNvPr id="3" name="コンテンツ プレースホルダー 2">
+            <a:extLst>
+              <a:ext uri="{FF2B5EF4-FFF2-40B4-BE49-F238E27FC236}">
+                <a16:creationId xmlns:a16="http://schemas.microsoft.com/office/drawing/2014/main" id="{21197B3F-5316-2143-8DE6-648207C996E1}"/>
+              </a:ext>
+            </a:extLst>
+          </p:cNvPr>
+          <p:cNvSpPr>
+            <a:spLocks noGrp="1"/>
+          </p:cNvSpPr>
+          <p:nvPr>
+            <p:ph idx="1"/>
+          </p:nvPr>
+        </p:nvSpPr>
+        <p:spPr/>
+        <p:txBody>
+          <a:bodyPr>
+            <a:normAutofit/>
+          </a:bodyPr>
+          <a:lstStyle/>
+          <a:p>
+            <a:r>
+              <a:rPr lang="en-US" altLang="ja-JP" sz="2400" dirty="0"/>
+              <a:t>We compared the case with and without considering the height constraint.</a:t>
+            </a:r>
+          </a:p>
+          <a:p>
+            <a:r>
+              <a:rPr kumimoji="1" lang="en-US" altLang="ja-JP" sz="2400" dirty="0"/>
+              <a:t>The booking we used has 109 orders, has 2 loading ports and 3 destination ports.</a:t>
+            </a:r>
+          </a:p>
+          <a:p>
+            <a:endParaRPr kumimoji="1" lang="ja-JP" altLang="en-US" sz="2400"/>
+          </a:p>
+        </p:txBody>
+      </p:sp>
+    </p:spTree>
+    <p:extLst>
+      <p:ext uri="{BB962C8B-B14F-4D97-AF65-F5344CB8AC3E}">
+        <p14:creationId xmlns:p14="http://schemas.microsoft.com/office/powerpoint/2010/main" val="1512458897"/>
+      </p:ext>
+    </p:extLst>
+  </p:cSld>
+  <p:clrMapOvr>
+    <a:masterClrMapping/>
+  </p:clrMapOvr>
+</p:sld>
+</file>
+
+<file path=ppt/slides/slide23.xml><?xml version="1.0" encoding="utf-8"?>
+<p:sld xmlns:a="http://schemas.openxmlformats.org/drawingml/2006/main" xmlns:r="http://schemas.openxmlformats.org/officeDocument/2006/relationships" xmlns:p="http://schemas.openxmlformats.org/presentationml/2006/main">
+  <p:cSld>
+    <p:spTree>
+      <p:nvGrpSpPr>
+        <p:cNvPr id="1" name=""/>
+        <p:cNvGrpSpPr/>
+        <p:nvPr/>
+      </p:nvGrpSpPr>
+      <p:grpSpPr>
+        <a:xfrm>
+          <a:off x="0" y="0"/>
+          <a:ext cx="0" cy="0"/>
+          <a:chOff x="0" y="0"/>
+          <a:chExt cx="0" cy="0"/>
+        </a:xfrm>
+      </p:grpSpPr>
+      <p:sp>
+        <p:nvSpPr>
+          <p:cNvPr id="2" name="タイトル 1">
+            <a:extLst>
+              <a:ext uri="{FF2B5EF4-FFF2-40B4-BE49-F238E27FC236}">
+                <a16:creationId xmlns:a16="http://schemas.microsoft.com/office/drawing/2014/main" id="{9C59A61A-9502-434B-A065-FDABADC31C72}"/>
+              </a:ext>
+            </a:extLst>
+          </p:cNvPr>
+          <p:cNvSpPr>
+            <a:spLocks noGrp="1"/>
+          </p:cNvSpPr>
+          <p:nvPr>
+            <p:ph type="title"/>
+          </p:nvPr>
+        </p:nvSpPr>
+        <p:spPr/>
+        <p:txBody>
+          <a:bodyPr>
+            <a:normAutofit/>
+          </a:bodyPr>
+          <a:lstStyle/>
+          <a:p>
+            <a:endParaRPr kumimoji="1" lang="ja-JP" altLang="en-US" sz="3200">
+              <a:latin typeface="MS Gothic" panose="020B0609070205080204" pitchFamily="49" charset="-128"/>
+              <a:ea typeface="MS Gothic" panose="020B0609070205080204" pitchFamily="49" charset="-128"/>
+            </a:endParaRPr>
+          </a:p>
+        </p:txBody>
+      </p:sp>
+      <p:sp>
+        <p:nvSpPr>
+          <p:cNvPr id="3" name="コンテンツ プレースホルダー 2">
+            <a:extLst>
+              <a:ext uri="{FF2B5EF4-FFF2-40B4-BE49-F238E27FC236}">
+                <a16:creationId xmlns:a16="http://schemas.microsoft.com/office/drawing/2014/main" id="{F66FBB84-B9C7-AA4D-80BE-18B755A94097}"/>
+              </a:ext>
+            </a:extLst>
+          </p:cNvPr>
+          <p:cNvSpPr>
+            <a:spLocks noGrp="1"/>
+          </p:cNvSpPr>
+          <p:nvPr>
+            <p:ph sz="half" idx="1"/>
+          </p:nvPr>
+        </p:nvSpPr>
+        <p:spPr>
+          <a:xfrm>
+            <a:off x="1762280" y="2180991"/>
+            <a:ext cx="4313864" cy="3777622"/>
+          </a:xfrm>
+        </p:spPr>
+        <p:txBody>
+          <a:bodyPr/>
+          <a:lstStyle/>
+          <a:p>
+            <a:pPr marL="0" indent="0">
+              <a:buNone/>
+            </a:pPr>
+            <a:r>
+              <a:rPr kumimoji="1" lang="en-US" altLang="ja-JP" dirty="0"/>
+              <a:t>Without height constraint</a:t>
+            </a:r>
+            <a:endParaRPr kumimoji="1" lang="ja-JP" altLang="en-US"/>
+          </a:p>
+        </p:txBody>
+      </p:sp>
+      <p:sp>
+        <p:nvSpPr>
+          <p:cNvPr id="4" name="コンテンツ プレースホルダー 3">
+            <a:extLst>
+              <a:ext uri="{FF2B5EF4-FFF2-40B4-BE49-F238E27FC236}">
+                <a16:creationId xmlns:a16="http://schemas.microsoft.com/office/drawing/2014/main" id="{18254CEE-128F-D144-84C9-40C91BD284C0}"/>
+              </a:ext>
+            </a:extLst>
+          </p:cNvPr>
+          <p:cNvSpPr>
+            <a:spLocks noGrp="1"/>
+          </p:cNvSpPr>
+          <p:nvPr>
+            <p:ph sz="half" idx="2"/>
+          </p:nvPr>
+        </p:nvSpPr>
+        <p:spPr>
+          <a:xfrm>
+            <a:off x="7559237" y="2180991"/>
+            <a:ext cx="4313864" cy="3777622"/>
+          </a:xfrm>
+        </p:spPr>
+        <p:txBody>
+          <a:bodyPr/>
+          <a:lstStyle/>
+          <a:p>
+            <a:pPr marL="0" indent="0">
+              <a:buNone/>
+            </a:pPr>
+            <a:r>
+              <a:rPr kumimoji="1" lang="en-US" altLang="ja-JP" dirty="0"/>
+              <a:t>with height constrain</a:t>
+            </a:r>
+            <a:r>
+              <a:rPr lang="en-US" altLang="ja-JP" dirty="0"/>
+              <a:t>t</a:t>
+            </a:r>
+            <a:endParaRPr kumimoji="1" lang="ja-JP" altLang="en-US"/>
+          </a:p>
+        </p:txBody>
+      </p:sp>
+      <p:pic>
+        <p:nvPicPr>
+          <p:cNvPr id="5" name="図 4">
+            <a:extLst>
+              <a:ext uri="{FF2B5EF4-FFF2-40B4-BE49-F238E27FC236}">
+                <a16:creationId xmlns:a16="http://schemas.microsoft.com/office/drawing/2014/main" id="{41482D62-7CBE-DF47-A6E6-9C986213427C}"/>
+              </a:ext>
+            </a:extLst>
+          </p:cNvPr>
+          <p:cNvPicPr>
+            <a:picLocks noChangeAspect="1"/>
+          </p:cNvPicPr>
+          <p:nvPr/>
+        </p:nvPicPr>
+        <p:blipFill rotWithShape="1">
+          <a:blip r:embed="rId2"/>
+          <a:srcRect t="11225" b="13265"/>
+          <a:stretch/>
+        </p:blipFill>
+        <p:spPr>
+          <a:xfrm>
+            <a:off x="10688782" y="230188"/>
+            <a:ext cx="1330036" cy="1004315"/>
+          </a:xfrm>
+          <a:prstGeom prst="rect">
+            <a:avLst/>
+          </a:prstGeom>
+        </p:spPr>
+      </p:pic>
+      <p:graphicFrame>
+        <p:nvGraphicFramePr>
+          <p:cNvPr id="6" name="表 5">
+            <a:extLst>
+              <a:ext uri="{FF2B5EF4-FFF2-40B4-BE49-F238E27FC236}">
+                <a16:creationId xmlns:a16="http://schemas.microsoft.com/office/drawing/2014/main" id="{7C5BD33A-7DD8-DC43-9A43-8E0D0D565D25}"/>
+              </a:ext>
+            </a:extLst>
+          </p:cNvPr>
+          <p:cNvGraphicFramePr>
+            <a:graphicFrameLocks noGrp="1"/>
+          </p:cNvGraphicFramePr>
+          <p:nvPr>
+            <p:extLst>
+              <p:ext uri="{D42A27DB-BD31-4B8C-83A1-F6EECF244321}">
+                <p14:modId xmlns:p14="http://schemas.microsoft.com/office/powerpoint/2010/main" val="2034360048"/>
+              </p:ext>
+            </p:extLst>
+          </p:nvPr>
+        </p:nvGraphicFramePr>
+        <p:xfrm>
+          <a:off x="1038047" y="2712524"/>
+          <a:ext cx="4758543" cy="3474719"/>
+        </p:xfrm>
+        <a:graphic>
+          <a:graphicData uri="http://schemas.openxmlformats.org/drawingml/2006/table">
+            <a:tbl>
+              <a:tblPr firstRow="1" bandRow="1">
+                <a:tableStyleId>{5C22544A-7EE6-4342-B048-85BDC9FD1C3A}</a:tableStyleId>
+              </a:tblPr>
+              <a:tblGrid>
+                <a:gridCol w="1611057">
+                  <a:extLst>
+                    <a:ext uri="{9D8B030D-6E8A-4147-A177-3AD203B41FA5}">
+                      <a16:colId xmlns:a16="http://schemas.microsoft.com/office/drawing/2014/main" val="2773331440"/>
+                    </a:ext>
+                  </a:extLst>
+                </a:gridCol>
+                <a:gridCol w="1561305">
+                  <a:extLst>
+                    <a:ext uri="{9D8B030D-6E8A-4147-A177-3AD203B41FA5}">
+                      <a16:colId xmlns:a16="http://schemas.microsoft.com/office/drawing/2014/main" val="104301744"/>
+                    </a:ext>
+                  </a:extLst>
+                </a:gridCol>
+                <a:gridCol w="1586181">
+                  <a:extLst>
+                    <a:ext uri="{9D8B030D-6E8A-4147-A177-3AD203B41FA5}">
+                      <a16:colId xmlns:a16="http://schemas.microsoft.com/office/drawing/2014/main" val="3225761282"/>
+                    </a:ext>
+                  </a:extLst>
+                </a:gridCol>
+              </a:tblGrid>
+              <a:tr h="698534">
+                <a:tc>
+                  <a:txBody>
+                    <a:bodyPr/>
+                    <a:lstStyle/>
+                    <a:p>
+                      <a:pPr algn="ctr"/>
+                      <a:r>
+                        <a:rPr kumimoji="1" lang="en-US" altLang="ja-JP" dirty="0"/>
+                        <a:t>Calculation</a:t>
+                      </a:r>
+                    </a:p>
+                    <a:p>
+                      <a:pPr algn="ctr"/>
+                      <a:r>
+                        <a:rPr kumimoji="1" lang="en-US" altLang="ja-JP" dirty="0"/>
+                        <a:t>time</a:t>
+                      </a:r>
+                      <a:endParaRPr kumimoji="1" lang="ja-JP" altLang="en-US"/>
+                    </a:p>
+                  </a:txBody>
+                  <a:tcPr/>
+                </a:tc>
+                <a:tc>
+                  <a:txBody>
+                    <a:bodyPr/>
+                    <a:lstStyle/>
+                    <a:p>
+                      <a:pPr algn="ctr"/>
+                      <a:r>
+                        <a:rPr kumimoji="1" lang="en-US" altLang="ja-JP" dirty="0"/>
+                        <a:t>Objective's value</a:t>
+                      </a:r>
+                      <a:endParaRPr kumimoji="1" lang="ja-JP" altLang="en-US"/>
+                    </a:p>
+                  </a:txBody>
+                  <a:tcPr/>
+                </a:tc>
+                <a:tc>
+                  <a:txBody>
+                    <a:bodyPr/>
+                    <a:lstStyle/>
+                    <a:p>
+                      <a:pPr algn="ctr"/>
+                      <a:r>
+                        <a:rPr kumimoji="1" lang="en-US" altLang="ja-JP" dirty="0"/>
+                        <a:t>Lower bound</a:t>
+                      </a:r>
+                      <a:endParaRPr kumimoji="1" lang="ja-JP" altLang="en-US"/>
+                    </a:p>
+                  </a:txBody>
+                  <a:tcPr/>
+                </a:tc>
+                <a:extLst>
+                  <a:ext uri="{0D108BD9-81ED-4DB2-BD59-A6C34878D82A}">
+                    <a16:rowId xmlns:a16="http://schemas.microsoft.com/office/drawing/2014/main" val="1679903876"/>
+                  </a:ext>
+                </a:extLst>
+              </a:tr>
+              <a:tr h="680583">
+                <a:tc>
+                  <a:txBody>
+                    <a:bodyPr/>
+                    <a:lstStyle/>
+                    <a:p>
+                      <a:pPr algn="ctr"/>
+                      <a:r>
+                        <a:rPr kumimoji="1" lang="en-US" altLang="ja-JP" dirty="0"/>
+                        <a:t>537</a:t>
+                      </a:r>
+                      <a:endParaRPr kumimoji="1" lang="ja-JP" altLang="en-US"/>
+                    </a:p>
+                  </a:txBody>
+                  <a:tcPr/>
+                </a:tc>
+                <a:tc>
+                  <a:txBody>
+                    <a:bodyPr/>
+                    <a:lstStyle/>
+                    <a:p>
+                      <a:pPr algn="ctr"/>
+                      <a:r>
+                        <a:rPr kumimoji="1" lang="en-US" altLang="ja-JP" dirty="0"/>
+                        <a:t>1035446</a:t>
+                      </a:r>
+                      <a:endParaRPr kumimoji="1" lang="ja-JP" altLang="en-US"/>
+                    </a:p>
+                  </a:txBody>
+                  <a:tcPr/>
+                </a:tc>
+                <a:tc>
+                  <a:txBody>
+                    <a:bodyPr/>
+                    <a:lstStyle/>
+                    <a:p>
+                      <a:pPr algn="ctr"/>
+                      <a:r>
+                        <a:rPr kumimoji="1" lang="en-US" altLang="ja-JP" dirty="0"/>
+                        <a:t>-4461.98</a:t>
+                      </a:r>
+                      <a:endParaRPr kumimoji="1" lang="ja-JP" altLang="en-US"/>
+                    </a:p>
+                  </a:txBody>
+                  <a:tcPr/>
+                </a:tc>
+                <a:extLst>
+                  <a:ext uri="{0D108BD9-81ED-4DB2-BD59-A6C34878D82A}">
+                    <a16:rowId xmlns:a16="http://schemas.microsoft.com/office/drawing/2014/main" val="3667016511"/>
+                  </a:ext>
+                </a:extLst>
+              </a:tr>
+              <a:tr h="698534">
+                <a:tc>
+                  <a:txBody>
+                    <a:bodyPr/>
+                    <a:lstStyle/>
+                    <a:p>
+                      <a:pPr algn="ctr"/>
+                      <a:r>
+                        <a:rPr kumimoji="1" lang="en-US" altLang="ja-JP" dirty="0"/>
+                        <a:t>933</a:t>
+                      </a:r>
+                      <a:endParaRPr kumimoji="1" lang="ja-JP" altLang="en-US"/>
+                    </a:p>
+                  </a:txBody>
+                  <a:tcPr/>
+                </a:tc>
+                <a:tc>
+                  <a:txBody>
+                    <a:bodyPr/>
+                    <a:lstStyle/>
+                    <a:p>
+                      <a:pPr algn="ctr"/>
+                      <a:r>
+                        <a:rPr kumimoji="1" lang="en-US" altLang="ja-JP" dirty="0"/>
+                        <a:t>-4285</a:t>
+                      </a:r>
+                      <a:endParaRPr kumimoji="1" lang="ja-JP" altLang="en-US"/>
+                    </a:p>
+                  </a:txBody>
+                  <a:tcPr/>
+                </a:tc>
+                <a:tc>
+                  <a:txBody>
+                    <a:bodyPr/>
+                    <a:lstStyle/>
+                    <a:p>
+                      <a:pPr marL="0" marR="0" lvl="0" indent="0" algn="ctr" defTabSz="914400" rtl="0" eaLnBrk="1" fontAlgn="auto" latinLnBrk="0" hangingPunct="1">
+                        <a:lnSpc>
+                          <a:spcPct val="100000"/>
+                        </a:lnSpc>
+                        <a:spcBef>
+                          <a:spcPts val="0"/>
+                        </a:spcBef>
+                        <a:spcAft>
+                          <a:spcPts val="0"/>
+                        </a:spcAft>
+                        <a:buClrTx/>
+                        <a:buSzTx/>
+                        <a:buFontTx/>
+                        <a:buNone/>
+                        <a:tabLst/>
+                        <a:defRPr/>
+                      </a:pPr>
+                      <a:r>
+                        <a:rPr kumimoji="1" lang="en-US" altLang="ja-JP" dirty="0"/>
+                        <a:t>-4461.98</a:t>
+                      </a:r>
+                      <a:endParaRPr kumimoji="1" lang="ja-JP" altLang="en-US"/>
+                    </a:p>
+                    <a:p>
+                      <a:pPr algn="ctr"/>
+                      <a:endParaRPr kumimoji="1" lang="ja-JP" altLang="en-US"/>
+                    </a:p>
+                  </a:txBody>
+                  <a:tcPr/>
+                </a:tc>
+                <a:extLst>
+                  <a:ext uri="{0D108BD9-81ED-4DB2-BD59-A6C34878D82A}">
+                    <a16:rowId xmlns:a16="http://schemas.microsoft.com/office/drawing/2014/main" val="1714159038"/>
+                  </a:ext>
+                </a:extLst>
+              </a:tr>
+              <a:tr h="698534">
+                <a:tc>
+                  <a:txBody>
+                    <a:bodyPr/>
+                    <a:lstStyle/>
+                    <a:p>
+                      <a:pPr algn="ctr"/>
+                      <a:r>
+                        <a:rPr kumimoji="1" lang="en-US" altLang="ja-JP" dirty="0"/>
+                        <a:t>2510</a:t>
+                      </a:r>
+                      <a:endParaRPr kumimoji="1" lang="ja-JP" altLang="en-US"/>
+                    </a:p>
+                  </a:txBody>
+                  <a:tcPr/>
+                </a:tc>
+                <a:tc>
+                  <a:txBody>
+                    <a:bodyPr/>
+                    <a:lstStyle/>
+                    <a:p>
+                      <a:pPr algn="ctr"/>
+                      <a:r>
+                        <a:rPr kumimoji="1" lang="en-US" altLang="ja-JP" dirty="0"/>
+                        <a:t>-4301</a:t>
+                      </a:r>
+                      <a:endParaRPr kumimoji="1" lang="ja-JP" altLang="en-US"/>
+                    </a:p>
+                  </a:txBody>
+                  <a:tcPr/>
+                </a:tc>
+                <a:tc>
+                  <a:txBody>
+                    <a:bodyPr/>
+                    <a:lstStyle/>
+                    <a:p>
+                      <a:pPr marL="0" marR="0" lvl="0" indent="0" algn="ctr" defTabSz="914400" rtl="0" eaLnBrk="1" fontAlgn="auto" latinLnBrk="0" hangingPunct="1">
+                        <a:lnSpc>
+                          <a:spcPct val="100000"/>
+                        </a:lnSpc>
+                        <a:spcBef>
+                          <a:spcPts val="0"/>
+                        </a:spcBef>
+                        <a:spcAft>
+                          <a:spcPts val="0"/>
+                        </a:spcAft>
+                        <a:buClrTx/>
+                        <a:buSzTx/>
+                        <a:buFontTx/>
+                        <a:buNone/>
+                        <a:tabLst/>
+                        <a:defRPr/>
+                      </a:pPr>
+                      <a:r>
+                        <a:rPr kumimoji="1" lang="en-US" altLang="ja-JP" dirty="0"/>
+                        <a:t>-4461.98</a:t>
+                      </a:r>
+                      <a:endParaRPr kumimoji="1" lang="ja-JP" altLang="en-US"/>
+                    </a:p>
+                    <a:p>
+                      <a:pPr algn="ctr"/>
+                      <a:endParaRPr kumimoji="1" lang="ja-JP" altLang="en-US"/>
+                    </a:p>
+                  </a:txBody>
+                  <a:tcPr/>
+                </a:tc>
+                <a:extLst>
+                  <a:ext uri="{0D108BD9-81ED-4DB2-BD59-A6C34878D82A}">
+                    <a16:rowId xmlns:a16="http://schemas.microsoft.com/office/drawing/2014/main" val="2815610960"/>
+                  </a:ext>
+                </a:extLst>
+              </a:tr>
+              <a:tr h="698534">
+                <a:tc>
+                  <a:txBody>
+                    <a:bodyPr/>
+                    <a:lstStyle/>
+                    <a:p>
+                      <a:pPr algn="ctr"/>
+                      <a:r>
+                        <a:rPr kumimoji="1" lang="en-US" altLang="ja-JP" dirty="0"/>
+                        <a:t>2973</a:t>
+                      </a:r>
+                      <a:endParaRPr kumimoji="1" lang="ja-JP" altLang="en-US"/>
+                    </a:p>
+                  </a:txBody>
+                  <a:tcPr/>
+                </a:tc>
+                <a:tc>
+                  <a:txBody>
+                    <a:bodyPr/>
+                    <a:lstStyle/>
+                    <a:p>
+                      <a:pPr algn="ctr"/>
+                      <a:r>
+                        <a:rPr kumimoji="1" lang="en-US" altLang="ja-JP" dirty="0"/>
+                        <a:t>-4311</a:t>
+                      </a:r>
+                      <a:endParaRPr kumimoji="1" lang="ja-JP" altLang="en-US"/>
+                    </a:p>
+                  </a:txBody>
+                  <a:tcPr/>
+                </a:tc>
+                <a:tc>
+                  <a:txBody>
+                    <a:bodyPr/>
+                    <a:lstStyle/>
+                    <a:p>
+                      <a:pPr marL="0" marR="0" lvl="0" indent="0" algn="ctr" defTabSz="914400" rtl="0" eaLnBrk="1" fontAlgn="auto" latinLnBrk="0" hangingPunct="1">
+                        <a:lnSpc>
+                          <a:spcPct val="100000"/>
+                        </a:lnSpc>
+                        <a:spcBef>
+                          <a:spcPts val="0"/>
+                        </a:spcBef>
+                        <a:spcAft>
+                          <a:spcPts val="0"/>
+                        </a:spcAft>
+                        <a:buClrTx/>
+                        <a:buSzTx/>
+                        <a:buFontTx/>
+                        <a:buNone/>
+                        <a:tabLst/>
+                        <a:defRPr/>
+                      </a:pPr>
+                      <a:r>
+                        <a:rPr kumimoji="1" lang="en-US" altLang="ja-JP" dirty="0"/>
+                        <a:t>-4461.98</a:t>
+                      </a:r>
+                      <a:endParaRPr kumimoji="1" lang="ja-JP" altLang="en-US"/>
+                    </a:p>
+                    <a:p>
+                      <a:pPr algn="ctr"/>
+                      <a:endParaRPr kumimoji="1" lang="ja-JP" altLang="en-US"/>
+                    </a:p>
+                  </a:txBody>
+                  <a:tcPr/>
+                </a:tc>
+                <a:extLst>
+                  <a:ext uri="{0D108BD9-81ED-4DB2-BD59-A6C34878D82A}">
+                    <a16:rowId xmlns:a16="http://schemas.microsoft.com/office/drawing/2014/main" val="842600853"/>
+                  </a:ext>
+                </a:extLst>
+              </a:tr>
+            </a:tbl>
+          </a:graphicData>
+        </a:graphic>
+      </p:graphicFrame>
+      <p:graphicFrame>
+        <p:nvGraphicFramePr>
+          <p:cNvPr id="7" name="表 6">
+            <a:extLst>
+              <a:ext uri="{FF2B5EF4-FFF2-40B4-BE49-F238E27FC236}">
+                <a16:creationId xmlns:a16="http://schemas.microsoft.com/office/drawing/2014/main" id="{D14ADEC1-467D-7D4C-81CD-19D42B009216}"/>
+              </a:ext>
+            </a:extLst>
+          </p:cNvPr>
+          <p:cNvGraphicFramePr>
+            <a:graphicFrameLocks noGrp="1"/>
+          </p:cNvGraphicFramePr>
+          <p:nvPr>
+            <p:extLst>
+              <p:ext uri="{D42A27DB-BD31-4B8C-83A1-F6EECF244321}">
+                <p14:modId xmlns:p14="http://schemas.microsoft.com/office/powerpoint/2010/main" val="4079177824"/>
+              </p:ext>
+            </p:extLst>
+          </p:nvPr>
+        </p:nvGraphicFramePr>
+        <p:xfrm>
+          <a:off x="6501229" y="2712524"/>
+          <a:ext cx="4812765" cy="3246089"/>
+        </p:xfrm>
+        <a:graphic>
+          <a:graphicData uri="http://schemas.openxmlformats.org/drawingml/2006/table">
+            <a:tbl>
+              <a:tblPr firstRow="1" bandRow="1">
+                <a:tableStyleId>{5C22544A-7EE6-4342-B048-85BDC9FD1C3A}</a:tableStyleId>
+              </a:tblPr>
+              <a:tblGrid>
+                <a:gridCol w="1604255">
+                  <a:extLst>
+                    <a:ext uri="{9D8B030D-6E8A-4147-A177-3AD203B41FA5}">
+                      <a16:colId xmlns:a16="http://schemas.microsoft.com/office/drawing/2014/main" val="2026257715"/>
+                    </a:ext>
+                  </a:extLst>
+                </a:gridCol>
+                <a:gridCol w="1604255">
+                  <a:extLst>
+                    <a:ext uri="{9D8B030D-6E8A-4147-A177-3AD203B41FA5}">
+                      <a16:colId xmlns:a16="http://schemas.microsoft.com/office/drawing/2014/main" val="1279910219"/>
+                    </a:ext>
+                  </a:extLst>
+                </a:gridCol>
+                <a:gridCol w="1604255">
+                  <a:extLst>
+                    <a:ext uri="{9D8B030D-6E8A-4147-A177-3AD203B41FA5}">
+                      <a16:colId xmlns:a16="http://schemas.microsoft.com/office/drawing/2014/main" val="3910712517"/>
+                    </a:ext>
+                  </a:extLst>
+                </a:gridCol>
+              </a:tblGrid>
+              <a:tr h="685769">
+                <a:tc>
+                  <a:txBody>
+                    <a:bodyPr/>
+                    <a:lstStyle/>
+                    <a:p>
+                      <a:pPr algn="ctr"/>
+                      <a:r>
+                        <a:rPr kumimoji="1" lang="en-US" altLang="ja-JP" dirty="0"/>
+                        <a:t>Calculation</a:t>
+                      </a:r>
+                    </a:p>
+                    <a:p>
+                      <a:pPr algn="ctr"/>
+                      <a:r>
+                        <a:rPr kumimoji="1" lang="en-US" altLang="ja-JP" dirty="0"/>
+                        <a:t>time</a:t>
+                      </a:r>
+                      <a:endParaRPr kumimoji="1" lang="ja-JP" altLang="en-US"/>
+                    </a:p>
+                  </a:txBody>
+                  <a:tcPr/>
+                </a:tc>
+                <a:tc>
+                  <a:txBody>
+                    <a:bodyPr/>
+                    <a:lstStyle/>
+                    <a:p>
+                      <a:pPr marL="0" marR="0" lvl="0" indent="0" algn="ctr" defTabSz="457200" rtl="0" eaLnBrk="1" fontAlgn="auto" latinLnBrk="0" hangingPunct="1">
+                        <a:lnSpc>
+                          <a:spcPct val="100000"/>
+                        </a:lnSpc>
+                        <a:spcBef>
+                          <a:spcPts val="0"/>
+                        </a:spcBef>
+                        <a:spcAft>
+                          <a:spcPts val="0"/>
+                        </a:spcAft>
+                        <a:buClrTx/>
+                        <a:buSzTx/>
+                        <a:buFontTx/>
+                        <a:buNone/>
+                        <a:tabLst/>
+                        <a:defRPr/>
+                      </a:pPr>
+                      <a:r>
+                        <a:rPr kumimoji="1" lang="en-US" altLang="ja-JP" dirty="0"/>
+                        <a:t>Objective's value</a:t>
+                      </a:r>
+                      <a:endParaRPr kumimoji="1" lang="ja-JP" altLang="en-US"/>
+                    </a:p>
+                  </a:txBody>
+                  <a:tcPr/>
+                </a:tc>
+                <a:tc>
+                  <a:txBody>
+                    <a:bodyPr/>
+                    <a:lstStyle/>
+                    <a:p>
+                      <a:pPr marL="0" marR="0" lvl="0" indent="0" algn="ctr" defTabSz="457200" rtl="0" eaLnBrk="1" fontAlgn="auto" latinLnBrk="0" hangingPunct="1">
+                        <a:lnSpc>
+                          <a:spcPct val="100000"/>
+                        </a:lnSpc>
+                        <a:spcBef>
+                          <a:spcPts val="0"/>
+                        </a:spcBef>
+                        <a:spcAft>
+                          <a:spcPts val="0"/>
+                        </a:spcAft>
+                        <a:buClrTx/>
+                        <a:buSzTx/>
+                        <a:buFontTx/>
+                        <a:buNone/>
+                        <a:tabLst/>
+                        <a:defRPr/>
+                      </a:pPr>
+                      <a:r>
+                        <a:rPr kumimoji="1" lang="en-US" altLang="ja-JP" dirty="0"/>
+                        <a:t>Lower bound</a:t>
+                      </a:r>
+                      <a:endParaRPr kumimoji="1" lang="ja-JP" altLang="en-US"/>
+                    </a:p>
+                  </a:txBody>
+                  <a:tcPr/>
+                </a:tc>
+                <a:extLst>
+                  <a:ext uri="{0D108BD9-81ED-4DB2-BD59-A6C34878D82A}">
+                    <a16:rowId xmlns:a16="http://schemas.microsoft.com/office/drawing/2014/main" val="202788734"/>
+                  </a:ext>
+                </a:extLst>
+              </a:tr>
+              <a:tr h="590064">
+                <a:tc>
+                  <a:txBody>
+                    <a:bodyPr/>
+                    <a:lstStyle/>
+                    <a:p>
+                      <a:pPr algn="ctr"/>
+                      <a:r>
+                        <a:rPr kumimoji="1" lang="en-US" altLang="ja-JP" dirty="0"/>
+                        <a:t>3100</a:t>
+                      </a:r>
+                      <a:endParaRPr kumimoji="1" lang="ja-JP" altLang="en-US"/>
+                    </a:p>
+                  </a:txBody>
+                  <a:tcPr/>
+                </a:tc>
+                <a:tc>
+                  <a:txBody>
+                    <a:bodyPr/>
+                    <a:lstStyle/>
+                    <a:p>
+                      <a:pPr algn="ctr"/>
+                      <a:r>
+                        <a:rPr kumimoji="1" lang="en-US" altLang="ja-JP" dirty="0"/>
+                        <a:t>385282</a:t>
+                      </a:r>
+                      <a:endParaRPr kumimoji="1" lang="ja-JP" altLang="en-US"/>
+                    </a:p>
+                  </a:txBody>
+                  <a:tcPr/>
+                </a:tc>
+                <a:tc>
+                  <a:txBody>
+                    <a:bodyPr/>
+                    <a:lstStyle/>
+                    <a:p>
+                      <a:pPr marL="0" marR="0" lvl="0" indent="0" algn="ctr" defTabSz="914400" rtl="0" eaLnBrk="1" fontAlgn="auto" latinLnBrk="0" hangingPunct="1">
+                        <a:lnSpc>
+                          <a:spcPct val="100000"/>
+                        </a:lnSpc>
+                        <a:spcBef>
+                          <a:spcPts val="0"/>
+                        </a:spcBef>
+                        <a:spcAft>
+                          <a:spcPts val="0"/>
+                        </a:spcAft>
+                        <a:buClrTx/>
+                        <a:buSzTx/>
+                        <a:buFontTx/>
+                        <a:buNone/>
+                        <a:tabLst/>
+                        <a:defRPr/>
+                      </a:pPr>
+                      <a:r>
+                        <a:rPr kumimoji="1" lang="en-US" altLang="ja-JP" dirty="0"/>
+                        <a:t>-4461.98</a:t>
+                      </a:r>
+                      <a:endParaRPr kumimoji="1" lang="ja-JP" altLang="en-US"/>
+                    </a:p>
+                    <a:p>
+                      <a:pPr algn="ctr"/>
+                      <a:endParaRPr kumimoji="1" lang="ja-JP" altLang="en-US"/>
+                    </a:p>
+                  </a:txBody>
+                  <a:tcPr/>
+                </a:tc>
+                <a:extLst>
+                  <a:ext uri="{0D108BD9-81ED-4DB2-BD59-A6C34878D82A}">
+                    <a16:rowId xmlns:a16="http://schemas.microsoft.com/office/drawing/2014/main" val="1234922379"/>
+                  </a:ext>
+                </a:extLst>
+              </a:tr>
+              <a:tr h="590064">
+                <a:tc>
+                  <a:txBody>
+                    <a:bodyPr/>
+                    <a:lstStyle/>
+                    <a:p>
+                      <a:pPr algn="ctr"/>
+                      <a:r>
+                        <a:rPr kumimoji="1" lang="en-US" altLang="ja-JP" dirty="0"/>
+                        <a:t>3128</a:t>
+                      </a:r>
+                      <a:endParaRPr kumimoji="1" lang="ja-JP" altLang="en-US"/>
+                    </a:p>
+                  </a:txBody>
+                  <a:tcPr/>
+                </a:tc>
+                <a:tc>
+                  <a:txBody>
+                    <a:bodyPr/>
+                    <a:lstStyle/>
+                    <a:p>
+                      <a:pPr algn="ctr"/>
+                      <a:r>
+                        <a:rPr kumimoji="1" lang="en-US" altLang="ja-JP" dirty="0"/>
+                        <a:t>-4152</a:t>
+                      </a:r>
+                      <a:endParaRPr kumimoji="1" lang="ja-JP" altLang="en-US"/>
+                    </a:p>
+                  </a:txBody>
+                  <a:tcPr/>
+                </a:tc>
+                <a:tc>
+                  <a:txBody>
+                    <a:bodyPr/>
+                    <a:lstStyle/>
+                    <a:p>
+                      <a:pPr marL="0" marR="0" lvl="0" indent="0" algn="ctr" defTabSz="914400" rtl="0" eaLnBrk="1" fontAlgn="auto" latinLnBrk="0" hangingPunct="1">
+                        <a:lnSpc>
+                          <a:spcPct val="100000"/>
+                        </a:lnSpc>
+                        <a:spcBef>
+                          <a:spcPts val="0"/>
+                        </a:spcBef>
+                        <a:spcAft>
+                          <a:spcPts val="0"/>
+                        </a:spcAft>
+                        <a:buClrTx/>
+                        <a:buSzTx/>
+                        <a:buFontTx/>
+                        <a:buNone/>
+                        <a:tabLst/>
+                        <a:defRPr/>
+                      </a:pPr>
+                      <a:r>
+                        <a:rPr kumimoji="1" lang="en-US" altLang="ja-JP" dirty="0"/>
+                        <a:t>-4461.98</a:t>
+                      </a:r>
+                      <a:endParaRPr kumimoji="1" lang="ja-JP" altLang="en-US"/>
+                    </a:p>
+                    <a:p>
+                      <a:pPr algn="ctr"/>
+                      <a:endParaRPr kumimoji="1" lang="ja-JP" altLang="en-US"/>
+                    </a:p>
+                  </a:txBody>
+                  <a:tcPr/>
+                </a:tc>
+                <a:extLst>
+                  <a:ext uri="{0D108BD9-81ED-4DB2-BD59-A6C34878D82A}">
+                    <a16:rowId xmlns:a16="http://schemas.microsoft.com/office/drawing/2014/main" val="1799225169"/>
+                  </a:ext>
+                </a:extLst>
+              </a:tr>
+              <a:tr h="590064">
+                <a:tc>
+                  <a:txBody>
+                    <a:bodyPr/>
+                    <a:lstStyle/>
+                    <a:p>
+                      <a:pPr algn="ctr"/>
+                      <a:r>
+                        <a:rPr kumimoji="1" lang="en-US" altLang="ja-JP" dirty="0"/>
+                        <a:t>8433</a:t>
+                      </a:r>
+                      <a:endParaRPr kumimoji="1" lang="ja-JP" altLang="en-US"/>
+                    </a:p>
+                  </a:txBody>
+                  <a:tcPr/>
+                </a:tc>
+                <a:tc>
+                  <a:txBody>
+                    <a:bodyPr/>
+                    <a:lstStyle/>
+                    <a:p>
+                      <a:pPr algn="ctr"/>
+                      <a:r>
+                        <a:rPr kumimoji="1" lang="en-US" altLang="ja-JP" dirty="0"/>
+                        <a:t>-4173</a:t>
+                      </a:r>
+                      <a:endParaRPr kumimoji="1" lang="ja-JP" altLang="en-US"/>
+                    </a:p>
+                  </a:txBody>
+                  <a:tcPr/>
+                </a:tc>
+                <a:tc>
+                  <a:txBody>
+                    <a:bodyPr/>
+                    <a:lstStyle/>
+                    <a:p>
+                      <a:pPr marL="0" marR="0" lvl="0" indent="0" algn="ctr" defTabSz="914400" rtl="0" eaLnBrk="1" fontAlgn="auto" latinLnBrk="0" hangingPunct="1">
+                        <a:lnSpc>
+                          <a:spcPct val="100000"/>
+                        </a:lnSpc>
+                        <a:spcBef>
+                          <a:spcPts val="0"/>
+                        </a:spcBef>
+                        <a:spcAft>
+                          <a:spcPts val="0"/>
+                        </a:spcAft>
+                        <a:buClrTx/>
+                        <a:buSzTx/>
+                        <a:buFontTx/>
+                        <a:buNone/>
+                        <a:tabLst/>
+                        <a:defRPr/>
+                      </a:pPr>
+                      <a:r>
+                        <a:rPr kumimoji="1" lang="en-US" altLang="ja-JP" dirty="0"/>
+                        <a:t>-4461.98</a:t>
+                      </a:r>
+                      <a:endParaRPr kumimoji="1" lang="ja-JP" altLang="en-US"/>
+                    </a:p>
+                    <a:p>
+                      <a:pPr algn="ctr"/>
+                      <a:endParaRPr kumimoji="1" lang="ja-JP" altLang="en-US"/>
+                    </a:p>
+                  </a:txBody>
+                  <a:tcPr/>
+                </a:tc>
+                <a:extLst>
+                  <a:ext uri="{0D108BD9-81ED-4DB2-BD59-A6C34878D82A}">
+                    <a16:rowId xmlns:a16="http://schemas.microsoft.com/office/drawing/2014/main" val="2760888045"/>
+                  </a:ext>
+                </a:extLst>
+              </a:tr>
+              <a:tr h="590064">
+                <a:tc>
+                  <a:txBody>
+                    <a:bodyPr/>
+                    <a:lstStyle/>
+                    <a:p>
+                      <a:pPr algn="ctr"/>
+                      <a:r>
+                        <a:rPr kumimoji="1" lang="en-US" altLang="ja-JP" dirty="0"/>
+                        <a:t>10484</a:t>
+                      </a:r>
+                      <a:endParaRPr kumimoji="1" lang="ja-JP" altLang="en-US"/>
+                    </a:p>
+                  </a:txBody>
+                  <a:tcPr/>
+                </a:tc>
+                <a:tc>
+                  <a:txBody>
+                    <a:bodyPr/>
+                    <a:lstStyle/>
+                    <a:p>
+                      <a:pPr algn="ctr"/>
+                      <a:r>
+                        <a:rPr kumimoji="1" lang="en-US" altLang="ja-JP" dirty="0"/>
+                        <a:t>-4347</a:t>
+                      </a:r>
+                      <a:endParaRPr kumimoji="1" lang="ja-JP" altLang="en-US"/>
+                    </a:p>
+                  </a:txBody>
+                  <a:tcPr/>
+                </a:tc>
+                <a:tc>
+                  <a:txBody>
+                    <a:bodyPr/>
+                    <a:lstStyle/>
+                    <a:p>
+                      <a:pPr marL="0" marR="0" lvl="0" indent="0" algn="ctr" defTabSz="914400" rtl="0" eaLnBrk="1" fontAlgn="auto" latinLnBrk="0" hangingPunct="1">
+                        <a:lnSpc>
+                          <a:spcPct val="100000"/>
+                        </a:lnSpc>
+                        <a:spcBef>
+                          <a:spcPts val="0"/>
+                        </a:spcBef>
+                        <a:spcAft>
+                          <a:spcPts val="0"/>
+                        </a:spcAft>
+                        <a:buClrTx/>
+                        <a:buSzTx/>
+                        <a:buFontTx/>
+                        <a:buNone/>
+                        <a:tabLst/>
+                        <a:defRPr/>
+                      </a:pPr>
+                      <a:r>
+                        <a:rPr kumimoji="1" lang="en-US" altLang="ja-JP" dirty="0"/>
+                        <a:t>-4461.98</a:t>
+                      </a:r>
+                      <a:endParaRPr kumimoji="1" lang="ja-JP" altLang="en-US"/>
+                    </a:p>
+                    <a:p>
+                      <a:pPr algn="ctr"/>
+                      <a:endParaRPr kumimoji="1" lang="ja-JP" altLang="en-US"/>
+                    </a:p>
+                  </a:txBody>
+                  <a:tcPr/>
+                </a:tc>
+                <a:extLst>
+                  <a:ext uri="{0D108BD9-81ED-4DB2-BD59-A6C34878D82A}">
+                    <a16:rowId xmlns:a16="http://schemas.microsoft.com/office/drawing/2014/main" val="3037056467"/>
+                  </a:ext>
+                </a:extLst>
+              </a:tr>
+            </a:tbl>
+          </a:graphicData>
+        </a:graphic>
+      </p:graphicFrame>
+    </p:spTree>
+    <p:extLst>
+      <p:ext uri="{BB962C8B-B14F-4D97-AF65-F5344CB8AC3E}">
+        <p14:creationId xmlns:p14="http://schemas.microsoft.com/office/powerpoint/2010/main" val="602080986"/>
+      </p:ext>
+    </p:extLst>
+  </p:cSld>
+  <p:clrMapOvr>
+    <a:masterClrMapping/>
+  </p:clrMapOvr>
+</p:sld>
+</file>
+
+<file path=ppt/slides/slide24.xml><?xml version="1.0" encoding="utf-8"?>
+<p:sld xmlns:a="http://schemas.openxmlformats.org/drawingml/2006/main" xmlns:r="http://schemas.openxmlformats.org/officeDocument/2006/relationships" xmlns:p="http://schemas.openxmlformats.org/presentationml/2006/main">
+  <p:cSld>
+    <p:spTree>
+      <p:nvGrpSpPr>
+        <p:cNvPr id="1" name=""/>
+        <p:cNvGrpSpPr/>
+        <p:nvPr/>
+      </p:nvGrpSpPr>
+      <p:grpSpPr>
+        <a:xfrm>
+          <a:off x="0" y="0"/>
+          <a:ext cx="0" cy="0"/>
+          <a:chOff x="0" y="0"/>
+          <a:chExt cx="0" cy="0"/>
+        </a:xfrm>
+      </p:grpSpPr>
+      <p:sp>
+        <p:nvSpPr>
+          <p:cNvPr id="2" name="タイトル 1">
+            <a:extLst>
+              <a:ext uri="{FF2B5EF4-FFF2-40B4-BE49-F238E27FC236}">
+                <a16:creationId xmlns:a16="http://schemas.microsoft.com/office/drawing/2014/main" id="{AC4CD6FA-10C4-F844-83BC-DECF70D05472}"/>
+              </a:ext>
+            </a:extLst>
+          </p:cNvPr>
+          <p:cNvSpPr>
+            <a:spLocks noGrp="1"/>
+          </p:cNvSpPr>
+          <p:nvPr>
+            <p:ph type="title"/>
+          </p:nvPr>
+        </p:nvSpPr>
+        <p:spPr/>
+        <p:txBody>
+          <a:bodyPr/>
+          <a:lstStyle/>
+          <a:p>
+            <a:r>
+              <a:rPr lang="en-US" altLang="ja-JP" dirty="0"/>
+              <a:t>Computational experiment</a:t>
+            </a:r>
+            <a:endParaRPr kumimoji="1" lang="ja-JP" altLang="en-US"/>
+          </a:p>
+        </p:txBody>
+      </p:sp>
+      <p:sp>
+        <p:nvSpPr>
+          <p:cNvPr id="3" name="コンテンツ プレースホルダー 2">
+            <a:extLst>
+              <a:ext uri="{FF2B5EF4-FFF2-40B4-BE49-F238E27FC236}">
+                <a16:creationId xmlns:a16="http://schemas.microsoft.com/office/drawing/2014/main" id="{87558E50-76CD-E04E-A7A9-086A916BA29C}"/>
+              </a:ext>
+            </a:extLst>
+          </p:cNvPr>
+          <p:cNvSpPr>
+            <a:spLocks noGrp="1"/>
+          </p:cNvSpPr>
+          <p:nvPr>
+            <p:ph idx="1"/>
+          </p:nvPr>
+        </p:nvSpPr>
+        <p:spPr/>
+        <p:txBody>
+          <a:bodyPr>
+            <a:normAutofit/>
+          </a:bodyPr>
+          <a:lstStyle/>
+          <a:p>
+            <a:r>
+              <a:rPr lang="en" altLang="ja-JP" sz="2400" dirty="0"/>
+              <a:t>We also try to investigate what scale of bookings can be solved in a limited time.</a:t>
+            </a:r>
+          </a:p>
+          <a:p>
+            <a:r>
+              <a:rPr lang="en" altLang="ja-JP" sz="2400" dirty="0"/>
+              <a:t>We set the limit time to 24 hours. </a:t>
+            </a:r>
+            <a:endParaRPr kumimoji="1" lang="ja-JP" altLang="en-US" sz="2400"/>
+          </a:p>
+        </p:txBody>
+      </p:sp>
+    </p:spTree>
+    <p:extLst>
+      <p:ext uri="{BB962C8B-B14F-4D97-AF65-F5344CB8AC3E}">
+        <p14:creationId xmlns:p14="http://schemas.microsoft.com/office/powerpoint/2010/main" val="4034207007"/>
+      </p:ext>
+    </p:extLst>
+  </p:cSld>
+  <p:clrMapOvr>
+    <a:masterClrMapping/>
+  </p:clrMapOvr>
+</p:sld>
+</file>
+
+<file path=ppt/slides/slide25.xml><?xml version="1.0" encoding="utf-8"?>
+<p:sld xmlns:a="http://schemas.openxmlformats.org/drawingml/2006/main" xmlns:r="http://schemas.openxmlformats.org/officeDocument/2006/relationships" xmlns:p="http://schemas.openxmlformats.org/presentationml/2006/main">
+  <p:cSld>
+    <p:spTree>
+      <p:nvGrpSpPr>
+        <p:cNvPr id="1" name=""/>
+        <p:cNvGrpSpPr/>
+        <p:nvPr/>
+      </p:nvGrpSpPr>
+      <p:grpSpPr>
+        <a:xfrm>
+          <a:off x="0" y="0"/>
+          <a:ext cx="0" cy="0"/>
+          <a:chOff x="0" y="0"/>
+          <a:chExt cx="0" cy="0"/>
+        </a:xfrm>
+      </p:grpSpPr>
+      <p:sp>
+        <p:nvSpPr>
+          <p:cNvPr id="2" name="タイトル 1">
+            <a:extLst>
+              <a:ext uri="{FF2B5EF4-FFF2-40B4-BE49-F238E27FC236}">
+                <a16:creationId xmlns:a16="http://schemas.microsoft.com/office/drawing/2014/main" id="{2DAAA4B5-EE69-A741-9505-C5C73C1EAB19}"/>
+              </a:ext>
+            </a:extLst>
+          </p:cNvPr>
+          <p:cNvSpPr>
+            <a:spLocks noGrp="1"/>
+          </p:cNvSpPr>
+          <p:nvPr>
+            <p:ph type="title"/>
+          </p:nvPr>
+        </p:nvSpPr>
+        <p:spPr/>
+        <p:txBody>
+          <a:bodyPr/>
+          <a:lstStyle/>
+          <a:p>
+            <a:endParaRPr kumimoji="1" lang="ja-JP" altLang="en-US"/>
+          </a:p>
+        </p:txBody>
+      </p:sp>
+      <p:graphicFrame>
+        <p:nvGraphicFramePr>
+          <p:cNvPr id="5" name="コンテンツ プレースホルダー 4">
+            <a:extLst>
+              <a:ext uri="{FF2B5EF4-FFF2-40B4-BE49-F238E27FC236}">
+                <a16:creationId xmlns:a16="http://schemas.microsoft.com/office/drawing/2014/main" id="{DB007A1F-895E-F14E-8E76-410073F77C70}"/>
+              </a:ext>
+            </a:extLst>
+          </p:cNvPr>
+          <p:cNvGraphicFramePr>
+            <a:graphicFrameLocks noGrp="1"/>
+          </p:cNvGraphicFramePr>
+          <p:nvPr>
+            <p:ph idx="1"/>
+            <p:extLst>
+              <p:ext uri="{D42A27DB-BD31-4B8C-83A1-F6EECF244321}">
+                <p14:modId xmlns:p14="http://schemas.microsoft.com/office/powerpoint/2010/main" val="3795535686"/>
+              </p:ext>
+            </p:extLst>
+          </p:nvPr>
+        </p:nvGraphicFramePr>
+        <p:xfrm>
+          <a:off x="1651379" y="624110"/>
+          <a:ext cx="9976515" cy="5449142"/>
+        </p:xfrm>
+        <a:graphic>
+          <a:graphicData uri="http://schemas.openxmlformats.org/drawingml/2006/table">
+            <a:tbl>
+              <a:tblPr firstRow="1" bandRow="1">
+                <a:tableStyleId>{5C22544A-7EE6-4342-B048-85BDC9FD1C3A}</a:tableStyleId>
+              </a:tblPr>
+              <a:tblGrid>
+                <a:gridCol w="923752">
+                  <a:extLst>
+                    <a:ext uri="{9D8B030D-6E8A-4147-A177-3AD203B41FA5}">
+                      <a16:colId xmlns:a16="http://schemas.microsoft.com/office/drawing/2014/main" val="3657772853"/>
+                    </a:ext>
+                  </a:extLst>
+                </a:gridCol>
+                <a:gridCol w="1179560">
+                  <a:extLst>
+                    <a:ext uri="{9D8B030D-6E8A-4147-A177-3AD203B41FA5}">
+                      <a16:colId xmlns:a16="http://schemas.microsoft.com/office/drawing/2014/main" val="2052953"/>
+                    </a:ext>
+                  </a:extLst>
+                </a:gridCol>
+                <a:gridCol w="1478002">
+                  <a:extLst>
+                    <a:ext uri="{9D8B030D-6E8A-4147-A177-3AD203B41FA5}">
+                      <a16:colId xmlns:a16="http://schemas.microsoft.com/office/drawing/2014/main" val="3515113042"/>
+                    </a:ext>
+                  </a:extLst>
+                </a:gridCol>
+                <a:gridCol w="1492214">
+                  <a:extLst>
+                    <a:ext uri="{9D8B030D-6E8A-4147-A177-3AD203B41FA5}">
+                      <a16:colId xmlns:a16="http://schemas.microsoft.com/office/drawing/2014/main" val="1378395732"/>
+                    </a:ext>
+                  </a:extLst>
+                </a:gridCol>
+                <a:gridCol w="1256110">
+                  <a:extLst>
+                    <a:ext uri="{9D8B030D-6E8A-4147-A177-3AD203B41FA5}">
+                      <a16:colId xmlns:a16="http://schemas.microsoft.com/office/drawing/2014/main" val="3047023699"/>
+                    </a:ext>
+                  </a:extLst>
+                </a:gridCol>
+                <a:gridCol w="1257543">
+                  <a:extLst>
+                    <a:ext uri="{9D8B030D-6E8A-4147-A177-3AD203B41FA5}">
+                      <a16:colId xmlns:a16="http://schemas.microsoft.com/office/drawing/2014/main" val="2017988149"/>
+                    </a:ext>
+                  </a:extLst>
+                </a:gridCol>
+                <a:gridCol w="1280833">
+                  <a:extLst>
+                    <a:ext uri="{9D8B030D-6E8A-4147-A177-3AD203B41FA5}">
+                      <a16:colId xmlns:a16="http://schemas.microsoft.com/office/drawing/2014/main" val="847323281"/>
+                    </a:ext>
+                  </a:extLst>
+                </a:gridCol>
+                <a:gridCol w="1108501">
+                  <a:extLst>
+                    <a:ext uri="{9D8B030D-6E8A-4147-A177-3AD203B41FA5}">
+                      <a16:colId xmlns:a16="http://schemas.microsoft.com/office/drawing/2014/main" val="4120028990"/>
+                    </a:ext>
+                  </a:extLst>
+                </a:gridCol>
+              </a:tblGrid>
+              <a:tr h="1525722">
+                <a:tc>
+                  <a:txBody>
+                    <a:bodyPr/>
+                    <a:lstStyle/>
+                    <a:p>
+                      <a:pPr marL="0" marR="0" lvl="0" indent="0" algn="l" defTabSz="457200" rtl="0" eaLnBrk="1" fontAlgn="auto" latinLnBrk="0" hangingPunct="1">
+                        <a:lnSpc>
+                          <a:spcPct val="100000"/>
+                        </a:lnSpc>
+                        <a:spcBef>
+                          <a:spcPts val="0"/>
+                        </a:spcBef>
+                        <a:spcAft>
+                          <a:spcPts val="0"/>
+                        </a:spcAft>
+                        <a:buClrTx/>
+                        <a:buSzTx/>
+                        <a:buFontTx/>
+                        <a:buNone/>
+                        <a:tabLst/>
+                        <a:defRPr/>
+                      </a:pPr>
+                      <a:r>
+                        <a:rPr kumimoji="1" lang="en-US" altLang="ja-JP" dirty="0" err="1"/>
+                        <a:t>Num</a:t>
+                      </a:r>
+                      <a:r>
+                        <a:rPr kumimoji="1" lang="en-US" altLang="ja-JP" dirty="0"/>
+                        <a:t> of orders</a:t>
+                      </a:r>
+                      <a:endParaRPr kumimoji="1" lang="ja-JP" altLang="en-US"/>
+                    </a:p>
+                    <a:p>
+                      <a:endParaRPr kumimoji="1" lang="ja-JP" altLang="en-US"/>
+                    </a:p>
+                  </a:txBody>
+                  <a:tcPr/>
+                </a:tc>
+                <a:tc>
+                  <a:txBody>
+                    <a:bodyPr/>
+                    <a:lstStyle/>
+                    <a:p>
+                      <a:pPr marL="0" marR="0" lvl="0" indent="0" algn="l" defTabSz="457200" rtl="0" eaLnBrk="1" fontAlgn="auto" latinLnBrk="0" hangingPunct="1">
+                        <a:lnSpc>
+                          <a:spcPct val="100000"/>
+                        </a:lnSpc>
+                        <a:spcBef>
+                          <a:spcPts val="0"/>
+                        </a:spcBef>
+                        <a:spcAft>
+                          <a:spcPts val="0"/>
+                        </a:spcAft>
+                        <a:buClrTx/>
+                        <a:buSzTx/>
+                        <a:buFontTx/>
+                        <a:buNone/>
+                        <a:tabLst/>
+                        <a:defRPr/>
+                      </a:pPr>
+                      <a:r>
+                        <a:rPr kumimoji="1" lang="en-US" altLang="ja-JP" dirty="0" err="1"/>
+                        <a:t>Num</a:t>
+                      </a:r>
+                      <a:r>
+                        <a:rPr kumimoji="1" lang="en-US" altLang="ja-JP" dirty="0"/>
+                        <a:t> of loading ports</a:t>
+                      </a:r>
+                      <a:endParaRPr kumimoji="1" lang="ja-JP" altLang="en-US"/>
+                    </a:p>
+                    <a:p>
+                      <a:endParaRPr kumimoji="1" lang="ja-JP" altLang="en-US"/>
+                    </a:p>
+                  </a:txBody>
+                  <a:tcPr/>
+                </a:tc>
+                <a:tc>
+                  <a:txBody>
+                    <a:bodyPr/>
+                    <a:lstStyle/>
+                    <a:p>
+                      <a:r>
+                        <a:rPr kumimoji="1" lang="en-US" altLang="ja-JP" dirty="0" err="1"/>
+                        <a:t>Num</a:t>
+                      </a:r>
+                      <a:r>
+                        <a:rPr kumimoji="1" lang="en-US" altLang="ja-JP" dirty="0"/>
+                        <a:t> of</a:t>
+                      </a:r>
+                    </a:p>
+                    <a:p>
+                      <a:r>
+                        <a:rPr kumimoji="1" lang="en-US" altLang="ja-JP" dirty="0"/>
+                        <a:t>Destination ports</a:t>
+                      </a:r>
+                      <a:endParaRPr kumimoji="1" lang="ja-JP" altLang="en-US"/>
+                    </a:p>
+                    <a:p>
+                      <a:endParaRPr kumimoji="1" lang="ja-JP" altLang="en-US"/>
+                    </a:p>
+                  </a:txBody>
+                  <a:tcPr/>
+                </a:tc>
+                <a:tc>
+                  <a:txBody>
+                    <a:bodyPr/>
+                    <a:lstStyle/>
+                    <a:p>
+                      <a:r>
+                        <a:rPr kumimoji="1" lang="en" altLang="ja-JP" dirty="0"/>
+                        <a:t>when a feasible solution was found.</a:t>
+                      </a:r>
+                      <a:endParaRPr kumimoji="1" lang="ja-JP" altLang="en-US"/>
+                    </a:p>
+                  </a:txBody>
+                  <a:tcPr/>
+                </a:tc>
+                <a:tc>
+                  <a:txBody>
+                    <a:bodyPr/>
+                    <a:lstStyle/>
+                    <a:p>
+                      <a:r>
+                        <a:rPr kumimoji="1" lang="en-US" altLang="ja-JP" dirty="0"/>
+                        <a:t>Value after 1h</a:t>
+                      </a:r>
+                      <a:endParaRPr kumimoji="1" lang="ja-JP" altLang="en-US"/>
+                    </a:p>
+                  </a:txBody>
+                  <a:tcPr/>
+                </a:tc>
+                <a:tc>
+                  <a:txBody>
+                    <a:bodyPr/>
+                    <a:lstStyle/>
+                    <a:p>
+                      <a:r>
+                        <a:rPr kumimoji="1" lang="en-US" altLang="ja-JP" dirty="0"/>
+                        <a:t>Lower bound after 1h</a:t>
+                      </a:r>
+                      <a:endParaRPr kumimoji="1" lang="ja-JP" altLang="en-US"/>
+                    </a:p>
+                  </a:txBody>
+                  <a:tcPr/>
+                </a:tc>
+                <a:tc>
+                  <a:txBody>
+                    <a:bodyPr/>
+                    <a:lstStyle/>
+                    <a:p>
+                      <a:pPr marL="0" marR="0" lvl="0" indent="0" algn="l" defTabSz="457200" rtl="0" eaLnBrk="1" fontAlgn="auto" latinLnBrk="0" hangingPunct="1">
+                        <a:lnSpc>
+                          <a:spcPct val="100000"/>
+                        </a:lnSpc>
+                        <a:spcBef>
+                          <a:spcPts val="0"/>
+                        </a:spcBef>
+                        <a:spcAft>
+                          <a:spcPts val="0"/>
+                        </a:spcAft>
+                        <a:buClrTx/>
+                        <a:buSzTx/>
+                        <a:buFontTx/>
+                        <a:buNone/>
+                        <a:tabLst/>
+                        <a:defRPr/>
+                      </a:pPr>
+                      <a:r>
+                        <a:rPr kumimoji="1" lang="en-US" altLang="ja-JP" dirty="0"/>
+                        <a:t>Value after 24h</a:t>
+                      </a:r>
+                      <a:endParaRPr kumimoji="1" lang="ja-JP" altLang="en-US"/>
+                    </a:p>
+                    <a:p>
+                      <a:endParaRPr kumimoji="1" lang="ja-JP" altLang="en-US"/>
+                    </a:p>
+                  </a:txBody>
+                  <a:tcPr/>
+                </a:tc>
+                <a:tc>
+                  <a:txBody>
+                    <a:bodyPr/>
+                    <a:lstStyle/>
+                    <a:p>
+                      <a:pPr marL="0" marR="0" lvl="0" indent="0" algn="l" defTabSz="457200" rtl="0" eaLnBrk="1" fontAlgn="auto" latinLnBrk="0" hangingPunct="1">
+                        <a:lnSpc>
+                          <a:spcPct val="100000"/>
+                        </a:lnSpc>
+                        <a:spcBef>
+                          <a:spcPts val="0"/>
+                        </a:spcBef>
+                        <a:spcAft>
+                          <a:spcPts val="0"/>
+                        </a:spcAft>
+                        <a:buClrTx/>
+                        <a:buSzTx/>
+                        <a:buFontTx/>
+                        <a:buNone/>
+                        <a:tabLst/>
+                        <a:defRPr/>
+                      </a:pPr>
+                      <a:r>
+                        <a:rPr kumimoji="1" lang="en-US" altLang="ja-JP" dirty="0"/>
+                        <a:t>Lower bound after 24h</a:t>
+                      </a:r>
+                      <a:endParaRPr kumimoji="1" lang="ja-JP" altLang="en-US"/>
+                    </a:p>
+                    <a:p>
+                      <a:endParaRPr kumimoji="1" lang="ja-JP" altLang="en-US"/>
+                    </a:p>
+                  </a:txBody>
+                  <a:tcPr/>
+                </a:tc>
+                <a:extLst>
+                  <a:ext uri="{0D108BD9-81ED-4DB2-BD59-A6C34878D82A}">
+                    <a16:rowId xmlns:a16="http://schemas.microsoft.com/office/drawing/2014/main" val="716227708"/>
+                  </a:ext>
+                </a:extLst>
+              </a:tr>
+              <a:tr h="784684">
+                <a:tc>
+                  <a:txBody>
+                    <a:bodyPr/>
+                    <a:lstStyle/>
+                    <a:p>
+                      <a:pPr algn="ctr"/>
+                      <a:r>
+                        <a:rPr kumimoji="1" lang="en-US" altLang="ja-JP" dirty="0"/>
+                        <a:t>109</a:t>
+                      </a:r>
+                      <a:endParaRPr kumimoji="1" lang="ja-JP" altLang="en-US"/>
+                    </a:p>
+                  </a:txBody>
+                  <a:tcPr/>
+                </a:tc>
+                <a:tc>
+                  <a:txBody>
+                    <a:bodyPr/>
+                    <a:lstStyle/>
+                    <a:p>
+                      <a:pPr algn="ctr"/>
+                      <a:r>
+                        <a:rPr kumimoji="1" lang="en-US" altLang="ja-JP" dirty="0"/>
+                        <a:t>2</a:t>
+                      </a:r>
+                      <a:endParaRPr kumimoji="1" lang="ja-JP" altLang="en-US"/>
+                    </a:p>
+                  </a:txBody>
+                  <a:tcPr/>
+                </a:tc>
+                <a:tc>
+                  <a:txBody>
+                    <a:bodyPr/>
+                    <a:lstStyle/>
+                    <a:p>
+                      <a:pPr algn="ctr"/>
+                      <a:r>
+                        <a:rPr kumimoji="1" lang="en-US" altLang="ja-JP" dirty="0"/>
+                        <a:t>3</a:t>
+                      </a:r>
+                      <a:endParaRPr kumimoji="1" lang="ja-JP" altLang="en-US"/>
+                    </a:p>
+                  </a:txBody>
+                  <a:tcPr/>
+                </a:tc>
+                <a:tc>
+                  <a:txBody>
+                    <a:bodyPr/>
+                    <a:lstStyle/>
+                    <a:p>
+                      <a:pPr algn="ctr"/>
+                      <a:r>
+                        <a:rPr kumimoji="1" lang="en-US" altLang="ja-JP" dirty="0"/>
+                        <a:t>537</a:t>
+                      </a:r>
+                      <a:endParaRPr kumimoji="1" lang="ja-JP" altLang="en-US"/>
+                    </a:p>
+                  </a:txBody>
+                  <a:tcPr/>
+                </a:tc>
+                <a:tc>
+                  <a:txBody>
+                    <a:bodyPr/>
+                    <a:lstStyle/>
+                    <a:p>
+                      <a:pPr algn="ctr"/>
+                      <a:r>
+                        <a:rPr kumimoji="1" lang="en-US" altLang="ja-JP" dirty="0"/>
+                        <a:t>-4301.36</a:t>
+                      </a:r>
+                      <a:endParaRPr kumimoji="1" lang="ja-JP" altLang="en-US"/>
+                    </a:p>
+                  </a:txBody>
+                  <a:tcPr/>
+                </a:tc>
+                <a:tc>
+                  <a:txBody>
+                    <a:bodyPr/>
+                    <a:lstStyle/>
+                    <a:p>
+                      <a:pPr marL="0" marR="0" lvl="0" indent="0" algn="ctr" defTabSz="457200" rtl="0" eaLnBrk="1" fontAlgn="auto" latinLnBrk="0" hangingPunct="1">
+                        <a:lnSpc>
+                          <a:spcPct val="100000"/>
+                        </a:lnSpc>
+                        <a:spcBef>
+                          <a:spcPts val="0"/>
+                        </a:spcBef>
+                        <a:spcAft>
+                          <a:spcPts val="0"/>
+                        </a:spcAft>
+                        <a:buClrTx/>
+                        <a:buSzTx/>
+                        <a:buFontTx/>
+                        <a:buNone/>
+                        <a:tabLst/>
+                        <a:defRPr/>
+                      </a:pPr>
+                      <a:r>
+                        <a:rPr kumimoji="1" lang="en-US" altLang="ja-JP" sz="1800" kern="1200" dirty="0">
+                          <a:solidFill>
+                            <a:schemeClr val="dk1"/>
+                          </a:solidFill>
+                          <a:effectLst/>
+                          <a:latin typeface="+mn-lt"/>
+                          <a:ea typeface="+mn-ea"/>
+                          <a:cs typeface="+mn-cs"/>
+                        </a:rPr>
+                        <a:t>-4461.98 </a:t>
+                      </a:r>
+                      <a:endParaRPr lang="ja-JP" altLang="en-US"/>
+                    </a:p>
+                    <a:p>
+                      <a:pPr algn="ctr"/>
+                      <a:endParaRPr kumimoji="1" lang="ja-JP" altLang="en-US"/>
+                    </a:p>
+                  </a:txBody>
+                  <a:tcPr/>
+                </a:tc>
+                <a:tc>
+                  <a:txBody>
+                    <a:bodyPr/>
+                    <a:lstStyle/>
+                    <a:p>
+                      <a:pPr algn="ctr"/>
+                      <a:r>
+                        <a:rPr kumimoji="1" lang="en-US" altLang="ja-JP" dirty="0"/>
+                        <a:t>-4388.44</a:t>
+                      </a:r>
+                      <a:endParaRPr kumimoji="1" lang="ja-JP" altLang="en-US"/>
+                    </a:p>
+                  </a:txBody>
+                  <a:tcPr/>
+                </a:tc>
+                <a:tc>
+                  <a:txBody>
+                    <a:bodyPr/>
+                    <a:lstStyle/>
+                    <a:p>
+                      <a:pPr marL="0" marR="0" lvl="0" indent="0" algn="ctr" defTabSz="457200" rtl="0" eaLnBrk="1" fontAlgn="auto" latinLnBrk="0" hangingPunct="1">
+                        <a:lnSpc>
+                          <a:spcPct val="100000"/>
+                        </a:lnSpc>
+                        <a:spcBef>
+                          <a:spcPts val="0"/>
+                        </a:spcBef>
+                        <a:spcAft>
+                          <a:spcPts val="0"/>
+                        </a:spcAft>
+                        <a:buClrTx/>
+                        <a:buSzTx/>
+                        <a:buFontTx/>
+                        <a:buNone/>
+                        <a:tabLst/>
+                        <a:defRPr/>
+                      </a:pPr>
+                      <a:r>
+                        <a:rPr kumimoji="1" lang="en-US" altLang="ja-JP" sz="1800" kern="1200" dirty="0">
+                          <a:solidFill>
+                            <a:schemeClr val="dk1"/>
+                          </a:solidFill>
+                          <a:effectLst/>
+                          <a:latin typeface="+mn-lt"/>
+                          <a:ea typeface="+mn-ea"/>
+                          <a:cs typeface="+mn-cs"/>
+                        </a:rPr>
+                        <a:t>-4461.98 </a:t>
+                      </a:r>
+                      <a:endParaRPr lang="ja-JP" altLang="en-US"/>
+                    </a:p>
+                    <a:p>
+                      <a:pPr algn="ctr"/>
+                      <a:endParaRPr kumimoji="1" lang="ja-JP" altLang="en-US"/>
+                    </a:p>
+                  </a:txBody>
+                  <a:tcPr/>
+                </a:tc>
+                <a:extLst>
+                  <a:ext uri="{0D108BD9-81ED-4DB2-BD59-A6C34878D82A}">
+                    <a16:rowId xmlns:a16="http://schemas.microsoft.com/office/drawing/2014/main" val="2887357226"/>
+                  </a:ext>
+                </a:extLst>
+              </a:tr>
+              <a:tr h="784684">
+                <a:tc>
+                  <a:txBody>
+                    <a:bodyPr/>
+                    <a:lstStyle/>
+                    <a:p>
+                      <a:pPr algn="ctr"/>
+                      <a:r>
+                        <a:rPr kumimoji="1" lang="en-US" altLang="ja-JP"/>
+                        <a:t>109</a:t>
+                      </a:r>
+                      <a:endParaRPr kumimoji="1" lang="ja-JP" altLang="en-US"/>
+                    </a:p>
+                  </a:txBody>
+                  <a:tcPr/>
+                </a:tc>
+                <a:tc>
+                  <a:txBody>
+                    <a:bodyPr/>
+                    <a:lstStyle/>
+                    <a:p>
+                      <a:pPr algn="ctr"/>
+                      <a:r>
+                        <a:rPr kumimoji="1" lang="en-US" altLang="ja-JP"/>
+                        <a:t>2</a:t>
+                      </a:r>
+                      <a:endParaRPr kumimoji="1" lang="ja-JP" altLang="en-US"/>
+                    </a:p>
+                  </a:txBody>
+                  <a:tcPr/>
+                </a:tc>
+                <a:tc>
+                  <a:txBody>
+                    <a:bodyPr/>
+                    <a:lstStyle/>
+                    <a:p>
+                      <a:pPr algn="ctr"/>
+                      <a:r>
+                        <a:rPr kumimoji="1" lang="en-US" altLang="ja-JP" dirty="0"/>
+                        <a:t>5</a:t>
+                      </a:r>
+                      <a:endParaRPr kumimoji="1" lang="ja-JP" altLang="en-US"/>
+                    </a:p>
+                  </a:txBody>
+                  <a:tcPr/>
+                </a:tc>
+                <a:tc>
+                  <a:txBody>
+                    <a:bodyPr/>
+                    <a:lstStyle/>
+                    <a:p>
+                      <a:pPr algn="ctr"/>
+                      <a:r>
+                        <a:rPr kumimoji="1" lang="en-US" altLang="ja-JP" dirty="0"/>
+                        <a:t>1674</a:t>
+                      </a:r>
+                      <a:endParaRPr kumimoji="1" lang="ja-JP" altLang="en-US"/>
+                    </a:p>
+                  </a:txBody>
+                  <a:tcPr/>
+                </a:tc>
+                <a:tc>
+                  <a:txBody>
+                    <a:bodyPr/>
+                    <a:lstStyle/>
+                    <a:p>
+                      <a:pPr algn="ctr"/>
+                      <a:r>
+                        <a:rPr kumimoji="1" lang="en-US" altLang="ja-JP" dirty="0"/>
+                        <a:t>-3522.82</a:t>
+                      </a:r>
+                      <a:endParaRPr kumimoji="1" lang="ja-JP" altLang="en-US"/>
+                    </a:p>
+                  </a:txBody>
+                  <a:tcPr/>
+                </a:tc>
+                <a:tc>
+                  <a:txBody>
+                    <a:bodyPr/>
+                    <a:lstStyle/>
+                    <a:p>
+                      <a:pPr marL="0" marR="0" lvl="0" indent="0" algn="ctr" defTabSz="457200" rtl="0" eaLnBrk="1" fontAlgn="auto" latinLnBrk="0" hangingPunct="1">
+                        <a:lnSpc>
+                          <a:spcPct val="100000"/>
+                        </a:lnSpc>
+                        <a:spcBef>
+                          <a:spcPts val="0"/>
+                        </a:spcBef>
+                        <a:spcAft>
+                          <a:spcPts val="0"/>
+                        </a:spcAft>
+                        <a:buClrTx/>
+                        <a:buSzTx/>
+                        <a:buFontTx/>
+                        <a:buNone/>
+                        <a:tabLst/>
+                        <a:defRPr/>
+                      </a:pPr>
+                      <a:r>
+                        <a:rPr kumimoji="1" lang="en-US" altLang="ja-JP" sz="1800" kern="1200" dirty="0">
+                          <a:solidFill>
+                            <a:schemeClr val="dk1"/>
+                          </a:solidFill>
+                          <a:effectLst/>
+                          <a:latin typeface="+mn-lt"/>
+                          <a:ea typeface="+mn-ea"/>
+                          <a:cs typeface="+mn-cs"/>
+                        </a:rPr>
+                        <a:t>-4461.98 </a:t>
+                      </a:r>
+                      <a:endParaRPr lang="ja-JP" altLang="en-US"/>
+                    </a:p>
+                    <a:p>
+                      <a:pPr algn="ctr"/>
+                      <a:endParaRPr kumimoji="1" lang="ja-JP" altLang="en-US"/>
+                    </a:p>
+                  </a:txBody>
+                  <a:tcPr/>
+                </a:tc>
+                <a:tc>
+                  <a:txBody>
+                    <a:bodyPr/>
+                    <a:lstStyle/>
+                    <a:p>
+                      <a:pPr algn="ctr"/>
+                      <a:r>
+                        <a:rPr kumimoji="1" lang="en-US" altLang="ja-JP" dirty="0"/>
+                        <a:t>-4264.69</a:t>
+                      </a:r>
+                      <a:endParaRPr kumimoji="1" lang="ja-JP" altLang="en-US"/>
+                    </a:p>
+                  </a:txBody>
+                  <a:tcPr/>
+                </a:tc>
+                <a:tc>
+                  <a:txBody>
+                    <a:bodyPr/>
+                    <a:lstStyle/>
+                    <a:p>
+                      <a:pPr marL="0" marR="0" lvl="0" indent="0" algn="ctr" defTabSz="457200" rtl="0" eaLnBrk="1" fontAlgn="auto" latinLnBrk="0" hangingPunct="1">
+                        <a:lnSpc>
+                          <a:spcPct val="100000"/>
+                        </a:lnSpc>
+                        <a:spcBef>
+                          <a:spcPts val="0"/>
+                        </a:spcBef>
+                        <a:spcAft>
+                          <a:spcPts val="0"/>
+                        </a:spcAft>
+                        <a:buClrTx/>
+                        <a:buSzTx/>
+                        <a:buFontTx/>
+                        <a:buNone/>
+                        <a:tabLst/>
+                        <a:defRPr/>
+                      </a:pPr>
+                      <a:r>
+                        <a:rPr kumimoji="1" lang="en-US" altLang="ja-JP" sz="1800" kern="1200" dirty="0">
+                          <a:solidFill>
+                            <a:schemeClr val="dk1"/>
+                          </a:solidFill>
+                          <a:effectLst/>
+                          <a:latin typeface="+mn-lt"/>
+                          <a:ea typeface="+mn-ea"/>
+                          <a:cs typeface="+mn-cs"/>
+                        </a:rPr>
+                        <a:t>-4461.98 </a:t>
+                      </a:r>
+                      <a:endParaRPr lang="ja-JP" altLang="en-US"/>
+                    </a:p>
+                    <a:p>
+                      <a:pPr algn="ctr"/>
+                      <a:endParaRPr kumimoji="1" lang="ja-JP" altLang="en-US"/>
+                    </a:p>
+                  </a:txBody>
+                  <a:tcPr/>
+                </a:tc>
+                <a:extLst>
+                  <a:ext uri="{0D108BD9-81ED-4DB2-BD59-A6C34878D82A}">
+                    <a16:rowId xmlns:a16="http://schemas.microsoft.com/office/drawing/2014/main" val="1601325885"/>
+                  </a:ext>
+                </a:extLst>
+              </a:tr>
+              <a:tr h="784684">
+                <a:tc>
+                  <a:txBody>
+                    <a:bodyPr/>
+                    <a:lstStyle/>
+                    <a:p>
+                      <a:pPr algn="ctr"/>
+                      <a:r>
+                        <a:rPr kumimoji="1" lang="en-US" altLang="ja-JP"/>
+                        <a:t>109</a:t>
+                      </a:r>
+                      <a:endParaRPr kumimoji="1" lang="ja-JP" altLang="en-US"/>
+                    </a:p>
+                  </a:txBody>
+                  <a:tcPr/>
+                </a:tc>
+                <a:tc>
+                  <a:txBody>
+                    <a:bodyPr/>
+                    <a:lstStyle/>
+                    <a:p>
+                      <a:pPr algn="ctr"/>
+                      <a:r>
+                        <a:rPr kumimoji="1" lang="en-US" altLang="ja-JP"/>
+                        <a:t>4</a:t>
+                      </a:r>
+                      <a:endParaRPr kumimoji="1" lang="ja-JP" altLang="en-US"/>
+                    </a:p>
+                  </a:txBody>
+                  <a:tcPr/>
+                </a:tc>
+                <a:tc>
+                  <a:txBody>
+                    <a:bodyPr/>
+                    <a:lstStyle/>
+                    <a:p>
+                      <a:pPr algn="ctr"/>
+                      <a:r>
+                        <a:rPr kumimoji="1" lang="en-US" altLang="ja-JP"/>
+                        <a:t>3</a:t>
+                      </a:r>
+                      <a:endParaRPr kumimoji="1" lang="ja-JP" altLang="en-US"/>
+                    </a:p>
+                  </a:txBody>
+                  <a:tcPr/>
+                </a:tc>
+                <a:tc>
+                  <a:txBody>
+                    <a:bodyPr/>
+                    <a:lstStyle/>
+                    <a:p>
+                      <a:pPr algn="ctr"/>
+                      <a:r>
+                        <a:rPr kumimoji="1" lang="en-US" altLang="ja-JP" dirty="0"/>
+                        <a:t>344</a:t>
+                      </a:r>
+                      <a:endParaRPr kumimoji="1" lang="ja-JP" altLang="en-US"/>
+                    </a:p>
+                  </a:txBody>
+                  <a:tcPr/>
+                </a:tc>
+                <a:tc>
+                  <a:txBody>
+                    <a:bodyPr/>
+                    <a:lstStyle/>
+                    <a:p>
+                      <a:pPr algn="ctr"/>
+                      <a:r>
+                        <a:rPr kumimoji="1" lang="en-US" altLang="ja-JP" dirty="0"/>
+                        <a:t>-3515.46</a:t>
+                      </a:r>
+                      <a:endParaRPr kumimoji="1" lang="ja-JP" altLang="en-US"/>
+                    </a:p>
+                  </a:txBody>
+                  <a:tcPr/>
+                </a:tc>
+                <a:tc>
+                  <a:txBody>
+                    <a:bodyPr/>
+                    <a:lstStyle/>
+                    <a:p>
+                      <a:pPr marL="0" marR="0" lvl="0" indent="0" algn="ctr" defTabSz="457200" rtl="0" eaLnBrk="1" fontAlgn="auto" latinLnBrk="0" hangingPunct="1">
+                        <a:lnSpc>
+                          <a:spcPct val="100000"/>
+                        </a:lnSpc>
+                        <a:spcBef>
+                          <a:spcPts val="0"/>
+                        </a:spcBef>
+                        <a:spcAft>
+                          <a:spcPts val="0"/>
+                        </a:spcAft>
+                        <a:buClrTx/>
+                        <a:buSzTx/>
+                        <a:buFontTx/>
+                        <a:buNone/>
+                        <a:tabLst/>
+                        <a:defRPr/>
+                      </a:pPr>
+                      <a:r>
+                        <a:rPr kumimoji="1" lang="en-US" altLang="ja-JP" sz="1800" kern="1200" dirty="0">
+                          <a:solidFill>
+                            <a:schemeClr val="dk1"/>
+                          </a:solidFill>
+                          <a:effectLst/>
+                          <a:latin typeface="+mn-lt"/>
+                          <a:ea typeface="+mn-ea"/>
+                          <a:cs typeface="+mn-cs"/>
+                        </a:rPr>
+                        <a:t>-4461.98 </a:t>
+                      </a:r>
+                      <a:endParaRPr lang="ja-JP" altLang="en-US"/>
+                    </a:p>
+                    <a:p>
+                      <a:pPr algn="ctr"/>
+                      <a:endParaRPr kumimoji="1" lang="ja-JP" altLang="en-US"/>
+                    </a:p>
+                  </a:txBody>
+                  <a:tcPr/>
+                </a:tc>
+                <a:tc>
+                  <a:txBody>
+                    <a:bodyPr/>
+                    <a:lstStyle/>
+                    <a:p>
+                      <a:pPr algn="ctr"/>
+                      <a:r>
+                        <a:rPr kumimoji="1" lang="en-US" altLang="ja-JP" dirty="0"/>
+                        <a:t>-4365.89</a:t>
+                      </a:r>
+                      <a:endParaRPr kumimoji="1" lang="ja-JP" altLang="en-US"/>
+                    </a:p>
+                  </a:txBody>
+                  <a:tcPr/>
+                </a:tc>
+                <a:tc>
+                  <a:txBody>
+                    <a:bodyPr/>
+                    <a:lstStyle/>
+                    <a:p>
+                      <a:pPr marL="0" marR="0" lvl="0" indent="0" algn="ctr" defTabSz="457200" rtl="0" eaLnBrk="1" fontAlgn="auto" latinLnBrk="0" hangingPunct="1">
+                        <a:lnSpc>
+                          <a:spcPct val="100000"/>
+                        </a:lnSpc>
+                        <a:spcBef>
+                          <a:spcPts val="0"/>
+                        </a:spcBef>
+                        <a:spcAft>
+                          <a:spcPts val="0"/>
+                        </a:spcAft>
+                        <a:buClrTx/>
+                        <a:buSzTx/>
+                        <a:buFontTx/>
+                        <a:buNone/>
+                        <a:tabLst/>
+                        <a:defRPr/>
+                      </a:pPr>
+                      <a:r>
+                        <a:rPr kumimoji="1" lang="en-US" altLang="ja-JP" sz="1800" kern="1200" dirty="0">
+                          <a:solidFill>
+                            <a:schemeClr val="dk1"/>
+                          </a:solidFill>
+                          <a:effectLst/>
+                          <a:latin typeface="+mn-lt"/>
+                          <a:ea typeface="+mn-ea"/>
+                          <a:cs typeface="+mn-cs"/>
+                        </a:rPr>
+                        <a:t>-4461.98 </a:t>
+                      </a:r>
+                      <a:endParaRPr lang="ja-JP" altLang="en-US"/>
+                    </a:p>
+                    <a:p>
+                      <a:pPr algn="ctr"/>
+                      <a:endParaRPr kumimoji="1" lang="ja-JP" altLang="en-US"/>
+                    </a:p>
+                  </a:txBody>
+                  <a:tcPr/>
+                </a:tc>
+                <a:extLst>
+                  <a:ext uri="{0D108BD9-81ED-4DB2-BD59-A6C34878D82A}">
+                    <a16:rowId xmlns:a16="http://schemas.microsoft.com/office/drawing/2014/main" val="2799404992"/>
+                  </a:ext>
+                </a:extLst>
+              </a:tr>
+              <a:tr h="784684">
+                <a:tc>
+                  <a:txBody>
+                    <a:bodyPr/>
+                    <a:lstStyle/>
+                    <a:p>
+                      <a:pPr algn="ctr"/>
+                      <a:r>
+                        <a:rPr kumimoji="1" lang="en-US" altLang="ja-JP"/>
+                        <a:t>250</a:t>
+                      </a:r>
+                      <a:endParaRPr kumimoji="1" lang="ja-JP" altLang="en-US"/>
+                    </a:p>
+                  </a:txBody>
+                  <a:tcPr/>
+                </a:tc>
+                <a:tc>
+                  <a:txBody>
+                    <a:bodyPr/>
+                    <a:lstStyle/>
+                    <a:p>
+                      <a:pPr algn="ctr"/>
+                      <a:r>
+                        <a:rPr kumimoji="1" lang="en-US" altLang="ja-JP"/>
+                        <a:t>2</a:t>
+                      </a:r>
+                      <a:endParaRPr kumimoji="1" lang="ja-JP" altLang="en-US"/>
+                    </a:p>
+                  </a:txBody>
+                  <a:tcPr/>
+                </a:tc>
+                <a:tc>
+                  <a:txBody>
+                    <a:bodyPr/>
+                    <a:lstStyle/>
+                    <a:p>
+                      <a:pPr algn="ctr"/>
+                      <a:r>
+                        <a:rPr kumimoji="1" lang="en-US" altLang="ja-JP"/>
+                        <a:t>3</a:t>
+                      </a:r>
+                      <a:endParaRPr kumimoji="1" lang="ja-JP" altLang="en-US"/>
+                    </a:p>
+                  </a:txBody>
+                  <a:tcPr/>
+                </a:tc>
+                <a:tc>
+                  <a:txBody>
+                    <a:bodyPr/>
+                    <a:lstStyle/>
+                    <a:p>
+                      <a:pPr algn="ctr"/>
+                      <a:r>
+                        <a:rPr kumimoji="1" lang="en-US" altLang="ja-JP" dirty="0"/>
+                        <a:t>2381</a:t>
+                      </a:r>
+                      <a:endParaRPr kumimoji="1" lang="ja-JP" altLang="en-US"/>
+                    </a:p>
+                  </a:txBody>
+                  <a:tcPr/>
+                </a:tc>
+                <a:tc>
+                  <a:txBody>
+                    <a:bodyPr/>
+                    <a:lstStyle/>
+                    <a:p>
+                      <a:pPr algn="ctr"/>
+                      <a:r>
+                        <a:rPr kumimoji="1" lang="en-US" altLang="ja-JP" dirty="0"/>
+                        <a:t>-3155.02</a:t>
+                      </a:r>
+                      <a:endParaRPr kumimoji="1" lang="ja-JP" altLang="en-US"/>
+                    </a:p>
+                  </a:txBody>
+                  <a:tcPr/>
+                </a:tc>
+                <a:tc>
+                  <a:txBody>
+                    <a:bodyPr/>
+                    <a:lstStyle/>
+                    <a:p>
+                      <a:pPr marL="0" marR="0" lvl="0" indent="0" algn="ctr" defTabSz="457200" rtl="0" eaLnBrk="1" fontAlgn="auto" latinLnBrk="0" hangingPunct="1">
+                        <a:lnSpc>
+                          <a:spcPct val="100000"/>
+                        </a:lnSpc>
+                        <a:spcBef>
+                          <a:spcPts val="0"/>
+                        </a:spcBef>
+                        <a:spcAft>
+                          <a:spcPts val="0"/>
+                        </a:spcAft>
+                        <a:buClrTx/>
+                        <a:buSzTx/>
+                        <a:buFontTx/>
+                        <a:buNone/>
+                        <a:tabLst/>
+                        <a:defRPr/>
+                      </a:pPr>
+                      <a:r>
+                        <a:rPr kumimoji="1" lang="en-US" altLang="ja-JP" sz="1800" kern="1200" dirty="0">
+                          <a:solidFill>
+                            <a:schemeClr val="dk1"/>
+                          </a:solidFill>
+                          <a:effectLst/>
+                          <a:latin typeface="+mn-lt"/>
+                          <a:ea typeface="+mn-ea"/>
+                          <a:cs typeface="+mn-cs"/>
+                        </a:rPr>
+                        <a:t>-4461.98 </a:t>
+                      </a:r>
+                      <a:endParaRPr lang="ja-JP" altLang="en-US"/>
+                    </a:p>
+                    <a:p>
+                      <a:pPr algn="ctr"/>
+                      <a:endParaRPr kumimoji="1" lang="ja-JP" altLang="en-US"/>
+                    </a:p>
+                  </a:txBody>
+                  <a:tcPr/>
+                </a:tc>
+                <a:tc>
+                  <a:txBody>
+                    <a:bodyPr/>
+                    <a:lstStyle/>
+                    <a:p>
+                      <a:pPr algn="ctr"/>
+                      <a:r>
+                        <a:rPr kumimoji="1" lang="en-US" altLang="ja-JP" dirty="0"/>
+                        <a:t>-4083.18</a:t>
+                      </a:r>
+                      <a:endParaRPr kumimoji="1" lang="ja-JP" altLang="en-US"/>
+                    </a:p>
+                  </a:txBody>
+                  <a:tcPr/>
+                </a:tc>
+                <a:tc>
+                  <a:txBody>
+                    <a:bodyPr/>
+                    <a:lstStyle/>
+                    <a:p>
+                      <a:pPr marL="0" marR="0" lvl="0" indent="0" algn="ctr" defTabSz="457200" rtl="0" eaLnBrk="1" fontAlgn="auto" latinLnBrk="0" hangingPunct="1">
+                        <a:lnSpc>
+                          <a:spcPct val="100000"/>
+                        </a:lnSpc>
+                        <a:spcBef>
+                          <a:spcPts val="0"/>
+                        </a:spcBef>
+                        <a:spcAft>
+                          <a:spcPts val="0"/>
+                        </a:spcAft>
+                        <a:buClrTx/>
+                        <a:buSzTx/>
+                        <a:buFontTx/>
+                        <a:buNone/>
+                        <a:tabLst/>
+                        <a:defRPr/>
+                      </a:pPr>
+                      <a:r>
+                        <a:rPr kumimoji="1" lang="en-US" altLang="ja-JP" sz="1800" kern="1200" dirty="0">
+                          <a:solidFill>
+                            <a:schemeClr val="dk1"/>
+                          </a:solidFill>
+                          <a:effectLst/>
+                          <a:latin typeface="+mn-lt"/>
+                          <a:ea typeface="+mn-ea"/>
+                          <a:cs typeface="+mn-cs"/>
+                        </a:rPr>
+                        <a:t>-4461.98 </a:t>
+                      </a:r>
+                      <a:endParaRPr lang="ja-JP" altLang="en-US"/>
+                    </a:p>
+                    <a:p>
+                      <a:pPr algn="ctr"/>
+                      <a:endParaRPr kumimoji="1" lang="ja-JP" altLang="en-US"/>
+                    </a:p>
+                  </a:txBody>
+                  <a:tcPr/>
+                </a:tc>
+                <a:extLst>
+                  <a:ext uri="{0D108BD9-81ED-4DB2-BD59-A6C34878D82A}">
+                    <a16:rowId xmlns:a16="http://schemas.microsoft.com/office/drawing/2014/main" val="3865363050"/>
+                  </a:ext>
+                </a:extLst>
+              </a:tr>
+              <a:tr h="784684">
+                <a:tc>
+                  <a:txBody>
+                    <a:bodyPr/>
+                    <a:lstStyle/>
+                    <a:p>
+                      <a:pPr algn="ctr"/>
+                      <a:r>
+                        <a:rPr kumimoji="1" lang="en-US" altLang="ja-JP"/>
+                        <a:t>350</a:t>
+                      </a:r>
+                      <a:endParaRPr kumimoji="1" lang="ja-JP" altLang="en-US"/>
+                    </a:p>
+                  </a:txBody>
+                  <a:tcPr/>
+                </a:tc>
+                <a:tc>
+                  <a:txBody>
+                    <a:bodyPr/>
+                    <a:lstStyle/>
+                    <a:p>
+                      <a:pPr algn="ctr"/>
+                      <a:r>
+                        <a:rPr kumimoji="1" lang="en-US" altLang="ja-JP"/>
+                        <a:t>2</a:t>
+                      </a:r>
+                      <a:endParaRPr kumimoji="1" lang="ja-JP" altLang="en-US"/>
+                    </a:p>
+                  </a:txBody>
+                  <a:tcPr/>
+                </a:tc>
+                <a:tc>
+                  <a:txBody>
+                    <a:bodyPr/>
+                    <a:lstStyle/>
+                    <a:p>
+                      <a:pPr algn="ctr"/>
+                      <a:r>
+                        <a:rPr kumimoji="1" lang="en-US" altLang="ja-JP"/>
+                        <a:t>3</a:t>
+                      </a:r>
+                      <a:endParaRPr kumimoji="1" lang="ja-JP" altLang="en-US"/>
+                    </a:p>
+                  </a:txBody>
+                  <a:tcPr/>
+                </a:tc>
+                <a:tc>
+                  <a:txBody>
+                    <a:bodyPr/>
+                    <a:lstStyle/>
+                    <a:p>
+                      <a:pPr algn="ctr"/>
+                      <a:r>
+                        <a:rPr kumimoji="1" lang="en-US" altLang="ja-JP" dirty="0"/>
+                        <a:t>2249</a:t>
+                      </a:r>
+                      <a:endParaRPr kumimoji="1" lang="ja-JP" altLang="en-US"/>
+                    </a:p>
+                  </a:txBody>
+                  <a:tcPr/>
+                </a:tc>
+                <a:tc>
+                  <a:txBody>
+                    <a:bodyPr/>
+                    <a:lstStyle/>
+                    <a:p>
+                      <a:pPr algn="ctr"/>
+                      <a:r>
+                        <a:rPr kumimoji="1" lang="en-US" altLang="ja-JP" dirty="0"/>
+                        <a:t>-2738.00</a:t>
+                      </a:r>
+                      <a:endParaRPr kumimoji="1" lang="ja-JP" altLang="en-US"/>
+                    </a:p>
+                  </a:txBody>
+                  <a:tcPr/>
+                </a:tc>
+                <a:tc>
+                  <a:txBody>
+                    <a:bodyPr/>
+                    <a:lstStyle/>
+                    <a:p>
+                      <a:pPr marL="0" marR="0" lvl="0" indent="0" algn="ctr" defTabSz="457200" rtl="0" eaLnBrk="1" fontAlgn="auto" latinLnBrk="0" hangingPunct="1">
+                        <a:lnSpc>
+                          <a:spcPct val="100000"/>
+                        </a:lnSpc>
+                        <a:spcBef>
+                          <a:spcPts val="0"/>
+                        </a:spcBef>
+                        <a:spcAft>
+                          <a:spcPts val="0"/>
+                        </a:spcAft>
+                        <a:buClrTx/>
+                        <a:buSzTx/>
+                        <a:buFontTx/>
+                        <a:buNone/>
+                        <a:tabLst/>
+                        <a:defRPr/>
+                      </a:pPr>
+                      <a:r>
+                        <a:rPr kumimoji="1" lang="en-US" altLang="ja-JP" sz="1800" kern="1200" dirty="0">
+                          <a:solidFill>
+                            <a:schemeClr val="dk1"/>
+                          </a:solidFill>
+                          <a:effectLst/>
+                          <a:latin typeface="+mn-lt"/>
+                          <a:ea typeface="+mn-ea"/>
+                          <a:cs typeface="+mn-cs"/>
+                        </a:rPr>
+                        <a:t>-4461.98 </a:t>
+                      </a:r>
+                      <a:endParaRPr lang="ja-JP" altLang="en-US"/>
+                    </a:p>
+                    <a:p>
+                      <a:pPr algn="ctr"/>
+                      <a:endParaRPr kumimoji="1" lang="ja-JP" altLang="en-US"/>
+                    </a:p>
+                  </a:txBody>
+                  <a:tcPr/>
+                </a:tc>
+                <a:tc>
+                  <a:txBody>
+                    <a:bodyPr/>
+                    <a:lstStyle/>
+                    <a:p>
+                      <a:pPr algn="ctr"/>
+                      <a:r>
+                        <a:rPr kumimoji="1" lang="en-US" altLang="ja-JP" dirty="0"/>
+                        <a:t>-2883.58</a:t>
+                      </a:r>
+                      <a:endParaRPr kumimoji="1" lang="ja-JP" altLang="en-US"/>
+                    </a:p>
+                  </a:txBody>
+                  <a:tcPr/>
+                </a:tc>
+                <a:tc>
+                  <a:txBody>
+                    <a:bodyPr/>
+                    <a:lstStyle/>
+                    <a:p>
+                      <a:pPr marL="0" marR="0" lvl="0" indent="0" algn="ctr" defTabSz="457200" rtl="0" eaLnBrk="1" fontAlgn="auto" latinLnBrk="0" hangingPunct="1">
+                        <a:lnSpc>
+                          <a:spcPct val="100000"/>
+                        </a:lnSpc>
+                        <a:spcBef>
+                          <a:spcPts val="0"/>
+                        </a:spcBef>
+                        <a:spcAft>
+                          <a:spcPts val="0"/>
+                        </a:spcAft>
+                        <a:buClrTx/>
+                        <a:buSzTx/>
+                        <a:buFontTx/>
+                        <a:buNone/>
+                        <a:tabLst/>
+                        <a:defRPr/>
+                      </a:pPr>
+                      <a:r>
+                        <a:rPr kumimoji="1" lang="en-US" altLang="ja-JP" sz="1800" kern="1200" dirty="0">
+                          <a:solidFill>
+                            <a:schemeClr val="dk1"/>
+                          </a:solidFill>
+                          <a:effectLst/>
+                          <a:latin typeface="+mn-lt"/>
+                          <a:ea typeface="+mn-ea"/>
+                          <a:cs typeface="+mn-cs"/>
+                        </a:rPr>
+                        <a:t>-4461.98 </a:t>
+                      </a:r>
+                      <a:endParaRPr lang="ja-JP" altLang="en-US"/>
+                    </a:p>
+                    <a:p>
+                      <a:pPr algn="ctr"/>
+                      <a:endParaRPr kumimoji="1" lang="ja-JP" altLang="en-US"/>
+                    </a:p>
+                  </a:txBody>
+                  <a:tcPr/>
+                </a:tc>
+                <a:extLst>
+                  <a:ext uri="{0D108BD9-81ED-4DB2-BD59-A6C34878D82A}">
+                    <a16:rowId xmlns:a16="http://schemas.microsoft.com/office/drawing/2014/main" val="1103442303"/>
+                  </a:ext>
+                </a:extLst>
+              </a:tr>
+            </a:tbl>
+          </a:graphicData>
+        </a:graphic>
+      </p:graphicFrame>
+    </p:spTree>
+    <p:extLst>
+      <p:ext uri="{BB962C8B-B14F-4D97-AF65-F5344CB8AC3E}">
+        <p14:creationId xmlns:p14="http://schemas.microsoft.com/office/powerpoint/2010/main" val="1883244020"/>
+      </p:ext>
+    </p:extLst>
+  </p:cSld>
+  <p:clrMapOvr>
+    <a:masterClrMapping/>
+  </p:clrMapOvr>
+</p:sld>
+</file>
+
+<file path=ppt/slides/slide26.xml><?xml version="1.0" encoding="utf-8"?>
+<p:sld xmlns:a="http://schemas.openxmlformats.org/drawingml/2006/main" xmlns:r="http://schemas.openxmlformats.org/officeDocument/2006/relationships" xmlns:p="http://schemas.openxmlformats.org/presentationml/2006/main">
+  <p:cSld>
+    <p:spTree>
+      <p:nvGrpSpPr>
+        <p:cNvPr id="1" name=""/>
+        <p:cNvGrpSpPr/>
+        <p:nvPr/>
+      </p:nvGrpSpPr>
+      <p:grpSpPr>
+        <a:xfrm>
+          <a:off x="0" y="0"/>
+          <a:ext cx="0" cy="0"/>
+          <a:chOff x="0" y="0"/>
+          <a:chExt cx="0" cy="0"/>
+        </a:xfrm>
+      </p:grpSpPr>
+      <p:sp>
+        <p:nvSpPr>
+          <p:cNvPr id="2" name="タイトル 1">
+            <a:extLst>
+              <a:ext uri="{FF2B5EF4-FFF2-40B4-BE49-F238E27FC236}">
+                <a16:creationId xmlns:a16="http://schemas.microsoft.com/office/drawing/2014/main" id="{7A74A867-EBEB-2F4D-8265-67DD34FA45C3}"/>
+              </a:ext>
+            </a:extLst>
+          </p:cNvPr>
+          <p:cNvSpPr>
+            <a:spLocks noGrp="1"/>
+          </p:cNvSpPr>
+          <p:nvPr>
+            <p:ph type="title"/>
+          </p:nvPr>
+        </p:nvSpPr>
+        <p:spPr/>
+        <p:txBody>
+          <a:bodyPr/>
+          <a:lstStyle/>
+          <a:p>
+            <a:r>
+              <a:rPr kumimoji="1" lang="en-US" altLang="ja-JP" dirty="0"/>
+              <a:t>future work</a:t>
+            </a:r>
+            <a:endParaRPr kumimoji="1" lang="ja-JP" altLang="en-US"/>
+          </a:p>
+        </p:txBody>
+      </p:sp>
+      <p:sp>
+        <p:nvSpPr>
+          <p:cNvPr id="3" name="コンテンツ プレースホルダー 2">
+            <a:extLst>
+              <a:ext uri="{FF2B5EF4-FFF2-40B4-BE49-F238E27FC236}">
+                <a16:creationId xmlns:a16="http://schemas.microsoft.com/office/drawing/2014/main" id="{248D57BC-E16B-2345-B115-CA7B5ECA4B39}"/>
+              </a:ext>
+            </a:extLst>
+          </p:cNvPr>
+          <p:cNvSpPr>
+            <a:spLocks noGrp="1"/>
+          </p:cNvSpPr>
+          <p:nvPr>
+            <p:ph idx="1"/>
+          </p:nvPr>
+        </p:nvSpPr>
+        <p:spPr/>
+        <p:txBody>
+          <a:bodyPr>
+            <a:normAutofit/>
+          </a:bodyPr>
+          <a:lstStyle/>
+          <a:p>
+            <a:r>
+              <a:rPr lang="en" altLang="ja-JP" sz="2400" dirty="0"/>
+              <a:t>creating an index to evaluate the quality of the assignment</a:t>
+            </a:r>
+          </a:p>
+          <a:p>
+            <a:r>
+              <a:rPr kumimoji="1" lang="en" altLang="ja-JP" sz="2400" dirty="0"/>
+              <a:t>Modifying the mathematical model</a:t>
+            </a:r>
+          </a:p>
+          <a:p>
+            <a:r>
+              <a:rPr kumimoji="1" lang="en" altLang="ja-JP" sz="2400" dirty="0"/>
+              <a:t>Creating heuristic to be able to solve large bookings</a:t>
+            </a:r>
+            <a:endParaRPr kumimoji="1" lang="ja-JP" altLang="en-US" sz="2400"/>
+          </a:p>
+        </p:txBody>
+      </p:sp>
+    </p:spTree>
+    <p:extLst>
+      <p:ext uri="{BB962C8B-B14F-4D97-AF65-F5344CB8AC3E}">
+        <p14:creationId xmlns:p14="http://schemas.microsoft.com/office/powerpoint/2010/main" val="547483656"/>
       </p:ext>
     </p:extLst>
   </p:cSld>
@@ -8931,7 +12405,7 @@
           <a:p>
             <a:r>
               <a:rPr lang="en" altLang="ja-JP" sz="2400" dirty="0"/>
-              <a:t>e consider the ship that carries various type of cars.  (e.g. passenger car, truck, wrecker, bulldozer...) </a:t>
+              <a:t>We consider the ship that carries various type of cars.  (e.g. passenger car, truck, wrecker, bulldozer...) </a:t>
             </a:r>
           </a:p>
           <a:p>
@@ -9048,7 +12522,7 @@
           <a:p>
             <a:r>
               <a:rPr lang="en-US" altLang="ja-JP" sz="2400" dirty="0"/>
-              <a:t>We also have to pay attention the balance of the total load of the ship</a:t>
+              <a:t>We also have to pay attention to the balance of the total load of the ship</a:t>
             </a:r>
           </a:p>
           <a:p>
@@ -9509,7 +12983,7 @@
           <p:cNvPr id="2" name="タイトル 1">
             <a:extLst>
               <a:ext uri="{FF2B5EF4-FFF2-40B4-BE49-F238E27FC236}">
-                <a16:creationId xmlns:a16="http://schemas.microsoft.com/office/drawing/2014/main" id="{D6E9A7F1-EC3C-894A-8E9E-0981C4CA834A}"/>
+                <a16:creationId xmlns:a16="http://schemas.microsoft.com/office/drawing/2014/main" id="{FD7804DA-5131-1342-B346-35CAC3C09CE7}"/>
               </a:ext>
             </a:extLst>
           </p:cNvPr>
@@ -9527,7 +13001,7 @@
           <a:p>
             <a:r>
               <a:rPr lang="en-US" altLang="ja-JP" dirty="0"/>
-              <a:t>Constraints</a:t>
+              <a:t>The objectives</a:t>
             </a:r>
             <a:endParaRPr kumimoji="1" lang="ja-JP" altLang="en-US"/>
           </a:p>
@@ -9538,7 +13012,7 @@
           <p:cNvPr id="3" name="コンテンツ プレースホルダー 2">
             <a:extLst>
               <a:ext uri="{FF2B5EF4-FFF2-40B4-BE49-F238E27FC236}">
-                <a16:creationId xmlns:a16="http://schemas.microsoft.com/office/drawing/2014/main" id="{9D01FC0B-1A3C-FE4D-82C1-224B072D7881}"/>
+                <a16:creationId xmlns:a16="http://schemas.microsoft.com/office/drawing/2014/main" id="{07F230A6-6F05-474A-B796-7E09CD034B90}"/>
               </a:ext>
             </a:extLst>
           </p:cNvPr>
@@ -9556,13 +13030,22 @@
           </a:bodyPr>
           <a:lstStyle/>
           <a:p>
+            <a:pPr marL="0" indent="0">
+              <a:buNone/>
+            </a:pPr>
+            <a:r>
+              <a:rPr lang="en" altLang="ja-JP" sz="2400" dirty="0"/>
+              <a:t> the objective function would be the weighted sum of the following five</a:t>
+            </a:r>
+          </a:p>
+          <a:p>
             <a:pPr>
               <a:buFont typeface="+mj-lt"/>
               <a:buAutoNum type="arabicPeriod"/>
             </a:pPr>
             <a:r>
-              <a:rPr kumimoji="1" lang="en-US" altLang="ja-JP" sz="2400" dirty="0"/>
-              <a:t>Travel routes in the ship</a:t>
+              <a:rPr lang="en-US" altLang="ja-JP" sz="2400" dirty="0"/>
+              <a:t>avoiding multiple orders in one hold</a:t>
             </a:r>
           </a:p>
           <a:p>
@@ -9572,7 +13055,15 @@
             </a:pPr>
             <a:r>
               <a:rPr lang="en" altLang="ja-JP" sz="2400" dirty="0"/>
-              <a:t>Weight balance of cargo</a:t>
+              <a:t>placing </a:t>
+            </a:r>
+            <a:r>
+              <a:rPr lang="en-US" altLang="ja-JP" sz="2400" dirty="0"/>
+              <a:t>same</a:t>
+            </a:r>
+            <a:r>
+              <a:rPr lang="en" altLang="ja-JP" sz="2400" dirty="0"/>
+              <a:t> orders by port closer together</a:t>
             </a:r>
           </a:p>
           <a:p>
@@ -9582,16 +13073,35 @@
             </a:pPr>
             <a:r>
               <a:rPr lang="en" altLang="ja-JP" sz="2400" dirty="0"/>
-              <a:t>Rules for splitting orders</a:t>
-            </a:r>
-            <a:endParaRPr kumimoji="1" lang="ja-JP" altLang="en-US" sz="2400"/>
+              <a:t>choosing a path that is easy for cars to pass</a:t>
+            </a:r>
+          </a:p>
+          <a:p>
+            <a:pPr>
+              <a:buFont typeface="+mj-lt"/>
+              <a:buAutoNum type="arabicPeriod"/>
+            </a:pPr>
+            <a:r>
+              <a:rPr lang="en" altLang="ja-JP" sz="2400" dirty="0"/>
+              <a:t>No dead space</a:t>
+            </a:r>
+          </a:p>
+          <a:p>
+            <a:pPr>
+              <a:buFont typeface="+mj-lt"/>
+              <a:buAutoNum type="arabicPeriod"/>
+            </a:pPr>
+            <a:r>
+              <a:rPr lang="en" altLang="ja-JP" sz="2400" dirty="0"/>
+              <a:t>placing empty space close to the entrance</a:t>
+            </a:r>
           </a:p>
         </p:txBody>
       </p:sp>
     </p:spTree>
     <p:extLst>
       <p:ext uri="{BB962C8B-B14F-4D97-AF65-F5344CB8AC3E}">
-        <p14:creationId xmlns:p14="http://schemas.microsoft.com/office/powerpoint/2010/main" val="3557686308"/>
+        <p14:creationId xmlns:p14="http://schemas.microsoft.com/office/powerpoint/2010/main" val="2625871371"/>
       </p:ext>
     </p:extLst>
   </p:cSld>

--- a/中間報告.pptx
+++ b/中間報告.pptx
@@ -12569,6 +12569,376 @@
       </p:grpSpPr>
       <p:sp>
         <p:nvSpPr>
+          <p:cNvPr id="3" name="コンテンツ プレースホルダー 2">
+            <a:extLst>
+              <a:ext uri="{FF2B5EF4-FFF2-40B4-BE49-F238E27FC236}">
+                <a16:creationId xmlns:a16="http://schemas.microsoft.com/office/drawing/2014/main" id="{E1E4F098-294C-D141-AD53-3960C7CBF23B}"/>
+              </a:ext>
+            </a:extLst>
+          </p:cNvPr>
+          <p:cNvSpPr>
+            <a:spLocks noGrp="1"/>
+          </p:cNvSpPr>
+          <p:nvPr>
+            <p:ph idx="1"/>
+          </p:nvPr>
+        </p:nvSpPr>
+        <p:spPr/>
+        <p:txBody>
+          <a:bodyPr>
+            <a:normAutofit/>
+          </a:bodyPr>
+          <a:lstStyle/>
+          <a:p>
+            <a:r>
+              <a:rPr lang="en-US" altLang="ja-JP" sz="2400" dirty="0"/>
+              <a:t>We consider the ships which has 12 decks(floors).</a:t>
+            </a:r>
+          </a:p>
+          <a:p>
+            <a:r>
+              <a:rPr lang="en-US" altLang="ja-JP" sz="2400" dirty="0"/>
+              <a:t>Each deck has up to 4 holds</a:t>
+            </a:r>
+          </a:p>
+        </p:txBody>
+      </p:sp>
+      <p:pic>
+        <p:nvPicPr>
+          <p:cNvPr id="5" name="図 4">
+            <a:extLst>
+              <a:ext uri="{FF2B5EF4-FFF2-40B4-BE49-F238E27FC236}">
+                <a16:creationId xmlns:a16="http://schemas.microsoft.com/office/drawing/2014/main" id="{2842823E-0742-3241-980F-487CA451AA47}"/>
+              </a:ext>
+            </a:extLst>
+          </p:cNvPr>
+          <p:cNvPicPr>
+            <a:picLocks noChangeAspect="1"/>
+          </p:cNvPicPr>
+          <p:nvPr/>
+        </p:nvPicPr>
+        <p:blipFill>
+          <a:blip r:embed="rId2"/>
+          <a:stretch>
+            <a:fillRect/>
+          </a:stretch>
+        </p:blipFill>
+        <p:spPr>
+          <a:xfrm>
+            <a:off x="2589212" y="3384645"/>
+            <a:ext cx="4726017" cy="3093966"/>
+          </a:xfrm>
+          <a:prstGeom prst="rect">
+            <a:avLst/>
+          </a:prstGeom>
+        </p:spPr>
+      </p:pic>
+      <p:cxnSp>
+        <p:nvCxnSpPr>
+          <p:cNvPr id="15" name="直線コネクタ 14">
+            <a:extLst>
+              <a:ext uri="{FF2B5EF4-FFF2-40B4-BE49-F238E27FC236}">
+                <a16:creationId xmlns:a16="http://schemas.microsoft.com/office/drawing/2014/main" id="{E8F2F112-ACAD-BE49-A2A3-3FFF01998D93}"/>
+              </a:ext>
+            </a:extLst>
+          </p:cNvPr>
+          <p:cNvCxnSpPr/>
+          <p:nvPr/>
+        </p:nvCxnSpPr>
+        <p:spPr>
+          <a:xfrm flipV="1">
+            <a:off x="6794612" y="5336275"/>
+            <a:ext cx="998260" cy="354841"/>
+          </a:xfrm>
+          <a:prstGeom prst="line">
+            <a:avLst/>
+          </a:prstGeom>
+        </p:spPr>
+        <p:style>
+          <a:lnRef idx="1">
+            <a:schemeClr val="dk1"/>
+          </a:lnRef>
+          <a:fillRef idx="0">
+            <a:schemeClr val="dk1"/>
+          </a:fillRef>
+          <a:effectRef idx="0">
+            <a:schemeClr val="dk1"/>
+          </a:effectRef>
+          <a:fontRef idx="minor">
+            <a:schemeClr val="tx1"/>
+          </a:fontRef>
+        </p:style>
+      </p:cxnSp>
+      <p:cxnSp>
+        <p:nvCxnSpPr>
+          <p:cNvPr id="11" name="直線コネクタ 10">
+            <a:extLst>
+              <a:ext uri="{FF2B5EF4-FFF2-40B4-BE49-F238E27FC236}">
+                <a16:creationId xmlns:a16="http://schemas.microsoft.com/office/drawing/2014/main" id="{833C8682-9FCC-E645-B37A-6BBCF98D2582}"/>
+              </a:ext>
+            </a:extLst>
+          </p:cNvPr>
+          <p:cNvCxnSpPr/>
+          <p:nvPr/>
+        </p:nvCxnSpPr>
+        <p:spPr>
+          <a:xfrm flipV="1">
+            <a:off x="6946710" y="4776716"/>
+            <a:ext cx="846162" cy="559559"/>
+          </a:xfrm>
+          <a:prstGeom prst="line">
+            <a:avLst/>
+          </a:prstGeom>
+        </p:spPr>
+        <p:style>
+          <a:lnRef idx="1">
+            <a:schemeClr val="dk1"/>
+          </a:lnRef>
+          <a:fillRef idx="0">
+            <a:schemeClr val="dk1"/>
+          </a:fillRef>
+          <a:effectRef idx="0">
+            <a:schemeClr val="dk1"/>
+          </a:effectRef>
+          <a:fontRef idx="minor">
+            <a:schemeClr val="tx1"/>
+          </a:fontRef>
+        </p:style>
+      </p:cxnSp>
+      <p:sp>
+        <p:nvSpPr>
+          <p:cNvPr id="17" name="円/楕円 16">
+            <a:extLst>
+              <a:ext uri="{FF2B5EF4-FFF2-40B4-BE49-F238E27FC236}">
+                <a16:creationId xmlns:a16="http://schemas.microsoft.com/office/drawing/2014/main" id="{E45806FA-8321-B241-B338-5BD47E48E10D}"/>
+              </a:ext>
+            </a:extLst>
+          </p:cNvPr>
+          <p:cNvSpPr/>
+          <p:nvPr/>
+        </p:nvSpPr>
+        <p:spPr>
+          <a:xfrm>
+            <a:off x="7615989" y="4177084"/>
+            <a:ext cx="4228493" cy="1824589"/>
+          </a:xfrm>
+          <a:prstGeom prst="ellipse">
+            <a:avLst/>
+          </a:prstGeom>
+        </p:spPr>
+        <p:style>
+          <a:lnRef idx="2">
+            <a:schemeClr val="accent6"/>
+          </a:lnRef>
+          <a:fillRef idx="1">
+            <a:schemeClr val="lt1"/>
+          </a:fillRef>
+          <a:effectRef idx="0">
+            <a:schemeClr val="accent6"/>
+          </a:effectRef>
+          <a:fontRef idx="minor">
+            <a:schemeClr val="dk1"/>
+          </a:fontRef>
+        </p:style>
+        <p:txBody>
+          <a:bodyPr rtlCol="0" anchor="ctr"/>
+          <a:lstStyle/>
+          <a:p>
+            <a:pPr algn="ctr"/>
+            <a:endParaRPr kumimoji="1" lang="ja-JP" altLang="en-US"/>
+          </a:p>
+        </p:txBody>
+      </p:sp>
+      <p:sp>
+        <p:nvSpPr>
+          <p:cNvPr id="6" name="正方形/長方形 5">
+            <a:extLst>
+              <a:ext uri="{FF2B5EF4-FFF2-40B4-BE49-F238E27FC236}">
+                <a16:creationId xmlns:a16="http://schemas.microsoft.com/office/drawing/2014/main" id="{B04F6E53-1041-C946-A46D-BEB0D0FCB64C}"/>
+              </a:ext>
+            </a:extLst>
+          </p:cNvPr>
+          <p:cNvSpPr/>
+          <p:nvPr/>
+        </p:nvSpPr>
+        <p:spPr>
+          <a:xfrm>
+            <a:off x="8093632" y="4708477"/>
+            <a:ext cx="818866" cy="805218"/>
+          </a:xfrm>
+          <a:prstGeom prst="rect">
+            <a:avLst/>
+          </a:prstGeom>
+        </p:spPr>
+        <p:style>
+          <a:lnRef idx="2">
+            <a:schemeClr val="accent6"/>
+          </a:lnRef>
+          <a:fillRef idx="1">
+            <a:schemeClr val="lt1"/>
+          </a:fillRef>
+          <a:effectRef idx="0">
+            <a:schemeClr val="accent6"/>
+          </a:effectRef>
+          <a:fontRef idx="minor">
+            <a:schemeClr val="dk1"/>
+          </a:fontRef>
+        </p:style>
+        <p:txBody>
+          <a:bodyPr rtlCol="0" anchor="ctr"/>
+          <a:lstStyle/>
+          <a:p>
+            <a:pPr algn="ctr"/>
+            <a:r>
+              <a:rPr kumimoji="1" lang="ja-JP" altLang="en-US"/>
+              <a:t>４</a:t>
+            </a:r>
+          </a:p>
+        </p:txBody>
+      </p:sp>
+      <p:sp>
+        <p:nvSpPr>
+          <p:cNvPr id="7" name="正方形/長方形 6">
+            <a:extLst>
+              <a:ext uri="{FF2B5EF4-FFF2-40B4-BE49-F238E27FC236}">
+                <a16:creationId xmlns:a16="http://schemas.microsoft.com/office/drawing/2014/main" id="{4870ED44-030D-0B47-B560-56379A93FB9E}"/>
+              </a:ext>
+            </a:extLst>
+          </p:cNvPr>
+          <p:cNvSpPr/>
+          <p:nvPr/>
+        </p:nvSpPr>
+        <p:spPr>
+          <a:xfrm>
+            <a:off x="8897634" y="4708477"/>
+            <a:ext cx="818866" cy="805218"/>
+          </a:xfrm>
+          <a:prstGeom prst="rect">
+            <a:avLst/>
+          </a:prstGeom>
+        </p:spPr>
+        <p:style>
+          <a:lnRef idx="2">
+            <a:schemeClr val="accent6"/>
+          </a:lnRef>
+          <a:fillRef idx="1">
+            <a:schemeClr val="lt1"/>
+          </a:fillRef>
+          <a:effectRef idx="0">
+            <a:schemeClr val="accent6"/>
+          </a:effectRef>
+          <a:fontRef idx="minor">
+            <a:schemeClr val="dk1"/>
+          </a:fontRef>
+        </p:style>
+        <p:txBody>
+          <a:bodyPr rtlCol="0" anchor="ctr"/>
+          <a:lstStyle/>
+          <a:p>
+            <a:pPr algn="ctr"/>
+            <a:r>
+              <a:rPr kumimoji="1" lang="ja-JP" altLang="en-US"/>
+              <a:t>３</a:t>
+            </a:r>
+          </a:p>
+        </p:txBody>
+      </p:sp>
+      <p:sp>
+        <p:nvSpPr>
+          <p:cNvPr id="8" name="正方形/長方形 7">
+            <a:extLst>
+              <a:ext uri="{FF2B5EF4-FFF2-40B4-BE49-F238E27FC236}">
+                <a16:creationId xmlns:a16="http://schemas.microsoft.com/office/drawing/2014/main" id="{F7261E6C-68B7-504E-8024-5A3EDDA5CC91}"/>
+              </a:ext>
+            </a:extLst>
+          </p:cNvPr>
+          <p:cNvSpPr/>
+          <p:nvPr/>
+        </p:nvSpPr>
+        <p:spPr>
+          <a:xfrm>
+            <a:off x="9701636" y="4708477"/>
+            <a:ext cx="818866" cy="805218"/>
+          </a:xfrm>
+          <a:prstGeom prst="rect">
+            <a:avLst/>
+          </a:prstGeom>
+        </p:spPr>
+        <p:style>
+          <a:lnRef idx="2">
+            <a:schemeClr val="accent6"/>
+          </a:lnRef>
+          <a:fillRef idx="1">
+            <a:schemeClr val="lt1"/>
+          </a:fillRef>
+          <a:effectRef idx="0">
+            <a:schemeClr val="accent6"/>
+          </a:effectRef>
+          <a:fontRef idx="minor">
+            <a:schemeClr val="dk1"/>
+          </a:fontRef>
+        </p:style>
+        <p:txBody>
+          <a:bodyPr rtlCol="0" anchor="ctr"/>
+          <a:lstStyle/>
+          <a:p>
+            <a:pPr algn="ctr"/>
+            <a:r>
+              <a:rPr kumimoji="1" lang="ja-JP" altLang="en-US"/>
+              <a:t>２</a:t>
+            </a:r>
+          </a:p>
+        </p:txBody>
+      </p:sp>
+      <p:sp>
+        <p:nvSpPr>
+          <p:cNvPr id="9" name="正方形/長方形 8">
+            <a:extLst>
+              <a:ext uri="{FF2B5EF4-FFF2-40B4-BE49-F238E27FC236}">
+                <a16:creationId xmlns:a16="http://schemas.microsoft.com/office/drawing/2014/main" id="{D73A65D0-0289-6544-BFCE-4E05EC166522}"/>
+              </a:ext>
+            </a:extLst>
+          </p:cNvPr>
+          <p:cNvSpPr/>
+          <p:nvPr/>
+        </p:nvSpPr>
+        <p:spPr>
+          <a:xfrm>
+            <a:off x="10534434" y="4708477"/>
+            <a:ext cx="818866" cy="805218"/>
+          </a:xfrm>
+          <a:prstGeom prst="rect">
+            <a:avLst/>
+          </a:prstGeom>
+        </p:spPr>
+        <p:style>
+          <a:lnRef idx="2">
+            <a:schemeClr val="accent6"/>
+          </a:lnRef>
+          <a:fillRef idx="1">
+            <a:schemeClr val="lt1"/>
+          </a:fillRef>
+          <a:effectRef idx="0">
+            <a:schemeClr val="accent6"/>
+          </a:effectRef>
+          <a:fontRef idx="minor">
+            <a:schemeClr val="dk1"/>
+          </a:fontRef>
+        </p:style>
+        <p:txBody>
+          <a:bodyPr rtlCol="0" anchor="ctr"/>
+          <a:lstStyle/>
+          <a:p>
+            <a:pPr algn="ctr"/>
+            <a:r>
+              <a:rPr kumimoji="1" lang="ja-JP" altLang="en-US"/>
+              <a:t>１</a:t>
+            </a:r>
+          </a:p>
+        </p:txBody>
+      </p:sp>
+      <p:sp>
+        <p:nvSpPr>
           <p:cNvPr id="2" name="タイトル 1">
             <a:extLst>
               <a:ext uri="{FF2B5EF4-FFF2-40B4-BE49-F238E27FC236}">
@@ -12583,7 +12953,12 @@
             <p:ph type="title"/>
           </p:nvPr>
         </p:nvSpPr>
-        <p:spPr/>
+        <p:spPr>
+          <a:xfrm>
+            <a:off x="2592925" y="624110"/>
+            <a:ext cx="8911687" cy="1280890"/>
+          </a:xfrm>
+        </p:spPr>
         <p:txBody>
           <a:bodyPr/>
           <a:lstStyle/>
@@ -12593,42 +12968,6 @@
               <a:t>Problem Definition</a:t>
             </a:r>
             <a:endParaRPr kumimoji="1" lang="ja-JP" altLang="en-US"/>
-          </a:p>
-        </p:txBody>
-      </p:sp>
-      <p:sp>
-        <p:nvSpPr>
-          <p:cNvPr id="3" name="コンテンツ プレースホルダー 2">
-            <a:extLst>
-              <a:ext uri="{FF2B5EF4-FFF2-40B4-BE49-F238E27FC236}">
-                <a16:creationId xmlns:a16="http://schemas.microsoft.com/office/drawing/2014/main" id="{E1E4F098-294C-D141-AD53-3960C7CBF23B}"/>
-              </a:ext>
-            </a:extLst>
-          </p:cNvPr>
-          <p:cNvSpPr>
-            <a:spLocks noGrp="1"/>
-          </p:cNvSpPr>
-          <p:nvPr>
-            <p:ph idx="1"/>
-          </p:nvPr>
-        </p:nvSpPr>
-        <p:spPr/>
-        <p:txBody>
-          <a:bodyPr>
-            <a:normAutofit/>
-          </a:bodyPr>
-          <a:lstStyle/>
-          <a:p>
-            <a:r>
-              <a:rPr lang="en-US" altLang="ja-JP" sz="2400" dirty="0"/>
-              <a:t>We consider the ships which has 12 decks(floors).</a:t>
-            </a:r>
-          </a:p>
-          <a:p>
-            <a:r>
-              <a:rPr lang="en-US" altLang="ja-JP" sz="2400" dirty="0"/>
-              <a:t>Each deck has up to 4 holds</a:t>
-            </a:r>
           </a:p>
         </p:txBody>
       </p:sp>
@@ -12710,7 +13049,12 @@
             <p:ph idx="1"/>
           </p:nvPr>
         </p:nvSpPr>
-        <p:spPr/>
+        <p:spPr>
+          <a:xfrm>
+            <a:off x="2589212" y="1700283"/>
+            <a:ext cx="8915400" cy="3777622"/>
+          </a:xfrm>
+        </p:spPr>
         <p:txBody>
           <a:bodyPr>
             <a:normAutofit/>

--- a/中間報告.pptx
+++ b/中間報告.pptx
@@ -22,15 +22,14 @@
     <p:sldId id="264" r:id="rId16"/>
     <p:sldId id="265" r:id="rId17"/>
     <p:sldId id="266" r:id="rId18"/>
-    <p:sldId id="268" r:id="rId19"/>
-    <p:sldId id="267" r:id="rId20"/>
-    <p:sldId id="276" r:id="rId21"/>
-    <p:sldId id="559" r:id="rId22"/>
-    <p:sldId id="275" r:id="rId23"/>
-    <p:sldId id="557" r:id="rId24"/>
-    <p:sldId id="558" r:id="rId25"/>
-    <p:sldId id="560" r:id="rId26"/>
-    <p:sldId id="561" r:id="rId27"/>
+    <p:sldId id="267" r:id="rId19"/>
+    <p:sldId id="276" r:id="rId20"/>
+    <p:sldId id="559" r:id="rId21"/>
+    <p:sldId id="275" r:id="rId22"/>
+    <p:sldId id="557" r:id="rId23"/>
+    <p:sldId id="558" r:id="rId24"/>
+    <p:sldId id="560" r:id="rId25"/>
+    <p:sldId id="561" r:id="rId26"/>
   </p:sldIdLst>
   <p:sldSz cx="12192000" cy="6858000"/>
   <p:notesSz cx="6858000" cy="9144000"/>
@@ -325,7 +324,7 @@
           <a:p>
             <a:fld id="{C8659C27-364E-C74E-8EB0-0FFA61AB3438}" type="datetimeFigureOut">
               <a:rPr kumimoji="1" lang="ja-JP" altLang="en-US" smtClean="0"/>
-              <a:t>2021/4/2</a:t>
+              <a:t>2021/4/4</a:t>
             </a:fld>
             <a:endParaRPr kumimoji="1" lang="ja-JP" altLang="en-US"/>
           </a:p>
@@ -700,7 +699,7 @@
           <a:p>
             <a:fld id="{C8659C27-364E-C74E-8EB0-0FFA61AB3438}" type="datetimeFigureOut">
               <a:rPr kumimoji="1" lang="ja-JP" altLang="en-US" smtClean="0"/>
-              <a:t>2021/4/2</a:t>
+              <a:t>2021/4/4</a:t>
             </a:fld>
             <a:endParaRPr kumimoji="1" lang="ja-JP" altLang="en-US"/>
           </a:p>
@@ -1175,7 +1174,7 @@
           <a:p>
             <a:fld id="{C8659C27-364E-C74E-8EB0-0FFA61AB3438}" type="datetimeFigureOut">
               <a:rPr kumimoji="1" lang="ja-JP" altLang="en-US" smtClean="0"/>
-              <a:t>2021/4/2</a:t>
+              <a:t>2021/4/4</a:t>
             </a:fld>
             <a:endParaRPr kumimoji="1" lang="ja-JP" altLang="en-US"/>
           </a:p>
@@ -1548,7 +1547,7 @@
           <a:p>
             <a:fld id="{C8659C27-364E-C74E-8EB0-0FFA61AB3438}" type="datetimeFigureOut">
               <a:rPr kumimoji="1" lang="ja-JP" altLang="en-US" smtClean="0"/>
-              <a:t>2021/4/2</a:t>
+              <a:t>2021/4/4</a:t>
             </a:fld>
             <a:endParaRPr kumimoji="1" lang="ja-JP" altLang="en-US"/>
           </a:p>
@@ -1942,7 +1941,7 @@
           <a:p>
             <a:fld id="{C8659C27-364E-C74E-8EB0-0FFA61AB3438}" type="datetimeFigureOut">
               <a:rPr kumimoji="1" lang="ja-JP" altLang="en-US" smtClean="0"/>
-              <a:t>2021/4/2</a:t>
+              <a:t>2021/4/4</a:t>
             </a:fld>
             <a:endParaRPr kumimoji="1" lang="ja-JP" altLang="en-US"/>
           </a:p>
@@ -2412,7 +2411,7 @@
           <a:p>
             <a:fld id="{C8659C27-364E-C74E-8EB0-0FFA61AB3438}" type="datetimeFigureOut">
               <a:rPr kumimoji="1" lang="ja-JP" altLang="en-US" smtClean="0"/>
-              <a:t>2021/4/2</a:t>
+              <a:t>2021/4/4</a:t>
             </a:fld>
             <a:endParaRPr kumimoji="1" lang="ja-JP" altLang="en-US"/>
           </a:p>
@@ -2677,7 +2676,7 @@
           <a:p>
             <a:fld id="{C8659C27-364E-C74E-8EB0-0FFA61AB3438}" type="datetimeFigureOut">
               <a:rPr kumimoji="1" lang="ja-JP" altLang="en-US" smtClean="0"/>
-              <a:t>2021/4/2</a:t>
+              <a:t>2021/4/4</a:t>
             </a:fld>
             <a:endParaRPr kumimoji="1" lang="ja-JP" altLang="en-US"/>
           </a:p>
@@ -2947,7 +2946,7 @@
           <a:p>
             <a:fld id="{C8659C27-364E-C74E-8EB0-0FFA61AB3438}" type="datetimeFigureOut">
               <a:rPr kumimoji="1" lang="ja-JP" altLang="en-US" smtClean="0"/>
-              <a:t>2021/4/2</a:t>
+              <a:t>2021/4/4</a:t>
             </a:fld>
             <a:endParaRPr kumimoji="1" lang="ja-JP" altLang="en-US"/>
           </a:p>
@@ -3217,7 +3216,7 @@
           <a:p>
             <a:fld id="{C8659C27-364E-C74E-8EB0-0FFA61AB3438}" type="datetimeFigureOut">
               <a:rPr kumimoji="1" lang="ja-JP" altLang="en-US" smtClean="0"/>
-              <a:t>2021/4/2</a:t>
+              <a:t>2021/4/4</a:t>
             </a:fld>
             <a:endParaRPr kumimoji="1" lang="ja-JP" altLang="en-US"/>
           </a:p>
@@ -3583,7 +3582,7 @@
           <a:p>
             <a:fld id="{C8659C27-364E-C74E-8EB0-0FFA61AB3438}" type="datetimeFigureOut">
               <a:rPr kumimoji="1" lang="ja-JP" altLang="en-US" smtClean="0"/>
-              <a:t>2021/4/2</a:t>
+              <a:t>2021/4/4</a:t>
             </a:fld>
             <a:endParaRPr kumimoji="1" lang="ja-JP" altLang="en-US"/>
           </a:p>
@@ -3922,7 +3921,7 @@
           <a:p>
             <a:fld id="{C8659C27-364E-C74E-8EB0-0FFA61AB3438}" type="datetimeFigureOut">
               <a:rPr kumimoji="1" lang="ja-JP" altLang="en-US" smtClean="0"/>
-              <a:t>2021/4/2</a:t>
+              <a:t>2021/4/4</a:t>
             </a:fld>
             <a:endParaRPr kumimoji="1" lang="ja-JP" altLang="en-US"/>
           </a:p>
@@ -4469,7 +4468,7 @@
           <a:p>
             <a:fld id="{C8659C27-364E-C74E-8EB0-0FFA61AB3438}" type="datetimeFigureOut">
               <a:rPr kumimoji="1" lang="ja-JP" altLang="en-US" smtClean="0"/>
-              <a:t>2021/4/2</a:t>
+              <a:t>2021/4/4</a:t>
             </a:fld>
             <a:endParaRPr kumimoji="1" lang="ja-JP" altLang="en-US"/>
           </a:p>
@@ -4674,7 +4673,7 @@
           <a:p>
             <a:fld id="{C8659C27-364E-C74E-8EB0-0FFA61AB3438}" type="datetimeFigureOut">
               <a:rPr kumimoji="1" lang="ja-JP" altLang="en-US" smtClean="0"/>
-              <a:t>2021/4/2</a:t>
+              <a:t>2021/4/4</a:t>
             </a:fld>
             <a:endParaRPr kumimoji="1" lang="ja-JP" altLang="en-US"/>
           </a:p>
@@ -4851,7 +4850,7 @@
           <a:p>
             <a:fld id="{C8659C27-364E-C74E-8EB0-0FFA61AB3438}" type="datetimeFigureOut">
               <a:rPr kumimoji="1" lang="ja-JP" altLang="en-US" smtClean="0"/>
-              <a:t>2021/4/2</a:t>
+              <a:t>2021/4/4</a:t>
             </a:fld>
             <a:endParaRPr kumimoji="1" lang="ja-JP" altLang="en-US"/>
           </a:p>
@@ -5229,7 +5228,7 @@
           <a:p>
             <a:fld id="{C8659C27-364E-C74E-8EB0-0FFA61AB3438}" type="datetimeFigureOut">
               <a:rPr kumimoji="1" lang="ja-JP" altLang="en-US" smtClean="0"/>
-              <a:t>2021/4/2</a:t>
+              <a:t>2021/4/4</a:t>
             </a:fld>
             <a:endParaRPr kumimoji="1" lang="ja-JP" altLang="en-US"/>
           </a:p>
@@ -5611,7 +5610,7 @@
           <a:p>
             <a:fld id="{C8659C27-364E-C74E-8EB0-0FFA61AB3438}" type="datetimeFigureOut">
               <a:rPr kumimoji="1" lang="ja-JP" altLang="en-US" smtClean="0"/>
-              <a:t>2021/4/2</a:t>
+              <a:t>2021/4/4</a:t>
             </a:fld>
             <a:endParaRPr kumimoji="1" lang="ja-JP" altLang="en-US"/>
           </a:p>
@@ -7736,7 +7735,7 @@
           <a:p>
             <a:fld id="{C8659C27-364E-C74E-8EB0-0FFA61AB3438}" type="datetimeFigureOut">
               <a:rPr kumimoji="1" lang="ja-JP" altLang="en-US" smtClean="0"/>
-              <a:t>2021/4/2</a:t>
+              <a:t>2021/4/4</a:t>
             </a:fld>
             <a:endParaRPr kumimoji="1" lang="ja-JP" altLang="en-US"/>
           </a:p>
@@ -8428,6 +8427,12 @@
           <a:p>
             <a:r>
               <a:rPr lang="en" altLang="ja-JP" sz="2400" dirty="0"/>
+              <a:t>When an order is unloaded from a hold at a certain port, if there are several orders with different destinations in the same hold, human error may occur.</a:t>
+            </a:r>
+          </a:p>
+          <a:p>
+            <a:r>
+              <a:rPr lang="en" altLang="ja-JP" sz="2400" dirty="0"/>
               <a:t>we minimize the number of orders with different destinations in different loading areas for each hold.</a:t>
             </a:r>
             <a:endParaRPr kumimoji="1" lang="ja-JP" altLang="en-US" sz="2400"/>
@@ -8531,8 +8536,23 @@
           <a:p>
             <a:r>
               <a:rPr lang="en-US" altLang="ja-JP" sz="2400" dirty="0"/>
-              <a:t>it is easy to load and unload cars if same orders by port is placed closer</a:t>
-            </a:r>
+              <a:t>it is easy to load and unload cars if same orders by port is placed closer.</a:t>
+            </a:r>
+          </a:p>
+          <a:p>
+            <a:r>
+              <a:rPr lang="en-US" altLang="ja-JP" sz="2400" dirty="0"/>
+              <a:t>We defined a pair of adjacent holds.</a:t>
+            </a:r>
+          </a:p>
+          <a:p>
+            <a:r>
+              <a:rPr lang="en" altLang="ja-JP" sz="2400" dirty="0"/>
+              <a:t>we minimize the number of orders with different ports that exist in adjacent pairs of holds. </a:t>
+            </a:r>
+            <a:endParaRPr lang="en-US" altLang="ja-JP" sz="2400" dirty="0"/>
+          </a:p>
+          <a:p>
             <a:endParaRPr kumimoji="1" lang="ja-JP" altLang="en-US" sz="2400"/>
           </a:p>
         </p:txBody>
@@ -8590,7 +8610,7 @@
           <a:p>
             <a:r>
               <a:rPr lang="en" altLang="ja-JP" dirty="0"/>
-              <a:t>choosing a path that is easy for cars to pass</a:t>
+              <a:t>Securing a path to prevent loss of work efficiency</a:t>
             </a:r>
             <a:endParaRPr kumimoji="1" lang="ja-JP" altLang="en-US"/>
           </a:p>
@@ -8620,18 +8640,8 @@
           <a:lstStyle/>
           <a:p>
             <a:r>
-              <a:rPr lang="en" altLang="ja-JP" sz="2400" dirty="0"/>
-              <a:t>There are holds to go through</a:t>
-            </a:r>
-            <a:r>
               <a:rPr lang="en-US" altLang="ja-JP" sz="2400" dirty="0"/>
-              <a:t> when loading and unloading.</a:t>
-            </a:r>
-          </a:p>
-          <a:p>
-            <a:r>
-              <a:rPr lang="en-US" altLang="ja-JP" sz="2400" dirty="0"/>
-              <a:t>If that hold is full,</a:t>
+              <a:t>When a hold is full,</a:t>
             </a:r>
             <a:r>
               <a:rPr lang="ja-JP" altLang="en-US" sz="2400"/>
@@ -8639,16 +8649,28 @@
             </a:r>
             <a:r>
               <a:rPr lang="en" altLang="ja-JP" sz="2400" dirty="0"/>
-              <a:t>it will be harder to pass through them.</a:t>
+              <a:t>it would be harder to pass through that hold.</a:t>
             </a:r>
             <a:endParaRPr lang="en-US" altLang="ja-JP" sz="2400" dirty="0"/>
           </a:p>
           <a:p>
             <a:r>
               <a:rPr lang="en-US" altLang="ja-JP" sz="2400" dirty="0"/>
-              <a:t>If so, some cars, we need to move cars in that hold once and bring them back again.</a:t>
-            </a:r>
-            <a:endParaRPr lang="en" altLang="ja-JP" sz="2400" dirty="0"/>
+              <a:t>we need to move cars in that hold once and bring them back again.</a:t>
+            </a:r>
+          </a:p>
+          <a:p>
+            <a:r>
+              <a:rPr lang="en" altLang="ja-JP" sz="2400" dirty="0"/>
+              <a:t>This leads to a loss of work efficiency.</a:t>
+            </a:r>
+          </a:p>
+          <a:p>
+            <a:r>
+              <a:rPr lang="en" altLang="ja-JP" sz="2400" dirty="0"/>
+              <a:t>If this situation occurs, we add a penalty to the objective function</a:t>
+            </a:r>
+            <a:endParaRPr lang="en-US" altLang="ja-JP" sz="2400" dirty="0"/>
           </a:p>
         </p:txBody>
       </p:sp>
@@ -8749,6 +8771,19 @@
             </a:r>
           </a:p>
           <a:p>
+            <a:pPr lvl="1"/>
+            <a:r>
+              <a:rPr lang="en" altLang="ja-JP" sz="2200" dirty="0"/>
+              <a:t>This space is called “dead space”</a:t>
+            </a:r>
+          </a:p>
+          <a:p>
+            <a:r>
+              <a:rPr lang="en" altLang="ja-JP" sz="2400" dirty="0"/>
+              <a:t>We minimize the number of dead space.</a:t>
+            </a:r>
+          </a:p>
+          <a:p>
             <a:endParaRPr kumimoji="1" lang="ja-JP" altLang="en-US" sz="2400"/>
           </a:p>
         </p:txBody>
@@ -9063,7 +9098,13 @@
           <a:p>
             <a:r>
               <a:rPr lang="en" altLang="ja-JP" sz="2400" dirty="0"/>
-              <a:t>There must be a certain amount of space in the path of the car.</a:t>
+              <a:t>we secure a path for cars to be able to pass.</a:t>
+            </a:r>
+          </a:p>
+          <a:p>
+            <a:r>
+              <a:rPr lang="en" altLang="ja-JP" sz="2400" dirty="0"/>
+              <a:t>this constraint leads to no infeasible assignment.</a:t>
             </a:r>
             <a:endParaRPr kumimoji="1" lang="ja-JP" altLang="en-US" sz="2400"/>
           </a:p>
@@ -9118,17 +9159,14 @@
         <p:spPr/>
         <p:txBody>
           <a:bodyPr>
-            <a:normAutofit fontScale="90000"/>
+            <a:normAutofit/>
           </a:bodyPr>
           <a:lstStyle/>
           <a:p>
             <a:r>
               <a:rPr lang="en" altLang="ja-JP" dirty="0"/>
-              <a:t>Weight balance of cargo(Forward and backward direction)</a:t>
-            </a:r>
-            <a:br>
-              <a:rPr lang="en" altLang="ja-JP" dirty="0"/>
-            </a:br>
+              <a:t>Weight balance of cargo</a:t>
+            </a:r>
             <a:br>
               <a:rPr lang="en" altLang="ja-JP" dirty="0"/>
             </a:br>
@@ -9154,10 +9192,37 @@
         </p:nvSpPr>
         <p:spPr/>
         <p:txBody>
-          <a:bodyPr/>
+          <a:bodyPr>
+            <a:normAutofit/>
+          </a:bodyPr>
           <a:lstStyle/>
           <a:p>
-            <a:endParaRPr kumimoji="1" lang="ja-JP" altLang="en-US"/>
+            <a:r>
+              <a:rPr lang="en" altLang="ja-JP" sz="2400" dirty="0"/>
+              <a:t>When the ship tilts, there is a possibility that the ship will lose its balance and roll over.</a:t>
+            </a:r>
+            <a:endParaRPr lang="en-US" altLang="ja-JP" sz="2400" dirty="0"/>
+          </a:p>
+          <a:p>
+            <a:r>
+              <a:rPr lang="en-US" altLang="ja-JP" sz="2400" dirty="0"/>
+              <a:t>we add constraint in two directions</a:t>
+            </a:r>
+          </a:p>
+          <a:p>
+            <a:pPr lvl="1"/>
+            <a:r>
+              <a:rPr lang="en" altLang="ja-JP" sz="2400" dirty="0"/>
+              <a:t>Forward and backward direction</a:t>
+            </a:r>
+          </a:p>
+          <a:p>
+            <a:pPr lvl="1"/>
+            <a:r>
+              <a:rPr lang="en" altLang="ja-JP" sz="2400" dirty="0"/>
+              <a:t>Left-right direction</a:t>
+            </a:r>
+            <a:endParaRPr lang="en" altLang="ja-JP" sz="2200" dirty="0"/>
           </a:p>
         </p:txBody>
       </p:sp>
@@ -9196,7 +9261,7 @@
           <p:cNvPr id="2" name="タイトル 1">
             <a:extLst>
               <a:ext uri="{FF2B5EF4-FFF2-40B4-BE49-F238E27FC236}">
-                <a16:creationId xmlns:a16="http://schemas.microsoft.com/office/drawing/2014/main" id="{162DF533-5C3A-524C-A590-33B01C9CAA1F}"/>
+                <a16:creationId xmlns:a16="http://schemas.microsoft.com/office/drawing/2014/main" id="{FA54F382-2600-5B4C-9F1F-495485F1FD09}"/>
               </a:ext>
             </a:extLst>
           </p:cNvPr>
@@ -9209,17 +9274,15 @@
         </p:nvSpPr>
         <p:spPr/>
         <p:txBody>
-          <a:bodyPr>
-            <a:normAutofit fontScale="90000"/>
-          </a:bodyPr>
+          <a:bodyPr/>
           <a:lstStyle/>
           <a:p>
             <a:r>
               <a:rPr lang="en" altLang="ja-JP" dirty="0"/>
-              <a:t>Weight balance of cargo(Left-right direction)</a:t>
+              <a:t>Rules for splitting orders</a:t>
             </a:r>
             <a:br>
-              <a:rPr lang="en" altLang="ja-JP" dirty="0"/>
+              <a:rPr lang="ja-JP" altLang="en-US"/>
             </a:br>
             <a:endParaRPr kumimoji="1" lang="ja-JP" altLang="en-US"/>
           </a:p>
@@ -9227,10 +9290,10 @@
       </p:sp>
       <p:sp>
         <p:nvSpPr>
-          <p:cNvPr id="3" name="コンテンツ プレースホルダー 2">
+          <p:cNvPr id="8" name="コンテンツ プレースホルダー 7">
             <a:extLst>
               <a:ext uri="{FF2B5EF4-FFF2-40B4-BE49-F238E27FC236}">
-                <a16:creationId xmlns:a16="http://schemas.microsoft.com/office/drawing/2014/main" id="{339207CA-A8A2-8542-8B90-FDAD796D577F}"/>
+                <a16:creationId xmlns:a16="http://schemas.microsoft.com/office/drawing/2014/main" id="{662709D6-0267-E446-B06A-7879774DA0E5}"/>
               </a:ext>
             </a:extLst>
           </p:cNvPr>
@@ -9241,19 +9304,66 @@
             <p:ph idx="1"/>
           </p:nvPr>
         </p:nvSpPr>
-        <p:spPr/>
+        <p:spPr>
+          <a:xfrm>
+            <a:off x="2251881" y="1690254"/>
+            <a:ext cx="9594376" cy="4014510"/>
+          </a:xfrm>
+        </p:spPr>
         <p:txBody>
           <a:bodyPr/>
           <a:lstStyle/>
           <a:p>
-            <a:endParaRPr kumimoji="1" lang="ja-JP" altLang="en-US"/>
+            <a:r>
+              <a:rPr lang="en-US" altLang="ja-JP" sz="2400" dirty="0"/>
+              <a:t>For large orders, we have to split them up.</a:t>
+            </a:r>
+          </a:p>
+          <a:p>
+            <a:pPr lvl="1"/>
+            <a:r>
+              <a:rPr lang="en-US" altLang="ja-JP" sz="2400" dirty="0"/>
+              <a:t>if the number of cars is over 500,</a:t>
+            </a:r>
+            <a:r>
+              <a:rPr lang="ja-JP" altLang="en-US" sz="2400"/>
+              <a:t> </a:t>
+            </a:r>
+            <a:r>
+              <a:rPr lang="en-US" altLang="ja-JP" sz="2400" dirty="0"/>
+              <a:t>we split the order in two.</a:t>
+            </a:r>
+          </a:p>
+          <a:p>
+            <a:pPr lvl="1"/>
+            <a:r>
+              <a:rPr lang="en-US" altLang="ja-JP" sz="2400" dirty="0"/>
+              <a:t>if the number of cars is over 1000,</a:t>
+            </a:r>
+            <a:r>
+              <a:rPr lang="ja-JP" altLang="en-US" sz="2400"/>
+              <a:t> </a:t>
+            </a:r>
+            <a:r>
+              <a:rPr lang="en-US" altLang="ja-JP" sz="2400" dirty="0"/>
+              <a:t>we split the order in three.</a:t>
+            </a:r>
+          </a:p>
+          <a:p>
+            <a:r>
+              <a:rPr lang="en-US" altLang="ja-JP" sz="2400" dirty="0"/>
+              <a:t>If not, we do not split them up.</a:t>
+            </a:r>
+          </a:p>
+          <a:p>
+            <a:endParaRPr lang="en-US" altLang="ja-JP" dirty="0"/>
           </a:p>
         </p:txBody>
       </p:sp>
     </p:spTree>
     <p:extLst>
       <p:ext uri="{BB962C8B-B14F-4D97-AF65-F5344CB8AC3E}">
-        <p14:creationId xmlns:p14="http://schemas.microsoft.com/office/powerpoint/2010/main" val="1180585959"/>
+        <p14:creationId xmlns:p14="http://schemas.microsoft.com/office/powerpoint/2010/main" val="1264003736"/>
       </p:ext>
     </p:extLst>
   </p:cSld>
@@ -9285,7 +9395,7 @@
           <p:cNvPr id="2" name="タイトル 1">
             <a:extLst>
               <a:ext uri="{FF2B5EF4-FFF2-40B4-BE49-F238E27FC236}">
-                <a16:creationId xmlns:a16="http://schemas.microsoft.com/office/drawing/2014/main" id="{FA54F382-2600-5B4C-9F1F-495485F1FD09}"/>
+                <a16:creationId xmlns:a16="http://schemas.microsoft.com/office/drawing/2014/main" id="{036A086B-233B-EB4B-92C9-0367503863B9}"/>
               </a:ext>
             </a:extLst>
           </p:cNvPr>
@@ -9302,22 +9412,19 @@
           <a:lstStyle/>
           <a:p>
             <a:r>
-              <a:rPr lang="en" altLang="ja-JP" dirty="0"/>
-              <a:t>Rules for splitting orders</a:t>
-            </a:r>
-            <a:br>
-              <a:rPr lang="ja-JP" altLang="en-US"/>
-            </a:br>
+              <a:rPr lang="en-US" altLang="ja-JP" dirty="0"/>
+              <a:t>Height of the hold</a:t>
+            </a:r>
             <a:endParaRPr kumimoji="1" lang="ja-JP" altLang="en-US"/>
           </a:p>
         </p:txBody>
       </p:sp>
       <p:sp>
         <p:nvSpPr>
-          <p:cNvPr id="8" name="コンテンツ プレースホルダー 7">
+          <p:cNvPr id="3" name="コンテンツ プレースホルダー 2">
             <a:extLst>
               <a:ext uri="{FF2B5EF4-FFF2-40B4-BE49-F238E27FC236}">
-                <a16:creationId xmlns:a16="http://schemas.microsoft.com/office/drawing/2014/main" id="{662709D6-0267-E446-B06A-7879774DA0E5}"/>
+                <a16:creationId xmlns:a16="http://schemas.microsoft.com/office/drawing/2014/main" id="{16A684F3-B4E7-6345-BCB9-F0073D18D8E6}"/>
               </a:ext>
             </a:extLst>
           </p:cNvPr>
@@ -9328,60 +9435,31 @@
             <p:ph idx="1"/>
           </p:nvPr>
         </p:nvSpPr>
-        <p:spPr>
-          <a:xfrm>
-            <a:off x="2589212" y="1690254"/>
-            <a:ext cx="8915400" cy="3777622"/>
-          </a:xfrm>
-        </p:spPr>
-        <p:txBody>
-          <a:bodyPr/>
+        <p:spPr/>
+        <p:txBody>
+          <a:bodyPr>
+            <a:normAutofit/>
+          </a:bodyPr>
           <a:lstStyle/>
           <a:p>
             <a:r>
-              <a:rPr lang="en-US" altLang="ja-JP" dirty="0"/>
-              <a:t>For large orders, we have to split them up.</a:t>
-            </a:r>
-          </a:p>
-          <a:p>
-            <a:endParaRPr lang="en-US" altLang="ja-JP" dirty="0"/>
-          </a:p>
-        </p:txBody>
-      </p:sp>
-      <p:pic>
-        <p:nvPicPr>
-          <p:cNvPr id="10" name="図 9">
-            <a:extLst>
-              <a:ext uri="{FF2B5EF4-FFF2-40B4-BE49-F238E27FC236}">
-                <a16:creationId xmlns:a16="http://schemas.microsoft.com/office/drawing/2014/main" id="{AFCEAFCF-B9A2-724C-87EF-A222B482FA5A}"/>
-              </a:ext>
-            </a:extLst>
-          </p:cNvPr>
-          <p:cNvPicPr>
-            <a:picLocks noChangeAspect="1"/>
-          </p:cNvPicPr>
-          <p:nvPr/>
-        </p:nvPicPr>
-        <p:blipFill>
-          <a:blip r:embed="rId2"/>
-          <a:stretch>
-            <a:fillRect/>
-          </a:stretch>
-        </p:blipFill>
-        <p:spPr>
-          <a:xfrm>
-            <a:off x="2935576" y="2249946"/>
-            <a:ext cx="7011988" cy="4284074"/>
-          </a:xfrm>
-          <a:prstGeom prst="rect">
-            <a:avLst/>
-          </a:prstGeom>
-        </p:spPr>
-      </p:pic>
+              <a:rPr kumimoji="1" lang="en-US" altLang="ja-JP" sz="2400" dirty="0"/>
+              <a:t>Each hold has height.</a:t>
+            </a:r>
+          </a:p>
+          <a:p>
+            <a:r>
+              <a:rPr lang="en-US" altLang="ja-JP" sz="2400" dirty="0"/>
+              <a:t>To place cars in holds, the height of the car needs to be lower than the height of the hold</a:t>
+            </a:r>
+            <a:endParaRPr kumimoji="1" lang="ja-JP" altLang="en-US" sz="2400"/>
+          </a:p>
+        </p:txBody>
+      </p:sp>
     </p:spTree>
     <p:extLst>
       <p:ext uri="{BB962C8B-B14F-4D97-AF65-F5344CB8AC3E}">
-        <p14:creationId xmlns:p14="http://schemas.microsoft.com/office/powerpoint/2010/main" val="1264003736"/>
+        <p14:creationId xmlns:p14="http://schemas.microsoft.com/office/powerpoint/2010/main" val="1289888316"/>
       </p:ext>
     </p:extLst>
   </p:cSld>
@@ -9533,7 +9611,7 @@
           <p:cNvPr id="2" name="タイトル 1">
             <a:extLst>
               <a:ext uri="{FF2B5EF4-FFF2-40B4-BE49-F238E27FC236}">
-                <a16:creationId xmlns:a16="http://schemas.microsoft.com/office/drawing/2014/main" id="{036A086B-233B-EB4B-92C9-0367503863B9}"/>
+                <a16:creationId xmlns:a16="http://schemas.microsoft.com/office/drawing/2014/main" id="{27F343C2-0C5B-4C4B-80AC-FA94488BB945}"/>
               </a:ext>
             </a:extLst>
           </p:cNvPr>
@@ -9551,7 +9629,7 @@
           <a:p>
             <a:r>
               <a:rPr lang="en-US" altLang="ja-JP" dirty="0"/>
-              <a:t>Height of the hold</a:t>
+              <a:t>Computational experiment</a:t>
             </a:r>
             <a:endParaRPr kumimoji="1" lang="ja-JP" altLang="en-US"/>
           </a:p>
@@ -9562,7 +9640,7 @@
           <p:cNvPr id="3" name="コンテンツ プレースホルダー 2">
             <a:extLst>
               <a:ext uri="{FF2B5EF4-FFF2-40B4-BE49-F238E27FC236}">
-                <a16:creationId xmlns:a16="http://schemas.microsoft.com/office/drawing/2014/main" id="{16A684F3-B4E7-6345-BCB9-F0073D18D8E6}"/>
+                <a16:creationId xmlns:a16="http://schemas.microsoft.com/office/drawing/2014/main" id="{11F9DD95-8CF5-9348-886C-FD2EAE61BF0C}"/>
               </a:ext>
             </a:extLst>
           </p:cNvPr>
@@ -9582,22 +9660,81 @@
           <a:p>
             <a:r>
               <a:rPr kumimoji="1" lang="en-US" altLang="ja-JP" sz="2400" dirty="0"/>
-              <a:t>Each hold has height.</a:t>
-            </a:r>
-          </a:p>
-          <a:p>
-            <a:r>
-              <a:rPr lang="en-US" altLang="ja-JP" sz="2400" dirty="0"/>
-              <a:t>To place cars in holds, the height of the car needs to be lower than the height of the hold</a:t>
+              <a:t>With this model, we confirmed that we can get a good assignment for small booking.</a:t>
+            </a:r>
+          </a:p>
+          <a:p>
+            <a:r>
+              <a:rPr lang="en" altLang="ja-JP" sz="2400" dirty="0"/>
+              <a:t>The number of orders and the number of loading and unloading ports increases, the calculations may not be sufficiently advanced in a limited time.[1]</a:t>
             </a:r>
             <a:endParaRPr kumimoji="1" lang="ja-JP" altLang="en-US" sz="2400"/>
+          </a:p>
+        </p:txBody>
+      </p:sp>
+      <p:sp>
+        <p:nvSpPr>
+          <p:cNvPr id="4" name="正方形/長方形 3">
+            <a:extLst>
+              <a:ext uri="{FF2B5EF4-FFF2-40B4-BE49-F238E27FC236}">
+                <a16:creationId xmlns:a16="http://schemas.microsoft.com/office/drawing/2014/main" id="{9D9AB659-4052-624D-8F74-5899265AF76C}"/>
+              </a:ext>
+            </a:extLst>
+          </p:cNvPr>
+          <p:cNvSpPr/>
+          <p:nvPr/>
+        </p:nvSpPr>
+        <p:spPr>
+          <a:xfrm>
+            <a:off x="2147248" y="5911222"/>
+            <a:ext cx="9357364" cy="646331"/>
+          </a:xfrm>
+          <a:prstGeom prst="rect">
+            <a:avLst/>
+          </a:prstGeom>
+        </p:spPr>
+        <p:txBody>
+          <a:bodyPr wrap="square">
+            <a:spAutoFit/>
+          </a:bodyPr>
+          <a:lstStyle/>
+          <a:p>
+            <a:r>
+              <a:rPr lang="en-US" altLang="ja-JP" dirty="0"/>
+              <a:t>[1]</a:t>
+            </a:r>
+            <a:r>
+              <a:rPr lang="ja-JP" altLang="en-US"/>
+              <a:t>鵜川知哉</a:t>
+            </a:r>
+            <a:r>
+              <a:rPr lang="en-US" altLang="ja-JP" dirty="0"/>
+              <a:t>, </a:t>
+            </a:r>
+            <a:r>
+              <a:rPr lang="ja-JP" altLang="en-US"/>
+              <a:t>自動車運搬船における貨物積載プラン ニングの席割問題に対する数理モデリング</a:t>
+            </a:r>
+            <a:r>
+              <a:rPr lang="en-US" altLang="ja-JP" dirty="0"/>
+              <a:t>, </a:t>
+            </a:r>
+            <a:r>
+              <a:rPr lang="ja-JP" altLang="en-US"/>
+              <a:t>修士 論文，名古屋大学情報学研究科</a:t>
+            </a:r>
+            <a:r>
+              <a:rPr lang="en-US" altLang="ja-JP" dirty="0"/>
+              <a:t>, 2020 </a:t>
+            </a:r>
+            <a:endParaRPr lang="ja-JP" altLang="en-US"/>
           </a:p>
         </p:txBody>
       </p:sp>
     </p:spTree>
     <p:extLst>
       <p:ext uri="{BB962C8B-B14F-4D97-AF65-F5344CB8AC3E}">
-        <p14:creationId xmlns:p14="http://schemas.microsoft.com/office/powerpoint/2010/main" val="1289888316"/>
+        <p14:creationId xmlns:p14="http://schemas.microsoft.com/office/powerpoint/2010/main" val="2541979275"/>
       </p:ext>
     </p:extLst>
   </p:cSld>
@@ -9629,161 +9766,6 @@
           <p:cNvPr id="2" name="タイトル 1">
             <a:extLst>
               <a:ext uri="{FF2B5EF4-FFF2-40B4-BE49-F238E27FC236}">
-                <a16:creationId xmlns:a16="http://schemas.microsoft.com/office/drawing/2014/main" id="{27F343C2-0C5B-4C4B-80AC-FA94488BB945}"/>
-              </a:ext>
-            </a:extLst>
-          </p:cNvPr>
-          <p:cNvSpPr>
-            <a:spLocks noGrp="1"/>
-          </p:cNvSpPr>
-          <p:nvPr>
-            <p:ph type="title"/>
-          </p:nvPr>
-        </p:nvSpPr>
-        <p:spPr/>
-        <p:txBody>
-          <a:bodyPr/>
-          <a:lstStyle/>
-          <a:p>
-            <a:r>
-              <a:rPr lang="en-US" altLang="ja-JP" dirty="0"/>
-              <a:t>Computational experiment</a:t>
-            </a:r>
-            <a:endParaRPr kumimoji="1" lang="ja-JP" altLang="en-US"/>
-          </a:p>
-        </p:txBody>
-      </p:sp>
-      <p:sp>
-        <p:nvSpPr>
-          <p:cNvPr id="3" name="コンテンツ プレースホルダー 2">
-            <a:extLst>
-              <a:ext uri="{FF2B5EF4-FFF2-40B4-BE49-F238E27FC236}">
-                <a16:creationId xmlns:a16="http://schemas.microsoft.com/office/drawing/2014/main" id="{11F9DD95-8CF5-9348-886C-FD2EAE61BF0C}"/>
-              </a:ext>
-            </a:extLst>
-          </p:cNvPr>
-          <p:cNvSpPr>
-            <a:spLocks noGrp="1"/>
-          </p:cNvSpPr>
-          <p:nvPr>
-            <p:ph idx="1"/>
-          </p:nvPr>
-        </p:nvSpPr>
-        <p:spPr/>
-        <p:txBody>
-          <a:bodyPr>
-            <a:normAutofit/>
-          </a:bodyPr>
-          <a:lstStyle/>
-          <a:p>
-            <a:r>
-              <a:rPr kumimoji="1" lang="en-US" altLang="ja-JP" sz="2400" dirty="0"/>
-              <a:t>With this model, we confirmed that we can get a good assignment for small booking.</a:t>
-            </a:r>
-          </a:p>
-          <a:p>
-            <a:r>
-              <a:rPr lang="en" altLang="ja-JP" sz="2400" dirty="0"/>
-              <a:t>The number of orders and the number of loading and unloading ports increases, the calculations may not be sufficiently advanced in a limited time.[1]</a:t>
-            </a:r>
-            <a:endParaRPr kumimoji="1" lang="ja-JP" altLang="en-US" sz="2400"/>
-          </a:p>
-        </p:txBody>
-      </p:sp>
-      <p:sp>
-        <p:nvSpPr>
-          <p:cNvPr id="4" name="正方形/長方形 3">
-            <a:extLst>
-              <a:ext uri="{FF2B5EF4-FFF2-40B4-BE49-F238E27FC236}">
-                <a16:creationId xmlns:a16="http://schemas.microsoft.com/office/drawing/2014/main" id="{9D9AB659-4052-624D-8F74-5899265AF76C}"/>
-              </a:ext>
-            </a:extLst>
-          </p:cNvPr>
-          <p:cNvSpPr/>
-          <p:nvPr/>
-        </p:nvSpPr>
-        <p:spPr>
-          <a:xfrm>
-            <a:off x="2147248" y="5911222"/>
-            <a:ext cx="9357364" cy="646331"/>
-          </a:xfrm>
-          <a:prstGeom prst="rect">
-            <a:avLst/>
-          </a:prstGeom>
-        </p:spPr>
-        <p:txBody>
-          <a:bodyPr wrap="square">
-            <a:spAutoFit/>
-          </a:bodyPr>
-          <a:lstStyle/>
-          <a:p>
-            <a:r>
-              <a:rPr lang="en-US" altLang="ja-JP" dirty="0"/>
-              <a:t>[1]</a:t>
-            </a:r>
-            <a:r>
-              <a:rPr lang="ja-JP" altLang="en-US"/>
-              <a:t>鵜川知哉</a:t>
-            </a:r>
-            <a:r>
-              <a:rPr lang="en-US" altLang="ja-JP" dirty="0"/>
-              <a:t>, </a:t>
-            </a:r>
-            <a:r>
-              <a:rPr lang="ja-JP" altLang="en-US"/>
-              <a:t>自動車運搬船における貨物積載プラン ニングの席割問題に対する数理モデリング</a:t>
-            </a:r>
-            <a:r>
-              <a:rPr lang="en-US" altLang="ja-JP" dirty="0"/>
-              <a:t>, </a:t>
-            </a:r>
-            <a:r>
-              <a:rPr lang="ja-JP" altLang="en-US"/>
-              <a:t>修士 論文，名古屋大学情報学研究科</a:t>
-            </a:r>
-            <a:r>
-              <a:rPr lang="en-US" altLang="ja-JP" dirty="0"/>
-              <a:t>, 2020 </a:t>
-            </a:r>
-            <a:endParaRPr lang="ja-JP" altLang="en-US"/>
-          </a:p>
-        </p:txBody>
-      </p:sp>
-    </p:spTree>
-    <p:extLst>
-      <p:ext uri="{BB962C8B-B14F-4D97-AF65-F5344CB8AC3E}">
-        <p14:creationId xmlns:p14="http://schemas.microsoft.com/office/powerpoint/2010/main" val="2541979275"/>
-      </p:ext>
-    </p:extLst>
-  </p:cSld>
-  <p:clrMapOvr>
-    <a:masterClrMapping/>
-  </p:clrMapOvr>
-</p:sld>
-</file>
-
-<file path=ppt/slides/slide22.xml><?xml version="1.0" encoding="utf-8"?>
-<p:sld xmlns:a="http://schemas.openxmlformats.org/drawingml/2006/main" xmlns:r="http://schemas.openxmlformats.org/officeDocument/2006/relationships" xmlns:p="http://schemas.openxmlformats.org/presentationml/2006/main">
-  <p:cSld>
-    <p:spTree>
-      <p:nvGrpSpPr>
-        <p:cNvPr id="1" name=""/>
-        <p:cNvGrpSpPr/>
-        <p:nvPr/>
-      </p:nvGrpSpPr>
-      <p:grpSpPr>
-        <a:xfrm>
-          <a:off x="0" y="0"/>
-          <a:ext cx="0" cy="0"/>
-          <a:chOff x="0" y="0"/>
-          <a:chExt cx="0" cy="0"/>
-        </a:xfrm>
-      </p:grpSpPr>
-      <p:sp>
-        <p:nvSpPr>
-          <p:cNvPr id="2" name="タイトル 1">
-            <a:extLst>
-              <a:ext uri="{FF2B5EF4-FFF2-40B4-BE49-F238E27FC236}">
                 <a16:creationId xmlns:a16="http://schemas.microsoft.com/office/drawing/2014/main" id="{6FB3DAFA-499F-CC43-9BCD-BE6F3184C60F}"/>
               </a:ext>
             </a:extLst>
@@ -9860,7 +9842,7 @@
 </p:sld>
 </file>
 
-<file path=ppt/slides/slide23.xml><?xml version="1.0" encoding="utf-8"?>
+<file path=ppt/slides/slide22.xml><?xml version="1.0" encoding="utf-8"?>
 <p:sld xmlns:a="http://schemas.openxmlformats.org/drawingml/2006/main" xmlns:r="http://schemas.openxmlformats.org/officeDocument/2006/relationships" xmlns:p="http://schemas.openxmlformats.org/presentationml/2006/main">
   <p:cSld>
     <p:spTree>
@@ -10847,7 +10829,7 @@
 </p:sld>
 </file>
 
-<file path=ppt/slides/slide24.xml><?xml version="1.0" encoding="utf-8"?>
+<file path=ppt/slides/slide23.xml><?xml version="1.0" encoding="utf-8"?>
 <p:sld xmlns:a="http://schemas.openxmlformats.org/drawingml/2006/main" xmlns:r="http://schemas.openxmlformats.org/officeDocument/2006/relationships" xmlns:p="http://schemas.openxmlformats.org/presentationml/2006/main">
   <p:cSld>
     <p:spTree>
@@ -10943,7 +10925,7 @@
 </p:sld>
 </file>
 
-<file path=ppt/slides/slide25.xml><?xml version="1.0" encoding="utf-8"?>
+<file path=ppt/slides/slide24.xml><?xml version="1.0" encoding="utf-8"?>
 <p:sld xmlns:a="http://schemas.openxmlformats.org/drawingml/2006/main" xmlns:r="http://schemas.openxmlformats.org/officeDocument/2006/relationships" xmlns:p="http://schemas.openxmlformats.org/presentationml/2006/main">
   <p:cSld>
     <p:spTree>
@@ -12226,7 +12208,7 @@
 </p:sld>
 </file>
 
-<file path=ppt/slides/slide26.xml><?xml version="1.0" encoding="utf-8"?>
+<file path=ppt/slides/slide25.xml><?xml version="1.0" encoding="utf-8"?>
 <p:sld xmlns:a="http://schemas.openxmlformats.org/drawingml/2006/main" xmlns:r="http://schemas.openxmlformats.org/officeDocument/2006/relationships" xmlns:p="http://schemas.openxmlformats.org/presentationml/2006/main">
   <p:cSld>
     <p:spTree>
@@ -12522,7 +12504,7 @@
           <a:p>
             <a:r>
               <a:rPr lang="en-US" altLang="ja-JP" sz="2400" dirty="0"/>
-              <a:t>We also have to pay attention to the balance of the total load of the ship</a:t>
+              <a:t>We also have to pay attention to the balance of the total load of the ship.</a:t>
             </a:r>
           </a:p>
           <a:p>
@@ -12530,6 +12512,12 @@
             <a:r>
               <a:rPr lang="en-US" altLang="ja-JP" sz="2400" dirty="0"/>
               <a:t>Unbalanced assignments may result in a sinking.</a:t>
+            </a:r>
+          </a:p>
+          <a:p>
+            <a:r>
+              <a:rPr lang="en-US" altLang="ja-JP" sz="2600" dirty="0"/>
+              <a:t>There are a lot of things that has to be considered. </a:t>
             </a:r>
           </a:p>
           <a:p>
@@ -12583,7 +12571,12 @@
             <p:ph idx="1"/>
           </p:nvPr>
         </p:nvSpPr>
-        <p:spPr/>
+        <p:spPr>
+          <a:xfrm>
+            <a:off x="2591068" y="1736073"/>
+            <a:ext cx="8915400" cy="3777622"/>
+          </a:xfrm>
+        </p:spPr>
         <p:txBody>
           <a:bodyPr>
             <a:normAutofit/>
@@ -13051,8 +13044,8 @@
         </p:nvSpPr>
         <p:spPr>
           <a:xfrm>
-            <a:off x="2589212" y="1700283"/>
-            <a:ext cx="8915400" cy="3777622"/>
+            <a:off x="2125187" y="1713930"/>
+            <a:ext cx="9120567" cy="4427562"/>
           </a:xfrm>
         </p:spPr>
         <p:txBody>
@@ -13079,10 +13072,53 @@
               <a:rPr lang="en-US" altLang="ja-JP" sz="2400" dirty="0"/>
               <a:t>Hull(ship) information</a:t>
             </a:r>
-            <a:endParaRPr kumimoji="1" lang="ja-JP" altLang="en-US" sz="2400"/>
-          </a:p>
-        </p:txBody>
-      </p:sp>
+          </a:p>
+          <a:p>
+            <a:pPr marL="457200" lvl="1" indent="0">
+              <a:buNone/>
+            </a:pPr>
+            <a:r>
+              <a:rPr lang="en-US" altLang="ja-JP" sz="2400" dirty="0"/>
+              <a:t>                         </a:t>
+            </a:r>
+            <a:r>
+              <a:rPr lang="en-US" altLang="ja-JP" sz="1800" dirty="0"/>
+              <a:t>      order information</a:t>
+            </a:r>
+            <a:endParaRPr kumimoji="1" lang="en-US" altLang="ja-JP" sz="1800" dirty="0"/>
+          </a:p>
+        </p:txBody>
+      </p:sp>
+      <p:pic>
+        <p:nvPicPr>
+          <p:cNvPr id="5" name="図 4">
+            <a:extLst>
+              <a:ext uri="{FF2B5EF4-FFF2-40B4-BE49-F238E27FC236}">
+                <a16:creationId xmlns:a16="http://schemas.microsoft.com/office/drawing/2014/main" id="{C119040F-67D3-9B4C-85ED-B26CE8BEBBCF}"/>
+              </a:ext>
+            </a:extLst>
+          </p:cNvPr>
+          <p:cNvPicPr>
+            <a:picLocks noChangeAspect="1"/>
+          </p:cNvPicPr>
+          <p:nvPr/>
+        </p:nvPicPr>
+        <p:blipFill>
+          <a:blip r:embed="rId2"/>
+          <a:stretch>
+            <a:fillRect/>
+          </a:stretch>
+        </p:blipFill>
+        <p:spPr>
+          <a:xfrm>
+            <a:off x="3189712" y="3682052"/>
+            <a:ext cx="6111082" cy="2688876"/>
+          </a:xfrm>
+          <a:prstGeom prst="rect">
+            <a:avLst/>
+          </a:prstGeom>
+        </p:spPr>
+      </p:pic>
     </p:spTree>
     <p:extLst>
       <p:ext uri="{BB962C8B-B14F-4D97-AF65-F5344CB8AC3E}">
@@ -13142,42 +13178,124 @@
           </a:p>
         </p:txBody>
       </p:sp>
-      <p:sp>
-        <p:nvSpPr>
-          <p:cNvPr id="3" name="コンテンツ プレースホルダー 2">
-            <a:extLst>
-              <a:ext uri="{FF2B5EF4-FFF2-40B4-BE49-F238E27FC236}">
-                <a16:creationId xmlns:a16="http://schemas.microsoft.com/office/drawing/2014/main" id="{C91B532C-DD0A-5649-814C-749997C24508}"/>
-              </a:ext>
-            </a:extLst>
-          </p:cNvPr>
-          <p:cNvSpPr>
-            <a:spLocks noGrp="1"/>
-          </p:cNvSpPr>
-          <p:nvPr>
-            <p:ph idx="1"/>
-          </p:nvPr>
-        </p:nvSpPr>
-        <p:spPr/>
-        <p:txBody>
-          <a:bodyPr>
-            <a:normAutofit/>
-          </a:bodyPr>
-          <a:lstStyle/>
-          <a:p>
-            <a:r>
-              <a:rPr lang="en-US" altLang="ja-JP" sz="2400" dirty="0"/>
-              <a:t>We assign cars in every order to the hold.</a:t>
-            </a:r>
-          </a:p>
-          <a:p>
-            <a:endParaRPr lang="en-US" altLang="ja-JP" sz="2400" dirty="0"/>
-          </a:p>
-          <a:p>
-            <a:endParaRPr kumimoji="1" lang="ja-JP" altLang="en-US" sz="2400"/>
-          </a:p>
-        </p:txBody>
-      </p:sp>
+      <mc:AlternateContent xmlns:mc="http://schemas.openxmlformats.org/markup-compatibility/2006">
+        <mc:Choice xmlns:a14="http://schemas.microsoft.com/office/drawing/2010/main" Requires="a14">
+          <p:sp>
+            <p:nvSpPr>
+              <p:cNvPr id="3" name="コンテンツ プレースホルダー 2">
+                <a:extLst>
+                  <a:ext uri="{FF2B5EF4-FFF2-40B4-BE49-F238E27FC236}">
+                    <a16:creationId xmlns:a16="http://schemas.microsoft.com/office/drawing/2014/main" id="{C91B532C-DD0A-5649-814C-749997C24508}"/>
+                  </a:ext>
+                </a:extLst>
+              </p:cNvPr>
+              <p:cNvSpPr>
+                <a:spLocks noGrp="1"/>
+              </p:cNvSpPr>
+              <p:nvPr>
+                <p:ph idx="1"/>
+              </p:nvPr>
+            </p:nvSpPr>
+            <p:spPr/>
+            <p:txBody>
+              <a:bodyPr>
+                <a:normAutofit/>
+              </a:bodyPr>
+              <a:lstStyle/>
+              <a:p>
+                <a:r>
+                  <a:rPr lang="en-US" altLang="ja-JP" sz="2400" dirty="0"/>
+                  <a:t>We assign cars in every order to the hold.</a:t>
+                </a:r>
+              </a:p>
+              <a:p>
+                <a:pPr lvl="1"/>
+                <a:r>
+                  <a:rPr lang="en" altLang="ja-JP" sz="2400" dirty="0"/>
+                  <a:t>The order ID 0 is assigned the 3rd hold of 1st deck. </a:t>
+                </a:r>
+              </a:p>
+              <a:p>
+                <a:pPr marL="457200" lvl="1" indent="0">
+                  <a:buNone/>
+                </a:pPr>
+                <a:r>
+                  <a:rPr lang="en" altLang="ja-JP" sz="2400" dirty="0"/>
+                  <a:t>                                        </a:t>
+                </a:r>
+                <a14:m>
+                  <m:oMath xmlns:m="http://schemas.openxmlformats.org/officeDocument/2006/math">
+                    <m:r>
+                      <a:rPr lang="en" altLang="ja-JP" sz="2400" i="1" smtClean="0">
+                        <a:latin typeface="Cambria Math" panose="02040503050406030204" pitchFamily="18" charset="0"/>
+                        <a:ea typeface="Cambria Math" panose="02040503050406030204" pitchFamily="18" charset="0"/>
+                      </a:rPr>
+                      <m:t>⋮</m:t>
+                    </m:r>
+                  </m:oMath>
+                </a14:m>
+                <a:endParaRPr lang="en" altLang="ja-JP" sz="2400" dirty="0"/>
+              </a:p>
+              <a:p>
+                <a:pPr lvl="1"/>
+                <a:r>
+                  <a:rPr lang="en" altLang="ja-JP" sz="2400" dirty="0"/>
+                  <a:t>The order ID 5 is assigned the 2rd hold of 2st deck. </a:t>
+                </a:r>
+              </a:p>
+              <a:p>
+                <a:pPr lvl="1"/>
+                <a:endParaRPr lang="en" altLang="ja-JP" dirty="0"/>
+              </a:p>
+              <a:p>
+                <a:endParaRPr lang="en-US" altLang="ja-JP" sz="2400" dirty="0"/>
+              </a:p>
+              <a:p>
+                <a:endParaRPr kumimoji="1" lang="ja-JP" altLang="en-US" sz="2400"/>
+              </a:p>
+            </p:txBody>
+          </p:sp>
+        </mc:Choice>
+        <mc:Fallback>
+          <p:sp>
+            <p:nvSpPr>
+              <p:cNvPr id="3" name="コンテンツ プレースホルダー 2">
+                <a:extLst>
+                  <a:ext uri="{FF2B5EF4-FFF2-40B4-BE49-F238E27FC236}">
+                    <a16:creationId xmlns:a16="http://schemas.microsoft.com/office/drawing/2014/main" id="{C91B532C-DD0A-5649-814C-749997C24508}"/>
+                  </a:ext>
+                </a:extLst>
+              </p:cNvPr>
+              <p:cNvSpPr>
+                <a:spLocks noGrp="1" noRot="1" noChangeAspect="1" noMove="1" noResize="1" noEditPoints="1" noAdjustHandles="1" noChangeArrowheads="1" noChangeShapeType="1" noTextEdit="1"/>
+              </p:cNvSpPr>
+              <p:nvPr>
+                <p:ph idx="1"/>
+              </p:nvPr>
+            </p:nvSpPr>
+            <p:spPr>
+              <a:blipFill>
+                <a:blip r:embed="rId2"/>
+                <a:stretch>
+                  <a:fillRect l="-997" t="-1347"/>
+                </a:stretch>
+              </a:blipFill>
+            </p:spPr>
+            <p:txBody>
+              <a:bodyPr/>
+              <a:lstStyle/>
+              <a:p>
+                <a:r>
+                  <a:rPr lang="ja-JP" altLang="en-US">
+                    <a:noFill/>
+                  </a:rPr>
+                  <a:t> </a:t>
+                </a:r>
+              </a:p>
+            </p:txBody>
+          </p:sp>
+        </mc:Fallback>
+      </mc:AlternateContent>
     </p:spTree>
     <p:extLst>
       <p:ext uri="{BB962C8B-B14F-4D97-AF65-F5344CB8AC3E}">
@@ -13379,7 +13497,7 @@
             </a:pPr>
             <a:r>
               <a:rPr lang="en" altLang="ja-JP" sz="2400" dirty="0"/>
-              <a:t> the objective function would be the weighted sum of the following five</a:t>
+              <a:t> the objective function would be the weighted sum of the following five.</a:t>
             </a:r>
           </a:p>
           <a:p>
@@ -13417,7 +13535,7 @@
             </a:pPr>
             <a:r>
               <a:rPr lang="en" altLang="ja-JP" sz="2400" dirty="0"/>
-              <a:t>choosing a path that is easy for cars to pass</a:t>
+              <a:t>securing a path to prevent loss of work efficiency</a:t>
             </a:r>
           </a:p>
           <a:p>

--- a/中間報告.pptx
+++ b/中間報告.pptx
@@ -324,7 +324,7 @@
           <a:p>
             <a:fld id="{C8659C27-364E-C74E-8EB0-0FFA61AB3438}" type="datetimeFigureOut">
               <a:rPr kumimoji="1" lang="ja-JP" altLang="en-US" smtClean="0"/>
-              <a:t>2021/4/4</a:t>
+              <a:t>2021/4/5</a:t>
             </a:fld>
             <a:endParaRPr kumimoji="1" lang="ja-JP" altLang="en-US"/>
           </a:p>
@@ -699,7 +699,7 @@
           <a:p>
             <a:fld id="{C8659C27-364E-C74E-8EB0-0FFA61AB3438}" type="datetimeFigureOut">
               <a:rPr kumimoji="1" lang="ja-JP" altLang="en-US" smtClean="0"/>
-              <a:t>2021/4/4</a:t>
+              <a:t>2021/4/5</a:t>
             </a:fld>
             <a:endParaRPr kumimoji="1" lang="ja-JP" altLang="en-US"/>
           </a:p>
@@ -1174,7 +1174,7 @@
           <a:p>
             <a:fld id="{C8659C27-364E-C74E-8EB0-0FFA61AB3438}" type="datetimeFigureOut">
               <a:rPr kumimoji="1" lang="ja-JP" altLang="en-US" smtClean="0"/>
-              <a:t>2021/4/4</a:t>
+              <a:t>2021/4/5</a:t>
             </a:fld>
             <a:endParaRPr kumimoji="1" lang="ja-JP" altLang="en-US"/>
           </a:p>
@@ -1547,7 +1547,7 @@
           <a:p>
             <a:fld id="{C8659C27-364E-C74E-8EB0-0FFA61AB3438}" type="datetimeFigureOut">
               <a:rPr kumimoji="1" lang="ja-JP" altLang="en-US" smtClean="0"/>
-              <a:t>2021/4/4</a:t>
+              <a:t>2021/4/5</a:t>
             </a:fld>
             <a:endParaRPr kumimoji="1" lang="ja-JP" altLang="en-US"/>
           </a:p>
@@ -1941,7 +1941,7 @@
           <a:p>
             <a:fld id="{C8659C27-364E-C74E-8EB0-0FFA61AB3438}" type="datetimeFigureOut">
               <a:rPr kumimoji="1" lang="ja-JP" altLang="en-US" smtClean="0"/>
-              <a:t>2021/4/4</a:t>
+              <a:t>2021/4/5</a:t>
             </a:fld>
             <a:endParaRPr kumimoji="1" lang="ja-JP" altLang="en-US"/>
           </a:p>
@@ -2411,7 +2411,7 @@
           <a:p>
             <a:fld id="{C8659C27-364E-C74E-8EB0-0FFA61AB3438}" type="datetimeFigureOut">
               <a:rPr kumimoji="1" lang="ja-JP" altLang="en-US" smtClean="0"/>
-              <a:t>2021/4/4</a:t>
+              <a:t>2021/4/5</a:t>
             </a:fld>
             <a:endParaRPr kumimoji="1" lang="ja-JP" altLang="en-US"/>
           </a:p>
@@ -2676,7 +2676,7 @@
           <a:p>
             <a:fld id="{C8659C27-364E-C74E-8EB0-0FFA61AB3438}" type="datetimeFigureOut">
               <a:rPr kumimoji="1" lang="ja-JP" altLang="en-US" smtClean="0"/>
-              <a:t>2021/4/4</a:t>
+              <a:t>2021/4/5</a:t>
             </a:fld>
             <a:endParaRPr kumimoji="1" lang="ja-JP" altLang="en-US"/>
           </a:p>
@@ -2946,7 +2946,7 @@
           <a:p>
             <a:fld id="{C8659C27-364E-C74E-8EB0-0FFA61AB3438}" type="datetimeFigureOut">
               <a:rPr kumimoji="1" lang="ja-JP" altLang="en-US" smtClean="0"/>
-              <a:t>2021/4/4</a:t>
+              <a:t>2021/4/5</a:t>
             </a:fld>
             <a:endParaRPr kumimoji="1" lang="ja-JP" altLang="en-US"/>
           </a:p>
@@ -3216,7 +3216,7 @@
           <a:p>
             <a:fld id="{C8659C27-364E-C74E-8EB0-0FFA61AB3438}" type="datetimeFigureOut">
               <a:rPr kumimoji="1" lang="ja-JP" altLang="en-US" smtClean="0"/>
-              <a:t>2021/4/4</a:t>
+              <a:t>2021/4/5</a:t>
             </a:fld>
             <a:endParaRPr kumimoji="1" lang="ja-JP" altLang="en-US"/>
           </a:p>
@@ -3582,7 +3582,7 @@
           <a:p>
             <a:fld id="{C8659C27-364E-C74E-8EB0-0FFA61AB3438}" type="datetimeFigureOut">
               <a:rPr kumimoji="1" lang="ja-JP" altLang="en-US" smtClean="0"/>
-              <a:t>2021/4/4</a:t>
+              <a:t>2021/4/5</a:t>
             </a:fld>
             <a:endParaRPr kumimoji="1" lang="ja-JP" altLang="en-US"/>
           </a:p>
@@ -3921,7 +3921,7 @@
           <a:p>
             <a:fld id="{C8659C27-364E-C74E-8EB0-0FFA61AB3438}" type="datetimeFigureOut">
               <a:rPr kumimoji="1" lang="ja-JP" altLang="en-US" smtClean="0"/>
-              <a:t>2021/4/4</a:t>
+              <a:t>2021/4/5</a:t>
             </a:fld>
             <a:endParaRPr kumimoji="1" lang="ja-JP" altLang="en-US"/>
           </a:p>
@@ -4468,7 +4468,7 @@
           <a:p>
             <a:fld id="{C8659C27-364E-C74E-8EB0-0FFA61AB3438}" type="datetimeFigureOut">
               <a:rPr kumimoji="1" lang="ja-JP" altLang="en-US" smtClean="0"/>
-              <a:t>2021/4/4</a:t>
+              <a:t>2021/4/5</a:t>
             </a:fld>
             <a:endParaRPr kumimoji="1" lang="ja-JP" altLang="en-US"/>
           </a:p>
@@ -4673,7 +4673,7 @@
           <a:p>
             <a:fld id="{C8659C27-364E-C74E-8EB0-0FFA61AB3438}" type="datetimeFigureOut">
               <a:rPr kumimoji="1" lang="ja-JP" altLang="en-US" smtClean="0"/>
-              <a:t>2021/4/4</a:t>
+              <a:t>2021/4/5</a:t>
             </a:fld>
             <a:endParaRPr kumimoji="1" lang="ja-JP" altLang="en-US"/>
           </a:p>
@@ -4850,7 +4850,7 @@
           <a:p>
             <a:fld id="{C8659C27-364E-C74E-8EB0-0FFA61AB3438}" type="datetimeFigureOut">
               <a:rPr kumimoji="1" lang="ja-JP" altLang="en-US" smtClean="0"/>
-              <a:t>2021/4/4</a:t>
+              <a:t>2021/4/5</a:t>
             </a:fld>
             <a:endParaRPr kumimoji="1" lang="ja-JP" altLang="en-US"/>
           </a:p>
@@ -5228,7 +5228,7 @@
           <a:p>
             <a:fld id="{C8659C27-364E-C74E-8EB0-0FFA61AB3438}" type="datetimeFigureOut">
               <a:rPr kumimoji="1" lang="ja-JP" altLang="en-US" smtClean="0"/>
-              <a:t>2021/4/4</a:t>
+              <a:t>2021/4/5</a:t>
             </a:fld>
             <a:endParaRPr kumimoji="1" lang="ja-JP" altLang="en-US"/>
           </a:p>
@@ -5610,7 +5610,7 @@
           <a:p>
             <a:fld id="{C8659C27-364E-C74E-8EB0-0FFA61AB3438}" type="datetimeFigureOut">
               <a:rPr kumimoji="1" lang="ja-JP" altLang="en-US" smtClean="0"/>
-              <a:t>2021/4/4</a:t>
+              <a:t>2021/4/5</a:t>
             </a:fld>
             <a:endParaRPr kumimoji="1" lang="ja-JP" altLang="en-US"/>
           </a:p>
@@ -7735,7 +7735,7 @@
           <a:p>
             <a:fld id="{C8659C27-364E-C74E-8EB0-0FFA61AB3438}" type="datetimeFigureOut">
               <a:rPr kumimoji="1" lang="ja-JP" altLang="en-US" smtClean="0"/>
-              <a:t>2021/4/4</a:t>
+              <a:t>2021/4/5</a:t>
             </a:fld>
             <a:endParaRPr kumimoji="1" lang="ja-JP" altLang="en-US"/>
           </a:p>
@@ -8435,7 +8435,295 @@
               <a:rPr lang="en" altLang="ja-JP" sz="2400" dirty="0"/>
               <a:t>we minimize the number of orders with different destinations in different loading areas for each hold.</a:t>
             </a:r>
-            <a:endParaRPr kumimoji="1" lang="ja-JP" altLang="en-US" sz="2400"/>
+          </a:p>
+          <a:p>
+            <a:endParaRPr kumimoji="1" lang="en" altLang="ja-JP" sz="2400" dirty="0"/>
+          </a:p>
+          <a:p>
+            <a:r>
+              <a:rPr lang="en" altLang="ja-JP" sz="2400" dirty="0"/>
+              <a:t>e.g. when unloading at port A</a:t>
+            </a:r>
+          </a:p>
+          <a:p>
+            <a:endParaRPr lang="en" altLang="ja-JP" sz="2400" dirty="0"/>
+          </a:p>
+        </p:txBody>
+      </p:sp>
+      <p:sp>
+        <p:nvSpPr>
+          <p:cNvPr id="4" name="正方形/長方形 3">
+            <a:extLst>
+              <a:ext uri="{FF2B5EF4-FFF2-40B4-BE49-F238E27FC236}">
+                <a16:creationId xmlns:a16="http://schemas.microsoft.com/office/drawing/2014/main" id="{4125FC03-1821-1B49-B8D7-7061C39DDC9A}"/>
+              </a:ext>
+            </a:extLst>
+          </p:cNvPr>
+          <p:cNvSpPr/>
+          <p:nvPr/>
+        </p:nvSpPr>
+        <p:spPr>
+          <a:xfrm>
+            <a:off x="3029803" y="5336275"/>
+            <a:ext cx="968991" cy="900752"/>
+          </a:xfrm>
+          <a:prstGeom prst="rect">
+            <a:avLst/>
+          </a:prstGeom>
+          <a:solidFill>
+            <a:srgbClr val="FFC000"/>
+          </a:solidFill>
+        </p:spPr>
+        <p:style>
+          <a:lnRef idx="2">
+            <a:schemeClr val="accent1">
+              <a:shade val="50000"/>
+            </a:schemeClr>
+          </a:lnRef>
+          <a:fillRef idx="1">
+            <a:schemeClr val="accent1"/>
+          </a:fillRef>
+          <a:effectRef idx="0">
+            <a:schemeClr val="accent1"/>
+          </a:effectRef>
+          <a:fontRef idx="minor">
+            <a:schemeClr val="lt1"/>
+          </a:fontRef>
+        </p:style>
+        <p:txBody>
+          <a:bodyPr rtlCol="0" anchor="ctr"/>
+          <a:lstStyle/>
+          <a:p>
+            <a:pPr algn="ctr"/>
+            <a:r>
+              <a:rPr kumimoji="1" lang="en-US" altLang="ja-JP" dirty="0">
+                <a:solidFill>
+                  <a:schemeClr val="tx1"/>
+                </a:solidFill>
+              </a:rPr>
+              <a:t>Port A</a:t>
+            </a:r>
+            <a:endParaRPr kumimoji="1" lang="ja-JP" altLang="en-US">
+              <a:solidFill>
+                <a:schemeClr val="tx1"/>
+              </a:solidFill>
+            </a:endParaRPr>
+          </a:p>
+        </p:txBody>
+      </p:sp>
+      <p:sp>
+        <p:nvSpPr>
+          <p:cNvPr id="5" name="正方形/長方形 4">
+            <a:extLst>
+              <a:ext uri="{FF2B5EF4-FFF2-40B4-BE49-F238E27FC236}">
+                <a16:creationId xmlns:a16="http://schemas.microsoft.com/office/drawing/2014/main" id="{8A1E8740-20DB-134D-8573-DB8BD029D323}"/>
+              </a:ext>
+            </a:extLst>
+          </p:cNvPr>
+          <p:cNvSpPr/>
+          <p:nvPr/>
+        </p:nvSpPr>
+        <p:spPr>
+          <a:xfrm>
+            <a:off x="3998794" y="5336275"/>
+            <a:ext cx="968991" cy="900752"/>
+          </a:xfrm>
+          <a:prstGeom prst="rect">
+            <a:avLst/>
+          </a:prstGeom>
+          <a:solidFill>
+            <a:srgbClr val="92D050"/>
+          </a:solidFill>
+        </p:spPr>
+        <p:style>
+          <a:lnRef idx="2">
+            <a:schemeClr val="accent1">
+              <a:shade val="50000"/>
+            </a:schemeClr>
+          </a:lnRef>
+          <a:fillRef idx="1">
+            <a:schemeClr val="accent1"/>
+          </a:fillRef>
+          <a:effectRef idx="0">
+            <a:schemeClr val="accent1"/>
+          </a:effectRef>
+          <a:fontRef idx="minor">
+            <a:schemeClr val="lt1"/>
+          </a:fontRef>
+        </p:style>
+        <p:txBody>
+          <a:bodyPr rtlCol="0" anchor="ctr"/>
+          <a:lstStyle/>
+          <a:p>
+            <a:pPr algn="ctr"/>
+            <a:r>
+              <a:rPr kumimoji="1" lang="en-US" altLang="ja-JP" dirty="0">
+                <a:solidFill>
+                  <a:schemeClr val="tx1"/>
+                </a:solidFill>
+              </a:rPr>
+              <a:t>Port B</a:t>
+            </a:r>
+            <a:endParaRPr kumimoji="1" lang="ja-JP" altLang="en-US">
+              <a:solidFill>
+                <a:schemeClr val="tx1"/>
+              </a:solidFill>
+            </a:endParaRPr>
+          </a:p>
+        </p:txBody>
+      </p:sp>
+      <p:sp>
+        <p:nvSpPr>
+          <p:cNvPr id="6" name="正方形/長方形 5">
+            <a:extLst>
+              <a:ext uri="{FF2B5EF4-FFF2-40B4-BE49-F238E27FC236}">
+                <a16:creationId xmlns:a16="http://schemas.microsoft.com/office/drawing/2014/main" id="{A12812F2-2A27-8244-AF1E-7BAE2D408214}"/>
+              </a:ext>
+            </a:extLst>
+          </p:cNvPr>
+          <p:cNvSpPr/>
+          <p:nvPr/>
+        </p:nvSpPr>
+        <p:spPr>
+          <a:xfrm>
+            <a:off x="4967785" y="5336275"/>
+            <a:ext cx="968991" cy="900752"/>
+          </a:xfrm>
+          <a:prstGeom prst="rect">
+            <a:avLst/>
+          </a:prstGeom>
+          <a:solidFill>
+            <a:srgbClr val="00B0F0"/>
+          </a:solidFill>
+        </p:spPr>
+        <p:style>
+          <a:lnRef idx="2">
+            <a:schemeClr val="accent1">
+              <a:shade val="50000"/>
+            </a:schemeClr>
+          </a:lnRef>
+          <a:fillRef idx="1">
+            <a:schemeClr val="accent1"/>
+          </a:fillRef>
+          <a:effectRef idx="0">
+            <a:schemeClr val="accent1"/>
+          </a:effectRef>
+          <a:fontRef idx="minor">
+            <a:schemeClr val="lt1"/>
+          </a:fontRef>
+        </p:style>
+        <p:txBody>
+          <a:bodyPr rtlCol="0" anchor="ctr"/>
+          <a:lstStyle/>
+          <a:p>
+            <a:pPr algn="ctr"/>
+            <a:r>
+              <a:rPr kumimoji="1" lang="en-US" altLang="ja-JP" dirty="0">
+                <a:solidFill>
+                  <a:schemeClr val="tx1"/>
+                </a:solidFill>
+              </a:rPr>
+              <a:t>Port C</a:t>
+            </a:r>
+            <a:endParaRPr kumimoji="1" lang="ja-JP" altLang="en-US">
+              <a:solidFill>
+                <a:schemeClr val="tx1"/>
+              </a:solidFill>
+            </a:endParaRPr>
+          </a:p>
+        </p:txBody>
+      </p:sp>
+      <p:sp>
+        <p:nvSpPr>
+          <p:cNvPr id="9" name="右矢印 8">
+            <a:extLst>
+              <a:ext uri="{FF2B5EF4-FFF2-40B4-BE49-F238E27FC236}">
+                <a16:creationId xmlns:a16="http://schemas.microsoft.com/office/drawing/2014/main" id="{DAFDF226-D662-6240-8E16-4C880D981060}"/>
+              </a:ext>
+            </a:extLst>
+          </p:cNvPr>
+          <p:cNvSpPr/>
+          <p:nvPr/>
+        </p:nvSpPr>
+        <p:spPr>
+          <a:xfrm>
+            <a:off x="6264322" y="5561463"/>
+            <a:ext cx="782590" cy="450376"/>
+          </a:xfrm>
+          <a:prstGeom prst="rightArrow">
+            <a:avLst/>
+          </a:prstGeom>
+          <a:solidFill>
+            <a:schemeClr val="accent2"/>
+          </a:solidFill>
+          <a:ln>
+            <a:solidFill>
+              <a:schemeClr val="accent2"/>
+            </a:solidFill>
+          </a:ln>
+        </p:spPr>
+        <p:style>
+          <a:lnRef idx="2">
+            <a:schemeClr val="accent1">
+              <a:shade val="50000"/>
+            </a:schemeClr>
+          </a:lnRef>
+          <a:fillRef idx="1">
+            <a:schemeClr val="accent1"/>
+          </a:fillRef>
+          <a:effectRef idx="0">
+            <a:schemeClr val="accent1"/>
+          </a:effectRef>
+          <a:fontRef idx="minor">
+            <a:schemeClr val="lt1"/>
+          </a:fontRef>
+        </p:style>
+        <p:txBody>
+          <a:bodyPr rtlCol="0" anchor="ctr"/>
+          <a:lstStyle/>
+          <a:p>
+            <a:pPr algn="ctr"/>
+            <a:endParaRPr kumimoji="1" lang="ja-JP" altLang="en-US"/>
+          </a:p>
+        </p:txBody>
+      </p:sp>
+      <p:sp>
+        <p:nvSpPr>
+          <p:cNvPr id="10" name="テキスト ボックス 9">
+            <a:extLst>
+              <a:ext uri="{FF2B5EF4-FFF2-40B4-BE49-F238E27FC236}">
+                <a16:creationId xmlns:a16="http://schemas.microsoft.com/office/drawing/2014/main" id="{4894A48D-AB41-A647-84D2-7A3F67EEB78D}"/>
+              </a:ext>
+            </a:extLst>
+          </p:cNvPr>
+          <p:cNvSpPr txBox="1"/>
+          <p:nvPr/>
+        </p:nvSpPr>
+        <p:spPr>
+          <a:xfrm>
+            <a:off x="7374458" y="5431936"/>
+            <a:ext cx="3807725" cy="707886"/>
+          </a:xfrm>
+          <a:prstGeom prst="rect">
+            <a:avLst/>
+          </a:prstGeom>
+          <a:noFill/>
+        </p:spPr>
+        <p:txBody>
+          <a:bodyPr wrap="square" rtlCol="0">
+            <a:spAutoFit/>
+          </a:bodyPr>
+          <a:lstStyle/>
+          <a:p>
+            <a:r>
+              <a:rPr lang="en-US" altLang="ja-JP" sz="2000" dirty="0"/>
+              <a:t>We a</a:t>
+            </a:r>
+            <a:r>
+              <a:rPr kumimoji="1" lang="en-US" altLang="ja-JP" sz="2000" dirty="0"/>
+              <a:t>dd a penalty of two to the objective function</a:t>
+            </a:r>
+            <a:endParaRPr kumimoji="1" lang="ja-JP" altLang="en-US" sz="2000"/>
           </a:p>
         </p:txBody>
       </p:sp>
@@ -8527,7 +8815,12 @@
             <p:ph idx="1"/>
           </p:nvPr>
         </p:nvSpPr>
-        <p:spPr/>
+        <p:spPr>
+          <a:xfrm>
+            <a:off x="2592925" y="1578699"/>
+            <a:ext cx="8915400" cy="3777622"/>
+          </a:xfrm>
+        </p:spPr>
         <p:txBody>
           <a:bodyPr>
             <a:normAutofit/>
@@ -8550,10 +8843,1177 @@
               <a:rPr lang="en" altLang="ja-JP" sz="2400" dirty="0"/>
               <a:t>we minimize the number of orders with different ports that exist in adjacent pairs of holds. </a:t>
             </a:r>
-            <a:endParaRPr lang="en-US" altLang="ja-JP" sz="2400" dirty="0"/>
-          </a:p>
-          <a:p>
-            <a:endParaRPr kumimoji="1" lang="ja-JP" altLang="en-US" sz="2400"/>
+          </a:p>
+          <a:p>
+            <a:pPr marL="1828800" lvl="4" indent="0">
+              <a:buNone/>
+            </a:pPr>
+            <a:r>
+              <a:rPr kumimoji="1" lang="ja-JP" altLang="en-US" sz="2400">
+                <a:solidFill>
+                  <a:srgbClr val="FF0000"/>
+                </a:solidFill>
+              </a:rPr>
+              <a:t>○ </a:t>
+            </a:r>
+            <a:r>
+              <a:rPr kumimoji="1" lang="ja-JP" altLang="en-US" sz="2400"/>
+              <a:t>                                    </a:t>
+            </a:r>
+            <a:r>
+              <a:rPr kumimoji="1" lang="en-US" altLang="ja-JP" sz="2400" dirty="0">
+                <a:solidFill>
+                  <a:srgbClr val="FF0000"/>
+                </a:solidFill>
+              </a:rPr>
+              <a:t>×</a:t>
+            </a:r>
+            <a:endParaRPr kumimoji="1" lang="ja-JP" altLang="en-US" sz="2400">
+              <a:solidFill>
+                <a:srgbClr val="FF0000"/>
+              </a:solidFill>
+            </a:endParaRPr>
+          </a:p>
+        </p:txBody>
+      </p:sp>
+      <p:sp>
+        <p:nvSpPr>
+          <p:cNvPr id="4" name="正方形/長方形 3">
+            <a:extLst>
+              <a:ext uri="{FF2B5EF4-FFF2-40B4-BE49-F238E27FC236}">
+                <a16:creationId xmlns:a16="http://schemas.microsoft.com/office/drawing/2014/main" id="{067A9BD7-4B51-6D49-81E0-C1B4397DB9C7}"/>
+              </a:ext>
+            </a:extLst>
+          </p:cNvPr>
+          <p:cNvSpPr/>
+          <p:nvPr/>
+        </p:nvSpPr>
+        <p:spPr>
+          <a:xfrm>
+            <a:off x="4971503" y="4485564"/>
+            <a:ext cx="668741" cy="627797"/>
+          </a:xfrm>
+          <a:prstGeom prst="rect">
+            <a:avLst/>
+          </a:prstGeom>
+          <a:solidFill>
+            <a:srgbClr val="00B0F0"/>
+          </a:solidFill>
+        </p:spPr>
+        <p:style>
+          <a:lnRef idx="2">
+            <a:schemeClr val="accent1">
+              <a:shade val="50000"/>
+            </a:schemeClr>
+          </a:lnRef>
+          <a:fillRef idx="1">
+            <a:schemeClr val="accent1"/>
+          </a:fillRef>
+          <a:effectRef idx="0">
+            <a:schemeClr val="accent1"/>
+          </a:effectRef>
+          <a:fontRef idx="minor">
+            <a:schemeClr val="lt1"/>
+          </a:fontRef>
+        </p:style>
+        <p:txBody>
+          <a:bodyPr rtlCol="0" anchor="ctr"/>
+          <a:lstStyle/>
+          <a:p>
+            <a:pPr algn="ctr"/>
+            <a:endParaRPr kumimoji="1" lang="ja-JP" altLang="en-US"/>
+          </a:p>
+        </p:txBody>
+      </p:sp>
+      <p:sp>
+        <p:nvSpPr>
+          <p:cNvPr id="5" name="正方形/長方形 4">
+            <a:extLst>
+              <a:ext uri="{FF2B5EF4-FFF2-40B4-BE49-F238E27FC236}">
+                <a16:creationId xmlns:a16="http://schemas.microsoft.com/office/drawing/2014/main" id="{BCD9801A-E6B6-364D-BDB2-D8F14B6B9C9C}"/>
+              </a:ext>
+            </a:extLst>
+          </p:cNvPr>
+          <p:cNvSpPr/>
+          <p:nvPr/>
+        </p:nvSpPr>
+        <p:spPr>
+          <a:xfrm>
+            <a:off x="4332565" y="4476465"/>
+            <a:ext cx="668741" cy="627797"/>
+          </a:xfrm>
+          <a:prstGeom prst="rect">
+            <a:avLst/>
+          </a:prstGeom>
+          <a:solidFill>
+            <a:srgbClr val="00B0F0"/>
+          </a:solidFill>
+        </p:spPr>
+        <p:style>
+          <a:lnRef idx="2">
+            <a:schemeClr val="accent1">
+              <a:shade val="50000"/>
+            </a:schemeClr>
+          </a:lnRef>
+          <a:fillRef idx="1">
+            <a:schemeClr val="accent1"/>
+          </a:fillRef>
+          <a:effectRef idx="0">
+            <a:schemeClr val="accent1"/>
+          </a:effectRef>
+          <a:fontRef idx="minor">
+            <a:schemeClr val="lt1"/>
+          </a:fontRef>
+        </p:style>
+        <p:txBody>
+          <a:bodyPr rtlCol="0" anchor="ctr"/>
+          <a:lstStyle/>
+          <a:p>
+            <a:pPr algn="ctr"/>
+            <a:endParaRPr kumimoji="1" lang="ja-JP" altLang="en-US"/>
+          </a:p>
+        </p:txBody>
+      </p:sp>
+      <p:sp>
+        <p:nvSpPr>
+          <p:cNvPr id="6" name="正方形/長方形 5">
+            <a:extLst>
+              <a:ext uri="{FF2B5EF4-FFF2-40B4-BE49-F238E27FC236}">
+                <a16:creationId xmlns:a16="http://schemas.microsoft.com/office/drawing/2014/main" id="{7B132D4E-A696-B644-A4CD-B3B900A4D173}"/>
+              </a:ext>
+            </a:extLst>
+          </p:cNvPr>
+          <p:cNvSpPr/>
+          <p:nvPr/>
+        </p:nvSpPr>
+        <p:spPr>
+          <a:xfrm>
+            <a:off x="3661883" y="4481014"/>
+            <a:ext cx="668741" cy="627797"/>
+          </a:xfrm>
+          <a:prstGeom prst="rect">
+            <a:avLst/>
+          </a:prstGeom>
+          <a:solidFill>
+            <a:srgbClr val="00B0F0"/>
+          </a:solidFill>
+        </p:spPr>
+        <p:style>
+          <a:lnRef idx="2">
+            <a:schemeClr val="accent1">
+              <a:shade val="50000"/>
+            </a:schemeClr>
+          </a:lnRef>
+          <a:fillRef idx="1">
+            <a:schemeClr val="accent1"/>
+          </a:fillRef>
+          <a:effectRef idx="0">
+            <a:schemeClr val="accent1"/>
+          </a:effectRef>
+          <a:fontRef idx="minor">
+            <a:schemeClr val="lt1"/>
+          </a:fontRef>
+        </p:style>
+        <p:txBody>
+          <a:bodyPr rtlCol="0" anchor="ctr"/>
+          <a:lstStyle/>
+          <a:p>
+            <a:pPr algn="ctr"/>
+            <a:endParaRPr kumimoji="1" lang="ja-JP" altLang="en-US"/>
+          </a:p>
+        </p:txBody>
+      </p:sp>
+      <p:sp>
+        <p:nvSpPr>
+          <p:cNvPr id="7" name="正方形/長方形 6">
+            <a:extLst>
+              <a:ext uri="{FF2B5EF4-FFF2-40B4-BE49-F238E27FC236}">
+                <a16:creationId xmlns:a16="http://schemas.microsoft.com/office/drawing/2014/main" id="{CC9B5BF5-74FC-B442-B2BD-9B549170319F}"/>
+              </a:ext>
+            </a:extLst>
+          </p:cNvPr>
+          <p:cNvSpPr/>
+          <p:nvPr/>
+        </p:nvSpPr>
+        <p:spPr>
+          <a:xfrm>
+            <a:off x="3656385" y="5105595"/>
+            <a:ext cx="668741" cy="627797"/>
+          </a:xfrm>
+          <a:prstGeom prst="rect">
+            <a:avLst/>
+          </a:prstGeom>
+          <a:solidFill>
+            <a:srgbClr val="00B0F0"/>
+          </a:solidFill>
+        </p:spPr>
+        <p:style>
+          <a:lnRef idx="2">
+            <a:schemeClr val="accent1">
+              <a:shade val="50000"/>
+            </a:schemeClr>
+          </a:lnRef>
+          <a:fillRef idx="1">
+            <a:schemeClr val="accent1"/>
+          </a:fillRef>
+          <a:effectRef idx="0">
+            <a:schemeClr val="accent1"/>
+          </a:effectRef>
+          <a:fontRef idx="minor">
+            <a:schemeClr val="lt1"/>
+          </a:fontRef>
+        </p:style>
+        <p:txBody>
+          <a:bodyPr rtlCol="0" anchor="ctr"/>
+          <a:lstStyle/>
+          <a:p>
+            <a:pPr algn="ctr"/>
+            <a:endParaRPr kumimoji="1" lang="ja-JP" altLang="en-US"/>
+          </a:p>
+        </p:txBody>
+      </p:sp>
+      <p:sp>
+        <p:nvSpPr>
+          <p:cNvPr id="8" name="正方形/長方形 7">
+            <a:extLst>
+              <a:ext uri="{FF2B5EF4-FFF2-40B4-BE49-F238E27FC236}">
+                <a16:creationId xmlns:a16="http://schemas.microsoft.com/office/drawing/2014/main" id="{D0702233-B52A-444B-8BEA-0A9934C0E778}"/>
+              </a:ext>
+            </a:extLst>
+          </p:cNvPr>
+          <p:cNvSpPr/>
+          <p:nvPr/>
+        </p:nvSpPr>
+        <p:spPr>
+          <a:xfrm>
+            <a:off x="4338089" y="5104262"/>
+            <a:ext cx="668741" cy="627797"/>
+          </a:xfrm>
+          <a:prstGeom prst="rect">
+            <a:avLst/>
+          </a:prstGeom>
+          <a:solidFill>
+            <a:srgbClr val="92D050"/>
+          </a:solidFill>
+        </p:spPr>
+        <p:style>
+          <a:lnRef idx="2">
+            <a:schemeClr val="accent1">
+              <a:shade val="50000"/>
+            </a:schemeClr>
+          </a:lnRef>
+          <a:fillRef idx="1">
+            <a:schemeClr val="accent1"/>
+          </a:fillRef>
+          <a:effectRef idx="0">
+            <a:schemeClr val="accent1"/>
+          </a:effectRef>
+          <a:fontRef idx="minor">
+            <a:schemeClr val="lt1"/>
+          </a:fontRef>
+        </p:style>
+        <p:txBody>
+          <a:bodyPr rtlCol="0" anchor="ctr"/>
+          <a:lstStyle/>
+          <a:p>
+            <a:pPr algn="ctr"/>
+            <a:endParaRPr kumimoji="1" lang="ja-JP" altLang="en-US"/>
+          </a:p>
+        </p:txBody>
+      </p:sp>
+      <p:sp>
+        <p:nvSpPr>
+          <p:cNvPr id="9" name="正方形/長方形 8">
+            <a:extLst>
+              <a:ext uri="{FF2B5EF4-FFF2-40B4-BE49-F238E27FC236}">
+                <a16:creationId xmlns:a16="http://schemas.microsoft.com/office/drawing/2014/main" id="{5DBA1192-030E-6041-9CFA-4C6A4A2318AB}"/>
+              </a:ext>
+            </a:extLst>
+          </p:cNvPr>
+          <p:cNvSpPr/>
+          <p:nvPr/>
+        </p:nvSpPr>
+        <p:spPr>
+          <a:xfrm>
+            <a:off x="5000689" y="5096496"/>
+            <a:ext cx="668741" cy="627797"/>
+          </a:xfrm>
+          <a:prstGeom prst="rect">
+            <a:avLst/>
+          </a:prstGeom>
+          <a:solidFill>
+            <a:srgbClr val="92D050"/>
+          </a:solidFill>
+        </p:spPr>
+        <p:style>
+          <a:lnRef idx="2">
+            <a:schemeClr val="accent1">
+              <a:shade val="50000"/>
+            </a:schemeClr>
+          </a:lnRef>
+          <a:fillRef idx="1">
+            <a:schemeClr val="accent1"/>
+          </a:fillRef>
+          <a:effectRef idx="0">
+            <a:schemeClr val="accent1"/>
+          </a:effectRef>
+          <a:fontRef idx="minor">
+            <a:schemeClr val="lt1"/>
+          </a:fontRef>
+        </p:style>
+        <p:txBody>
+          <a:bodyPr rtlCol="0" anchor="ctr"/>
+          <a:lstStyle/>
+          <a:p>
+            <a:pPr algn="ctr"/>
+            <a:endParaRPr kumimoji="1" lang="ja-JP" altLang="en-US"/>
+          </a:p>
+        </p:txBody>
+      </p:sp>
+      <p:sp>
+        <p:nvSpPr>
+          <p:cNvPr id="10" name="正方形/長方形 9">
+            <a:extLst>
+              <a:ext uri="{FF2B5EF4-FFF2-40B4-BE49-F238E27FC236}">
+                <a16:creationId xmlns:a16="http://schemas.microsoft.com/office/drawing/2014/main" id="{C278E65F-59A7-B14B-B9BA-BA19CDFF962E}"/>
+              </a:ext>
+            </a:extLst>
+          </p:cNvPr>
+          <p:cNvSpPr/>
+          <p:nvPr/>
+        </p:nvSpPr>
+        <p:spPr>
+          <a:xfrm>
+            <a:off x="5016612" y="5724294"/>
+            <a:ext cx="668741" cy="627797"/>
+          </a:xfrm>
+          <a:prstGeom prst="rect">
+            <a:avLst/>
+          </a:prstGeom>
+          <a:solidFill>
+            <a:srgbClr val="92D050"/>
+          </a:solidFill>
+        </p:spPr>
+        <p:style>
+          <a:lnRef idx="2">
+            <a:schemeClr val="accent1">
+              <a:shade val="50000"/>
+            </a:schemeClr>
+          </a:lnRef>
+          <a:fillRef idx="1">
+            <a:schemeClr val="accent1"/>
+          </a:fillRef>
+          <a:effectRef idx="0">
+            <a:schemeClr val="accent1"/>
+          </a:effectRef>
+          <a:fontRef idx="minor">
+            <a:schemeClr val="lt1"/>
+          </a:fontRef>
+        </p:style>
+        <p:txBody>
+          <a:bodyPr rtlCol="0" anchor="ctr"/>
+          <a:lstStyle/>
+          <a:p>
+            <a:pPr algn="ctr"/>
+            <a:endParaRPr kumimoji="1" lang="ja-JP" altLang="en-US"/>
+          </a:p>
+        </p:txBody>
+      </p:sp>
+      <p:sp>
+        <p:nvSpPr>
+          <p:cNvPr id="11" name="正方形/長方形 10">
+            <a:extLst>
+              <a:ext uri="{FF2B5EF4-FFF2-40B4-BE49-F238E27FC236}">
+                <a16:creationId xmlns:a16="http://schemas.microsoft.com/office/drawing/2014/main" id="{A8032D0F-7E0A-A34A-8684-4B8C77F9576F}"/>
+              </a:ext>
+            </a:extLst>
+          </p:cNvPr>
+          <p:cNvSpPr/>
+          <p:nvPr/>
+        </p:nvSpPr>
+        <p:spPr>
+          <a:xfrm>
+            <a:off x="3666846" y="5724294"/>
+            <a:ext cx="668741" cy="627797"/>
+          </a:xfrm>
+          <a:prstGeom prst="rect">
+            <a:avLst/>
+          </a:prstGeom>
+          <a:solidFill>
+            <a:srgbClr val="FFC000"/>
+          </a:solidFill>
+        </p:spPr>
+        <p:style>
+          <a:lnRef idx="2">
+            <a:schemeClr val="accent1">
+              <a:shade val="50000"/>
+            </a:schemeClr>
+          </a:lnRef>
+          <a:fillRef idx="1">
+            <a:schemeClr val="accent1"/>
+          </a:fillRef>
+          <a:effectRef idx="0">
+            <a:schemeClr val="accent1"/>
+          </a:effectRef>
+          <a:fontRef idx="minor">
+            <a:schemeClr val="lt1"/>
+          </a:fontRef>
+        </p:style>
+        <p:txBody>
+          <a:bodyPr rtlCol="0" anchor="ctr"/>
+          <a:lstStyle/>
+          <a:p>
+            <a:pPr algn="ctr"/>
+            <a:endParaRPr kumimoji="1" lang="ja-JP" altLang="en-US"/>
+          </a:p>
+        </p:txBody>
+      </p:sp>
+      <p:sp>
+        <p:nvSpPr>
+          <p:cNvPr id="12" name="正方形/長方形 11">
+            <a:extLst>
+              <a:ext uri="{FF2B5EF4-FFF2-40B4-BE49-F238E27FC236}">
+                <a16:creationId xmlns:a16="http://schemas.microsoft.com/office/drawing/2014/main" id="{9DD44B77-9C6E-1D47-B7FE-C3C33C39256F}"/>
+              </a:ext>
+            </a:extLst>
+          </p:cNvPr>
+          <p:cNvSpPr/>
+          <p:nvPr/>
+        </p:nvSpPr>
+        <p:spPr>
+          <a:xfrm>
+            <a:off x="4335587" y="5724294"/>
+            <a:ext cx="668741" cy="627797"/>
+          </a:xfrm>
+          <a:prstGeom prst="rect">
+            <a:avLst/>
+          </a:prstGeom>
+          <a:solidFill>
+            <a:srgbClr val="FFC000"/>
+          </a:solidFill>
+        </p:spPr>
+        <p:style>
+          <a:lnRef idx="2">
+            <a:schemeClr val="accent1">
+              <a:shade val="50000"/>
+            </a:schemeClr>
+          </a:lnRef>
+          <a:fillRef idx="1">
+            <a:schemeClr val="accent1"/>
+          </a:fillRef>
+          <a:effectRef idx="0">
+            <a:schemeClr val="accent1"/>
+          </a:effectRef>
+          <a:fontRef idx="minor">
+            <a:schemeClr val="lt1"/>
+          </a:fontRef>
+        </p:style>
+        <p:txBody>
+          <a:bodyPr rtlCol="0" anchor="ctr"/>
+          <a:lstStyle/>
+          <a:p>
+            <a:pPr algn="ctr"/>
+            <a:endParaRPr kumimoji="1" lang="ja-JP" altLang="en-US"/>
+          </a:p>
+        </p:txBody>
+      </p:sp>
+      <p:sp>
+        <p:nvSpPr>
+          <p:cNvPr id="13" name="正方形/長方形 12">
+            <a:extLst>
+              <a:ext uri="{FF2B5EF4-FFF2-40B4-BE49-F238E27FC236}">
+                <a16:creationId xmlns:a16="http://schemas.microsoft.com/office/drawing/2014/main" id="{50CC7B0D-C49F-4845-AB34-6920D7F2CDD4}"/>
+              </a:ext>
+            </a:extLst>
+          </p:cNvPr>
+          <p:cNvSpPr/>
+          <p:nvPr/>
+        </p:nvSpPr>
+        <p:spPr>
+          <a:xfrm>
+            <a:off x="8411757" y="4486897"/>
+            <a:ext cx="668741" cy="627797"/>
+          </a:xfrm>
+          <a:prstGeom prst="rect">
+            <a:avLst/>
+          </a:prstGeom>
+          <a:solidFill>
+            <a:srgbClr val="00B0F0"/>
+          </a:solidFill>
+        </p:spPr>
+        <p:style>
+          <a:lnRef idx="2">
+            <a:schemeClr val="accent1">
+              <a:shade val="50000"/>
+            </a:schemeClr>
+          </a:lnRef>
+          <a:fillRef idx="1">
+            <a:schemeClr val="accent1"/>
+          </a:fillRef>
+          <a:effectRef idx="0">
+            <a:schemeClr val="accent1"/>
+          </a:effectRef>
+          <a:fontRef idx="minor">
+            <a:schemeClr val="lt1"/>
+          </a:fontRef>
+        </p:style>
+        <p:txBody>
+          <a:bodyPr rtlCol="0" anchor="ctr"/>
+          <a:lstStyle/>
+          <a:p>
+            <a:pPr algn="ctr"/>
+            <a:endParaRPr kumimoji="1" lang="ja-JP" altLang="en-US"/>
+          </a:p>
+        </p:txBody>
+      </p:sp>
+      <p:sp>
+        <p:nvSpPr>
+          <p:cNvPr id="14" name="正方形/長方形 13">
+            <a:extLst>
+              <a:ext uri="{FF2B5EF4-FFF2-40B4-BE49-F238E27FC236}">
+                <a16:creationId xmlns:a16="http://schemas.microsoft.com/office/drawing/2014/main" id="{B6DB7078-4225-C74C-95D8-6FA063090B0D}"/>
+              </a:ext>
+            </a:extLst>
+          </p:cNvPr>
+          <p:cNvSpPr/>
+          <p:nvPr/>
+        </p:nvSpPr>
+        <p:spPr>
+          <a:xfrm>
+            <a:off x="7729034" y="4495996"/>
+            <a:ext cx="668741" cy="627797"/>
+          </a:xfrm>
+          <a:prstGeom prst="rect">
+            <a:avLst/>
+          </a:prstGeom>
+          <a:solidFill>
+            <a:srgbClr val="92D050"/>
+          </a:solidFill>
+        </p:spPr>
+        <p:style>
+          <a:lnRef idx="2">
+            <a:schemeClr val="accent1">
+              <a:shade val="50000"/>
+            </a:schemeClr>
+          </a:lnRef>
+          <a:fillRef idx="1">
+            <a:schemeClr val="accent1"/>
+          </a:fillRef>
+          <a:effectRef idx="0">
+            <a:schemeClr val="accent1"/>
+          </a:effectRef>
+          <a:fontRef idx="minor">
+            <a:schemeClr val="lt1"/>
+          </a:fontRef>
+        </p:style>
+        <p:txBody>
+          <a:bodyPr rtlCol="0" anchor="ctr"/>
+          <a:lstStyle/>
+          <a:p>
+            <a:pPr algn="ctr"/>
+            <a:endParaRPr kumimoji="1" lang="ja-JP" altLang="en-US"/>
+          </a:p>
+        </p:txBody>
+      </p:sp>
+      <p:sp>
+        <p:nvSpPr>
+          <p:cNvPr id="15" name="正方形/長方形 14">
+            <a:extLst>
+              <a:ext uri="{FF2B5EF4-FFF2-40B4-BE49-F238E27FC236}">
+                <a16:creationId xmlns:a16="http://schemas.microsoft.com/office/drawing/2014/main" id="{C137D3F7-BFDC-FD4B-9D6C-DDB075D374BE}"/>
+              </a:ext>
+            </a:extLst>
+          </p:cNvPr>
+          <p:cNvSpPr/>
+          <p:nvPr/>
+        </p:nvSpPr>
+        <p:spPr>
+          <a:xfrm>
+            <a:off x="7088155" y="4486897"/>
+            <a:ext cx="668741" cy="627797"/>
+          </a:xfrm>
+          <a:prstGeom prst="rect">
+            <a:avLst/>
+          </a:prstGeom>
+          <a:solidFill>
+            <a:srgbClr val="00B0F0"/>
+          </a:solidFill>
+        </p:spPr>
+        <p:style>
+          <a:lnRef idx="2">
+            <a:schemeClr val="accent1">
+              <a:shade val="50000"/>
+            </a:schemeClr>
+          </a:lnRef>
+          <a:fillRef idx="1">
+            <a:schemeClr val="accent1"/>
+          </a:fillRef>
+          <a:effectRef idx="0">
+            <a:schemeClr val="accent1"/>
+          </a:effectRef>
+          <a:fontRef idx="minor">
+            <a:schemeClr val="lt1"/>
+          </a:fontRef>
+        </p:style>
+        <p:txBody>
+          <a:bodyPr rtlCol="0" anchor="ctr"/>
+          <a:lstStyle/>
+          <a:p>
+            <a:pPr algn="ctr"/>
+            <a:endParaRPr kumimoji="1" lang="ja-JP" altLang="en-US"/>
+          </a:p>
+        </p:txBody>
+      </p:sp>
+      <p:sp>
+        <p:nvSpPr>
+          <p:cNvPr id="16" name="正方形/長方形 15">
+            <a:extLst>
+              <a:ext uri="{FF2B5EF4-FFF2-40B4-BE49-F238E27FC236}">
+                <a16:creationId xmlns:a16="http://schemas.microsoft.com/office/drawing/2014/main" id="{55677416-99E6-E348-B5AA-ED1777CE10B6}"/>
+              </a:ext>
+            </a:extLst>
+          </p:cNvPr>
+          <p:cNvSpPr/>
+          <p:nvPr/>
+        </p:nvSpPr>
+        <p:spPr>
+          <a:xfrm>
+            <a:off x="7083150" y="5105595"/>
+            <a:ext cx="668741" cy="627797"/>
+          </a:xfrm>
+          <a:prstGeom prst="rect">
+            <a:avLst/>
+          </a:prstGeom>
+          <a:solidFill>
+            <a:srgbClr val="92D050"/>
+          </a:solidFill>
+        </p:spPr>
+        <p:style>
+          <a:lnRef idx="2">
+            <a:schemeClr val="accent1">
+              <a:shade val="50000"/>
+            </a:schemeClr>
+          </a:lnRef>
+          <a:fillRef idx="1">
+            <a:schemeClr val="accent1"/>
+          </a:fillRef>
+          <a:effectRef idx="0">
+            <a:schemeClr val="accent1"/>
+          </a:effectRef>
+          <a:fontRef idx="minor">
+            <a:schemeClr val="lt1"/>
+          </a:fontRef>
+        </p:style>
+        <p:txBody>
+          <a:bodyPr rtlCol="0" anchor="ctr"/>
+          <a:lstStyle/>
+          <a:p>
+            <a:pPr algn="ctr"/>
+            <a:endParaRPr kumimoji="1" lang="ja-JP" altLang="en-US"/>
+          </a:p>
+        </p:txBody>
+      </p:sp>
+      <p:sp>
+        <p:nvSpPr>
+          <p:cNvPr id="17" name="正方形/長方形 16">
+            <a:extLst>
+              <a:ext uri="{FF2B5EF4-FFF2-40B4-BE49-F238E27FC236}">
+                <a16:creationId xmlns:a16="http://schemas.microsoft.com/office/drawing/2014/main" id="{15FCB09D-0443-EC4E-9395-9B8B32ABCF85}"/>
+              </a:ext>
+            </a:extLst>
+          </p:cNvPr>
+          <p:cNvSpPr/>
+          <p:nvPr/>
+        </p:nvSpPr>
+        <p:spPr>
+          <a:xfrm>
+            <a:off x="7752571" y="5114694"/>
+            <a:ext cx="668741" cy="627797"/>
+          </a:xfrm>
+          <a:prstGeom prst="rect">
+            <a:avLst/>
+          </a:prstGeom>
+          <a:solidFill>
+            <a:srgbClr val="FFC000"/>
+          </a:solidFill>
+        </p:spPr>
+        <p:style>
+          <a:lnRef idx="2">
+            <a:schemeClr val="accent1">
+              <a:shade val="50000"/>
+            </a:schemeClr>
+          </a:lnRef>
+          <a:fillRef idx="1">
+            <a:schemeClr val="accent1"/>
+          </a:fillRef>
+          <a:effectRef idx="0">
+            <a:schemeClr val="accent1"/>
+          </a:effectRef>
+          <a:fontRef idx="minor">
+            <a:schemeClr val="lt1"/>
+          </a:fontRef>
+        </p:style>
+        <p:txBody>
+          <a:bodyPr rtlCol="0" anchor="ctr"/>
+          <a:lstStyle/>
+          <a:p>
+            <a:pPr algn="ctr"/>
+            <a:endParaRPr kumimoji="1" lang="ja-JP" altLang="en-US"/>
+          </a:p>
+        </p:txBody>
+      </p:sp>
+      <p:sp>
+        <p:nvSpPr>
+          <p:cNvPr id="18" name="正方形/長方形 17">
+            <a:extLst>
+              <a:ext uri="{FF2B5EF4-FFF2-40B4-BE49-F238E27FC236}">
+                <a16:creationId xmlns:a16="http://schemas.microsoft.com/office/drawing/2014/main" id="{441E9B8E-DEF7-FA48-8162-9FA170FD789F}"/>
+              </a:ext>
+            </a:extLst>
+          </p:cNvPr>
+          <p:cNvSpPr/>
+          <p:nvPr/>
+        </p:nvSpPr>
+        <p:spPr>
+          <a:xfrm>
+            <a:off x="8427454" y="5096496"/>
+            <a:ext cx="668741" cy="627797"/>
+          </a:xfrm>
+          <a:prstGeom prst="rect">
+            <a:avLst/>
+          </a:prstGeom>
+          <a:solidFill>
+            <a:srgbClr val="92D050"/>
+          </a:solidFill>
+        </p:spPr>
+        <p:style>
+          <a:lnRef idx="2">
+            <a:schemeClr val="accent1">
+              <a:shade val="50000"/>
+            </a:schemeClr>
+          </a:lnRef>
+          <a:fillRef idx="1">
+            <a:schemeClr val="accent1"/>
+          </a:fillRef>
+          <a:effectRef idx="0">
+            <a:schemeClr val="accent1"/>
+          </a:effectRef>
+          <a:fontRef idx="minor">
+            <a:schemeClr val="lt1"/>
+          </a:fontRef>
+        </p:style>
+        <p:txBody>
+          <a:bodyPr rtlCol="0" anchor="ctr"/>
+          <a:lstStyle/>
+          <a:p>
+            <a:pPr algn="ctr"/>
+            <a:endParaRPr kumimoji="1" lang="ja-JP" altLang="en-US"/>
+          </a:p>
+        </p:txBody>
+      </p:sp>
+      <p:sp>
+        <p:nvSpPr>
+          <p:cNvPr id="19" name="正方形/長方形 18">
+            <a:extLst>
+              <a:ext uri="{FF2B5EF4-FFF2-40B4-BE49-F238E27FC236}">
+                <a16:creationId xmlns:a16="http://schemas.microsoft.com/office/drawing/2014/main" id="{27AD64C6-E207-2541-B143-EF3357E88206}"/>
+              </a:ext>
+            </a:extLst>
+          </p:cNvPr>
+          <p:cNvSpPr/>
+          <p:nvPr/>
+        </p:nvSpPr>
+        <p:spPr>
+          <a:xfrm>
+            <a:off x="8443377" y="5724294"/>
+            <a:ext cx="668741" cy="627797"/>
+          </a:xfrm>
+          <a:prstGeom prst="rect">
+            <a:avLst/>
+          </a:prstGeom>
+          <a:solidFill>
+            <a:srgbClr val="00B0F0"/>
+          </a:solidFill>
+        </p:spPr>
+        <p:style>
+          <a:lnRef idx="2">
+            <a:schemeClr val="accent1">
+              <a:shade val="50000"/>
+            </a:schemeClr>
+          </a:lnRef>
+          <a:fillRef idx="1">
+            <a:schemeClr val="accent1"/>
+          </a:fillRef>
+          <a:effectRef idx="0">
+            <a:schemeClr val="accent1"/>
+          </a:effectRef>
+          <a:fontRef idx="minor">
+            <a:schemeClr val="lt1"/>
+          </a:fontRef>
+        </p:style>
+        <p:txBody>
+          <a:bodyPr rtlCol="0" anchor="ctr"/>
+          <a:lstStyle/>
+          <a:p>
+            <a:pPr algn="ctr"/>
+            <a:endParaRPr kumimoji="1" lang="ja-JP" altLang="en-US"/>
+          </a:p>
+        </p:txBody>
+      </p:sp>
+      <p:sp>
+        <p:nvSpPr>
+          <p:cNvPr id="20" name="正方形/長方形 19">
+            <a:extLst>
+              <a:ext uri="{FF2B5EF4-FFF2-40B4-BE49-F238E27FC236}">
+                <a16:creationId xmlns:a16="http://schemas.microsoft.com/office/drawing/2014/main" id="{41B55C55-21F5-A648-AC5D-19858576D85C}"/>
+              </a:ext>
+            </a:extLst>
+          </p:cNvPr>
+          <p:cNvSpPr/>
+          <p:nvPr/>
+        </p:nvSpPr>
+        <p:spPr>
+          <a:xfrm>
+            <a:off x="7086146" y="5733392"/>
+            <a:ext cx="668741" cy="627797"/>
+          </a:xfrm>
+          <a:prstGeom prst="rect">
+            <a:avLst/>
+          </a:prstGeom>
+          <a:solidFill>
+            <a:srgbClr val="FFC000"/>
+          </a:solidFill>
+        </p:spPr>
+        <p:style>
+          <a:lnRef idx="2">
+            <a:schemeClr val="accent1">
+              <a:shade val="50000"/>
+            </a:schemeClr>
+          </a:lnRef>
+          <a:fillRef idx="1">
+            <a:schemeClr val="accent1"/>
+          </a:fillRef>
+          <a:effectRef idx="0">
+            <a:schemeClr val="accent1"/>
+          </a:effectRef>
+          <a:fontRef idx="minor">
+            <a:schemeClr val="lt1"/>
+          </a:fontRef>
+        </p:style>
+        <p:txBody>
+          <a:bodyPr rtlCol="0" anchor="ctr"/>
+          <a:lstStyle/>
+          <a:p>
+            <a:pPr algn="ctr"/>
+            <a:endParaRPr kumimoji="1" lang="ja-JP" altLang="en-US"/>
+          </a:p>
+        </p:txBody>
+      </p:sp>
+      <p:sp>
+        <p:nvSpPr>
+          <p:cNvPr id="21" name="正方形/長方形 20">
+            <a:extLst>
+              <a:ext uri="{FF2B5EF4-FFF2-40B4-BE49-F238E27FC236}">
+                <a16:creationId xmlns:a16="http://schemas.microsoft.com/office/drawing/2014/main" id="{63672841-7121-D749-BEFB-B917B0B8B014}"/>
+              </a:ext>
+            </a:extLst>
+          </p:cNvPr>
+          <p:cNvSpPr/>
+          <p:nvPr/>
+        </p:nvSpPr>
+        <p:spPr>
+          <a:xfrm>
+            <a:off x="7762352" y="5724294"/>
+            <a:ext cx="668741" cy="627797"/>
+          </a:xfrm>
+          <a:prstGeom prst="rect">
+            <a:avLst/>
+          </a:prstGeom>
+          <a:solidFill>
+            <a:srgbClr val="00B0F0"/>
+          </a:solidFill>
+        </p:spPr>
+        <p:style>
+          <a:lnRef idx="2">
+            <a:schemeClr val="accent1">
+              <a:shade val="50000"/>
+            </a:schemeClr>
+          </a:lnRef>
+          <a:fillRef idx="1">
+            <a:schemeClr val="accent1"/>
+          </a:fillRef>
+          <a:effectRef idx="0">
+            <a:schemeClr val="accent1"/>
+          </a:effectRef>
+          <a:fontRef idx="minor">
+            <a:schemeClr val="lt1"/>
+          </a:fontRef>
+        </p:style>
+        <p:txBody>
+          <a:bodyPr rtlCol="0" anchor="ctr"/>
+          <a:lstStyle/>
+          <a:p>
+            <a:pPr algn="ctr"/>
+            <a:endParaRPr kumimoji="1" lang="ja-JP" altLang="en-US"/>
+          </a:p>
+        </p:txBody>
+      </p:sp>
+      <p:sp>
+        <p:nvSpPr>
+          <p:cNvPr id="22" name="正方形/長方形 21">
+            <a:extLst>
+              <a:ext uri="{FF2B5EF4-FFF2-40B4-BE49-F238E27FC236}">
+                <a16:creationId xmlns:a16="http://schemas.microsoft.com/office/drawing/2014/main" id="{7D8525D6-AAB4-8542-8282-403599A3EBD5}"/>
+              </a:ext>
+            </a:extLst>
+          </p:cNvPr>
+          <p:cNvSpPr/>
+          <p:nvPr/>
+        </p:nvSpPr>
+        <p:spPr>
+          <a:xfrm>
+            <a:off x="9873021" y="5254224"/>
+            <a:ext cx="668741" cy="204193"/>
+          </a:xfrm>
+          <a:prstGeom prst="rect">
+            <a:avLst/>
+          </a:prstGeom>
+          <a:solidFill>
+            <a:srgbClr val="92D050"/>
+          </a:solidFill>
+        </p:spPr>
+        <p:style>
+          <a:lnRef idx="2">
+            <a:schemeClr val="accent1">
+              <a:shade val="50000"/>
+            </a:schemeClr>
+          </a:lnRef>
+          <a:fillRef idx="1">
+            <a:schemeClr val="accent1"/>
+          </a:fillRef>
+          <a:effectRef idx="0">
+            <a:schemeClr val="accent1"/>
+          </a:effectRef>
+          <a:fontRef idx="minor">
+            <a:schemeClr val="lt1"/>
+          </a:fontRef>
+        </p:style>
+        <p:txBody>
+          <a:bodyPr rtlCol="0" anchor="ctr"/>
+          <a:lstStyle/>
+          <a:p>
+            <a:pPr algn="ctr"/>
+            <a:endParaRPr kumimoji="1" lang="ja-JP" altLang="en-US"/>
+          </a:p>
+        </p:txBody>
+      </p:sp>
+      <p:sp>
+        <p:nvSpPr>
+          <p:cNvPr id="23" name="正方形/長方形 22">
+            <a:extLst>
+              <a:ext uri="{FF2B5EF4-FFF2-40B4-BE49-F238E27FC236}">
+                <a16:creationId xmlns:a16="http://schemas.microsoft.com/office/drawing/2014/main" id="{BDE40002-7532-B94D-9CB0-51A84B9770D2}"/>
+              </a:ext>
+            </a:extLst>
+          </p:cNvPr>
+          <p:cNvSpPr/>
+          <p:nvPr/>
+        </p:nvSpPr>
+        <p:spPr>
+          <a:xfrm>
+            <a:off x="9873020" y="4907121"/>
+            <a:ext cx="668741" cy="176573"/>
+          </a:xfrm>
+          <a:prstGeom prst="rect">
+            <a:avLst/>
+          </a:prstGeom>
+          <a:solidFill>
+            <a:srgbClr val="FFC000"/>
+          </a:solidFill>
+        </p:spPr>
+        <p:style>
+          <a:lnRef idx="2">
+            <a:schemeClr val="accent1">
+              <a:shade val="50000"/>
+            </a:schemeClr>
+          </a:lnRef>
+          <a:fillRef idx="1">
+            <a:schemeClr val="accent1"/>
+          </a:fillRef>
+          <a:effectRef idx="0">
+            <a:schemeClr val="accent1"/>
+          </a:effectRef>
+          <a:fontRef idx="minor">
+            <a:schemeClr val="lt1"/>
+          </a:fontRef>
+        </p:style>
+        <p:txBody>
+          <a:bodyPr rtlCol="0" anchor="ctr"/>
+          <a:lstStyle/>
+          <a:p>
+            <a:pPr algn="ctr"/>
+            <a:endParaRPr kumimoji="1" lang="ja-JP" altLang="en-US"/>
+          </a:p>
+        </p:txBody>
+      </p:sp>
+      <p:sp>
+        <p:nvSpPr>
+          <p:cNvPr id="24" name="正方形/長方形 23">
+            <a:extLst>
+              <a:ext uri="{FF2B5EF4-FFF2-40B4-BE49-F238E27FC236}">
+                <a16:creationId xmlns:a16="http://schemas.microsoft.com/office/drawing/2014/main" id="{E0CE906E-6301-F145-B809-EB1FABB25FE1}"/>
+              </a:ext>
+            </a:extLst>
+          </p:cNvPr>
+          <p:cNvSpPr/>
+          <p:nvPr/>
+        </p:nvSpPr>
+        <p:spPr>
+          <a:xfrm>
+            <a:off x="9873020" y="5646315"/>
+            <a:ext cx="668741" cy="192352"/>
+          </a:xfrm>
+          <a:prstGeom prst="rect">
+            <a:avLst/>
+          </a:prstGeom>
+          <a:solidFill>
+            <a:srgbClr val="00B0F0"/>
+          </a:solidFill>
+        </p:spPr>
+        <p:style>
+          <a:lnRef idx="2">
+            <a:schemeClr val="accent1">
+              <a:shade val="50000"/>
+            </a:schemeClr>
+          </a:lnRef>
+          <a:fillRef idx="1">
+            <a:schemeClr val="accent1"/>
+          </a:fillRef>
+          <a:effectRef idx="0">
+            <a:schemeClr val="accent1"/>
+          </a:effectRef>
+          <a:fontRef idx="minor">
+            <a:schemeClr val="lt1"/>
+          </a:fontRef>
+        </p:style>
+        <p:txBody>
+          <a:bodyPr rtlCol="0" anchor="ctr"/>
+          <a:lstStyle/>
+          <a:p>
+            <a:pPr algn="ctr"/>
+            <a:endParaRPr kumimoji="1" lang="ja-JP" altLang="en-US"/>
+          </a:p>
+        </p:txBody>
+      </p:sp>
+      <p:sp>
+        <p:nvSpPr>
+          <p:cNvPr id="26" name="テキスト ボックス 25">
+            <a:extLst>
+              <a:ext uri="{FF2B5EF4-FFF2-40B4-BE49-F238E27FC236}">
+                <a16:creationId xmlns:a16="http://schemas.microsoft.com/office/drawing/2014/main" id="{B722AE1D-A352-004B-ABDE-711CA479A371}"/>
+              </a:ext>
+            </a:extLst>
+          </p:cNvPr>
+          <p:cNvSpPr txBox="1"/>
+          <p:nvPr/>
+        </p:nvSpPr>
+        <p:spPr>
+          <a:xfrm>
+            <a:off x="10709329" y="4790363"/>
+            <a:ext cx="1208868" cy="369332"/>
+          </a:xfrm>
+          <a:prstGeom prst="rect">
+            <a:avLst/>
+          </a:prstGeom>
+          <a:noFill/>
+        </p:spPr>
+        <p:txBody>
+          <a:bodyPr wrap="square" rtlCol="0">
+            <a:spAutoFit/>
+          </a:bodyPr>
+          <a:lstStyle/>
+          <a:p>
+            <a:r>
+              <a:rPr kumimoji="1" lang="en-US" altLang="ja-JP" dirty="0"/>
+              <a:t>Port A</a:t>
+            </a:r>
+            <a:endParaRPr kumimoji="1" lang="ja-JP" altLang="en-US"/>
+          </a:p>
+        </p:txBody>
+      </p:sp>
+      <p:sp>
+        <p:nvSpPr>
+          <p:cNvPr id="28" name="テキスト ボックス 27">
+            <a:extLst>
+              <a:ext uri="{FF2B5EF4-FFF2-40B4-BE49-F238E27FC236}">
+                <a16:creationId xmlns:a16="http://schemas.microsoft.com/office/drawing/2014/main" id="{8D4D313C-5C91-F74C-AC89-4C49C4553CEA}"/>
+              </a:ext>
+            </a:extLst>
+          </p:cNvPr>
+          <p:cNvSpPr txBox="1"/>
+          <p:nvPr/>
+        </p:nvSpPr>
+        <p:spPr>
+          <a:xfrm>
+            <a:off x="10709329" y="5159695"/>
+            <a:ext cx="965012" cy="369332"/>
+          </a:xfrm>
+          <a:prstGeom prst="rect">
+            <a:avLst/>
+          </a:prstGeom>
+          <a:noFill/>
+        </p:spPr>
+        <p:txBody>
+          <a:bodyPr wrap="square" rtlCol="0">
+            <a:spAutoFit/>
+          </a:bodyPr>
+          <a:lstStyle/>
+          <a:p>
+            <a:r>
+              <a:rPr kumimoji="1" lang="en-US" altLang="ja-JP" dirty="0"/>
+              <a:t>Port B</a:t>
+            </a:r>
+            <a:endParaRPr kumimoji="1" lang="ja-JP" altLang="en-US"/>
+          </a:p>
+        </p:txBody>
+      </p:sp>
+      <p:sp>
+        <p:nvSpPr>
+          <p:cNvPr id="29" name="テキスト ボックス 28">
+            <a:extLst>
+              <a:ext uri="{FF2B5EF4-FFF2-40B4-BE49-F238E27FC236}">
+                <a16:creationId xmlns:a16="http://schemas.microsoft.com/office/drawing/2014/main" id="{E555D4AA-4C5E-E142-904E-A766476D394F}"/>
+              </a:ext>
+            </a:extLst>
+          </p:cNvPr>
+          <p:cNvSpPr txBox="1"/>
+          <p:nvPr/>
+        </p:nvSpPr>
+        <p:spPr>
+          <a:xfrm>
+            <a:off x="10709329" y="5646315"/>
+            <a:ext cx="965012" cy="369332"/>
+          </a:xfrm>
+          <a:prstGeom prst="rect">
+            <a:avLst/>
+          </a:prstGeom>
+          <a:noFill/>
+        </p:spPr>
+        <p:txBody>
+          <a:bodyPr wrap="square" rtlCol="0">
+            <a:spAutoFit/>
+          </a:bodyPr>
+          <a:lstStyle/>
+          <a:p>
+            <a:r>
+              <a:rPr kumimoji="1" lang="en-US" altLang="ja-JP" dirty="0"/>
+              <a:t>Port </a:t>
+            </a:r>
+            <a:r>
+              <a:rPr lang="en-US" altLang="ja-JP" dirty="0"/>
+              <a:t>C</a:t>
+            </a:r>
+            <a:endParaRPr kumimoji="1" lang="ja-JP" altLang="en-US"/>
           </a:p>
         </p:txBody>
       </p:sp>
@@ -8706,6 +10166,58 @@
       </p:grpSpPr>
       <p:sp>
         <p:nvSpPr>
+          <p:cNvPr id="18" name="角丸四角形 17">
+            <a:extLst>
+              <a:ext uri="{FF2B5EF4-FFF2-40B4-BE49-F238E27FC236}">
+                <a16:creationId xmlns:a16="http://schemas.microsoft.com/office/drawing/2014/main" id="{E31EBBAC-560E-8B4A-AEEA-F5A56557F3EC}"/>
+              </a:ext>
+            </a:extLst>
+          </p:cNvPr>
+          <p:cNvSpPr/>
+          <p:nvPr/>
+        </p:nvSpPr>
+        <p:spPr>
+          <a:xfrm>
+            <a:off x="7880277" y="4268776"/>
+            <a:ext cx="3316637" cy="1541498"/>
+          </a:xfrm>
+          <a:prstGeom prst="roundRect">
+            <a:avLst/>
+          </a:prstGeom>
+          <a:solidFill>
+            <a:schemeClr val="accent1">
+              <a:lumMod val="40000"/>
+              <a:lumOff val="60000"/>
+            </a:schemeClr>
+          </a:solidFill>
+        </p:spPr>
+        <p:style>
+          <a:lnRef idx="2">
+            <a:schemeClr val="accent1">
+              <a:shade val="50000"/>
+            </a:schemeClr>
+          </a:lnRef>
+          <a:fillRef idx="1">
+            <a:schemeClr val="accent1"/>
+          </a:fillRef>
+          <a:effectRef idx="0">
+            <a:schemeClr val="accent1"/>
+          </a:effectRef>
+          <a:fontRef idx="minor">
+            <a:schemeClr val="lt1"/>
+          </a:fontRef>
+        </p:style>
+        <p:txBody>
+          <a:bodyPr rtlCol="0" anchor="ctr"/>
+          <a:lstStyle/>
+          <a:p>
+            <a:pPr algn="ctr"/>
+            <a:endParaRPr kumimoji="1" lang="ja-JP" altLang="en-US"/>
+          </a:p>
+        </p:txBody>
+      </p:sp>
+      <p:sp>
+        <p:nvSpPr>
           <p:cNvPr id="2" name="タイトル 1">
             <a:extLst>
               <a:ext uri="{FF2B5EF4-FFF2-40B4-BE49-F238E27FC236}">
@@ -8752,7 +10264,12 @@
             <p:ph idx="1"/>
           </p:nvPr>
         </p:nvSpPr>
-        <p:spPr/>
+        <p:spPr>
+          <a:xfrm>
+            <a:off x="2592925" y="1498170"/>
+            <a:ext cx="8915400" cy="3777622"/>
+          </a:xfrm>
+        </p:spPr>
         <p:txBody>
           <a:bodyPr>
             <a:normAutofit/>
@@ -8784,6 +10301,500 @@
             </a:r>
           </a:p>
           <a:p>
+            <a:endParaRPr kumimoji="1" lang="ja-JP" altLang="en-US" sz="2400"/>
+          </a:p>
+        </p:txBody>
+      </p:sp>
+      <p:sp>
+        <p:nvSpPr>
+          <p:cNvPr id="5" name="正方形/長方形 4">
+            <a:extLst>
+              <a:ext uri="{FF2B5EF4-FFF2-40B4-BE49-F238E27FC236}">
+                <a16:creationId xmlns:a16="http://schemas.microsoft.com/office/drawing/2014/main" id="{64BA7E5D-CA0E-A348-945D-1AC3EB4A10F7}"/>
+              </a:ext>
+            </a:extLst>
+          </p:cNvPr>
+          <p:cNvSpPr/>
+          <p:nvPr/>
+        </p:nvSpPr>
+        <p:spPr>
+          <a:xfrm>
+            <a:off x="6014589" y="4752600"/>
+            <a:ext cx="1193369" cy="796782"/>
+          </a:xfrm>
+          <a:prstGeom prst="rect">
+            <a:avLst/>
+          </a:prstGeom>
+          <a:solidFill>
+            <a:schemeClr val="bg1"/>
+          </a:solidFill>
+          <a:ln>
+            <a:solidFill>
+              <a:srgbClr val="92D050"/>
+            </a:solidFill>
+          </a:ln>
+        </p:spPr>
+        <p:style>
+          <a:lnRef idx="2">
+            <a:schemeClr val="accent6"/>
+          </a:lnRef>
+          <a:fillRef idx="1">
+            <a:schemeClr val="lt1"/>
+          </a:fillRef>
+          <a:effectRef idx="0">
+            <a:schemeClr val="accent6"/>
+          </a:effectRef>
+          <a:fontRef idx="minor">
+            <a:schemeClr val="dk1"/>
+          </a:fontRef>
+        </p:style>
+        <p:txBody>
+          <a:bodyPr rtlCol="0" anchor="ctr"/>
+          <a:lstStyle/>
+          <a:p>
+            <a:pPr algn="ctr"/>
+            <a:endParaRPr kumimoji="1" lang="ja-JP" altLang="en-US"/>
+          </a:p>
+        </p:txBody>
+      </p:sp>
+      <p:sp>
+        <p:nvSpPr>
+          <p:cNvPr id="6" name="正方形/長方形 5">
+            <a:extLst>
+              <a:ext uri="{FF2B5EF4-FFF2-40B4-BE49-F238E27FC236}">
+                <a16:creationId xmlns:a16="http://schemas.microsoft.com/office/drawing/2014/main" id="{FCADF422-2C36-4042-A2A7-16BE3F51A670}"/>
+              </a:ext>
+            </a:extLst>
+          </p:cNvPr>
+          <p:cNvSpPr/>
+          <p:nvPr/>
+        </p:nvSpPr>
+        <p:spPr>
+          <a:xfrm>
+            <a:off x="3621853" y="4752600"/>
+            <a:ext cx="1193369" cy="796782"/>
+          </a:xfrm>
+          <a:prstGeom prst="rect">
+            <a:avLst/>
+          </a:prstGeom>
+          <a:solidFill>
+            <a:srgbClr val="92D050"/>
+          </a:solidFill>
+        </p:spPr>
+        <p:style>
+          <a:lnRef idx="2">
+            <a:schemeClr val="accent6"/>
+          </a:lnRef>
+          <a:fillRef idx="1">
+            <a:schemeClr val="lt1"/>
+          </a:fillRef>
+          <a:effectRef idx="0">
+            <a:schemeClr val="accent6"/>
+          </a:effectRef>
+          <a:fontRef idx="minor">
+            <a:schemeClr val="dk1"/>
+          </a:fontRef>
+        </p:style>
+        <p:txBody>
+          <a:bodyPr rtlCol="0" anchor="ctr"/>
+          <a:lstStyle/>
+          <a:p>
+            <a:pPr algn="ctr"/>
+            <a:r>
+              <a:rPr lang="en-US" altLang="ja-JP" dirty="0"/>
+              <a:t>90% full</a:t>
+            </a:r>
+            <a:endParaRPr kumimoji="1" lang="ja-JP" altLang="en-US"/>
+          </a:p>
+        </p:txBody>
+      </p:sp>
+      <p:sp>
+        <p:nvSpPr>
+          <p:cNvPr id="7" name="正方形/長方形 6">
+            <a:extLst>
+              <a:ext uri="{FF2B5EF4-FFF2-40B4-BE49-F238E27FC236}">
+                <a16:creationId xmlns:a16="http://schemas.microsoft.com/office/drawing/2014/main" id="{37D42EA1-A4C4-9B40-A717-FFB9D18CED53}"/>
+              </a:ext>
+            </a:extLst>
+          </p:cNvPr>
+          <p:cNvSpPr/>
+          <p:nvPr/>
+        </p:nvSpPr>
+        <p:spPr>
+          <a:xfrm>
+            <a:off x="4815222" y="4752600"/>
+            <a:ext cx="1193369" cy="796782"/>
+          </a:xfrm>
+          <a:prstGeom prst="rect">
+            <a:avLst/>
+          </a:prstGeom>
+          <a:solidFill>
+            <a:schemeClr val="bg1"/>
+          </a:solidFill>
+          <a:ln>
+            <a:solidFill>
+              <a:srgbClr val="92D050"/>
+            </a:solidFill>
+          </a:ln>
+        </p:spPr>
+        <p:style>
+          <a:lnRef idx="2">
+            <a:schemeClr val="accent6"/>
+          </a:lnRef>
+          <a:fillRef idx="1">
+            <a:schemeClr val="lt1"/>
+          </a:fillRef>
+          <a:effectRef idx="0">
+            <a:schemeClr val="accent6"/>
+          </a:effectRef>
+          <a:fontRef idx="minor">
+            <a:schemeClr val="dk1"/>
+          </a:fontRef>
+        </p:style>
+        <p:txBody>
+          <a:bodyPr rtlCol="0" anchor="ctr"/>
+          <a:lstStyle/>
+          <a:p>
+            <a:pPr algn="ctr"/>
+            <a:endParaRPr kumimoji="1" lang="ja-JP" altLang="en-US"/>
+          </a:p>
+        </p:txBody>
+      </p:sp>
+      <p:sp>
+        <p:nvSpPr>
+          <p:cNvPr id="8" name="正方形/長方形 7">
+            <a:extLst>
+              <a:ext uri="{FF2B5EF4-FFF2-40B4-BE49-F238E27FC236}">
+                <a16:creationId xmlns:a16="http://schemas.microsoft.com/office/drawing/2014/main" id="{F86F1E0B-48AC-8A4D-9F14-9A1DF7D0474C}"/>
+              </a:ext>
+            </a:extLst>
+          </p:cNvPr>
+          <p:cNvSpPr/>
+          <p:nvPr/>
+        </p:nvSpPr>
+        <p:spPr>
+          <a:xfrm>
+            <a:off x="4815223" y="5549983"/>
+            <a:ext cx="1193369" cy="796782"/>
+          </a:xfrm>
+          <a:prstGeom prst="rect">
+            <a:avLst/>
+          </a:prstGeom>
+          <a:solidFill>
+            <a:srgbClr val="00B0F0"/>
+          </a:solidFill>
+          <a:ln>
+            <a:solidFill>
+              <a:srgbClr val="92D050"/>
+            </a:solidFill>
+          </a:ln>
+        </p:spPr>
+        <p:style>
+          <a:lnRef idx="2">
+            <a:schemeClr val="accent6"/>
+          </a:lnRef>
+          <a:fillRef idx="1">
+            <a:schemeClr val="lt1"/>
+          </a:fillRef>
+          <a:effectRef idx="0">
+            <a:schemeClr val="accent6"/>
+          </a:effectRef>
+          <a:fontRef idx="minor">
+            <a:schemeClr val="dk1"/>
+          </a:fontRef>
+        </p:style>
+        <p:txBody>
+          <a:bodyPr rtlCol="0" anchor="ctr"/>
+          <a:lstStyle/>
+          <a:p>
+            <a:pPr algn="ctr"/>
+            <a:r>
+              <a:rPr kumimoji="1" lang="en-US" altLang="ja-JP" dirty="0"/>
+              <a:t>60% full</a:t>
+            </a:r>
+            <a:endParaRPr kumimoji="1" lang="ja-JP" altLang="en-US"/>
+          </a:p>
+        </p:txBody>
+      </p:sp>
+      <p:sp>
+        <p:nvSpPr>
+          <p:cNvPr id="9" name="正方形/長方形 8">
+            <a:extLst>
+              <a:ext uri="{FF2B5EF4-FFF2-40B4-BE49-F238E27FC236}">
+                <a16:creationId xmlns:a16="http://schemas.microsoft.com/office/drawing/2014/main" id="{CDBE8632-6E71-B445-A7F7-275688A93873}"/>
+              </a:ext>
+            </a:extLst>
+          </p:cNvPr>
+          <p:cNvSpPr/>
+          <p:nvPr/>
+        </p:nvSpPr>
+        <p:spPr>
+          <a:xfrm>
+            <a:off x="3621854" y="5549983"/>
+            <a:ext cx="1193369" cy="796782"/>
+          </a:xfrm>
+          <a:prstGeom prst="rect">
+            <a:avLst/>
+          </a:prstGeom>
+          <a:solidFill>
+            <a:srgbClr val="92D050"/>
+          </a:solidFill>
+        </p:spPr>
+        <p:style>
+          <a:lnRef idx="2">
+            <a:schemeClr val="accent6"/>
+          </a:lnRef>
+          <a:fillRef idx="1">
+            <a:schemeClr val="lt1"/>
+          </a:fillRef>
+          <a:effectRef idx="0">
+            <a:schemeClr val="accent6"/>
+          </a:effectRef>
+          <a:fontRef idx="minor">
+            <a:schemeClr val="dk1"/>
+          </a:fontRef>
+        </p:style>
+        <p:txBody>
+          <a:bodyPr rtlCol="0" anchor="ctr"/>
+          <a:lstStyle/>
+          <a:p>
+            <a:pPr algn="ctr"/>
+            <a:r>
+              <a:rPr kumimoji="1" lang="en-US" altLang="ja-JP" dirty="0"/>
+              <a:t>50% full</a:t>
+            </a:r>
+            <a:endParaRPr kumimoji="1" lang="ja-JP" altLang="en-US"/>
+          </a:p>
+        </p:txBody>
+      </p:sp>
+      <p:sp>
+        <p:nvSpPr>
+          <p:cNvPr id="11" name="正方形/長方形 10">
+            <a:extLst>
+              <a:ext uri="{FF2B5EF4-FFF2-40B4-BE49-F238E27FC236}">
+                <a16:creationId xmlns:a16="http://schemas.microsoft.com/office/drawing/2014/main" id="{F30E823E-D107-9841-919E-365A3003EF58}"/>
+              </a:ext>
+            </a:extLst>
+          </p:cNvPr>
+          <p:cNvSpPr/>
+          <p:nvPr/>
+        </p:nvSpPr>
+        <p:spPr>
+          <a:xfrm>
+            <a:off x="6020586" y="5549983"/>
+            <a:ext cx="1193369" cy="796782"/>
+          </a:xfrm>
+          <a:prstGeom prst="rect">
+            <a:avLst/>
+          </a:prstGeom>
+          <a:solidFill>
+            <a:srgbClr val="FFC000"/>
+          </a:solidFill>
+        </p:spPr>
+        <p:style>
+          <a:lnRef idx="2">
+            <a:schemeClr val="accent6"/>
+          </a:lnRef>
+          <a:fillRef idx="1">
+            <a:schemeClr val="lt1"/>
+          </a:fillRef>
+          <a:effectRef idx="0">
+            <a:schemeClr val="accent6"/>
+          </a:effectRef>
+          <a:fontRef idx="minor">
+            <a:schemeClr val="dk1"/>
+          </a:fontRef>
+        </p:style>
+        <p:txBody>
+          <a:bodyPr rtlCol="0" anchor="ctr"/>
+          <a:lstStyle/>
+          <a:p>
+            <a:pPr algn="ctr"/>
+            <a:r>
+              <a:rPr kumimoji="1" lang="en-US" altLang="ja-JP" dirty="0"/>
+              <a:t>60% full</a:t>
+            </a:r>
+            <a:endParaRPr kumimoji="1" lang="ja-JP" altLang="en-US"/>
+          </a:p>
+        </p:txBody>
+      </p:sp>
+      <p:cxnSp>
+        <p:nvCxnSpPr>
+          <p:cNvPr id="13" name="直線矢印コネクタ 12">
+            <a:extLst>
+              <a:ext uri="{FF2B5EF4-FFF2-40B4-BE49-F238E27FC236}">
+                <a16:creationId xmlns:a16="http://schemas.microsoft.com/office/drawing/2014/main" id="{96BFE210-1150-0D4E-941D-B75E40DDDF57}"/>
+              </a:ext>
+            </a:extLst>
+          </p:cNvPr>
+          <p:cNvCxnSpPr/>
+          <p:nvPr/>
+        </p:nvCxnSpPr>
+        <p:spPr>
+          <a:xfrm>
+            <a:off x="4029560" y="5252335"/>
+            <a:ext cx="0" cy="557939"/>
+          </a:xfrm>
+          <a:prstGeom prst="straightConnector1">
+            <a:avLst/>
+          </a:prstGeom>
+          <a:ln>
+            <a:solidFill>
+              <a:schemeClr val="tx1"/>
+            </a:solidFill>
+            <a:headEnd type="triangle"/>
+            <a:tailEnd type="triangle"/>
+          </a:ln>
+        </p:spPr>
+        <p:style>
+          <a:lnRef idx="1">
+            <a:schemeClr val="accent1"/>
+          </a:lnRef>
+          <a:fillRef idx="0">
+            <a:schemeClr val="accent1"/>
+          </a:fillRef>
+          <a:effectRef idx="0">
+            <a:schemeClr val="accent1"/>
+          </a:effectRef>
+          <a:fontRef idx="minor">
+            <a:schemeClr val="tx1"/>
+          </a:fontRef>
+        </p:style>
+      </p:cxnSp>
+      <p:sp>
+        <p:nvSpPr>
+          <p:cNvPr id="15" name="曲折矢印 14">
+            <a:extLst>
+              <a:ext uri="{FF2B5EF4-FFF2-40B4-BE49-F238E27FC236}">
+                <a16:creationId xmlns:a16="http://schemas.microsoft.com/office/drawing/2014/main" id="{4ACD5A6A-682C-944D-AC59-9C5AEE27F1AD}"/>
+              </a:ext>
+            </a:extLst>
+          </p:cNvPr>
+          <p:cNvSpPr/>
+          <p:nvPr/>
+        </p:nvSpPr>
+        <p:spPr>
+          <a:xfrm>
+            <a:off x="5513273" y="4307683"/>
+            <a:ext cx="2196000" cy="828000"/>
+          </a:xfrm>
+          <a:prstGeom prst="bentArrow">
+            <a:avLst/>
+          </a:prstGeom>
+          <a:solidFill>
+            <a:schemeClr val="bg2"/>
+          </a:solidFill>
+        </p:spPr>
+        <p:style>
+          <a:lnRef idx="2">
+            <a:schemeClr val="accent1">
+              <a:shade val="50000"/>
+            </a:schemeClr>
+          </a:lnRef>
+          <a:fillRef idx="1">
+            <a:schemeClr val="accent1"/>
+          </a:fillRef>
+          <a:effectRef idx="0">
+            <a:schemeClr val="accent1"/>
+          </a:effectRef>
+          <a:fontRef idx="minor">
+            <a:schemeClr val="lt1"/>
+          </a:fontRef>
+        </p:style>
+        <p:txBody>
+          <a:bodyPr rtlCol="0" anchor="ctr"/>
+          <a:lstStyle/>
+          <a:p>
+            <a:pPr algn="ctr"/>
+            <a:endParaRPr kumimoji="1" lang="ja-JP" altLang="en-US">
+              <a:solidFill>
+                <a:schemeClr val="tx1"/>
+              </a:solidFill>
+            </a:endParaRPr>
+          </a:p>
+        </p:txBody>
+      </p:sp>
+      <p:sp>
+        <p:nvSpPr>
+          <p:cNvPr id="16" name="右矢印 15">
+            <a:extLst>
+              <a:ext uri="{FF2B5EF4-FFF2-40B4-BE49-F238E27FC236}">
+                <a16:creationId xmlns:a16="http://schemas.microsoft.com/office/drawing/2014/main" id="{F08DC5E1-307E-7341-AA10-EE2376810ADB}"/>
+              </a:ext>
+            </a:extLst>
+          </p:cNvPr>
+          <p:cNvSpPr/>
+          <p:nvPr/>
+        </p:nvSpPr>
+        <p:spPr>
+          <a:xfrm>
+            <a:off x="6794252" y="5150991"/>
+            <a:ext cx="915021" cy="258883"/>
+          </a:xfrm>
+          <a:prstGeom prst="rightArrow">
+            <a:avLst/>
+          </a:prstGeom>
+          <a:solidFill>
+            <a:schemeClr val="bg2"/>
+          </a:solidFill>
+        </p:spPr>
+        <p:style>
+          <a:lnRef idx="2">
+            <a:schemeClr val="accent1">
+              <a:shade val="50000"/>
+            </a:schemeClr>
+          </a:lnRef>
+          <a:fillRef idx="1">
+            <a:schemeClr val="accent1"/>
+          </a:fillRef>
+          <a:effectRef idx="0">
+            <a:schemeClr val="accent1"/>
+          </a:effectRef>
+          <a:fontRef idx="minor">
+            <a:schemeClr val="lt1"/>
+          </a:fontRef>
+        </p:style>
+        <p:txBody>
+          <a:bodyPr rtlCol="0" anchor="ctr"/>
+          <a:lstStyle/>
+          <a:p>
+            <a:pPr algn="ctr"/>
+            <a:endParaRPr kumimoji="1" lang="ja-JP" altLang="en-US"/>
+          </a:p>
+        </p:txBody>
+      </p:sp>
+      <p:sp>
+        <p:nvSpPr>
+          <p:cNvPr id="17" name="テキスト ボックス 16">
+            <a:extLst>
+              <a:ext uri="{FF2B5EF4-FFF2-40B4-BE49-F238E27FC236}">
+                <a16:creationId xmlns:a16="http://schemas.microsoft.com/office/drawing/2014/main" id="{9EA4981F-8BA7-1248-BF38-BEF33D05ED2E}"/>
+              </a:ext>
+            </a:extLst>
+          </p:cNvPr>
+          <p:cNvSpPr txBox="1"/>
+          <p:nvPr/>
+        </p:nvSpPr>
+        <p:spPr>
+          <a:xfrm>
+            <a:off x="8028233" y="4604574"/>
+            <a:ext cx="3332136" cy="830997"/>
+          </a:xfrm>
+          <a:prstGeom prst="rect">
+            <a:avLst/>
+          </a:prstGeom>
+          <a:noFill/>
+        </p:spPr>
+        <p:txBody>
+          <a:bodyPr wrap="square" rtlCol="0">
+            <a:spAutoFit/>
+          </a:bodyPr>
+          <a:lstStyle/>
+          <a:p>
+            <a:r>
+              <a:rPr kumimoji="1" lang="en-US" altLang="ja-JP" sz="2400" dirty="0"/>
+              <a:t>These space are called dead space</a:t>
+            </a:r>
             <a:endParaRPr kumimoji="1" lang="ja-JP" altLang="en-US" sz="2400"/>
           </a:p>
         </p:txBody>
@@ -8886,7 +10897,415 @@
               <a:rPr lang="en" altLang="ja-JP" sz="2400" dirty="0"/>
               <a:t>ation, we should place empty space close to the entrance</a:t>
             </a:r>
-            <a:endParaRPr kumimoji="1" lang="ja-JP" altLang="en-US" sz="2400"/>
+          </a:p>
+          <a:p>
+            <a:pPr marL="0" indent="0">
+              <a:buNone/>
+            </a:pPr>
+            <a:r>
+              <a:rPr kumimoji="1" lang="en" altLang="ja-JP" sz="2400" dirty="0"/>
+              <a:t>                             </a:t>
+            </a:r>
+            <a:r>
+              <a:rPr kumimoji="1" lang="ja-JP" altLang="en-US" sz="2400"/>
+              <a:t>        </a:t>
+            </a:r>
+            <a:r>
+              <a:rPr kumimoji="1" lang="en" altLang="ja-JP" sz="2400" dirty="0"/>
+              <a:t> </a:t>
+            </a:r>
+            <a:r>
+              <a:rPr lang="ja-JP" altLang="en-US" sz="2400">
+                <a:solidFill>
+                  <a:srgbClr val="FF0000"/>
+                </a:solidFill>
+              </a:rPr>
+              <a:t>○</a:t>
+            </a:r>
+            <a:endParaRPr kumimoji="1" lang="ja-JP" altLang="en-US" sz="2400">
+              <a:solidFill>
+                <a:srgbClr val="FF0000"/>
+              </a:solidFill>
+            </a:endParaRPr>
+          </a:p>
+        </p:txBody>
+      </p:sp>
+      <p:sp>
+        <p:nvSpPr>
+          <p:cNvPr id="4" name="正方形/長方形 3">
+            <a:extLst>
+              <a:ext uri="{FF2B5EF4-FFF2-40B4-BE49-F238E27FC236}">
+                <a16:creationId xmlns:a16="http://schemas.microsoft.com/office/drawing/2014/main" id="{F9FCECD4-69A6-024A-B872-4D676AE15E11}"/>
+              </a:ext>
+            </a:extLst>
+          </p:cNvPr>
+          <p:cNvSpPr/>
+          <p:nvPr/>
+        </p:nvSpPr>
+        <p:spPr>
+          <a:xfrm>
+            <a:off x="6707687" y="4392263"/>
+            <a:ext cx="1193369" cy="796782"/>
+          </a:xfrm>
+          <a:prstGeom prst="rect">
+            <a:avLst/>
+          </a:prstGeom>
+          <a:solidFill>
+            <a:schemeClr val="bg1"/>
+          </a:solidFill>
+          <a:ln>
+            <a:solidFill>
+              <a:srgbClr val="92D050"/>
+            </a:solidFill>
+          </a:ln>
+        </p:spPr>
+        <p:style>
+          <a:lnRef idx="2">
+            <a:schemeClr val="accent6"/>
+          </a:lnRef>
+          <a:fillRef idx="1">
+            <a:schemeClr val="lt1"/>
+          </a:fillRef>
+          <a:effectRef idx="0">
+            <a:schemeClr val="accent6"/>
+          </a:effectRef>
+          <a:fontRef idx="minor">
+            <a:schemeClr val="dk1"/>
+          </a:fontRef>
+        </p:style>
+        <p:txBody>
+          <a:bodyPr rtlCol="0" anchor="ctr"/>
+          <a:lstStyle/>
+          <a:p>
+            <a:pPr algn="ctr"/>
+            <a:endParaRPr kumimoji="1" lang="ja-JP" altLang="en-US"/>
+          </a:p>
+        </p:txBody>
+      </p:sp>
+      <p:sp>
+        <p:nvSpPr>
+          <p:cNvPr id="5" name="正方形/長方形 4">
+            <a:extLst>
+              <a:ext uri="{FF2B5EF4-FFF2-40B4-BE49-F238E27FC236}">
+                <a16:creationId xmlns:a16="http://schemas.microsoft.com/office/drawing/2014/main" id="{0F0286D3-20A0-3947-A2B5-DEFF7F710651}"/>
+              </a:ext>
+            </a:extLst>
+          </p:cNvPr>
+          <p:cNvSpPr/>
+          <p:nvPr/>
+        </p:nvSpPr>
+        <p:spPr>
+          <a:xfrm>
+            <a:off x="4314951" y="4392263"/>
+            <a:ext cx="1193369" cy="796782"/>
+          </a:xfrm>
+          <a:prstGeom prst="rect">
+            <a:avLst/>
+          </a:prstGeom>
+          <a:solidFill>
+            <a:srgbClr val="92D050"/>
+          </a:solidFill>
+        </p:spPr>
+        <p:style>
+          <a:lnRef idx="2">
+            <a:schemeClr val="accent6"/>
+          </a:lnRef>
+          <a:fillRef idx="1">
+            <a:schemeClr val="lt1"/>
+          </a:fillRef>
+          <a:effectRef idx="0">
+            <a:schemeClr val="accent6"/>
+          </a:effectRef>
+          <a:fontRef idx="minor">
+            <a:schemeClr val="dk1"/>
+          </a:fontRef>
+        </p:style>
+        <p:txBody>
+          <a:bodyPr rtlCol="0" anchor="ctr"/>
+          <a:lstStyle/>
+          <a:p>
+            <a:pPr algn="ctr"/>
+            <a:endParaRPr kumimoji="1" lang="ja-JP" altLang="en-US"/>
+          </a:p>
+        </p:txBody>
+      </p:sp>
+      <p:sp>
+        <p:nvSpPr>
+          <p:cNvPr id="6" name="正方形/長方形 5">
+            <a:extLst>
+              <a:ext uri="{FF2B5EF4-FFF2-40B4-BE49-F238E27FC236}">
+                <a16:creationId xmlns:a16="http://schemas.microsoft.com/office/drawing/2014/main" id="{83E76893-1302-B744-ACB3-781F4E89A774}"/>
+              </a:ext>
+            </a:extLst>
+          </p:cNvPr>
+          <p:cNvSpPr/>
+          <p:nvPr/>
+        </p:nvSpPr>
+        <p:spPr>
+          <a:xfrm>
+            <a:off x="5508320" y="4392263"/>
+            <a:ext cx="1193369" cy="796782"/>
+          </a:xfrm>
+          <a:prstGeom prst="rect">
+            <a:avLst/>
+          </a:prstGeom>
+          <a:solidFill>
+            <a:schemeClr val="bg1"/>
+          </a:solidFill>
+          <a:ln>
+            <a:solidFill>
+              <a:srgbClr val="92D050"/>
+            </a:solidFill>
+          </a:ln>
+        </p:spPr>
+        <p:style>
+          <a:lnRef idx="2">
+            <a:schemeClr val="accent6"/>
+          </a:lnRef>
+          <a:fillRef idx="1">
+            <a:schemeClr val="lt1"/>
+          </a:fillRef>
+          <a:effectRef idx="0">
+            <a:schemeClr val="accent6"/>
+          </a:effectRef>
+          <a:fontRef idx="minor">
+            <a:schemeClr val="dk1"/>
+          </a:fontRef>
+        </p:style>
+        <p:txBody>
+          <a:bodyPr rtlCol="0" anchor="ctr"/>
+          <a:lstStyle/>
+          <a:p>
+            <a:pPr algn="ctr"/>
+            <a:endParaRPr kumimoji="1" lang="ja-JP" altLang="en-US"/>
+          </a:p>
+        </p:txBody>
+      </p:sp>
+      <p:sp>
+        <p:nvSpPr>
+          <p:cNvPr id="7" name="正方形/長方形 6">
+            <a:extLst>
+              <a:ext uri="{FF2B5EF4-FFF2-40B4-BE49-F238E27FC236}">
+                <a16:creationId xmlns:a16="http://schemas.microsoft.com/office/drawing/2014/main" id="{75DF4B00-A954-6B4E-A52B-764408A3C261}"/>
+              </a:ext>
+            </a:extLst>
+          </p:cNvPr>
+          <p:cNvSpPr/>
+          <p:nvPr/>
+        </p:nvSpPr>
+        <p:spPr>
+          <a:xfrm>
+            <a:off x="5508321" y="5189646"/>
+            <a:ext cx="1193369" cy="796782"/>
+          </a:xfrm>
+          <a:prstGeom prst="rect">
+            <a:avLst/>
+          </a:prstGeom>
+          <a:solidFill>
+            <a:srgbClr val="00B0F0"/>
+          </a:solidFill>
+          <a:ln>
+            <a:solidFill>
+              <a:srgbClr val="92D050"/>
+            </a:solidFill>
+          </a:ln>
+        </p:spPr>
+        <p:style>
+          <a:lnRef idx="2">
+            <a:schemeClr val="accent6"/>
+          </a:lnRef>
+          <a:fillRef idx="1">
+            <a:schemeClr val="lt1"/>
+          </a:fillRef>
+          <a:effectRef idx="0">
+            <a:schemeClr val="accent6"/>
+          </a:effectRef>
+          <a:fontRef idx="minor">
+            <a:schemeClr val="dk1"/>
+          </a:fontRef>
+        </p:style>
+        <p:txBody>
+          <a:bodyPr rtlCol="0" anchor="ctr"/>
+          <a:lstStyle/>
+          <a:p>
+            <a:pPr algn="ctr"/>
+            <a:endParaRPr kumimoji="1" lang="ja-JP" altLang="en-US"/>
+          </a:p>
+        </p:txBody>
+      </p:sp>
+      <p:sp>
+        <p:nvSpPr>
+          <p:cNvPr id="8" name="正方形/長方形 7">
+            <a:extLst>
+              <a:ext uri="{FF2B5EF4-FFF2-40B4-BE49-F238E27FC236}">
+                <a16:creationId xmlns:a16="http://schemas.microsoft.com/office/drawing/2014/main" id="{C6FD4A90-8BD6-4841-B0BC-C81324DDE6DB}"/>
+              </a:ext>
+            </a:extLst>
+          </p:cNvPr>
+          <p:cNvSpPr/>
+          <p:nvPr/>
+        </p:nvSpPr>
+        <p:spPr>
+          <a:xfrm>
+            <a:off x="4314952" y="5189646"/>
+            <a:ext cx="1193369" cy="796782"/>
+          </a:xfrm>
+          <a:prstGeom prst="rect">
+            <a:avLst/>
+          </a:prstGeom>
+          <a:solidFill>
+            <a:srgbClr val="92D050"/>
+          </a:solidFill>
+        </p:spPr>
+        <p:style>
+          <a:lnRef idx="2">
+            <a:schemeClr val="accent6"/>
+          </a:lnRef>
+          <a:fillRef idx="1">
+            <a:schemeClr val="lt1"/>
+          </a:fillRef>
+          <a:effectRef idx="0">
+            <a:schemeClr val="accent6"/>
+          </a:effectRef>
+          <a:fontRef idx="minor">
+            <a:schemeClr val="dk1"/>
+          </a:fontRef>
+        </p:style>
+        <p:txBody>
+          <a:bodyPr rtlCol="0" anchor="ctr"/>
+          <a:lstStyle/>
+          <a:p>
+            <a:pPr algn="ctr"/>
+            <a:endParaRPr kumimoji="1" lang="ja-JP" altLang="en-US"/>
+          </a:p>
+        </p:txBody>
+      </p:sp>
+      <p:sp>
+        <p:nvSpPr>
+          <p:cNvPr id="9" name="正方形/長方形 8">
+            <a:extLst>
+              <a:ext uri="{FF2B5EF4-FFF2-40B4-BE49-F238E27FC236}">
+                <a16:creationId xmlns:a16="http://schemas.microsoft.com/office/drawing/2014/main" id="{1B98646B-717C-1D47-BA61-CA6FB135C465}"/>
+              </a:ext>
+            </a:extLst>
+          </p:cNvPr>
+          <p:cNvSpPr/>
+          <p:nvPr/>
+        </p:nvSpPr>
+        <p:spPr>
+          <a:xfrm>
+            <a:off x="6713684" y="5189646"/>
+            <a:ext cx="1193369" cy="796782"/>
+          </a:xfrm>
+          <a:prstGeom prst="rect">
+            <a:avLst/>
+          </a:prstGeom>
+          <a:solidFill>
+            <a:srgbClr val="FFC000"/>
+          </a:solidFill>
+        </p:spPr>
+        <p:style>
+          <a:lnRef idx="2">
+            <a:schemeClr val="accent6"/>
+          </a:lnRef>
+          <a:fillRef idx="1">
+            <a:schemeClr val="lt1"/>
+          </a:fillRef>
+          <a:effectRef idx="0">
+            <a:schemeClr val="accent6"/>
+          </a:effectRef>
+          <a:fontRef idx="minor">
+            <a:schemeClr val="dk1"/>
+          </a:fontRef>
+        </p:style>
+        <p:txBody>
+          <a:bodyPr rtlCol="0" anchor="ctr"/>
+          <a:lstStyle/>
+          <a:p>
+            <a:pPr algn="ctr"/>
+            <a:endParaRPr kumimoji="1" lang="ja-JP" altLang="en-US"/>
+          </a:p>
+        </p:txBody>
+      </p:sp>
+      <p:sp>
+        <p:nvSpPr>
+          <p:cNvPr id="12" name="右矢印 11">
+            <a:extLst>
+              <a:ext uri="{FF2B5EF4-FFF2-40B4-BE49-F238E27FC236}">
+                <a16:creationId xmlns:a16="http://schemas.microsoft.com/office/drawing/2014/main" id="{E8336B91-7838-7148-AE0B-8E79303900D1}"/>
+              </a:ext>
+            </a:extLst>
+          </p:cNvPr>
+          <p:cNvSpPr/>
+          <p:nvPr/>
+        </p:nvSpPr>
+        <p:spPr>
+          <a:xfrm>
+            <a:off x="7741866" y="4697575"/>
+            <a:ext cx="417208" cy="263471"/>
+          </a:xfrm>
+          <a:prstGeom prst="rightArrow">
+            <a:avLst/>
+          </a:prstGeom>
+        </p:spPr>
+        <p:style>
+          <a:lnRef idx="2">
+            <a:schemeClr val="accent1">
+              <a:shade val="50000"/>
+            </a:schemeClr>
+          </a:lnRef>
+          <a:fillRef idx="1">
+            <a:schemeClr val="accent1"/>
+          </a:fillRef>
+          <a:effectRef idx="0">
+            <a:schemeClr val="accent1"/>
+          </a:effectRef>
+          <a:fontRef idx="minor">
+            <a:schemeClr val="lt1"/>
+          </a:fontRef>
+        </p:style>
+        <p:txBody>
+          <a:bodyPr rtlCol="0" anchor="ctr"/>
+          <a:lstStyle/>
+          <a:p>
+            <a:pPr algn="ctr"/>
+            <a:endParaRPr kumimoji="1" lang="ja-JP" altLang="en-US"/>
+          </a:p>
+        </p:txBody>
+      </p:sp>
+      <p:sp>
+        <p:nvSpPr>
+          <p:cNvPr id="13" name="テキスト ボックス 12">
+            <a:extLst>
+              <a:ext uri="{FF2B5EF4-FFF2-40B4-BE49-F238E27FC236}">
+                <a16:creationId xmlns:a16="http://schemas.microsoft.com/office/drawing/2014/main" id="{63B3B040-9146-7341-98B8-EA409090CA23}"/>
+              </a:ext>
+            </a:extLst>
+          </p:cNvPr>
+          <p:cNvSpPr txBox="1"/>
+          <p:nvPr/>
+        </p:nvSpPr>
+        <p:spPr>
+          <a:xfrm>
+            <a:off x="8159074" y="4644644"/>
+            <a:ext cx="2080980" cy="369332"/>
+          </a:xfrm>
+          <a:prstGeom prst="rect">
+            <a:avLst/>
+          </a:prstGeom>
+          <a:noFill/>
+        </p:spPr>
+        <p:txBody>
+          <a:bodyPr wrap="square" rtlCol="0">
+            <a:spAutoFit/>
+          </a:bodyPr>
+          <a:lstStyle/>
+          <a:p>
+            <a:r>
+              <a:rPr kumimoji="1" lang="en-US" altLang="ja-JP" dirty="0"/>
+              <a:t>The entrance</a:t>
+            </a:r>
+            <a:endParaRPr kumimoji="1" lang="ja-JP" altLang="en-US"/>
           </a:p>
         </p:txBody>
       </p:sp>
@@ -13178,8 +15597,8 @@
           </a:p>
         </p:txBody>
       </p:sp>
-      <mc:AlternateContent xmlns:mc="http://schemas.openxmlformats.org/markup-compatibility/2006">
-        <mc:Choice xmlns:a14="http://schemas.microsoft.com/office/drawing/2010/main" Requires="a14">
+      <mc:AlternateContent xmlns:mc="http://schemas.openxmlformats.org/markup-compatibility/2006" xmlns:a14="http://schemas.microsoft.com/office/drawing/2010/main">
+        <mc:Choice Requires="a14">
           <p:sp>
             <p:nvSpPr>
               <p:cNvPr id="3" name="コンテンツ プレースホルダー 2">
@@ -13256,7 +15675,7 @@
             </p:txBody>
           </p:sp>
         </mc:Choice>
-        <mc:Fallback>
+        <mc:Fallback xmlns="">
           <p:sp>
             <p:nvSpPr>
               <p:cNvPr id="3" name="コンテンツ プレースホルダー 2">

--- a/中間報告.pptx
+++ b/中間報告.pptx
@@ -324,7 +324,7 @@
           <a:p>
             <a:fld id="{C8659C27-364E-C74E-8EB0-0FFA61AB3438}" type="datetimeFigureOut">
               <a:rPr kumimoji="1" lang="ja-JP" altLang="en-US" smtClean="0"/>
-              <a:t>2021/4/5</a:t>
+              <a:t>2021/4/6</a:t>
             </a:fld>
             <a:endParaRPr kumimoji="1" lang="ja-JP" altLang="en-US"/>
           </a:p>
@@ -699,7 +699,7 @@
           <a:p>
             <a:fld id="{C8659C27-364E-C74E-8EB0-0FFA61AB3438}" type="datetimeFigureOut">
               <a:rPr kumimoji="1" lang="ja-JP" altLang="en-US" smtClean="0"/>
-              <a:t>2021/4/5</a:t>
+              <a:t>2021/4/6</a:t>
             </a:fld>
             <a:endParaRPr kumimoji="1" lang="ja-JP" altLang="en-US"/>
           </a:p>
@@ -1174,7 +1174,7 @@
           <a:p>
             <a:fld id="{C8659C27-364E-C74E-8EB0-0FFA61AB3438}" type="datetimeFigureOut">
               <a:rPr kumimoji="1" lang="ja-JP" altLang="en-US" smtClean="0"/>
-              <a:t>2021/4/5</a:t>
+              <a:t>2021/4/6</a:t>
             </a:fld>
             <a:endParaRPr kumimoji="1" lang="ja-JP" altLang="en-US"/>
           </a:p>
@@ -1547,7 +1547,7 @@
           <a:p>
             <a:fld id="{C8659C27-364E-C74E-8EB0-0FFA61AB3438}" type="datetimeFigureOut">
               <a:rPr kumimoji="1" lang="ja-JP" altLang="en-US" smtClean="0"/>
-              <a:t>2021/4/5</a:t>
+              <a:t>2021/4/6</a:t>
             </a:fld>
             <a:endParaRPr kumimoji="1" lang="ja-JP" altLang="en-US"/>
           </a:p>
@@ -1941,7 +1941,7 @@
           <a:p>
             <a:fld id="{C8659C27-364E-C74E-8EB0-0FFA61AB3438}" type="datetimeFigureOut">
               <a:rPr kumimoji="1" lang="ja-JP" altLang="en-US" smtClean="0"/>
-              <a:t>2021/4/5</a:t>
+              <a:t>2021/4/6</a:t>
             </a:fld>
             <a:endParaRPr kumimoji="1" lang="ja-JP" altLang="en-US"/>
           </a:p>
@@ -2411,7 +2411,7 @@
           <a:p>
             <a:fld id="{C8659C27-364E-C74E-8EB0-0FFA61AB3438}" type="datetimeFigureOut">
               <a:rPr kumimoji="1" lang="ja-JP" altLang="en-US" smtClean="0"/>
-              <a:t>2021/4/5</a:t>
+              <a:t>2021/4/6</a:t>
             </a:fld>
             <a:endParaRPr kumimoji="1" lang="ja-JP" altLang="en-US"/>
           </a:p>
@@ -2676,7 +2676,7 @@
           <a:p>
             <a:fld id="{C8659C27-364E-C74E-8EB0-0FFA61AB3438}" type="datetimeFigureOut">
               <a:rPr kumimoji="1" lang="ja-JP" altLang="en-US" smtClean="0"/>
-              <a:t>2021/4/5</a:t>
+              <a:t>2021/4/6</a:t>
             </a:fld>
             <a:endParaRPr kumimoji="1" lang="ja-JP" altLang="en-US"/>
           </a:p>
@@ -2946,7 +2946,7 @@
           <a:p>
             <a:fld id="{C8659C27-364E-C74E-8EB0-0FFA61AB3438}" type="datetimeFigureOut">
               <a:rPr kumimoji="1" lang="ja-JP" altLang="en-US" smtClean="0"/>
-              <a:t>2021/4/5</a:t>
+              <a:t>2021/4/6</a:t>
             </a:fld>
             <a:endParaRPr kumimoji="1" lang="ja-JP" altLang="en-US"/>
           </a:p>
@@ -3216,7 +3216,7 @@
           <a:p>
             <a:fld id="{C8659C27-364E-C74E-8EB0-0FFA61AB3438}" type="datetimeFigureOut">
               <a:rPr kumimoji="1" lang="ja-JP" altLang="en-US" smtClean="0"/>
-              <a:t>2021/4/5</a:t>
+              <a:t>2021/4/6</a:t>
             </a:fld>
             <a:endParaRPr kumimoji="1" lang="ja-JP" altLang="en-US"/>
           </a:p>
@@ -3582,7 +3582,7 @@
           <a:p>
             <a:fld id="{C8659C27-364E-C74E-8EB0-0FFA61AB3438}" type="datetimeFigureOut">
               <a:rPr kumimoji="1" lang="ja-JP" altLang="en-US" smtClean="0"/>
-              <a:t>2021/4/5</a:t>
+              <a:t>2021/4/6</a:t>
             </a:fld>
             <a:endParaRPr kumimoji="1" lang="ja-JP" altLang="en-US"/>
           </a:p>
@@ -3921,7 +3921,7 @@
           <a:p>
             <a:fld id="{C8659C27-364E-C74E-8EB0-0FFA61AB3438}" type="datetimeFigureOut">
               <a:rPr kumimoji="1" lang="ja-JP" altLang="en-US" smtClean="0"/>
-              <a:t>2021/4/5</a:t>
+              <a:t>2021/4/6</a:t>
             </a:fld>
             <a:endParaRPr kumimoji="1" lang="ja-JP" altLang="en-US"/>
           </a:p>
@@ -4468,7 +4468,7 @@
           <a:p>
             <a:fld id="{C8659C27-364E-C74E-8EB0-0FFA61AB3438}" type="datetimeFigureOut">
               <a:rPr kumimoji="1" lang="ja-JP" altLang="en-US" smtClean="0"/>
-              <a:t>2021/4/5</a:t>
+              <a:t>2021/4/6</a:t>
             </a:fld>
             <a:endParaRPr kumimoji="1" lang="ja-JP" altLang="en-US"/>
           </a:p>
@@ -4673,7 +4673,7 @@
           <a:p>
             <a:fld id="{C8659C27-364E-C74E-8EB0-0FFA61AB3438}" type="datetimeFigureOut">
               <a:rPr kumimoji="1" lang="ja-JP" altLang="en-US" smtClean="0"/>
-              <a:t>2021/4/5</a:t>
+              <a:t>2021/4/6</a:t>
             </a:fld>
             <a:endParaRPr kumimoji="1" lang="ja-JP" altLang="en-US"/>
           </a:p>
@@ -4850,7 +4850,7 @@
           <a:p>
             <a:fld id="{C8659C27-364E-C74E-8EB0-0FFA61AB3438}" type="datetimeFigureOut">
               <a:rPr kumimoji="1" lang="ja-JP" altLang="en-US" smtClean="0"/>
-              <a:t>2021/4/5</a:t>
+              <a:t>2021/4/6</a:t>
             </a:fld>
             <a:endParaRPr kumimoji="1" lang="ja-JP" altLang="en-US"/>
           </a:p>
@@ -5228,7 +5228,7 @@
           <a:p>
             <a:fld id="{C8659C27-364E-C74E-8EB0-0FFA61AB3438}" type="datetimeFigureOut">
               <a:rPr kumimoji="1" lang="ja-JP" altLang="en-US" smtClean="0"/>
-              <a:t>2021/4/5</a:t>
+              <a:t>2021/4/6</a:t>
             </a:fld>
             <a:endParaRPr kumimoji="1" lang="ja-JP" altLang="en-US"/>
           </a:p>
@@ -5610,7 +5610,7 @@
           <a:p>
             <a:fld id="{C8659C27-364E-C74E-8EB0-0FFA61AB3438}" type="datetimeFigureOut">
               <a:rPr kumimoji="1" lang="ja-JP" altLang="en-US" smtClean="0"/>
-              <a:t>2021/4/5</a:t>
+              <a:t>2021/4/6</a:t>
             </a:fld>
             <a:endParaRPr kumimoji="1" lang="ja-JP" altLang="en-US"/>
           </a:p>
@@ -7735,7 +7735,7 @@
           <a:p>
             <a:fld id="{C8659C27-364E-C74E-8EB0-0FFA61AB3438}" type="datetimeFigureOut">
               <a:rPr kumimoji="1" lang="ja-JP" altLang="en-US" smtClean="0"/>
-              <a:t>2021/4/5</a:t>
+              <a:t>2021/4/6</a:t>
             </a:fld>
             <a:endParaRPr kumimoji="1" lang="ja-JP" altLang="en-US"/>
           </a:p>
@@ -10128,7 +10128,7 @@
           <a:p>
             <a:r>
               <a:rPr lang="en" altLang="ja-JP" sz="2400" dirty="0"/>
-              <a:t>If this situation occurs, we add a penalty to the objective function</a:t>
+              <a:t>If this situation occurs in a model, we add a penalty to the objective function</a:t>
             </a:r>
             <a:endParaRPr lang="en-US" altLang="ja-JP" sz="2400" dirty="0"/>
           </a:p>
@@ -10914,14 +10914,6 @@
               <a:rPr kumimoji="1" lang="en" altLang="ja-JP" sz="2400" dirty="0"/>
               <a:t> </a:t>
             </a:r>
-            <a:r>
-              <a:rPr lang="ja-JP" altLang="en-US" sz="2400">
-                <a:solidFill>
-                  <a:srgbClr val="FF0000"/>
-                </a:solidFill>
-              </a:rPr>
-              <a:t>○</a:t>
-            </a:r>
             <a:endParaRPr kumimoji="1" lang="ja-JP" altLang="en-US" sz="2400">
               <a:solidFill>
                 <a:srgbClr val="FF0000"/>
@@ -10944,7 +10936,7 @@
         </p:nvSpPr>
         <p:spPr>
           <a:xfrm>
-            <a:off x="6707687" y="4392263"/>
+            <a:off x="6612153" y="4317057"/>
             <a:ext cx="1193369" cy="796782"/>
           </a:xfrm>
           <a:prstGeom prst="rect">
@@ -10996,7 +10988,7 @@
         </p:nvSpPr>
         <p:spPr>
           <a:xfrm>
-            <a:off x="4314951" y="4392263"/>
+            <a:off x="4219417" y="4317057"/>
             <a:ext cx="1193369" cy="796782"/>
           </a:xfrm>
           <a:prstGeom prst="rect">
@@ -11043,7 +11035,7 @@
         </p:nvSpPr>
         <p:spPr>
           <a:xfrm>
-            <a:off x="5508320" y="4392263"/>
+            <a:off x="5412786" y="4317057"/>
             <a:ext cx="1193369" cy="796782"/>
           </a:xfrm>
           <a:prstGeom prst="rect">
@@ -11095,7 +11087,7 @@
         </p:nvSpPr>
         <p:spPr>
           <a:xfrm>
-            <a:off x="5508321" y="5189646"/>
+            <a:off x="5412787" y="5114440"/>
             <a:ext cx="1193369" cy="796782"/>
           </a:xfrm>
           <a:prstGeom prst="rect">
@@ -11147,7 +11139,7 @@
         </p:nvSpPr>
         <p:spPr>
           <a:xfrm>
-            <a:off x="4314952" y="5189646"/>
+            <a:off x="4219418" y="5114440"/>
             <a:ext cx="1193369" cy="796782"/>
           </a:xfrm>
           <a:prstGeom prst="rect">
@@ -11194,7 +11186,7 @@
         </p:nvSpPr>
         <p:spPr>
           <a:xfrm>
-            <a:off x="6713684" y="5189646"/>
+            <a:off x="6618150" y="5114440"/>
             <a:ext cx="1193369" cy="796782"/>
           </a:xfrm>
           <a:prstGeom prst="rect">
@@ -11241,7 +11233,7 @@
         </p:nvSpPr>
         <p:spPr>
           <a:xfrm>
-            <a:off x="7741866" y="4697575"/>
+            <a:off x="7646332" y="4622369"/>
             <a:ext cx="417208" cy="263471"/>
           </a:xfrm>
           <a:prstGeom prst="rightArrow">
@@ -11287,7 +11279,7 @@
         </p:nvSpPr>
         <p:spPr>
           <a:xfrm>
-            <a:off x="8159074" y="4644644"/>
+            <a:off x="8063540" y="4569438"/>
             <a:ext cx="2080980" cy="369332"/>
           </a:xfrm>
           <a:prstGeom prst="rect">
@@ -11625,7 +11617,7 @@
           <a:p>
             <a:r>
               <a:rPr lang="en-US" altLang="ja-JP" sz="2400" dirty="0"/>
-              <a:t>we add constraint in two directions</a:t>
+              <a:t>we add constraint for balance  in two directions</a:t>
             </a:r>
           </a:p>
           <a:p>
@@ -11645,6 +11637,36 @@
           </a:p>
         </p:txBody>
       </p:sp>
+      <p:pic>
+        <p:nvPicPr>
+          <p:cNvPr id="5" name="図 4">
+            <a:extLst>
+              <a:ext uri="{FF2B5EF4-FFF2-40B4-BE49-F238E27FC236}">
+                <a16:creationId xmlns:a16="http://schemas.microsoft.com/office/drawing/2014/main" id="{F81A7929-0CC8-494B-B1D4-0CD029B548B2}"/>
+              </a:ext>
+            </a:extLst>
+          </p:cNvPr>
+          <p:cNvPicPr>
+            <a:picLocks noChangeAspect="1"/>
+          </p:cNvPicPr>
+          <p:nvPr/>
+        </p:nvPicPr>
+        <p:blipFill>
+          <a:blip r:embed="rId2"/>
+          <a:stretch>
+            <a:fillRect/>
+          </a:stretch>
+        </p:blipFill>
+        <p:spPr>
+          <a:xfrm>
+            <a:off x="6836959" y="4316200"/>
+            <a:ext cx="4053953" cy="1949758"/>
+          </a:xfrm>
+          <a:prstGeom prst="rect">
+            <a:avLst/>
+          </a:prstGeom>
+        </p:spPr>
+      </p:pic>
     </p:spTree>
     <p:extLst>
       <p:ext uri="{BB962C8B-B14F-4D97-AF65-F5344CB8AC3E}">
@@ -11769,8 +11791,9 @@
             </a:r>
           </a:p>
           <a:p>
-            <a:r>
-              <a:rPr lang="en-US" altLang="ja-JP" sz="2400" dirty="0"/>
+            <a:pPr lvl="1"/>
+            <a:r>
+              <a:rPr lang="en-US" altLang="ja-JP" sz="2200" dirty="0"/>
               <a:t>If not, we do not split them up.</a:t>
             </a:r>
           </a:p>
@@ -12105,7 +12128,7 @@
         </p:nvSpPr>
         <p:spPr>
           <a:xfrm>
-            <a:off x="2147248" y="5911222"/>
+            <a:off x="2147248" y="5588056"/>
             <a:ext cx="9357364" cy="646331"/>
           </a:xfrm>
           <a:prstGeom prst="rect">
@@ -12301,6 +12324,13 @@
           </a:bodyPr>
           <a:lstStyle/>
           <a:p>
+            <a:r>
+              <a:rPr kumimoji="1" lang="en-US" altLang="ja-JP" sz="3200" dirty="0">
+                <a:latin typeface="MS Gothic" panose="020B0609070205080204" pitchFamily="49" charset="-128"/>
+                <a:ea typeface="MS Gothic" panose="020B0609070205080204" pitchFamily="49" charset="-128"/>
+              </a:rPr>
+              <a:t>comparison</a:t>
+            </a:r>
             <a:endParaRPr kumimoji="1" lang="ja-JP" altLang="en-US" sz="3200">
               <a:latin typeface="MS Gothic" panose="020B0609070205080204" pitchFamily="49" charset="-128"/>
               <a:ea typeface="MS Gothic" panose="020B0609070205080204" pitchFamily="49" charset="-128"/>
@@ -12326,7 +12356,7 @@
         </p:nvSpPr>
         <p:spPr>
           <a:xfrm>
-            <a:off x="1762280" y="2180991"/>
+            <a:off x="1739830" y="1676023"/>
             <a:ext cx="4313864" cy="3777622"/>
           </a:xfrm>
         </p:spPr>
@@ -12363,7 +12393,7 @@
         </p:nvSpPr>
         <p:spPr>
           <a:xfrm>
-            <a:off x="7559237" y="2180991"/>
+            <a:off x="7638282" y="1676023"/>
             <a:ext cx="4313864" cy="3777622"/>
           </a:xfrm>
         </p:spPr>
@@ -12430,13 +12460,13 @@
           <p:nvPr>
             <p:extLst>
               <p:ext uri="{D42A27DB-BD31-4B8C-83A1-F6EECF244321}">
-                <p14:modId xmlns:p14="http://schemas.microsoft.com/office/powerpoint/2010/main" val="2034360048"/>
+                <p14:modId xmlns:p14="http://schemas.microsoft.com/office/powerpoint/2010/main" val="661547464"/>
               </p:ext>
             </p:extLst>
           </p:nvPr>
         </p:nvGraphicFramePr>
         <p:xfrm>
-          <a:off x="1038047" y="2712524"/>
+          <a:off x="1174159" y="2336485"/>
           <a:ext cx="4758543" cy="3474719"/>
         </p:xfrm>
         <a:graphic>
@@ -12814,14 +12844,14 @@
           <p:nvPr>
             <p:extLst>
               <p:ext uri="{D42A27DB-BD31-4B8C-83A1-F6EECF244321}">
-                <p14:modId xmlns:p14="http://schemas.microsoft.com/office/powerpoint/2010/main" val="4079177824"/>
+                <p14:modId xmlns:p14="http://schemas.microsoft.com/office/powerpoint/2010/main" val="3954627737"/>
               </p:ext>
             </p:extLst>
           </p:nvPr>
         </p:nvGraphicFramePr>
         <p:xfrm>
-          <a:off x="6501229" y="2712524"/>
-          <a:ext cx="4812765" cy="3246089"/>
+          <a:off x="6501229" y="2346520"/>
+          <a:ext cx="5003382" cy="3474717"/>
         </p:xfrm>
         <a:graphic>
           <a:graphicData uri="http://schemas.openxmlformats.org/drawingml/2006/table">
@@ -12830,21 +12860,21 @@
                 <a:tableStyleId>{5C22544A-7EE6-4342-B048-85BDC9FD1C3A}</a:tableStyleId>
               </a:tblPr>
               <a:tblGrid>
-                <a:gridCol w="1604255">
+                <a:gridCol w="1667794">
                   <a:extLst>
                     <a:ext uri="{9D8B030D-6E8A-4147-A177-3AD203B41FA5}">
                       <a16:colId xmlns:a16="http://schemas.microsoft.com/office/drawing/2014/main" val="2026257715"/>
                     </a:ext>
                   </a:extLst>
                 </a:gridCol>
-                <a:gridCol w="1604255">
+                <a:gridCol w="1667794">
                   <a:extLst>
                     <a:ext uri="{9D8B030D-6E8A-4147-A177-3AD203B41FA5}">
                       <a16:colId xmlns:a16="http://schemas.microsoft.com/office/drawing/2014/main" val="1279910219"/>
                     </a:ext>
                   </a:extLst>
                 </a:gridCol>
-                <a:gridCol w="1604255">
+                <a:gridCol w="1667794">
                   <a:extLst>
                     <a:ext uri="{9D8B030D-6E8A-4147-A177-3AD203B41FA5}">
                       <a16:colId xmlns:a16="http://schemas.microsoft.com/office/drawing/2014/main" val="3910712517"/>
@@ -12852,7 +12882,7 @@
                   </a:extLst>
                 </a:gridCol>
               </a:tblGrid>
-              <a:tr h="685769">
+              <a:tr h="734069">
                 <a:tc>
                   <a:txBody>
                     <a:bodyPr/>
@@ -12943,7 +12973,7 @@
                   </a:ext>
                 </a:extLst>
               </a:tr>
-              <a:tr h="590064">
+              <a:tr h="685162">
                 <a:tc>
                   <a:txBody>
                     <a:bodyPr/>
@@ -13015,7 +13045,7 @@
                   </a:ext>
                 </a:extLst>
               </a:tr>
-              <a:tr h="590064">
+              <a:tr h="685162">
                 <a:tc>
                   <a:txBody>
                     <a:bodyPr/>
@@ -13087,7 +13117,7 @@
                   </a:ext>
                 </a:extLst>
               </a:tr>
-              <a:tr h="590064">
+              <a:tr h="685162">
                 <a:tc>
                   <a:txBody>
                     <a:bodyPr/>
@@ -13159,7 +13189,7 @@
                   </a:ext>
                 </a:extLst>
               </a:tr>
-              <a:tr h="590064">
+              <a:tr h="685162">
                 <a:tc>
                   <a:txBody>
                     <a:bodyPr/>
@@ -13402,14 +13432,14 @@
             <p:ph idx="1"/>
             <p:extLst>
               <p:ext uri="{D42A27DB-BD31-4B8C-83A1-F6EECF244321}">
-                <p14:modId xmlns:p14="http://schemas.microsoft.com/office/powerpoint/2010/main" val="3795535686"/>
+                <p14:modId xmlns:p14="http://schemas.microsoft.com/office/powerpoint/2010/main" val="1704859299"/>
               </p:ext>
             </p:extLst>
           </p:nvPr>
         </p:nvGraphicFramePr>
         <p:xfrm>
-          <a:off x="1651379" y="624110"/>
-          <a:ext cx="9976515" cy="5449142"/>
+          <a:off x="1856096" y="1729579"/>
+          <a:ext cx="9976515" cy="4726122"/>
         </p:xfrm>
         <a:graphic>
           <a:graphicData uri="http://schemas.openxmlformats.org/drawingml/2006/table">
@@ -13695,7 +13725,7 @@
                   </a:ext>
                 </a:extLst>
               </a:tr>
-              <a:tr h="784684">
+              <a:tr h="117807">
                 <a:tc>
                   <a:txBody>
                     <a:bodyPr/>
@@ -13878,7 +13908,7 @@
                   </a:ext>
                 </a:extLst>
               </a:tr>
-              <a:tr h="784684">
+              <a:tr h="522090">
                 <a:tc>
                   <a:txBody>
                     <a:bodyPr/>
@@ -14061,7 +14091,7 @@
                   </a:ext>
                 </a:extLst>
               </a:tr>
-              <a:tr h="784684">
+              <a:tr h="358007">
                 <a:tc>
                   <a:txBody>
                     <a:bodyPr/>
@@ -14099,7 +14129,7 @@
                     <a:p>
                       <a:pPr algn="ctr"/>
                       <a:r>
-                        <a:rPr kumimoji="1" lang="en-US" altLang="ja-JP"/>
+                        <a:rPr kumimoji="1" lang="en-US" altLang="ja-JP" dirty="0"/>
                         <a:t>3</a:t>
                       </a:r>
                       <a:endParaRPr kumimoji="1" lang="ja-JP" altLang="en-US"/>
@@ -14244,7 +14274,7 @@
                   </a:ext>
                 </a:extLst>
               </a:tr>
-              <a:tr h="784684">
+              <a:tr h="583815">
                 <a:tc>
                   <a:txBody>
                     <a:bodyPr/>
@@ -14427,7 +14457,7 @@
                   </a:ext>
                 </a:extLst>
               </a:tr>
-              <a:tr h="784684">
+              <a:tr h="557884">
                 <a:tc>
                   <a:txBody>
                     <a:bodyPr/>
@@ -14435,7 +14465,7 @@
                     <a:p>
                       <a:pPr algn="ctr"/>
                       <a:r>
-                        <a:rPr kumimoji="1" lang="en-US" altLang="ja-JP"/>
+                        <a:rPr kumimoji="1" lang="en-US" altLang="ja-JP" dirty="0"/>
                         <a:t>350</a:t>
                       </a:r>
                       <a:endParaRPr kumimoji="1" lang="ja-JP" altLang="en-US"/>
@@ -14667,7 +14697,7 @@
           <a:p>
             <a:r>
               <a:rPr kumimoji="1" lang="en-US" altLang="ja-JP" dirty="0"/>
-              <a:t>future work</a:t>
+              <a:t>Summary &amp;future work</a:t>
             </a:r>
             <a:endParaRPr kumimoji="1" lang="ja-JP" altLang="en-US"/>
           </a:p>
@@ -14689,7 +14719,12 @@
             <p:ph idx="1"/>
           </p:nvPr>
         </p:nvSpPr>
-        <p:spPr/>
+        <p:spPr>
+          <a:xfrm>
+            <a:off x="2261665" y="1768521"/>
+            <a:ext cx="9434465" cy="4673221"/>
+          </a:xfrm>
+        </p:spPr>
         <p:txBody>
           <a:bodyPr>
             <a:normAutofit/>
@@ -14698,21 +14733,50 @@
           <a:p>
             <a:r>
               <a:rPr lang="en" altLang="ja-JP" sz="2400" dirty="0"/>
+              <a:t>Summary </a:t>
+            </a:r>
+          </a:p>
+          <a:p>
+            <a:pPr lvl="1"/>
+            <a:r>
+              <a:rPr lang="en" altLang="ja-JP" sz="2200" dirty="0"/>
+              <a:t>It takes about three times as long when height constraints are taken into account.</a:t>
+            </a:r>
+          </a:p>
+          <a:p>
+            <a:pPr lvl="1"/>
+            <a:r>
+              <a:rPr lang="en" altLang="ja-JP" sz="2200" dirty="0"/>
+              <a:t>We can get good solutions for bookings which has less than 250 orders and has less than 2~5 ports. </a:t>
+            </a:r>
+          </a:p>
+          <a:p>
+            <a:r>
+              <a:rPr lang="en" altLang="ja-JP" sz="2400" dirty="0"/>
+              <a:t>Future work</a:t>
+            </a:r>
+          </a:p>
+          <a:p>
+            <a:pPr lvl="1"/>
+            <a:r>
+              <a:rPr lang="en" altLang="ja-JP" sz="2400" dirty="0"/>
               <a:t>creating an index to evaluate the quality of the assignment</a:t>
             </a:r>
           </a:p>
           <a:p>
-            <a:r>
-              <a:rPr kumimoji="1" lang="en" altLang="ja-JP" sz="2400" dirty="0"/>
+            <a:pPr lvl="1"/>
+            <a:r>
+              <a:rPr kumimoji="1" lang="en" altLang="ja-JP" sz="2200" dirty="0"/>
               <a:t>Modifying the mathematical model</a:t>
             </a:r>
           </a:p>
           <a:p>
-            <a:r>
-              <a:rPr kumimoji="1" lang="en" altLang="ja-JP" sz="2400" dirty="0"/>
+            <a:pPr lvl="1"/>
+            <a:r>
+              <a:rPr kumimoji="1" lang="en" altLang="ja-JP" sz="2200" dirty="0"/>
               <a:t>Creating heuristic to be able to solve large bookings</a:t>
             </a:r>
-            <a:endParaRPr kumimoji="1" lang="ja-JP" altLang="en-US" sz="2400"/>
+            <a:endParaRPr kumimoji="1" lang="ja-JP" altLang="en-US" sz="2200"/>
           </a:p>
         </p:txBody>
       </p:sp>
@@ -14910,20 +14974,21 @@
           <a:p>
             <a:r>
               <a:rPr lang="en-US" altLang="ja-JP" sz="2400" dirty="0"/>
-              <a:t>Planning assignments that make it easy to load and unload cars is important.</a:t>
+              <a:t>There are a lot of things that has to be considered</a:t>
             </a:r>
           </a:p>
           <a:p>
             <a:pPr lvl="1"/>
             <a:r>
-              <a:rPr lang="en-US" altLang="ja-JP" sz="2400" dirty="0"/>
-              <a:t>To avoid human errors</a:t>
-            </a:r>
-          </a:p>
-          <a:p>
-            <a:r>
-              <a:rPr lang="en-US" altLang="ja-JP" sz="2400" dirty="0"/>
-              <a:t>We also have to pay attention to the balance of the total load of the ship.</a:t>
+              <a:rPr lang="en-US" altLang="ja-JP" sz="2200" dirty="0"/>
+              <a:t>Planning assignments that makes it easy to load and unload cars is important.</a:t>
+            </a:r>
+          </a:p>
+          <a:p>
+            <a:pPr lvl="1"/>
+            <a:r>
+              <a:rPr lang="en-US" altLang="ja-JP" sz="2200" dirty="0"/>
+              <a:t>Human error should not happen.</a:t>
             </a:r>
           </a:p>
           <a:p>
@@ -14932,15 +14997,6 @@
               <a:rPr lang="en-US" altLang="ja-JP" sz="2400" dirty="0"/>
               <a:t>Unbalanced assignments may result in a sinking.</a:t>
             </a:r>
-          </a:p>
-          <a:p>
-            <a:r>
-              <a:rPr lang="en-US" altLang="ja-JP" sz="2600" dirty="0"/>
-              <a:t>There are a lot of things that has to be considered. </a:t>
-            </a:r>
-          </a:p>
-          <a:p>
-            <a:endParaRPr lang="en-US" altLang="ja-JP" sz="2400" dirty="0"/>
           </a:p>
         </p:txBody>
       </p:sp>

--- a/中間報告.pptx
+++ b/中間報告.pptx
@@ -324,7 +324,7 @@
           <a:p>
             <a:fld id="{C8659C27-364E-C74E-8EB0-0FFA61AB3438}" type="datetimeFigureOut">
               <a:rPr kumimoji="1" lang="ja-JP" altLang="en-US" smtClean="0"/>
-              <a:t>2021/4/6</a:t>
+              <a:t>2021/4/9</a:t>
             </a:fld>
             <a:endParaRPr kumimoji="1" lang="ja-JP" altLang="en-US"/>
           </a:p>
@@ -699,7 +699,7 @@
           <a:p>
             <a:fld id="{C8659C27-364E-C74E-8EB0-0FFA61AB3438}" type="datetimeFigureOut">
               <a:rPr kumimoji="1" lang="ja-JP" altLang="en-US" smtClean="0"/>
-              <a:t>2021/4/6</a:t>
+              <a:t>2021/4/9</a:t>
             </a:fld>
             <a:endParaRPr kumimoji="1" lang="ja-JP" altLang="en-US"/>
           </a:p>
@@ -1174,7 +1174,7 @@
           <a:p>
             <a:fld id="{C8659C27-364E-C74E-8EB0-0FFA61AB3438}" type="datetimeFigureOut">
               <a:rPr kumimoji="1" lang="ja-JP" altLang="en-US" smtClean="0"/>
-              <a:t>2021/4/6</a:t>
+              <a:t>2021/4/9</a:t>
             </a:fld>
             <a:endParaRPr kumimoji="1" lang="ja-JP" altLang="en-US"/>
           </a:p>
@@ -1547,7 +1547,7 @@
           <a:p>
             <a:fld id="{C8659C27-364E-C74E-8EB0-0FFA61AB3438}" type="datetimeFigureOut">
               <a:rPr kumimoji="1" lang="ja-JP" altLang="en-US" smtClean="0"/>
-              <a:t>2021/4/6</a:t>
+              <a:t>2021/4/9</a:t>
             </a:fld>
             <a:endParaRPr kumimoji="1" lang="ja-JP" altLang="en-US"/>
           </a:p>
@@ -1941,7 +1941,7 @@
           <a:p>
             <a:fld id="{C8659C27-364E-C74E-8EB0-0FFA61AB3438}" type="datetimeFigureOut">
               <a:rPr kumimoji="1" lang="ja-JP" altLang="en-US" smtClean="0"/>
-              <a:t>2021/4/6</a:t>
+              <a:t>2021/4/9</a:t>
             </a:fld>
             <a:endParaRPr kumimoji="1" lang="ja-JP" altLang="en-US"/>
           </a:p>
@@ -2411,7 +2411,7 @@
           <a:p>
             <a:fld id="{C8659C27-364E-C74E-8EB0-0FFA61AB3438}" type="datetimeFigureOut">
               <a:rPr kumimoji="1" lang="ja-JP" altLang="en-US" smtClean="0"/>
-              <a:t>2021/4/6</a:t>
+              <a:t>2021/4/9</a:t>
             </a:fld>
             <a:endParaRPr kumimoji="1" lang="ja-JP" altLang="en-US"/>
           </a:p>
@@ -2676,7 +2676,7 @@
           <a:p>
             <a:fld id="{C8659C27-364E-C74E-8EB0-0FFA61AB3438}" type="datetimeFigureOut">
               <a:rPr kumimoji="1" lang="ja-JP" altLang="en-US" smtClean="0"/>
-              <a:t>2021/4/6</a:t>
+              <a:t>2021/4/9</a:t>
             </a:fld>
             <a:endParaRPr kumimoji="1" lang="ja-JP" altLang="en-US"/>
           </a:p>
@@ -2946,7 +2946,7 @@
           <a:p>
             <a:fld id="{C8659C27-364E-C74E-8EB0-0FFA61AB3438}" type="datetimeFigureOut">
               <a:rPr kumimoji="1" lang="ja-JP" altLang="en-US" smtClean="0"/>
-              <a:t>2021/4/6</a:t>
+              <a:t>2021/4/9</a:t>
             </a:fld>
             <a:endParaRPr kumimoji="1" lang="ja-JP" altLang="en-US"/>
           </a:p>
@@ -3216,7 +3216,7 @@
           <a:p>
             <a:fld id="{C8659C27-364E-C74E-8EB0-0FFA61AB3438}" type="datetimeFigureOut">
               <a:rPr kumimoji="1" lang="ja-JP" altLang="en-US" smtClean="0"/>
-              <a:t>2021/4/6</a:t>
+              <a:t>2021/4/9</a:t>
             </a:fld>
             <a:endParaRPr kumimoji="1" lang="ja-JP" altLang="en-US"/>
           </a:p>
@@ -3582,7 +3582,7 @@
           <a:p>
             <a:fld id="{C8659C27-364E-C74E-8EB0-0FFA61AB3438}" type="datetimeFigureOut">
               <a:rPr kumimoji="1" lang="ja-JP" altLang="en-US" smtClean="0"/>
-              <a:t>2021/4/6</a:t>
+              <a:t>2021/4/9</a:t>
             </a:fld>
             <a:endParaRPr kumimoji="1" lang="ja-JP" altLang="en-US"/>
           </a:p>
@@ -3921,7 +3921,7 @@
           <a:p>
             <a:fld id="{C8659C27-364E-C74E-8EB0-0FFA61AB3438}" type="datetimeFigureOut">
               <a:rPr kumimoji="1" lang="ja-JP" altLang="en-US" smtClean="0"/>
-              <a:t>2021/4/6</a:t>
+              <a:t>2021/4/9</a:t>
             </a:fld>
             <a:endParaRPr kumimoji="1" lang="ja-JP" altLang="en-US"/>
           </a:p>
@@ -4468,7 +4468,7 @@
           <a:p>
             <a:fld id="{C8659C27-364E-C74E-8EB0-0FFA61AB3438}" type="datetimeFigureOut">
               <a:rPr kumimoji="1" lang="ja-JP" altLang="en-US" smtClean="0"/>
-              <a:t>2021/4/6</a:t>
+              <a:t>2021/4/9</a:t>
             </a:fld>
             <a:endParaRPr kumimoji="1" lang="ja-JP" altLang="en-US"/>
           </a:p>
@@ -4673,7 +4673,7 @@
           <a:p>
             <a:fld id="{C8659C27-364E-C74E-8EB0-0FFA61AB3438}" type="datetimeFigureOut">
               <a:rPr kumimoji="1" lang="ja-JP" altLang="en-US" smtClean="0"/>
-              <a:t>2021/4/6</a:t>
+              <a:t>2021/4/9</a:t>
             </a:fld>
             <a:endParaRPr kumimoji="1" lang="ja-JP" altLang="en-US"/>
           </a:p>
@@ -4850,7 +4850,7 @@
           <a:p>
             <a:fld id="{C8659C27-364E-C74E-8EB0-0FFA61AB3438}" type="datetimeFigureOut">
               <a:rPr kumimoji="1" lang="ja-JP" altLang="en-US" smtClean="0"/>
-              <a:t>2021/4/6</a:t>
+              <a:t>2021/4/9</a:t>
             </a:fld>
             <a:endParaRPr kumimoji="1" lang="ja-JP" altLang="en-US"/>
           </a:p>
@@ -5228,7 +5228,7 @@
           <a:p>
             <a:fld id="{C8659C27-364E-C74E-8EB0-0FFA61AB3438}" type="datetimeFigureOut">
               <a:rPr kumimoji="1" lang="ja-JP" altLang="en-US" smtClean="0"/>
-              <a:t>2021/4/6</a:t>
+              <a:t>2021/4/9</a:t>
             </a:fld>
             <a:endParaRPr kumimoji="1" lang="ja-JP" altLang="en-US"/>
           </a:p>
@@ -5610,7 +5610,7 @@
           <a:p>
             <a:fld id="{C8659C27-364E-C74E-8EB0-0FFA61AB3438}" type="datetimeFigureOut">
               <a:rPr kumimoji="1" lang="ja-JP" altLang="en-US" smtClean="0"/>
-              <a:t>2021/4/6</a:t>
+              <a:t>2021/4/9</a:t>
             </a:fld>
             <a:endParaRPr kumimoji="1" lang="ja-JP" altLang="en-US"/>
           </a:p>
@@ -7735,7 +7735,7 @@
           <a:p>
             <a:fld id="{C8659C27-364E-C74E-8EB0-0FFA61AB3438}" type="datetimeFigureOut">
               <a:rPr kumimoji="1" lang="ja-JP" altLang="en-US" smtClean="0"/>
-              <a:t>2021/4/6</a:t>
+              <a:t>2021/4/9</a:t>
             </a:fld>
             <a:endParaRPr kumimoji="1" lang="ja-JP" altLang="en-US"/>
           </a:p>
@@ -8939,7 +8939,7 @@
         </p:nvSpPr>
         <p:spPr>
           <a:xfrm>
-            <a:off x="4332565" y="4476465"/>
+            <a:off x="4307652" y="4485564"/>
             <a:ext cx="668741" cy="627797"/>
           </a:xfrm>
           <a:prstGeom prst="rect">
@@ -9037,7 +9037,7 @@
         </p:nvSpPr>
         <p:spPr>
           <a:xfrm>
-            <a:off x="3656385" y="5105595"/>
+            <a:off x="3661882" y="5121208"/>
             <a:ext cx="668741" cy="627797"/>
           </a:xfrm>
           <a:prstGeom prst="rect">
@@ -9086,7 +9086,7 @@
         </p:nvSpPr>
         <p:spPr>
           <a:xfrm>
-            <a:off x="4338089" y="5104262"/>
+            <a:off x="4320122" y="5113361"/>
             <a:ext cx="668741" cy="627797"/>
           </a:xfrm>
           <a:prstGeom prst="rect">
@@ -9135,7 +9135,7 @@
         </p:nvSpPr>
         <p:spPr>
           <a:xfrm>
-            <a:off x="5000689" y="5096496"/>
+            <a:off x="4976393" y="5122460"/>
             <a:ext cx="668741" cy="627797"/>
           </a:xfrm>
           <a:prstGeom prst="rect">
@@ -9184,7 +9184,7 @@
         </p:nvSpPr>
         <p:spPr>
           <a:xfrm>
-            <a:off x="5016612" y="5724294"/>
+            <a:off x="4971503" y="5756853"/>
             <a:ext cx="668741" cy="627797"/>
           </a:xfrm>
           <a:prstGeom prst="rect">
@@ -9233,7 +9233,7 @@
         </p:nvSpPr>
         <p:spPr>
           <a:xfrm>
-            <a:off x="3666846" y="5724294"/>
+            <a:off x="3661881" y="5741158"/>
             <a:ext cx="668741" cy="627797"/>
           </a:xfrm>
           <a:prstGeom prst="rect">
@@ -9282,7 +9282,7 @@
         </p:nvSpPr>
         <p:spPr>
           <a:xfrm>
-            <a:off x="4335587" y="5724294"/>
+            <a:off x="4317314" y="5747754"/>
             <a:ext cx="668741" cy="627797"/>
           </a:xfrm>
           <a:prstGeom prst="rect">
@@ -9331,7 +9331,7 @@
         </p:nvSpPr>
         <p:spPr>
           <a:xfrm>
-            <a:off x="8411757" y="4486897"/>
+            <a:off x="8423424" y="4485564"/>
             <a:ext cx="668741" cy="627797"/>
           </a:xfrm>
           <a:prstGeom prst="rect">
@@ -9380,7 +9380,7 @@
         </p:nvSpPr>
         <p:spPr>
           <a:xfrm>
-            <a:off x="7729034" y="4495996"/>
+            <a:off x="7757461" y="4485564"/>
             <a:ext cx="668741" cy="627797"/>
           </a:xfrm>
           <a:prstGeom prst="rect">
@@ -9625,7 +9625,7 @@
         </p:nvSpPr>
         <p:spPr>
           <a:xfrm>
-            <a:off x="8443377" y="5724294"/>
+            <a:off x="8423423" y="5733392"/>
             <a:ext cx="668741" cy="627797"/>
           </a:xfrm>
           <a:prstGeom prst="rect">
@@ -9723,7 +9723,7 @@
         </p:nvSpPr>
         <p:spPr>
           <a:xfrm>
-            <a:off x="7762352" y="5724294"/>
+            <a:off x="7752571" y="5741158"/>
             <a:ext cx="668741" cy="627797"/>
           </a:xfrm>
           <a:prstGeom prst="rect">
@@ -11617,7 +11617,7 @@
           <a:p>
             <a:r>
               <a:rPr lang="en-US" altLang="ja-JP" sz="2400" dirty="0"/>
-              <a:t>we add constraint for balance  in two directions</a:t>
+              <a:t>we add constraints for balance  in two directions</a:t>
             </a:r>
           </a:p>
           <a:p>
@@ -11757,7 +11757,15 @@
           <a:p>
             <a:r>
               <a:rPr lang="en-US" altLang="ja-JP" sz="2400" dirty="0"/>
-              <a:t>For large orders, we have to split them up.</a:t>
+              <a:t>For large orders</a:t>
+            </a:r>
+            <a:r>
+              <a:rPr lang="en-US" altLang="ja-JP" sz="2400"/>
+              <a:t>, we split </a:t>
+            </a:r>
+            <a:r>
+              <a:rPr lang="en-US" altLang="ja-JP" sz="2400" dirty="0"/>
+              <a:t>them up.</a:t>
             </a:r>
           </a:p>
           <a:p>
@@ -12102,7 +12110,7 @@
           <a:p>
             <a:r>
               <a:rPr kumimoji="1" lang="en-US" altLang="ja-JP" sz="2400" dirty="0"/>
-              <a:t>With this model, we confirmed that we can get a good assignment for small booking.</a:t>
+              <a:t>With this model, we confirmed that we can get a good assignment for small bookings.</a:t>
             </a:r>
           </a:p>
           <a:p>
@@ -12254,6 +12262,12 @@
             <a:normAutofit/>
           </a:bodyPr>
           <a:lstStyle/>
+          <a:p>
+            <a:r>
+              <a:rPr lang="en-US" altLang="ja-JP" sz="2400" dirty="0"/>
+              <a:t>We investigated how much the computation time changes by adding constraints.</a:t>
+            </a:r>
+          </a:p>
           <a:p>
             <a:r>
               <a:rPr lang="en-US" altLang="ja-JP" sz="2400" dirty="0"/>
@@ -14870,7 +14884,7 @@
           <a:p>
             <a:r>
               <a:rPr lang="en" altLang="ja-JP" sz="2400" dirty="0"/>
-              <a:t>We consider the ship that carries various type of cars.  (e.g. passenger car, truck, wrecker, bulldozer...) </a:t>
+              <a:t>We consider the ship that carries various type of cars.  (e.g. passenger car, truck, bulldozer...) </a:t>
             </a:r>
           </a:p>
           <a:p>
@@ -15715,7 +15729,7 @@
                 <a:pPr lvl="1"/>
                 <a:r>
                   <a:rPr lang="en" altLang="ja-JP" sz="2400" dirty="0"/>
-                  <a:t>The order ID 5 is assigned the 2rd hold of 2st deck. </a:t>
+                  <a:t>The order ID 5 is assigned the 2rd hold of 4th deck. </a:t>
                 </a:r>
               </a:p>
               <a:p>
@@ -15879,7 +15893,15 @@
           <a:p>
             <a:r>
               <a:rPr kumimoji="1" lang="en-US" altLang="ja-JP" sz="2400" dirty="0"/>
-              <a:t>I will explain constrains and objectives one by one.</a:t>
+              <a:t>I will explain </a:t>
+            </a:r>
+            <a:r>
+              <a:rPr lang="en-US" altLang="ja-JP" sz="2400" dirty="0"/>
+              <a:t>objective function and constraints one </a:t>
+            </a:r>
+            <a:r>
+              <a:rPr kumimoji="1" lang="en-US" altLang="ja-JP" sz="2400" dirty="0"/>
+              <a:t>by one.</a:t>
             </a:r>
             <a:endParaRPr kumimoji="1" lang="ja-JP" altLang="en-US" sz="2400"/>
           </a:p>
@@ -15938,7 +15960,7 @@
           <a:p>
             <a:r>
               <a:rPr lang="en-US" altLang="ja-JP" dirty="0"/>
-              <a:t>The objectives</a:t>
+              <a:t>The objective function</a:t>
             </a:r>
             <a:endParaRPr kumimoji="1" lang="ja-JP" altLang="en-US"/>
           </a:p>
@@ -15972,7 +15994,7 @@
             </a:pPr>
             <a:r>
               <a:rPr lang="en" altLang="ja-JP" sz="2400" dirty="0"/>
-              <a:t> the objective function would be the weighted sum of the following five.</a:t>
+              <a:t>the objective function would be the weighted sum of the following five.</a:t>
             </a:r>
           </a:p>
           <a:p>
